--- a/LAB REPORT.pptx
+++ b/LAB REPORT.pptx
@@ -11,8 +11,14 @@
     <p:sldId id="263" r:id="rId5"/>
     <p:sldId id="259" r:id="rId6"/>
     <p:sldId id="260" r:id="rId7"/>
-    <p:sldId id="261" r:id="rId8"/>
-    <p:sldId id="262" r:id="rId9"/>
+    <p:sldId id="264" r:id="rId8"/>
+    <p:sldId id="265" r:id="rId9"/>
+    <p:sldId id="266" r:id="rId10"/>
+    <p:sldId id="267" r:id="rId11"/>
+    <p:sldId id="268" r:id="rId12"/>
+    <p:sldId id="269" r:id="rId13"/>
+    <p:sldId id="261" r:id="rId14"/>
+    <p:sldId id="262" r:id="rId15"/>
   </p:sldIdLst>
   <p:sldSz cx="12192000" cy="6858000"/>
   <p:notesSz cx="6858000" cy="9144000"/>
@@ -117,6 +123,6729 @@
     </p:ext>
   </p:extLst>
 </p:presentation>
+</file>
+
+<file path=ppt/charts/chart1.xml><?xml version="1.0" encoding="utf-8"?>
+<c:chartSpace xmlns:c="http://schemas.openxmlformats.org/drawingml/2006/chart" xmlns:a="http://schemas.openxmlformats.org/drawingml/2006/main" xmlns:r="http://schemas.openxmlformats.org/officeDocument/2006/relationships" xmlns:c16r2="http://schemas.microsoft.com/office/drawing/2015/06/chart">
+  <c:date1904 val="0"/>
+  <c:lang val="en-US"/>
+  <c:roundedCorners val="0"/>
+  <mc:AlternateContent xmlns:mc="http://schemas.openxmlformats.org/markup-compatibility/2006">
+    <mc:Choice xmlns:c14="http://schemas.microsoft.com/office/drawing/2007/8/2/chart" Requires="c14">
+      <c14:style val="102"/>
+    </mc:Choice>
+    <mc:Fallback>
+      <c:style val="2"/>
+    </mc:Fallback>
+  </mc:AlternateContent>
+  <c:chart>
+    <c:title>
+      <c:tx>
+        <c:rich>
+          <a:bodyPr rot="0" spcFirstLastPara="1" vertOverflow="ellipsis" vert="horz" wrap="square" anchor="ctr" anchorCtr="1"/>
+          <a:lstStyle/>
+          <a:p>
+            <a:pPr>
+              <a:defRPr sz="1862" b="0" i="0" u="none" strike="noStrike" kern="1200" spc="0" baseline="0">
+                <a:solidFill>
+                  <a:schemeClr val="tx1">
+                    <a:lumMod val="65000"/>
+                    <a:lumOff val="35000"/>
+                  </a:schemeClr>
+                </a:solidFill>
+                <a:latin typeface="+mn-lt"/>
+                <a:ea typeface="+mn-ea"/>
+                <a:cs typeface="+mn-cs"/>
+              </a:defRPr>
+            </a:pPr>
+            <a:r>
+              <a:rPr lang="en-US" sz="1400" dirty="0"/>
+              <a:t>Fig. 1 Signal Strength</a:t>
+            </a:r>
+          </a:p>
+        </c:rich>
+      </c:tx>
+      <c:overlay val="0"/>
+      <c:spPr>
+        <a:noFill/>
+        <a:ln>
+          <a:noFill/>
+        </a:ln>
+        <a:effectLst/>
+      </c:spPr>
+      <c:txPr>
+        <a:bodyPr rot="0" spcFirstLastPara="1" vertOverflow="ellipsis" vert="horz" wrap="square" anchor="ctr" anchorCtr="1"/>
+        <a:lstStyle/>
+        <a:p>
+          <a:pPr>
+            <a:defRPr sz="1862" b="0" i="0" u="none" strike="noStrike" kern="1200" spc="0" baseline="0">
+              <a:solidFill>
+                <a:schemeClr val="tx1">
+                  <a:lumMod val="65000"/>
+                  <a:lumOff val="35000"/>
+                </a:schemeClr>
+              </a:solidFill>
+              <a:latin typeface="+mn-lt"/>
+              <a:ea typeface="+mn-ea"/>
+              <a:cs typeface="+mn-cs"/>
+            </a:defRPr>
+          </a:pPr>
+          <a:endParaRPr lang="en-US"/>
+        </a:p>
+      </c:txPr>
+    </c:title>
+    <c:autoTitleDeleted val="0"/>
+    <c:plotArea>
+      <c:layout>
+        <c:manualLayout>
+          <c:layoutTarget val="inner"/>
+          <c:xMode val="edge"/>
+          <c:yMode val="edge"/>
+          <c:x val="9.9637659212283666E-2"/>
+          <c:y val="0.26571289420640054"/>
+          <c:w val="0.84565720068521422"/>
+          <c:h val="0.60179797994789153"/>
+        </c:manualLayout>
+      </c:layout>
+      <c:lineChart>
+        <c:grouping val="stacked"/>
+        <c:varyColors val="0"/>
+        <c:ser>
+          <c:idx val="0"/>
+          <c:order val="0"/>
+          <c:tx>
+            <c:strRef>
+              <c:f>Sheet1!$B$1</c:f>
+              <c:strCache>
+                <c:ptCount val="1"/>
+                <c:pt idx="0">
+                  <c:v>signal strength</c:v>
+                </c:pt>
+              </c:strCache>
+            </c:strRef>
+          </c:tx>
+          <c:spPr>
+            <a:ln w="28575" cap="rnd">
+              <a:solidFill>
+                <a:schemeClr val="accent1"/>
+              </a:solidFill>
+              <a:round/>
+            </a:ln>
+            <a:effectLst/>
+          </c:spPr>
+          <c:marker>
+            <c:symbol val="circle"/>
+            <c:size val="5"/>
+            <c:spPr>
+              <a:solidFill>
+                <a:schemeClr val="accent1"/>
+              </a:solidFill>
+              <a:ln w="9525">
+                <a:solidFill>
+                  <a:schemeClr val="accent1"/>
+                </a:solidFill>
+              </a:ln>
+              <a:effectLst/>
+            </c:spPr>
+          </c:marker>
+          <c:cat>
+            <c:numRef>
+              <c:f>Sheet1!$A$2:$A$4</c:f>
+              <c:numCache>
+                <c:formatCode>General</c:formatCode>
+                <c:ptCount val="3"/>
+                <c:pt idx="0">
+                  <c:v>30</c:v>
+                </c:pt>
+                <c:pt idx="1">
+                  <c:v>60</c:v>
+                </c:pt>
+                <c:pt idx="2">
+                  <c:v>90</c:v>
+                </c:pt>
+              </c:numCache>
+            </c:numRef>
+          </c:cat>
+          <c:val>
+            <c:numRef>
+              <c:f>Sheet1!$B$2:$B$4</c:f>
+              <c:numCache>
+                <c:formatCode>General</c:formatCode>
+                <c:ptCount val="3"/>
+                <c:pt idx="0">
+                  <c:v>-50</c:v>
+                </c:pt>
+                <c:pt idx="1">
+                  <c:v>-66</c:v>
+                </c:pt>
+                <c:pt idx="2">
+                  <c:v>-76</c:v>
+                </c:pt>
+              </c:numCache>
+            </c:numRef>
+          </c:val>
+          <c:smooth val="0"/>
+          <c:extLst>
+            <c:ext xmlns:c16="http://schemas.microsoft.com/office/drawing/2014/chart" uri="{C3380CC4-5D6E-409C-BE32-E72D297353CC}">
+              <c16:uniqueId val="{00000000-97CC-4F1B-BB95-74150CE6DD04}"/>
+            </c:ext>
+          </c:extLst>
+        </c:ser>
+        <c:dLbls>
+          <c:showLegendKey val="0"/>
+          <c:showVal val="0"/>
+          <c:showCatName val="0"/>
+          <c:showSerName val="0"/>
+          <c:showPercent val="0"/>
+          <c:showBubbleSize val="0"/>
+        </c:dLbls>
+        <c:marker val="1"/>
+        <c:smooth val="0"/>
+        <c:axId val="240497344"/>
+        <c:axId val="240499312"/>
+      </c:lineChart>
+      <c:catAx>
+        <c:axId val="240497344"/>
+        <c:scaling>
+          <c:orientation val="minMax"/>
+        </c:scaling>
+        <c:delete val="0"/>
+        <c:axPos val="b"/>
+        <c:numFmt formatCode="General" sourceLinked="1"/>
+        <c:majorTickMark val="none"/>
+        <c:minorTickMark val="none"/>
+        <c:tickLblPos val="nextTo"/>
+        <c:spPr>
+          <a:noFill/>
+          <a:ln w="9525" cap="flat" cmpd="sng" algn="ctr">
+            <a:solidFill>
+              <a:schemeClr val="tx1">
+                <a:lumMod val="15000"/>
+                <a:lumOff val="85000"/>
+              </a:schemeClr>
+            </a:solidFill>
+            <a:round/>
+          </a:ln>
+          <a:effectLst/>
+        </c:spPr>
+        <c:txPr>
+          <a:bodyPr rot="-60000000" spcFirstLastPara="1" vertOverflow="ellipsis" vert="horz" wrap="square" anchor="ctr" anchorCtr="1"/>
+          <a:lstStyle/>
+          <a:p>
+            <a:pPr>
+              <a:defRPr sz="1197" b="0" i="0" u="none" strike="noStrike" kern="1200" baseline="0">
+                <a:solidFill>
+                  <a:schemeClr val="tx1">
+                    <a:lumMod val="65000"/>
+                    <a:lumOff val="35000"/>
+                  </a:schemeClr>
+                </a:solidFill>
+                <a:latin typeface="+mn-lt"/>
+                <a:ea typeface="+mn-ea"/>
+                <a:cs typeface="+mn-cs"/>
+              </a:defRPr>
+            </a:pPr>
+            <a:endParaRPr lang="en-US"/>
+          </a:p>
+        </c:txPr>
+        <c:crossAx val="240499312"/>
+        <c:crosses val="autoZero"/>
+        <c:auto val="1"/>
+        <c:lblAlgn val="ctr"/>
+        <c:lblOffset val="100"/>
+        <c:noMultiLvlLbl val="0"/>
+      </c:catAx>
+      <c:valAx>
+        <c:axId val="240499312"/>
+        <c:scaling>
+          <c:orientation val="minMax"/>
+        </c:scaling>
+        <c:delete val="0"/>
+        <c:axPos val="l"/>
+        <c:majorGridlines>
+          <c:spPr>
+            <a:ln w="9525" cap="flat" cmpd="sng" algn="ctr">
+              <a:solidFill>
+                <a:schemeClr val="tx1">
+                  <a:lumMod val="15000"/>
+                  <a:lumOff val="85000"/>
+                </a:schemeClr>
+              </a:solidFill>
+              <a:round/>
+            </a:ln>
+            <a:effectLst/>
+          </c:spPr>
+        </c:majorGridlines>
+        <c:numFmt formatCode="General" sourceLinked="1"/>
+        <c:majorTickMark val="none"/>
+        <c:minorTickMark val="none"/>
+        <c:tickLblPos val="nextTo"/>
+        <c:spPr>
+          <a:noFill/>
+          <a:ln>
+            <a:noFill/>
+          </a:ln>
+          <a:effectLst/>
+        </c:spPr>
+        <c:txPr>
+          <a:bodyPr rot="-60000000" spcFirstLastPara="1" vertOverflow="ellipsis" vert="horz" wrap="square" anchor="ctr" anchorCtr="1"/>
+          <a:lstStyle/>
+          <a:p>
+            <a:pPr>
+              <a:defRPr sz="1197" b="0" i="0" u="none" strike="noStrike" kern="1200" baseline="0">
+                <a:solidFill>
+                  <a:schemeClr val="tx1">
+                    <a:lumMod val="65000"/>
+                    <a:lumOff val="35000"/>
+                  </a:schemeClr>
+                </a:solidFill>
+                <a:latin typeface="+mn-lt"/>
+                <a:ea typeface="+mn-ea"/>
+                <a:cs typeface="+mn-cs"/>
+              </a:defRPr>
+            </a:pPr>
+            <a:endParaRPr lang="en-US"/>
+          </a:p>
+        </c:txPr>
+        <c:crossAx val="240497344"/>
+        <c:crosses val="autoZero"/>
+        <c:crossBetween val="between"/>
+      </c:valAx>
+      <c:spPr>
+        <a:noFill/>
+        <a:ln>
+          <a:noFill/>
+        </a:ln>
+        <a:effectLst/>
+      </c:spPr>
+    </c:plotArea>
+    <c:legend>
+      <c:legendPos val="b"/>
+      <c:layout>
+        <c:manualLayout>
+          <c:xMode val="edge"/>
+          <c:yMode val="edge"/>
+          <c:x val="0.26865179459201577"/>
+          <c:y val="0.87827394088024058"/>
+          <c:w val="0.46269611559454055"/>
+          <c:h val="0.11586283565800139"/>
+        </c:manualLayout>
+      </c:layout>
+      <c:overlay val="0"/>
+      <c:spPr>
+        <a:noFill/>
+        <a:ln>
+          <a:noFill/>
+        </a:ln>
+        <a:effectLst/>
+      </c:spPr>
+      <c:txPr>
+        <a:bodyPr rot="0" spcFirstLastPara="1" vertOverflow="ellipsis" vert="horz" wrap="square" anchor="ctr" anchorCtr="1"/>
+        <a:lstStyle/>
+        <a:p>
+          <a:pPr>
+            <a:defRPr sz="1197" b="0" i="0" u="none" strike="noStrike" kern="1200" baseline="0">
+              <a:solidFill>
+                <a:schemeClr val="tx1">
+                  <a:lumMod val="65000"/>
+                  <a:lumOff val="35000"/>
+                </a:schemeClr>
+              </a:solidFill>
+              <a:latin typeface="+mn-lt"/>
+              <a:ea typeface="+mn-ea"/>
+              <a:cs typeface="+mn-cs"/>
+            </a:defRPr>
+          </a:pPr>
+          <a:endParaRPr lang="en-US"/>
+        </a:p>
+      </c:txPr>
+    </c:legend>
+    <c:plotVisOnly val="1"/>
+    <c:dispBlanksAs val="zero"/>
+    <c:extLst>
+      <c:ext xmlns:c16r3="http://schemas.microsoft.com/office/drawing/2017/03/chart" uri="{56B9EC1D-385E-4148-901F-78D8002777C0}">
+        <c16r3:dataDisplayOptions16>
+          <c16r3:dispNaAsBlank val="1"/>
+        </c16r3:dataDisplayOptions16>
+      </c:ext>
+    </c:extLst>
+    <c:showDLblsOverMax val="0"/>
+  </c:chart>
+  <c:spPr>
+    <a:noFill/>
+    <a:ln>
+      <a:noFill/>
+    </a:ln>
+    <a:effectLst/>
+  </c:spPr>
+  <c:txPr>
+    <a:bodyPr/>
+    <a:lstStyle/>
+    <a:p>
+      <a:pPr>
+        <a:defRPr/>
+      </a:pPr>
+      <a:endParaRPr lang="en-US"/>
+    </a:p>
+  </c:txPr>
+  <c:externalData r:id="rId3">
+    <c:autoUpdate val="0"/>
+  </c:externalData>
+</c:chartSpace>
+</file>
+
+<file path=ppt/charts/chart2.xml><?xml version="1.0" encoding="utf-8"?>
+<c:chartSpace xmlns:c="http://schemas.openxmlformats.org/drawingml/2006/chart" xmlns:a="http://schemas.openxmlformats.org/drawingml/2006/main" xmlns:r="http://schemas.openxmlformats.org/officeDocument/2006/relationships" xmlns:c16r2="http://schemas.microsoft.com/office/drawing/2015/06/chart">
+  <c:date1904 val="0"/>
+  <c:lang val="en-US"/>
+  <c:roundedCorners val="0"/>
+  <mc:AlternateContent xmlns:mc="http://schemas.openxmlformats.org/markup-compatibility/2006">
+    <mc:Choice xmlns:c14="http://schemas.microsoft.com/office/drawing/2007/8/2/chart" Requires="c14">
+      <c14:style val="102"/>
+    </mc:Choice>
+    <mc:Fallback>
+      <c:style val="2"/>
+    </mc:Fallback>
+  </mc:AlternateContent>
+  <c:chart>
+    <c:title>
+      <c:tx>
+        <c:rich>
+          <a:bodyPr rot="0" spcFirstLastPara="1" vertOverflow="ellipsis" vert="horz" wrap="square" anchor="ctr" anchorCtr="1"/>
+          <a:lstStyle/>
+          <a:p>
+            <a:pPr>
+              <a:defRPr sz="1862" b="0" i="0" u="none" strike="noStrike" kern="1200" spc="0" baseline="0">
+                <a:solidFill>
+                  <a:schemeClr val="tx1">
+                    <a:lumMod val="65000"/>
+                    <a:lumOff val="35000"/>
+                  </a:schemeClr>
+                </a:solidFill>
+                <a:latin typeface="+mn-lt"/>
+                <a:ea typeface="+mn-ea"/>
+                <a:cs typeface="+mn-cs"/>
+              </a:defRPr>
+            </a:pPr>
+            <a:r>
+              <a:rPr lang="en-US" sz="1400" dirty="0"/>
+              <a:t>Fig.</a:t>
+            </a:r>
+            <a:r>
+              <a:rPr lang="en-US" sz="1400" baseline="0" dirty="0"/>
+              <a:t> 2 </a:t>
+            </a:r>
+            <a:r>
+              <a:rPr lang="en-US" sz="1400" dirty="0"/>
+              <a:t>SNR</a:t>
+            </a:r>
+          </a:p>
+        </c:rich>
+      </c:tx>
+      <c:overlay val="0"/>
+      <c:spPr>
+        <a:noFill/>
+        <a:ln>
+          <a:noFill/>
+        </a:ln>
+        <a:effectLst/>
+      </c:spPr>
+      <c:txPr>
+        <a:bodyPr rot="0" spcFirstLastPara="1" vertOverflow="ellipsis" vert="horz" wrap="square" anchor="ctr" anchorCtr="1"/>
+        <a:lstStyle/>
+        <a:p>
+          <a:pPr>
+            <a:defRPr sz="1862" b="0" i="0" u="none" strike="noStrike" kern="1200" spc="0" baseline="0">
+              <a:solidFill>
+                <a:schemeClr val="tx1">
+                  <a:lumMod val="65000"/>
+                  <a:lumOff val="35000"/>
+                </a:schemeClr>
+              </a:solidFill>
+              <a:latin typeface="+mn-lt"/>
+              <a:ea typeface="+mn-ea"/>
+              <a:cs typeface="+mn-cs"/>
+            </a:defRPr>
+          </a:pPr>
+          <a:endParaRPr lang="en-US"/>
+        </a:p>
+      </c:txPr>
+    </c:title>
+    <c:autoTitleDeleted val="0"/>
+    <c:plotArea>
+      <c:layout/>
+      <c:lineChart>
+        <c:grouping val="standard"/>
+        <c:varyColors val="0"/>
+        <c:ser>
+          <c:idx val="0"/>
+          <c:order val="0"/>
+          <c:tx>
+            <c:strRef>
+              <c:f>Sheet1!$B$1</c:f>
+              <c:strCache>
+                <c:ptCount val="1"/>
+                <c:pt idx="0">
+                  <c:v>SNR</c:v>
+                </c:pt>
+              </c:strCache>
+            </c:strRef>
+          </c:tx>
+          <c:spPr>
+            <a:ln w="28575" cap="rnd">
+              <a:solidFill>
+                <a:schemeClr val="accent1"/>
+              </a:solidFill>
+              <a:round/>
+            </a:ln>
+            <a:effectLst/>
+          </c:spPr>
+          <c:marker>
+            <c:symbol val="circle"/>
+            <c:size val="5"/>
+            <c:spPr>
+              <a:solidFill>
+                <a:schemeClr val="accent1"/>
+              </a:solidFill>
+              <a:ln w="9525">
+                <a:solidFill>
+                  <a:schemeClr val="accent1"/>
+                </a:solidFill>
+              </a:ln>
+              <a:effectLst/>
+            </c:spPr>
+          </c:marker>
+          <c:cat>
+            <c:numRef>
+              <c:f>Sheet1!$A$2:$A$4</c:f>
+              <c:numCache>
+                <c:formatCode>General</c:formatCode>
+                <c:ptCount val="3"/>
+                <c:pt idx="0">
+                  <c:v>30</c:v>
+                </c:pt>
+                <c:pt idx="1">
+                  <c:v>60</c:v>
+                </c:pt>
+                <c:pt idx="2">
+                  <c:v>90</c:v>
+                </c:pt>
+              </c:numCache>
+            </c:numRef>
+          </c:cat>
+          <c:val>
+            <c:numRef>
+              <c:f>Sheet1!$B$2:$B$4</c:f>
+              <c:numCache>
+                <c:formatCode>General</c:formatCode>
+                <c:ptCount val="3"/>
+                <c:pt idx="0">
+                  <c:v>33</c:v>
+                </c:pt>
+                <c:pt idx="1">
+                  <c:v>16</c:v>
+                </c:pt>
+                <c:pt idx="2">
+                  <c:v>11</c:v>
+                </c:pt>
+              </c:numCache>
+            </c:numRef>
+          </c:val>
+          <c:smooth val="0"/>
+          <c:extLst>
+            <c:ext xmlns:c16="http://schemas.microsoft.com/office/drawing/2014/chart" uri="{C3380CC4-5D6E-409C-BE32-E72D297353CC}">
+              <c16:uniqueId val="{00000000-7D8C-472D-ABBD-4C8C9D857530}"/>
+            </c:ext>
+          </c:extLst>
+        </c:ser>
+        <c:dLbls>
+          <c:showLegendKey val="0"/>
+          <c:showVal val="0"/>
+          <c:showCatName val="0"/>
+          <c:showSerName val="0"/>
+          <c:showPercent val="0"/>
+          <c:showBubbleSize val="0"/>
+        </c:dLbls>
+        <c:marker val="1"/>
+        <c:smooth val="0"/>
+        <c:axId val="581601136"/>
+        <c:axId val="581604744"/>
+      </c:lineChart>
+      <c:catAx>
+        <c:axId val="581601136"/>
+        <c:scaling>
+          <c:orientation val="minMax"/>
+        </c:scaling>
+        <c:delete val="0"/>
+        <c:axPos val="b"/>
+        <c:numFmt formatCode="General" sourceLinked="1"/>
+        <c:majorTickMark val="none"/>
+        <c:minorTickMark val="none"/>
+        <c:tickLblPos val="nextTo"/>
+        <c:spPr>
+          <a:noFill/>
+          <a:ln w="9525" cap="flat" cmpd="sng" algn="ctr">
+            <a:solidFill>
+              <a:schemeClr val="tx1">
+                <a:lumMod val="15000"/>
+                <a:lumOff val="85000"/>
+              </a:schemeClr>
+            </a:solidFill>
+            <a:round/>
+          </a:ln>
+          <a:effectLst/>
+        </c:spPr>
+        <c:txPr>
+          <a:bodyPr rot="-60000000" spcFirstLastPara="1" vertOverflow="ellipsis" vert="horz" wrap="square" anchor="ctr" anchorCtr="1"/>
+          <a:lstStyle/>
+          <a:p>
+            <a:pPr>
+              <a:defRPr sz="1197" b="0" i="0" u="none" strike="noStrike" kern="1200" baseline="0">
+                <a:solidFill>
+                  <a:schemeClr val="tx1">
+                    <a:lumMod val="65000"/>
+                    <a:lumOff val="35000"/>
+                  </a:schemeClr>
+                </a:solidFill>
+                <a:latin typeface="+mn-lt"/>
+                <a:ea typeface="+mn-ea"/>
+                <a:cs typeface="+mn-cs"/>
+              </a:defRPr>
+            </a:pPr>
+            <a:endParaRPr lang="en-US"/>
+          </a:p>
+        </c:txPr>
+        <c:crossAx val="581604744"/>
+        <c:crosses val="autoZero"/>
+        <c:auto val="1"/>
+        <c:lblAlgn val="ctr"/>
+        <c:lblOffset val="100"/>
+        <c:noMultiLvlLbl val="0"/>
+      </c:catAx>
+      <c:valAx>
+        <c:axId val="581604744"/>
+        <c:scaling>
+          <c:orientation val="minMax"/>
+        </c:scaling>
+        <c:delete val="0"/>
+        <c:axPos val="l"/>
+        <c:majorGridlines>
+          <c:spPr>
+            <a:ln w="9525" cap="flat" cmpd="sng" algn="ctr">
+              <a:solidFill>
+                <a:schemeClr val="tx1">
+                  <a:lumMod val="15000"/>
+                  <a:lumOff val="85000"/>
+                </a:schemeClr>
+              </a:solidFill>
+              <a:round/>
+            </a:ln>
+            <a:effectLst/>
+          </c:spPr>
+        </c:majorGridlines>
+        <c:numFmt formatCode="General" sourceLinked="1"/>
+        <c:majorTickMark val="none"/>
+        <c:minorTickMark val="none"/>
+        <c:tickLblPos val="nextTo"/>
+        <c:spPr>
+          <a:noFill/>
+          <a:ln>
+            <a:noFill/>
+          </a:ln>
+          <a:effectLst/>
+        </c:spPr>
+        <c:txPr>
+          <a:bodyPr rot="-60000000" spcFirstLastPara="1" vertOverflow="ellipsis" vert="horz" wrap="square" anchor="ctr" anchorCtr="1"/>
+          <a:lstStyle/>
+          <a:p>
+            <a:pPr>
+              <a:defRPr sz="1197" b="0" i="0" u="none" strike="noStrike" kern="1200" baseline="0">
+                <a:solidFill>
+                  <a:schemeClr val="tx1">
+                    <a:lumMod val="65000"/>
+                    <a:lumOff val="35000"/>
+                  </a:schemeClr>
+                </a:solidFill>
+                <a:latin typeface="+mn-lt"/>
+                <a:ea typeface="+mn-ea"/>
+                <a:cs typeface="+mn-cs"/>
+              </a:defRPr>
+            </a:pPr>
+            <a:endParaRPr lang="en-US"/>
+          </a:p>
+        </c:txPr>
+        <c:crossAx val="581601136"/>
+        <c:crosses val="autoZero"/>
+        <c:crossBetween val="between"/>
+      </c:valAx>
+      <c:spPr>
+        <a:noFill/>
+        <a:ln>
+          <a:noFill/>
+        </a:ln>
+        <a:effectLst/>
+      </c:spPr>
+    </c:plotArea>
+    <c:legend>
+      <c:legendPos val="b"/>
+      <c:layout>
+        <c:manualLayout>
+          <c:xMode val="edge"/>
+          <c:yMode val="edge"/>
+          <c:x val="0.44894926234476146"/>
+          <c:y val="0.84215665818136298"/>
+          <c:w val="0.19958361957519397"/>
+          <c:h val="9.5208901602091098E-2"/>
+        </c:manualLayout>
+      </c:layout>
+      <c:overlay val="0"/>
+      <c:spPr>
+        <a:noFill/>
+        <a:ln>
+          <a:noFill/>
+        </a:ln>
+        <a:effectLst/>
+      </c:spPr>
+      <c:txPr>
+        <a:bodyPr rot="0" spcFirstLastPara="1" vertOverflow="ellipsis" vert="horz" wrap="square" anchor="ctr" anchorCtr="1"/>
+        <a:lstStyle/>
+        <a:p>
+          <a:pPr>
+            <a:defRPr sz="1197" b="0" i="0" u="none" strike="noStrike" kern="1200" baseline="0">
+              <a:solidFill>
+                <a:schemeClr val="tx1">
+                  <a:lumMod val="65000"/>
+                  <a:lumOff val="35000"/>
+                </a:schemeClr>
+              </a:solidFill>
+              <a:latin typeface="+mn-lt"/>
+              <a:ea typeface="+mn-ea"/>
+              <a:cs typeface="+mn-cs"/>
+            </a:defRPr>
+          </a:pPr>
+          <a:endParaRPr lang="en-US"/>
+        </a:p>
+      </c:txPr>
+    </c:legend>
+    <c:plotVisOnly val="1"/>
+    <c:dispBlanksAs val="gap"/>
+    <c:extLst>
+      <c:ext xmlns:c16r3="http://schemas.microsoft.com/office/drawing/2017/03/chart" uri="{56B9EC1D-385E-4148-901F-78D8002777C0}">
+        <c16r3:dataDisplayOptions16>
+          <c16r3:dispNaAsBlank val="1"/>
+        </c16r3:dataDisplayOptions16>
+      </c:ext>
+    </c:extLst>
+    <c:showDLblsOverMax val="0"/>
+  </c:chart>
+  <c:spPr>
+    <a:noFill/>
+    <a:ln>
+      <a:noFill/>
+    </a:ln>
+    <a:effectLst/>
+  </c:spPr>
+  <c:txPr>
+    <a:bodyPr/>
+    <a:lstStyle/>
+    <a:p>
+      <a:pPr>
+        <a:defRPr/>
+      </a:pPr>
+      <a:endParaRPr lang="en-US"/>
+    </a:p>
+  </c:txPr>
+  <c:externalData r:id="rId3">
+    <c:autoUpdate val="0"/>
+  </c:externalData>
+</c:chartSpace>
+</file>
+
+<file path=ppt/charts/chart3.xml><?xml version="1.0" encoding="utf-8"?>
+<c:chartSpace xmlns:c="http://schemas.openxmlformats.org/drawingml/2006/chart" xmlns:a="http://schemas.openxmlformats.org/drawingml/2006/main" xmlns:r="http://schemas.openxmlformats.org/officeDocument/2006/relationships" xmlns:c16r2="http://schemas.microsoft.com/office/drawing/2015/06/chart">
+  <c:date1904 val="0"/>
+  <c:lang val="en-US"/>
+  <c:roundedCorners val="0"/>
+  <mc:AlternateContent xmlns:mc="http://schemas.openxmlformats.org/markup-compatibility/2006">
+    <mc:Choice xmlns:c14="http://schemas.microsoft.com/office/drawing/2007/8/2/chart" Requires="c14">
+      <c14:style val="102"/>
+    </mc:Choice>
+    <mc:Fallback>
+      <c:style val="2"/>
+    </mc:Fallback>
+  </mc:AlternateContent>
+  <c:chart>
+    <c:title>
+      <c:tx>
+        <c:rich>
+          <a:bodyPr rot="0" spcFirstLastPara="1" vertOverflow="ellipsis" vert="horz" wrap="square" anchor="ctr" anchorCtr="1"/>
+          <a:lstStyle/>
+          <a:p>
+            <a:pPr>
+              <a:defRPr sz="1862" b="0" i="0" u="none" strike="noStrike" kern="1200" spc="0" baseline="0">
+                <a:solidFill>
+                  <a:schemeClr val="tx1">
+                    <a:lumMod val="65000"/>
+                    <a:lumOff val="35000"/>
+                  </a:schemeClr>
+                </a:solidFill>
+                <a:latin typeface="+mn-lt"/>
+                <a:ea typeface="+mn-ea"/>
+                <a:cs typeface="+mn-cs"/>
+              </a:defRPr>
+            </a:pPr>
+            <a:r>
+              <a:rPr lang="en-US" dirty="0"/>
+              <a:t>Fig. 3 UDP Rate</a:t>
+            </a:r>
+          </a:p>
+        </c:rich>
+      </c:tx>
+      <c:layout>
+        <c:manualLayout>
+          <c:xMode val="edge"/>
+          <c:yMode val="edge"/>
+          <c:x val="0.2746849808562164"/>
+          <c:y val="4.8017545745117005E-2"/>
+        </c:manualLayout>
+      </c:layout>
+      <c:overlay val="0"/>
+      <c:spPr>
+        <a:noFill/>
+        <a:ln>
+          <a:noFill/>
+        </a:ln>
+        <a:effectLst/>
+      </c:spPr>
+      <c:txPr>
+        <a:bodyPr rot="0" spcFirstLastPara="1" vertOverflow="ellipsis" vert="horz" wrap="square" anchor="ctr" anchorCtr="1"/>
+        <a:lstStyle/>
+        <a:p>
+          <a:pPr>
+            <a:defRPr sz="1862" b="0" i="0" u="none" strike="noStrike" kern="1200" spc="0" baseline="0">
+              <a:solidFill>
+                <a:schemeClr val="tx1">
+                  <a:lumMod val="65000"/>
+                  <a:lumOff val="35000"/>
+                </a:schemeClr>
+              </a:solidFill>
+              <a:latin typeface="+mn-lt"/>
+              <a:ea typeface="+mn-ea"/>
+              <a:cs typeface="+mn-cs"/>
+            </a:defRPr>
+          </a:pPr>
+          <a:endParaRPr lang="en-US"/>
+        </a:p>
+      </c:txPr>
+    </c:title>
+    <c:autoTitleDeleted val="0"/>
+    <c:plotArea>
+      <c:layout>
+        <c:manualLayout>
+          <c:layoutTarget val="inner"/>
+          <c:xMode val="edge"/>
+          <c:yMode val="edge"/>
+          <c:x val="0.16089513702570998"/>
+          <c:y val="0.26380231443260949"/>
+          <c:w val="0.79419287919472759"/>
+          <c:h val="0.63394548753320801"/>
+        </c:manualLayout>
+      </c:layout>
+      <c:lineChart>
+        <c:grouping val="standard"/>
+        <c:varyColors val="0"/>
+        <c:ser>
+          <c:idx val="0"/>
+          <c:order val="0"/>
+          <c:tx>
+            <c:strRef>
+              <c:f>Sheet1!$B$1</c:f>
+              <c:strCache>
+                <c:ptCount val="1"/>
+                <c:pt idx="0">
+                  <c:v>UDP Rate</c:v>
+                </c:pt>
+              </c:strCache>
+            </c:strRef>
+          </c:tx>
+          <c:spPr>
+            <a:ln w="28575" cap="rnd">
+              <a:solidFill>
+                <a:schemeClr val="accent1"/>
+              </a:solidFill>
+              <a:round/>
+            </a:ln>
+            <a:effectLst/>
+          </c:spPr>
+          <c:marker>
+            <c:symbol val="circle"/>
+            <c:size val="5"/>
+            <c:spPr>
+              <a:solidFill>
+                <a:schemeClr val="accent1"/>
+              </a:solidFill>
+              <a:ln w="9525">
+                <a:solidFill>
+                  <a:schemeClr val="accent1"/>
+                </a:solidFill>
+              </a:ln>
+              <a:effectLst/>
+            </c:spPr>
+          </c:marker>
+          <c:cat>
+            <c:numRef>
+              <c:f>Sheet1!$A$2:$A$4</c:f>
+              <c:numCache>
+                <c:formatCode>General</c:formatCode>
+                <c:ptCount val="3"/>
+                <c:pt idx="0">
+                  <c:v>10</c:v>
+                </c:pt>
+                <c:pt idx="1">
+                  <c:v>15</c:v>
+                </c:pt>
+                <c:pt idx="2">
+                  <c:v>30</c:v>
+                </c:pt>
+              </c:numCache>
+            </c:numRef>
+          </c:cat>
+          <c:val>
+            <c:numRef>
+              <c:f>Sheet1!$B$2:$B$4</c:f>
+              <c:numCache>
+                <c:formatCode>General</c:formatCode>
+                <c:ptCount val="3"/>
+                <c:pt idx="0">
+                  <c:v>6350</c:v>
+                </c:pt>
+                <c:pt idx="1">
+                  <c:v>15900</c:v>
+                </c:pt>
+                <c:pt idx="2">
+                  <c:v>16500</c:v>
+                </c:pt>
+              </c:numCache>
+            </c:numRef>
+          </c:val>
+          <c:smooth val="0"/>
+          <c:extLst>
+            <c:ext xmlns:c16="http://schemas.microsoft.com/office/drawing/2014/chart" uri="{C3380CC4-5D6E-409C-BE32-E72D297353CC}">
+              <c16:uniqueId val="{00000000-CC21-425B-A302-AEFA5A2FE3CF}"/>
+            </c:ext>
+          </c:extLst>
+        </c:ser>
+        <c:dLbls>
+          <c:showLegendKey val="0"/>
+          <c:showVal val="0"/>
+          <c:showCatName val="0"/>
+          <c:showSerName val="0"/>
+          <c:showPercent val="0"/>
+          <c:showBubbleSize val="0"/>
+        </c:dLbls>
+        <c:marker val="1"/>
+        <c:smooth val="0"/>
+        <c:axId val="584553720"/>
+        <c:axId val="584549784"/>
+      </c:lineChart>
+      <c:catAx>
+        <c:axId val="584553720"/>
+        <c:scaling>
+          <c:orientation val="minMax"/>
+        </c:scaling>
+        <c:delete val="0"/>
+        <c:axPos val="b"/>
+        <c:numFmt formatCode="General" sourceLinked="1"/>
+        <c:majorTickMark val="none"/>
+        <c:minorTickMark val="none"/>
+        <c:tickLblPos val="nextTo"/>
+        <c:spPr>
+          <a:noFill/>
+          <a:ln w="9525" cap="flat" cmpd="sng" algn="ctr">
+            <a:solidFill>
+              <a:schemeClr val="tx1">
+                <a:lumMod val="15000"/>
+                <a:lumOff val="85000"/>
+              </a:schemeClr>
+            </a:solidFill>
+            <a:round/>
+          </a:ln>
+          <a:effectLst/>
+        </c:spPr>
+        <c:txPr>
+          <a:bodyPr rot="-60000000" spcFirstLastPara="1" vertOverflow="ellipsis" vert="horz" wrap="square" anchor="ctr" anchorCtr="1"/>
+          <a:lstStyle/>
+          <a:p>
+            <a:pPr>
+              <a:defRPr sz="1197" b="0" i="0" u="none" strike="noStrike" kern="1200" baseline="0">
+                <a:solidFill>
+                  <a:schemeClr val="tx1">
+                    <a:lumMod val="65000"/>
+                    <a:lumOff val="35000"/>
+                  </a:schemeClr>
+                </a:solidFill>
+                <a:latin typeface="+mn-lt"/>
+                <a:ea typeface="+mn-ea"/>
+                <a:cs typeface="+mn-cs"/>
+              </a:defRPr>
+            </a:pPr>
+            <a:endParaRPr lang="en-US"/>
+          </a:p>
+        </c:txPr>
+        <c:crossAx val="584549784"/>
+        <c:crosses val="autoZero"/>
+        <c:auto val="1"/>
+        <c:lblAlgn val="ctr"/>
+        <c:lblOffset val="100"/>
+        <c:noMultiLvlLbl val="0"/>
+      </c:catAx>
+      <c:valAx>
+        <c:axId val="584549784"/>
+        <c:scaling>
+          <c:orientation val="minMax"/>
+        </c:scaling>
+        <c:delete val="0"/>
+        <c:axPos val="l"/>
+        <c:majorGridlines>
+          <c:spPr>
+            <a:ln w="9525" cap="flat" cmpd="sng" algn="ctr">
+              <a:solidFill>
+                <a:schemeClr val="tx1">
+                  <a:lumMod val="15000"/>
+                  <a:lumOff val="85000"/>
+                </a:schemeClr>
+              </a:solidFill>
+              <a:round/>
+            </a:ln>
+            <a:effectLst/>
+          </c:spPr>
+        </c:majorGridlines>
+        <c:numFmt formatCode="General" sourceLinked="1"/>
+        <c:majorTickMark val="none"/>
+        <c:minorTickMark val="none"/>
+        <c:tickLblPos val="nextTo"/>
+        <c:spPr>
+          <a:noFill/>
+          <a:ln>
+            <a:noFill/>
+          </a:ln>
+          <a:effectLst/>
+        </c:spPr>
+        <c:txPr>
+          <a:bodyPr rot="-60000000" spcFirstLastPara="1" vertOverflow="ellipsis" vert="horz" wrap="square" anchor="ctr" anchorCtr="1"/>
+          <a:lstStyle/>
+          <a:p>
+            <a:pPr>
+              <a:defRPr sz="1197" b="0" i="0" u="none" strike="noStrike" kern="1200" baseline="0">
+                <a:solidFill>
+                  <a:schemeClr val="tx1">
+                    <a:lumMod val="65000"/>
+                    <a:lumOff val="35000"/>
+                  </a:schemeClr>
+                </a:solidFill>
+                <a:latin typeface="+mn-lt"/>
+                <a:ea typeface="+mn-ea"/>
+                <a:cs typeface="+mn-cs"/>
+              </a:defRPr>
+            </a:pPr>
+            <a:endParaRPr lang="en-US"/>
+          </a:p>
+        </c:txPr>
+        <c:crossAx val="584553720"/>
+        <c:crosses val="autoZero"/>
+        <c:crossBetween val="between"/>
+      </c:valAx>
+      <c:spPr>
+        <a:noFill/>
+        <a:ln>
+          <a:noFill/>
+        </a:ln>
+        <a:effectLst/>
+      </c:spPr>
+    </c:plotArea>
+    <c:legend>
+      <c:legendPos val="b"/>
+      <c:layout>
+        <c:manualLayout>
+          <c:xMode val="edge"/>
+          <c:yMode val="edge"/>
+          <c:x val="0.67565288931691481"/>
+          <c:y val="0.1626062277842128"/>
+          <c:w val="0.29059182553603496"/>
+          <c:h val="9.9894518546823796E-2"/>
+        </c:manualLayout>
+      </c:layout>
+      <c:overlay val="0"/>
+      <c:spPr>
+        <a:noFill/>
+        <a:ln>
+          <a:noFill/>
+        </a:ln>
+        <a:effectLst/>
+      </c:spPr>
+      <c:txPr>
+        <a:bodyPr rot="0" spcFirstLastPara="1" vertOverflow="ellipsis" vert="horz" wrap="square" anchor="ctr" anchorCtr="1"/>
+        <a:lstStyle/>
+        <a:p>
+          <a:pPr>
+            <a:defRPr sz="1197" b="0" i="0" u="none" strike="noStrike" kern="1200" baseline="0">
+              <a:solidFill>
+                <a:schemeClr val="tx1">
+                  <a:lumMod val="65000"/>
+                  <a:lumOff val="35000"/>
+                </a:schemeClr>
+              </a:solidFill>
+              <a:latin typeface="+mn-lt"/>
+              <a:ea typeface="+mn-ea"/>
+              <a:cs typeface="+mn-cs"/>
+            </a:defRPr>
+          </a:pPr>
+          <a:endParaRPr lang="en-US"/>
+        </a:p>
+      </c:txPr>
+    </c:legend>
+    <c:plotVisOnly val="1"/>
+    <c:dispBlanksAs val="gap"/>
+    <c:extLst>
+      <c:ext xmlns:c16r3="http://schemas.microsoft.com/office/drawing/2017/03/chart" uri="{56B9EC1D-385E-4148-901F-78D8002777C0}">
+        <c16r3:dataDisplayOptions16>
+          <c16r3:dispNaAsBlank val="1"/>
+        </c16r3:dataDisplayOptions16>
+      </c:ext>
+    </c:extLst>
+    <c:showDLblsOverMax val="0"/>
+  </c:chart>
+  <c:spPr>
+    <a:noFill/>
+    <a:ln>
+      <a:noFill/>
+    </a:ln>
+    <a:effectLst/>
+  </c:spPr>
+  <c:txPr>
+    <a:bodyPr/>
+    <a:lstStyle/>
+    <a:p>
+      <a:pPr>
+        <a:defRPr/>
+      </a:pPr>
+      <a:endParaRPr lang="en-US"/>
+    </a:p>
+  </c:txPr>
+  <c:externalData r:id="rId3">
+    <c:autoUpdate val="0"/>
+  </c:externalData>
+</c:chartSpace>
+</file>
+
+<file path=ppt/charts/chart4.xml><?xml version="1.0" encoding="utf-8"?>
+<c:chartSpace xmlns:c="http://schemas.openxmlformats.org/drawingml/2006/chart" xmlns:a="http://schemas.openxmlformats.org/drawingml/2006/main" xmlns:r="http://schemas.openxmlformats.org/officeDocument/2006/relationships" xmlns:c16r2="http://schemas.microsoft.com/office/drawing/2015/06/chart">
+  <c:date1904 val="0"/>
+  <c:lang val="en-US"/>
+  <c:roundedCorners val="0"/>
+  <mc:AlternateContent xmlns:mc="http://schemas.openxmlformats.org/markup-compatibility/2006">
+    <mc:Choice xmlns:c14="http://schemas.microsoft.com/office/drawing/2007/8/2/chart" Requires="c14">
+      <c14:style val="102"/>
+    </mc:Choice>
+    <mc:Fallback>
+      <c:style val="2"/>
+    </mc:Fallback>
+  </mc:AlternateContent>
+  <c:chart>
+    <c:title>
+      <c:tx>
+        <c:rich>
+          <a:bodyPr rot="0" spcFirstLastPara="1" vertOverflow="ellipsis" vert="horz" wrap="square" anchor="ctr" anchorCtr="1"/>
+          <a:lstStyle/>
+          <a:p>
+            <a:pPr>
+              <a:defRPr sz="1862" b="0" i="0" u="none" strike="noStrike" kern="1200" spc="0" baseline="0">
+                <a:solidFill>
+                  <a:schemeClr val="tx1">
+                    <a:lumMod val="65000"/>
+                    <a:lumOff val="35000"/>
+                  </a:schemeClr>
+                </a:solidFill>
+                <a:latin typeface="+mn-lt"/>
+                <a:ea typeface="+mn-ea"/>
+                <a:cs typeface="+mn-cs"/>
+              </a:defRPr>
+            </a:pPr>
+            <a:r>
+              <a:rPr lang="en-US" dirty="0"/>
+              <a:t>Fig. 4 TCP Rate</a:t>
+            </a:r>
+          </a:p>
+        </c:rich>
+      </c:tx>
+      <c:overlay val="0"/>
+      <c:spPr>
+        <a:noFill/>
+        <a:ln>
+          <a:noFill/>
+        </a:ln>
+        <a:effectLst/>
+      </c:spPr>
+      <c:txPr>
+        <a:bodyPr rot="0" spcFirstLastPara="1" vertOverflow="ellipsis" vert="horz" wrap="square" anchor="ctr" anchorCtr="1"/>
+        <a:lstStyle/>
+        <a:p>
+          <a:pPr>
+            <a:defRPr sz="1862" b="0" i="0" u="none" strike="noStrike" kern="1200" spc="0" baseline="0">
+              <a:solidFill>
+                <a:schemeClr val="tx1">
+                  <a:lumMod val="65000"/>
+                  <a:lumOff val="35000"/>
+                </a:schemeClr>
+              </a:solidFill>
+              <a:latin typeface="+mn-lt"/>
+              <a:ea typeface="+mn-ea"/>
+              <a:cs typeface="+mn-cs"/>
+            </a:defRPr>
+          </a:pPr>
+          <a:endParaRPr lang="en-US"/>
+        </a:p>
+      </c:txPr>
+    </c:title>
+    <c:autoTitleDeleted val="0"/>
+    <c:plotArea>
+      <c:layout>
+        <c:manualLayout>
+          <c:layoutTarget val="inner"/>
+          <c:xMode val="edge"/>
+          <c:yMode val="edge"/>
+          <c:x val="0.1699251020655998"/>
+          <c:y val="0.14811545116455296"/>
+          <c:w val="0.79983421863825932"/>
+          <c:h val="0.6486988703314609"/>
+        </c:manualLayout>
+      </c:layout>
+      <c:lineChart>
+        <c:grouping val="standard"/>
+        <c:varyColors val="0"/>
+        <c:ser>
+          <c:idx val="0"/>
+          <c:order val="0"/>
+          <c:tx>
+            <c:strRef>
+              <c:f>Sheet1!$B$1</c:f>
+              <c:strCache>
+                <c:ptCount val="1"/>
+                <c:pt idx="0">
+                  <c:v>TCP Rate</c:v>
+                </c:pt>
+              </c:strCache>
+            </c:strRef>
+          </c:tx>
+          <c:spPr>
+            <a:ln w="28575" cap="rnd">
+              <a:solidFill>
+                <a:schemeClr val="accent1"/>
+              </a:solidFill>
+              <a:round/>
+            </a:ln>
+            <a:effectLst/>
+          </c:spPr>
+          <c:marker>
+            <c:symbol val="circle"/>
+            <c:size val="5"/>
+            <c:spPr>
+              <a:solidFill>
+                <a:schemeClr val="accent1"/>
+              </a:solidFill>
+              <a:ln w="9525">
+                <a:solidFill>
+                  <a:schemeClr val="accent1"/>
+                </a:solidFill>
+              </a:ln>
+              <a:effectLst/>
+            </c:spPr>
+          </c:marker>
+          <c:cat>
+            <c:numRef>
+              <c:f>Sheet1!$A$2:$A$4</c:f>
+              <c:numCache>
+                <c:formatCode>General</c:formatCode>
+                <c:ptCount val="3"/>
+                <c:pt idx="0">
+                  <c:v>10</c:v>
+                </c:pt>
+                <c:pt idx="1">
+                  <c:v>15</c:v>
+                </c:pt>
+                <c:pt idx="2">
+                  <c:v>30</c:v>
+                </c:pt>
+              </c:numCache>
+            </c:numRef>
+          </c:cat>
+          <c:val>
+            <c:numRef>
+              <c:f>Sheet1!$B$2:$B$4</c:f>
+              <c:numCache>
+                <c:formatCode>General</c:formatCode>
+                <c:ptCount val="3"/>
+                <c:pt idx="0">
+                  <c:v>113</c:v>
+                </c:pt>
+                <c:pt idx="1">
+                  <c:v>5190</c:v>
+                </c:pt>
+                <c:pt idx="2">
+                  <c:v>15700</c:v>
+                </c:pt>
+              </c:numCache>
+            </c:numRef>
+          </c:val>
+          <c:smooth val="0"/>
+          <c:extLst>
+            <c:ext xmlns:c16="http://schemas.microsoft.com/office/drawing/2014/chart" uri="{C3380CC4-5D6E-409C-BE32-E72D297353CC}">
+              <c16:uniqueId val="{00000000-6CEF-4231-A2CA-12EDFCE2900D}"/>
+            </c:ext>
+          </c:extLst>
+        </c:ser>
+        <c:dLbls>
+          <c:showLegendKey val="0"/>
+          <c:showVal val="0"/>
+          <c:showCatName val="0"/>
+          <c:showSerName val="0"/>
+          <c:showPercent val="0"/>
+          <c:showBubbleSize val="0"/>
+        </c:dLbls>
+        <c:marker val="1"/>
+        <c:smooth val="0"/>
+        <c:axId val="589807416"/>
+        <c:axId val="589806760"/>
+      </c:lineChart>
+      <c:catAx>
+        <c:axId val="589807416"/>
+        <c:scaling>
+          <c:orientation val="minMax"/>
+        </c:scaling>
+        <c:delete val="0"/>
+        <c:axPos val="b"/>
+        <c:numFmt formatCode="General" sourceLinked="1"/>
+        <c:majorTickMark val="none"/>
+        <c:minorTickMark val="none"/>
+        <c:tickLblPos val="nextTo"/>
+        <c:spPr>
+          <a:noFill/>
+          <a:ln w="9525" cap="flat" cmpd="sng" algn="ctr">
+            <a:solidFill>
+              <a:schemeClr val="tx1">
+                <a:lumMod val="15000"/>
+                <a:lumOff val="85000"/>
+              </a:schemeClr>
+            </a:solidFill>
+            <a:round/>
+          </a:ln>
+          <a:effectLst/>
+        </c:spPr>
+        <c:txPr>
+          <a:bodyPr rot="-60000000" spcFirstLastPara="1" vertOverflow="ellipsis" vert="horz" wrap="square" anchor="ctr" anchorCtr="1"/>
+          <a:lstStyle/>
+          <a:p>
+            <a:pPr>
+              <a:defRPr sz="1197" b="0" i="0" u="none" strike="noStrike" kern="1200" baseline="0">
+                <a:solidFill>
+                  <a:schemeClr val="tx1">
+                    <a:lumMod val="65000"/>
+                    <a:lumOff val="35000"/>
+                  </a:schemeClr>
+                </a:solidFill>
+                <a:latin typeface="+mn-lt"/>
+                <a:ea typeface="+mn-ea"/>
+                <a:cs typeface="+mn-cs"/>
+              </a:defRPr>
+            </a:pPr>
+            <a:endParaRPr lang="en-US"/>
+          </a:p>
+        </c:txPr>
+        <c:crossAx val="589806760"/>
+        <c:crosses val="autoZero"/>
+        <c:auto val="1"/>
+        <c:lblAlgn val="ctr"/>
+        <c:lblOffset val="100"/>
+        <c:noMultiLvlLbl val="0"/>
+      </c:catAx>
+      <c:valAx>
+        <c:axId val="589806760"/>
+        <c:scaling>
+          <c:orientation val="minMax"/>
+        </c:scaling>
+        <c:delete val="0"/>
+        <c:axPos val="l"/>
+        <c:majorGridlines>
+          <c:spPr>
+            <a:ln w="9525" cap="flat" cmpd="sng" algn="ctr">
+              <a:solidFill>
+                <a:schemeClr val="tx1">
+                  <a:lumMod val="15000"/>
+                  <a:lumOff val="85000"/>
+                </a:schemeClr>
+              </a:solidFill>
+              <a:round/>
+            </a:ln>
+            <a:effectLst/>
+          </c:spPr>
+        </c:majorGridlines>
+        <c:numFmt formatCode="General" sourceLinked="1"/>
+        <c:majorTickMark val="none"/>
+        <c:minorTickMark val="none"/>
+        <c:tickLblPos val="nextTo"/>
+        <c:spPr>
+          <a:noFill/>
+          <a:ln>
+            <a:noFill/>
+          </a:ln>
+          <a:effectLst/>
+        </c:spPr>
+        <c:txPr>
+          <a:bodyPr rot="-60000000" spcFirstLastPara="1" vertOverflow="ellipsis" vert="horz" wrap="square" anchor="ctr" anchorCtr="1"/>
+          <a:lstStyle/>
+          <a:p>
+            <a:pPr>
+              <a:defRPr sz="1197" b="0" i="0" u="none" strike="noStrike" kern="1200" baseline="0">
+                <a:solidFill>
+                  <a:schemeClr val="tx1">
+                    <a:lumMod val="65000"/>
+                    <a:lumOff val="35000"/>
+                  </a:schemeClr>
+                </a:solidFill>
+                <a:latin typeface="+mn-lt"/>
+                <a:ea typeface="+mn-ea"/>
+                <a:cs typeface="+mn-cs"/>
+              </a:defRPr>
+            </a:pPr>
+            <a:endParaRPr lang="en-US"/>
+          </a:p>
+        </c:txPr>
+        <c:crossAx val="589807416"/>
+        <c:crosses val="autoZero"/>
+        <c:crossBetween val="between"/>
+      </c:valAx>
+      <c:spPr>
+        <a:noFill/>
+        <a:ln>
+          <a:noFill/>
+        </a:ln>
+        <a:effectLst/>
+      </c:spPr>
+    </c:plotArea>
+    <c:legend>
+      <c:legendPos val="b"/>
+      <c:layout>
+        <c:manualLayout>
+          <c:xMode val="edge"/>
+          <c:yMode val="edge"/>
+          <c:x val="0.66883678155567261"/>
+          <c:y val="0.55887685713364921"/>
+          <c:w val="0.29402062663026496"/>
+          <c:h val="8.088046666022107E-2"/>
+        </c:manualLayout>
+      </c:layout>
+      <c:overlay val="0"/>
+      <c:spPr>
+        <a:noFill/>
+        <a:ln>
+          <a:noFill/>
+        </a:ln>
+        <a:effectLst/>
+      </c:spPr>
+      <c:txPr>
+        <a:bodyPr rot="0" spcFirstLastPara="1" vertOverflow="ellipsis" vert="horz" wrap="square" anchor="ctr" anchorCtr="1"/>
+        <a:lstStyle/>
+        <a:p>
+          <a:pPr>
+            <a:defRPr sz="1197" b="0" i="0" u="none" strike="noStrike" kern="1200" baseline="0">
+              <a:solidFill>
+                <a:schemeClr val="tx1">
+                  <a:lumMod val="65000"/>
+                  <a:lumOff val="35000"/>
+                </a:schemeClr>
+              </a:solidFill>
+              <a:latin typeface="+mn-lt"/>
+              <a:ea typeface="+mn-ea"/>
+              <a:cs typeface="+mn-cs"/>
+            </a:defRPr>
+          </a:pPr>
+          <a:endParaRPr lang="en-US"/>
+        </a:p>
+      </c:txPr>
+    </c:legend>
+    <c:plotVisOnly val="1"/>
+    <c:dispBlanksAs val="gap"/>
+    <c:extLst>
+      <c:ext xmlns:c16r3="http://schemas.microsoft.com/office/drawing/2017/03/chart" uri="{56B9EC1D-385E-4148-901F-78D8002777C0}">
+        <c16r3:dataDisplayOptions16>
+          <c16r3:dispNaAsBlank val="1"/>
+        </c16r3:dataDisplayOptions16>
+      </c:ext>
+    </c:extLst>
+    <c:showDLblsOverMax val="0"/>
+  </c:chart>
+  <c:spPr>
+    <a:noFill/>
+    <a:ln>
+      <a:noFill/>
+    </a:ln>
+    <a:effectLst/>
+  </c:spPr>
+  <c:txPr>
+    <a:bodyPr/>
+    <a:lstStyle/>
+    <a:p>
+      <a:pPr>
+        <a:defRPr/>
+      </a:pPr>
+      <a:endParaRPr lang="en-US"/>
+    </a:p>
+  </c:txPr>
+  <c:externalData r:id="rId3">
+    <c:autoUpdate val="0"/>
+  </c:externalData>
+</c:chartSpace>
+</file>
+
+<file path=ppt/charts/chart5.xml><?xml version="1.0" encoding="utf-8"?>
+<c:chartSpace xmlns:c="http://schemas.openxmlformats.org/drawingml/2006/chart" xmlns:a="http://schemas.openxmlformats.org/drawingml/2006/main" xmlns:r="http://schemas.openxmlformats.org/officeDocument/2006/relationships" xmlns:c16r2="http://schemas.microsoft.com/office/drawing/2015/06/chart">
+  <c:date1904 val="0"/>
+  <c:lang val="en-US"/>
+  <c:roundedCorners val="0"/>
+  <mc:AlternateContent xmlns:mc="http://schemas.openxmlformats.org/markup-compatibility/2006">
+    <mc:Choice xmlns:c14="http://schemas.microsoft.com/office/drawing/2007/8/2/chart" Requires="c14">
+      <c14:style val="102"/>
+    </mc:Choice>
+    <mc:Fallback>
+      <c:style val="2"/>
+    </mc:Fallback>
+  </mc:AlternateContent>
+  <c:chart>
+    <c:title>
+      <c:tx>
+        <c:rich>
+          <a:bodyPr rot="0" spcFirstLastPara="1" vertOverflow="ellipsis" vert="horz" wrap="square" anchor="ctr" anchorCtr="1"/>
+          <a:lstStyle/>
+          <a:p>
+            <a:pPr>
+              <a:defRPr sz="1862" b="0" i="0" u="none" strike="noStrike" kern="1200" spc="0" baseline="0">
+                <a:solidFill>
+                  <a:schemeClr val="tx1">
+                    <a:lumMod val="65000"/>
+                    <a:lumOff val="35000"/>
+                  </a:schemeClr>
+                </a:solidFill>
+                <a:latin typeface="+mn-lt"/>
+                <a:ea typeface="+mn-ea"/>
+                <a:cs typeface="+mn-cs"/>
+              </a:defRPr>
+            </a:pPr>
+            <a:r>
+              <a:rPr lang="en-US" sz="1300" dirty="0"/>
+              <a:t>Fig. 5 Throughput</a:t>
+            </a:r>
+            <a:r>
+              <a:rPr lang="en-US" sz="1300" baseline="0" dirty="0"/>
+              <a:t> vs. Microwave Power Level</a:t>
+            </a:r>
+            <a:endParaRPr lang="en-US" sz="1300" dirty="0"/>
+          </a:p>
+        </c:rich>
+      </c:tx>
+      <c:overlay val="0"/>
+      <c:spPr>
+        <a:noFill/>
+        <a:ln>
+          <a:noFill/>
+        </a:ln>
+        <a:effectLst/>
+      </c:spPr>
+      <c:txPr>
+        <a:bodyPr rot="0" spcFirstLastPara="1" vertOverflow="ellipsis" vert="horz" wrap="square" anchor="ctr" anchorCtr="1"/>
+        <a:lstStyle/>
+        <a:p>
+          <a:pPr>
+            <a:defRPr sz="1862" b="0" i="0" u="none" strike="noStrike" kern="1200" spc="0" baseline="0">
+              <a:solidFill>
+                <a:schemeClr val="tx1">
+                  <a:lumMod val="65000"/>
+                  <a:lumOff val="35000"/>
+                </a:schemeClr>
+              </a:solidFill>
+              <a:latin typeface="+mn-lt"/>
+              <a:ea typeface="+mn-ea"/>
+              <a:cs typeface="+mn-cs"/>
+            </a:defRPr>
+          </a:pPr>
+          <a:endParaRPr lang="en-US"/>
+        </a:p>
+      </c:txPr>
+    </c:title>
+    <c:autoTitleDeleted val="0"/>
+    <c:plotArea>
+      <c:layout/>
+      <c:lineChart>
+        <c:grouping val="standard"/>
+        <c:varyColors val="0"/>
+        <c:ser>
+          <c:idx val="0"/>
+          <c:order val="0"/>
+          <c:tx>
+            <c:strRef>
+              <c:f>Sheet1!$B$1</c:f>
+              <c:strCache>
+                <c:ptCount val="1"/>
+                <c:pt idx="0">
+                  <c:v>UDP</c:v>
+                </c:pt>
+              </c:strCache>
+            </c:strRef>
+          </c:tx>
+          <c:spPr>
+            <a:ln w="28575" cap="rnd">
+              <a:solidFill>
+                <a:schemeClr val="accent1"/>
+              </a:solidFill>
+              <a:round/>
+            </a:ln>
+            <a:effectLst/>
+          </c:spPr>
+          <c:marker>
+            <c:symbol val="none"/>
+          </c:marker>
+          <c:cat>
+            <c:numRef>
+              <c:f>Sheet1!$A$2:$A$7</c:f>
+              <c:numCache>
+                <c:formatCode>General</c:formatCode>
+                <c:ptCount val="6"/>
+                <c:pt idx="0">
+                  <c:v>0</c:v>
+                </c:pt>
+                <c:pt idx="1">
+                  <c:v>1</c:v>
+                </c:pt>
+                <c:pt idx="2">
+                  <c:v>2</c:v>
+                </c:pt>
+                <c:pt idx="3">
+                  <c:v>3</c:v>
+                </c:pt>
+                <c:pt idx="4">
+                  <c:v>4</c:v>
+                </c:pt>
+                <c:pt idx="5">
+                  <c:v>5</c:v>
+                </c:pt>
+              </c:numCache>
+            </c:numRef>
+          </c:cat>
+          <c:val>
+            <c:numRef>
+              <c:f>Sheet1!$B$2:$B$7</c:f>
+              <c:numCache>
+                <c:formatCode>General</c:formatCode>
+                <c:ptCount val="6"/>
+                <c:pt idx="0">
+                  <c:v>16500</c:v>
+                </c:pt>
+                <c:pt idx="1">
+                  <c:v>24500</c:v>
+                </c:pt>
+                <c:pt idx="2">
+                  <c:v>22600</c:v>
+                </c:pt>
+                <c:pt idx="3">
+                  <c:v>24500</c:v>
+                </c:pt>
+                <c:pt idx="4">
+                  <c:v>20900</c:v>
+                </c:pt>
+                <c:pt idx="5">
+                  <c:v>17900</c:v>
+                </c:pt>
+              </c:numCache>
+            </c:numRef>
+          </c:val>
+          <c:smooth val="0"/>
+          <c:extLst>
+            <c:ext xmlns:c16="http://schemas.microsoft.com/office/drawing/2014/chart" uri="{C3380CC4-5D6E-409C-BE32-E72D297353CC}">
+              <c16:uniqueId val="{00000000-F6EC-4EF0-A1E1-040A6DC42684}"/>
+            </c:ext>
+          </c:extLst>
+        </c:ser>
+        <c:ser>
+          <c:idx val="1"/>
+          <c:order val="1"/>
+          <c:tx>
+            <c:strRef>
+              <c:f>Sheet1!$C$1</c:f>
+              <c:strCache>
+                <c:ptCount val="1"/>
+                <c:pt idx="0">
+                  <c:v>TCP</c:v>
+                </c:pt>
+              </c:strCache>
+            </c:strRef>
+          </c:tx>
+          <c:spPr>
+            <a:ln w="28575" cap="rnd">
+              <a:solidFill>
+                <a:schemeClr val="accent2"/>
+              </a:solidFill>
+              <a:round/>
+            </a:ln>
+            <a:effectLst/>
+          </c:spPr>
+          <c:marker>
+            <c:symbol val="none"/>
+          </c:marker>
+          <c:cat>
+            <c:numRef>
+              <c:f>Sheet1!$A$2:$A$7</c:f>
+              <c:numCache>
+                <c:formatCode>General</c:formatCode>
+                <c:ptCount val="6"/>
+                <c:pt idx="0">
+                  <c:v>0</c:v>
+                </c:pt>
+                <c:pt idx="1">
+                  <c:v>1</c:v>
+                </c:pt>
+                <c:pt idx="2">
+                  <c:v>2</c:v>
+                </c:pt>
+                <c:pt idx="3">
+                  <c:v>3</c:v>
+                </c:pt>
+                <c:pt idx="4">
+                  <c:v>4</c:v>
+                </c:pt>
+                <c:pt idx="5">
+                  <c:v>5</c:v>
+                </c:pt>
+              </c:numCache>
+            </c:numRef>
+          </c:cat>
+          <c:val>
+            <c:numRef>
+              <c:f>Sheet1!$C$2:$C$7</c:f>
+              <c:numCache>
+                <c:formatCode>General</c:formatCode>
+                <c:ptCount val="6"/>
+                <c:pt idx="0">
+                  <c:v>15700</c:v>
+                </c:pt>
+                <c:pt idx="1">
+                  <c:v>22000</c:v>
+                </c:pt>
+                <c:pt idx="2">
+                  <c:v>21400</c:v>
+                </c:pt>
+                <c:pt idx="3">
+                  <c:v>21700</c:v>
+                </c:pt>
+                <c:pt idx="4">
+                  <c:v>20900</c:v>
+                </c:pt>
+                <c:pt idx="5">
+                  <c:v>20300</c:v>
+                </c:pt>
+              </c:numCache>
+            </c:numRef>
+          </c:val>
+          <c:smooth val="0"/>
+          <c:extLst>
+            <c:ext xmlns:c16="http://schemas.microsoft.com/office/drawing/2014/chart" uri="{C3380CC4-5D6E-409C-BE32-E72D297353CC}">
+              <c16:uniqueId val="{00000001-F6EC-4EF0-A1E1-040A6DC42684}"/>
+            </c:ext>
+          </c:extLst>
+        </c:ser>
+        <c:dLbls>
+          <c:showLegendKey val="0"/>
+          <c:showVal val="0"/>
+          <c:showCatName val="0"/>
+          <c:showSerName val="0"/>
+          <c:showPercent val="0"/>
+          <c:showBubbleSize val="0"/>
+        </c:dLbls>
+        <c:smooth val="0"/>
+        <c:axId val="565030832"/>
+        <c:axId val="565031488"/>
+      </c:lineChart>
+      <c:catAx>
+        <c:axId val="565030832"/>
+        <c:scaling>
+          <c:orientation val="minMax"/>
+        </c:scaling>
+        <c:delete val="0"/>
+        <c:axPos val="b"/>
+        <c:numFmt formatCode="General" sourceLinked="1"/>
+        <c:majorTickMark val="none"/>
+        <c:minorTickMark val="none"/>
+        <c:tickLblPos val="nextTo"/>
+        <c:spPr>
+          <a:noFill/>
+          <a:ln w="9525" cap="flat" cmpd="sng" algn="ctr">
+            <a:solidFill>
+              <a:schemeClr val="tx1">
+                <a:lumMod val="15000"/>
+                <a:lumOff val="85000"/>
+              </a:schemeClr>
+            </a:solidFill>
+            <a:round/>
+          </a:ln>
+          <a:effectLst/>
+        </c:spPr>
+        <c:txPr>
+          <a:bodyPr rot="-60000000" spcFirstLastPara="1" vertOverflow="ellipsis" vert="horz" wrap="square" anchor="ctr" anchorCtr="1"/>
+          <a:lstStyle/>
+          <a:p>
+            <a:pPr>
+              <a:defRPr sz="1197" b="0" i="0" u="none" strike="noStrike" kern="1200" baseline="0">
+                <a:solidFill>
+                  <a:schemeClr val="tx1">
+                    <a:lumMod val="65000"/>
+                    <a:lumOff val="35000"/>
+                  </a:schemeClr>
+                </a:solidFill>
+                <a:latin typeface="+mn-lt"/>
+                <a:ea typeface="+mn-ea"/>
+                <a:cs typeface="+mn-cs"/>
+              </a:defRPr>
+            </a:pPr>
+            <a:endParaRPr lang="en-US"/>
+          </a:p>
+        </c:txPr>
+        <c:crossAx val="565031488"/>
+        <c:crosses val="autoZero"/>
+        <c:auto val="1"/>
+        <c:lblAlgn val="ctr"/>
+        <c:lblOffset val="100"/>
+        <c:noMultiLvlLbl val="0"/>
+      </c:catAx>
+      <c:valAx>
+        <c:axId val="565031488"/>
+        <c:scaling>
+          <c:orientation val="minMax"/>
+          <c:min val="15000"/>
+        </c:scaling>
+        <c:delete val="0"/>
+        <c:axPos val="l"/>
+        <c:majorGridlines>
+          <c:spPr>
+            <a:ln w="9525" cap="flat" cmpd="sng" algn="ctr">
+              <a:solidFill>
+                <a:schemeClr val="tx1">
+                  <a:lumMod val="15000"/>
+                  <a:lumOff val="85000"/>
+                </a:schemeClr>
+              </a:solidFill>
+              <a:round/>
+            </a:ln>
+            <a:effectLst/>
+          </c:spPr>
+        </c:majorGridlines>
+        <c:numFmt formatCode="General" sourceLinked="1"/>
+        <c:majorTickMark val="none"/>
+        <c:minorTickMark val="none"/>
+        <c:tickLblPos val="nextTo"/>
+        <c:spPr>
+          <a:noFill/>
+          <a:ln>
+            <a:noFill/>
+          </a:ln>
+          <a:effectLst/>
+        </c:spPr>
+        <c:txPr>
+          <a:bodyPr rot="-60000000" spcFirstLastPara="1" vertOverflow="ellipsis" vert="horz" wrap="square" anchor="ctr" anchorCtr="1"/>
+          <a:lstStyle/>
+          <a:p>
+            <a:pPr>
+              <a:defRPr sz="1197" b="0" i="0" u="none" strike="noStrike" kern="1200" baseline="0">
+                <a:solidFill>
+                  <a:schemeClr val="tx1">
+                    <a:lumMod val="65000"/>
+                    <a:lumOff val="35000"/>
+                  </a:schemeClr>
+                </a:solidFill>
+                <a:latin typeface="+mn-lt"/>
+                <a:ea typeface="+mn-ea"/>
+                <a:cs typeface="+mn-cs"/>
+              </a:defRPr>
+            </a:pPr>
+            <a:endParaRPr lang="en-US"/>
+          </a:p>
+        </c:txPr>
+        <c:crossAx val="565030832"/>
+        <c:crosses val="autoZero"/>
+        <c:crossBetween val="between"/>
+      </c:valAx>
+      <c:spPr>
+        <a:noFill/>
+        <a:ln>
+          <a:noFill/>
+        </a:ln>
+        <a:effectLst/>
+      </c:spPr>
+    </c:plotArea>
+    <c:legend>
+      <c:legendPos val="b"/>
+      <c:overlay val="0"/>
+      <c:spPr>
+        <a:noFill/>
+        <a:ln>
+          <a:noFill/>
+        </a:ln>
+        <a:effectLst/>
+      </c:spPr>
+      <c:txPr>
+        <a:bodyPr rot="0" spcFirstLastPara="1" vertOverflow="ellipsis" vert="horz" wrap="square" anchor="ctr" anchorCtr="1"/>
+        <a:lstStyle/>
+        <a:p>
+          <a:pPr>
+            <a:defRPr sz="1197" b="0" i="0" u="none" strike="noStrike" kern="1200" baseline="0">
+              <a:solidFill>
+                <a:schemeClr val="tx1">
+                  <a:lumMod val="65000"/>
+                  <a:lumOff val="35000"/>
+                </a:schemeClr>
+              </a:solidFill>
+              <a:latin typeface="+mn-lt"/>
+              <a:ea typeface="+mn-ea"/>
+              <a:cs typeface="+mn-cs"/>
+            </a:defRPr>
+          </a:pPr>
+          <a:endParaRPr lang="en-US"/>
+        </a:p>
+      </c:txPr>
+    </c:legend>
+    <c:plotVisOnly val="1"/>
+    <c:dispBlanksAs val="gap"/>
+    <c:extLst>
+      <c:ext xmlns:c16r3="http://schemas.microsoft.com/office/drawing/2017/03/chart" uri="{56B9EC1D-385E-4148-901F-78D8002777C0}">
+        <c16r3:dataDisplayOptions16>
+          <c16r3:dispNaAsBlank val="1"/>
+        </c16r3:dataDisplayOptions16>
+      </c:ext>
+    </c:extLst>
+    <c:showDLblsOverMax val="0"/>
+  </c:chart>
+  <c:spPr>
+    <a:noFill/>
+    <a:ln>
+      <a:noFill/>
+    </a:ln>
+    <a:effectLst/>
+  </c:spPr>
+  <c:txPr>
+    <a:bodyPr/>
+    <a:lstStyle/>
+    <a:p>
+      <a:pPr>
+        <a:defRPr/>
+      </a:pPr>
+      <a:endParaRPr lang="en-US"/>
+    </a:p>
+  </c:txPr>
+  <c:externalData r:id="rId3">
+    <c:autoUpdate val="0"/>
+  </c:externalData>
+</c:chartSpace>
+</file>
+
+<file path=ppt/charts/chart6.xml><?xml version="1.0" encoding="utf-8"?>
+<c:chartSpace xmlns:c="http://schemas.openxmlformats.org/drawingml/2006/chart" xmlns:a="http://schemas.openxmlformats.org/drawingml/2006/main" xmlns:r="http://schemas.openxmlformats.org/officeDocument/2006/relationships" xmlns:c16r2="http://schemas.microsoft.com/office/drawing/2015/06/chart">
+  <c:date1904 val="0"/>
+  <c:lang val="en-US"/>
+  <c:roundedCorners val="0"/>
+  <mc:AlternateContent xmlns:mc="http://schemas.openxmlformats.org/markup-compatibility/2006">
+    <mc:Choice xmlns:c14="http://schemas.microsoft.com/office/drawing/2007/8/2/chart" Requires="c14">
+      <c14:style val="102"/>
+    </mc:Choice>
+    <mc:Fallback>
+      <c:style val="2"/>
+    </mc:Fallback>
+  </mc:AlternateContent>
+  <c:chart>
+    <c:title>
+      <c:tx>
+        <c:rich>
+          <a:bodyPr rot="0" spcFirstLastPara="1" vertOverflow="ellipsis" vert="horz" wrap="square" anchor="ctr" anchorCtr="1"/>
+          <a:lstStyle/>
+          <a:p>
+            <a:pPr>
+              <a:defRPr sz="1862" b="0" i="0" u="none" strike="noStrike" kern="1200" spc="0" baseline="0">
+                <a:solidFill>
+                  <a:schemeClr val="tx1">
+                    <a:lumMod val="65000"/>
+                    <a:lumOff val="35000"/>
+                  </a:schemeClr>
+                </a:solidFill>
+                <a:latin typeface="+mn-lt"/>
+                <a:ea typeface="+mn-ea"/>
+                <a:cs typeface="+mn-cs"/>
+              </a:defRPr>
+            </a:pPr>
+            <a:r>
+              <a:rPr lang="en-US" dirty="0"/>
+              <a:t>Fig. 1 Data Throughput vs. Distance</a:t>
+            </a:r>
+          </a:p>
+        </c:rich>
+      </c:tx>
+      <c:overlay val="0"/>
+      <c:spPr>
+        <a:noFill/>
+        <a:ln>
+          <a:noFill/>
+        </a:ln>
+        <a:effectLst/>
+      </c:spPr>
+      <c:txPr>
+        <a:bodyPr rot="0" spcFirstLastPara="1" vertOverflow="ellipsis" vert="horz" wrap="square" anchor="ctr" anchorCtr="1"/>
+        <a:lstStyle/>
+        <a:p>
+          <a:pPr>
+            <a:defRPr sz="1862" b="0" i="0" u="none" strike="noStrike" kern="1200" spc="0" baseline="0">
+              <a:solidFill>
+                <a:schemeClr val="tx1">
+                  <a:lumMod val="65000"/>
+                  <a:lumOff val="35000"/>
+                </a:schemeClr>
+              </a:solidFill>
+              <a:latin typeface="+mn-lt"/>
+              <a:ea typeface="+mn-ea"/>
+              <a:cs typeface="+mn-cs"/>
+            </a:defRPr>
+          </a:pPr>
+          <a:endParaRPr lang="en-US"/>
+        </a:p>
+      </c:txPr>
+    </c:title>
+    <c:autoTitleDeleted val="0"/>
+    <c:plotArea>
+      <c:layout/>
+      <c:lineChart>
+        <c:grouping val="standard"/>
+        <c:varyColors val="0"/>
+        <c:ser>
+          <c:idx val="0"/>
+          <c:order val="0"/>
+          <c:tx>
+            <c:strRef>
+              <c:f>Sheet1!$B$1</c:f>
+              <c:strCache>
+                <c:ptCount val="1"/>
+                <c:pt idx="0">
+                  <c:v>DH1</c:v>
+                </c:pt>
+              </c:strCache>
+            </c:strRef>
+          </c:tx>
+          <c:spPr>
+            <a:ln w="28575" cap="rnd">
+              <a:solidFill>
+                <a:schemeClr val="accent1"/>
+              </a:solidFill>
+              <a:round/>
+            </a:ln>
+            <a:effectLst/>
+          </c:spPr>
+          <c:marker>
+            <c:symbol val="none"/>
+          </c:marker>
+          <c:cat>
+            <c:numRef>
+              <c:f>Sheet1!$A$2:$A$4</c:f>
+              <c:numCache>
+                <c:formatCode>General</c:formatCode>
+                <c:ptCount val="3"/>
+                <c:pt idx="0">
+                  <c:v>10</c:v>
+                </c:pt>
+                <c:pt idx="1">
+                  <c:v>15</c:v>
+                </c:pt>
+                <c:pt idx="2">
+                  <c:v>30</c:v>
+                </c:pt>
+              </c:numCache>
+            </c:numRef>
+          </c:cat>
+          <c:val>
+            <c:numRef>
+              <c:f>Sheet1!$B$2:$B$4</c:f>
+              <c:numCache>
+                <c:formatCode>General</c:formatCode>
+                <c:ptCount val="3"/>
+                <c:pt idx="0">
+                  <c:v>225.38</c:v>
+                </c:pt>
+                <c:pt idx="1">
+                  <c:v>175.83</c:v>
+                </c:pt>
+                <c:pt idx="2">
+                  <c:v>131.1</c:v>
+                </c:pt>
+              </c:numCache>
+            </c:numRef>
+          </c:val>
+          <c:smooth val="0"/>
+          <c:extLst>
+            <c:ext xmlns:c16="http://schemas.microsoft.com/office/drawing/2014/chart" uri="{C3380CC4-5D6E-409C-BE32-E72D297353CC}">
+              <c16:uniqueId val="{00000000-D2FD-45E1-8C15-75E28E9F50B8}"/>
+            </c:ext>
+          </c:extLst>
+        </c:ser>
+        <c:ser>
+          <c:idx val="1"/>
+          <c:order val="1"/>
+          <c:tx>
+            <c:strRef>
+              <c:f>Sheet1!$C$1</c:f>
+              <c:strCache>
+                <c:ptCount val="1"/>
+                <c:pt idx="0">
+                  <c:v>DH3</c:v>
+                </c:pt>
+              </c:strCache>
+            </c:strRef>
+          </c:tx>
+          <c:spPr>
+            <a:ln w="28575" cap="rnd">
+              <a:solidFill>
+                <a:schemeClr val="accent2"/>
+              </a:solidFill>
+              <a:round/>
+            </a:ln>
+            <a:effectLst/>
+          </c:spPr>
+          <c:marker>
+            <c:symbol val="none"/>
+          </c:marker>
+          <c:cat>
+            <c:numRef>
+              <c:f>Sheet1!$A$2:$A$4</c:f>
+              <c:numCache>
+                <c:formatCode>General</c:formatCode>
+                <c:ptCount val="3"/>
+                <c:pt idx="0">
+                  <c:v>10</c:v>
+                </c:pt>
+                <c:pt idx="1">
+                  <c:v>15</c:v>
+                </c:pt>
+                <c:pt idx="2">
+                  <c:v>30</c:v>
+                </c:pt>
+              </c:numCache>
+            </c:numRef>
+          </c:cat>
+          <c:val>
+            <c:numRef>
+              <c:f>Sheet1!$C$2:$C$4</c:f>
+              <c:numCache>
+                <c:formatCode>General</c:formatCode>
+                <c:ptCount val="3"/>
+                <c:pt idx="0">
+                  <c:v>258.04000000000002</c:v>
+                </c:pt>
+                <c:pt idx="1">
+                  <c:v>259.83</c:v>
+                </c:pt>
+                <c:pt idx="2">
+                  <c:v>192.84</c:v>
+                </c:pt>
+              </c:numCache>
+            </c:numRef>
+          </c:val>
+          <c:smooth val="0"/>
+          <c:extLst>
+            <c:ext xmlns:c16="http://schemas.microsoft.com/office/drawing/2014/chart" uri="{C3380CC4-5D6E-409C-BE32-E72D297353CC}">
+              <c16:uniqueId val="{00000001-D2FD-45E1-8C15-75E28E9F50B8}"/>
+            </c:ext>
+          </c:extLst>
+        </c:ser>
+        <c:ser>
+          <c:idx val="2"/>
+          <c:order val="2"/>
+          <c:tx>
+            <c:strRef>
+              <c:f>Sheet1!$D$1</c:f>
+              <c:strCache>
+                <c:ptCount val="1"/>
+                <c:pt idx="0">
+                  <c:v>DH5</c:v>
+                </c:pt>
+              </c:strCache>
+            </c:strRef>
+          </c:tx>
+          <c:spPr>
+            <a:ln w="28575" cap="rnd">
+              <a:solidFill>
+                <a:schemeClr val="accent3"/>
+              </a:solidFill>
+              <a:round/>
+            </a:ln>
+            <a:effectLst/>
+          </c:spPr>
+          <c:marker>
+            <c:symbol val="none"/>
+          </c:marker>
+          <c:cat>
+            <c:numRef>
+              <c:f>Sheet1!$A$2:$A$4</c:f>
+              <c:numCache>
+                <c:formatCode>General</c:formatCode>
+                <c:ptCount val="3"/>
+                <c:pt idx="0">
+                  <c:v>10</c:v>
+                </c:pt>
+                <c:pt idx="1">
+                  <c:v>15</c:v>
+                </c:pt>
+                <c:pt idx="2">
+                  <c:v>30</c:v>
+                </c:pt>
+              </c:numCache>
+            </c:numRef>
+          </c:cat>
+          <c:val>
+            <c:numRef>
+              <c:f>Sheet1!$D$2:$D$4</c:f>
+              <c:numCache>
+                <c:formatCode>General</c:formatCode>
+                <c:ptCount val="3"/>
+                <c:pt idx="0">
+                  <c:v>273.55</c:v>
+                </c:pt>
+                <c:pt idx="1">
+                  <c:v>270.77999999999997</c:v>
+                </c:pt>
+                <c:pt idx="2">
+                  <c:v>255.95</c:v>
+                </c:pt>
+              </c:numCache>
+            </c:numRef>
+          </c:val>
+          <c:smooth val="0"/>
+          <c:extLst>
+            <c:ext xmlns:c16="http://schemas.microsoft.com/office/drawing/2014/chart" uri="{C3380CC4-5D6E-409C-BE32-E72D297353CC}">
+              <c16:uniqueId val="{00000002-D2FD-45E1-8C15-75E28E9F50B8}"/>
+            </c:ext>
+          </c:extLst>
+        </c:ser>
+        <c:dLbls>
+          <c:showLegendKey val="0"/>
+          <c:showVal val="0"/>
+          <c:showCatName val="0"/>
+          <c:showSerName val="0"/>
+          <c:showPercent val="0"/>
+          <c:showBubbleSize val="0"/>
+        </c:dLbls>
+        <c:smooth val="0"/>
+        <c:axId val="654488488"/>
+        <c:axId val="654493736"/>
+      </c:lineChart>
+      <c:catAx>
+        <c:axId val="654488488"/>
+        <c:scaling>
+          <c:orientation val="minMax"/>
+        </c:scaling>
+        <c:delete val="0"/>
+        <c:axPos val="b"/>
+        <c:minorGridlines>
+          <c:spPr>
+            <a:ln w="9525" cap="flat" cmpd="sng" algn="ctr">
+              <a:solidFill>
+                <a:schemeClr val="tx1">
+                  <a:lumMod val="5000"/>
+                  <a:lumOff val="95000"/>
+                </a:schemeClr>
+              </a:solidFill>
+              <a:round/>
+            </a:ln>
+            <a:effectLst/>
+          </c:spPr>
+        </c:minorGridlines>
+        <c:numFmt formatCode="General" sourceLinked="1"/>
+        <c:majorTickMark val="none"/>
+        <c:minorTickMark val="none"/>
+        <c:tickLblPos val="nextTo"/>
+        <c:spPr>
+          <a:noFill/>
+          <a:ln w="9525" cap="flat" cmpd="sng" algn="ctr">
+            <a:solidFill>
+              <a:schemeClr val="tx1">
+                <a:lumMod val="15000"/>
+                <a:lumOff val="85000"/>
+              </a:schemeClr>
+            </a:solidFill>
+            <a:round/>
+          </a:ln>
+          <a:effectLst/>
+        </c:spPr>
+        <c:txPr>
+          <a:bodyPr rot="-60000000" spcFirstLastPara="1" vertOverflow="ellipsis" vert="horz" wrap="square" anchor="ctr" anchorCtr="1"/>
+          <a:lstStyle/>
+          <a:p>
+            <a:pPr>
+              <a:defRPr sz="1197" b="0" i="0" u="none" strike="noStrike" kern="1200" baseline="0">
+                <a:solidFill>
+                  <a:schemeClr val="tx1">
+                    <a:lumMod val="65000"/>
+                    <a:lumOff val="35000"/>
+                  </a:schemeClr>
+                </a:solidFill>
+                <a:latin typeface="+mn-lt"/>
+                <a:ea typeface="+mn-ea"/>
+                <a:cs typeface="+mn-cs"/>
+              </a:defRPr>
+            </a:pPr>
+            <a:endParaRPr lang="en-US"/>
+          </a:p>
+        </c:txPr>
+        <c:crossAx val="654493736"/>
+        <c:crosses val="autoZero"/>
+        <c:auto val="1"/>
+        <c:lblAlgn val="ctr"/>
+        <c:lblOffset val="100"/>
+        <c:noMultiLvlLbl val="0"/>
+      </c:catAx>
+      <c:valAx>
+        <c:axId val="654493736"/>
+        <c:scaling>
+          <c:orientation val="minMax"/>
+        </c:scaling>
+        <c:delete val="0"/>
+        <c:axPos val="l"/>
+        <c:majorGridlines>
+          <c:spPr>
+            <a:ln w="9525" cap="flat" cmpd="sng" algn="ctr">
+              <a:solidFill>
+                <a:schemeClr val="tx1">
+                  <a:lumMod val="15000"/>
+                  <a:lumOff val="85000"/>
+                </a:schemeClr>
+              </a:solidFill>
+              <a:round/>
+            </a:ln>
+            <a:effectLst/>
+          </c:spPr>
+        </c:majorGridlines>
+        <c:numFmt formatCode="General" sourceLinked="1"/>
+        <c:majorTickMark val="none"/>
+        <c:minorTickMark val="none"/>
+        <c:tickLblPos val="nextTo"/>
+        <c:spPr>
+          <a:noFill/>
+          <a:ln>
+            <a:noFill/>
+          </a:ln>
+          <a:effectLst/>
+        </c:spPr>
+        <c:txPr>
+          <a:bodyPr rot="-60000000" spcFirstLastPara="1" vertOverflow="ellipsis" vert="horz" wrap="square" anchor="ctr" anchorCtr="1"/>
+          <a:lstStyle/>
+          <a:p>
+            <a:pPr>
+              <a:defRPr sz="1197" b="0" i="0" u="none" strike="noStrike" kern="1200" baseline="0">
+                <a:solidFill>
+                  <a:schemeClr val="tx1">
+                    <a:lumMod val="65000"/>
+                    <a:lumOff val="35000"/>
+                  </a:schemeClr>
+                </a:solidFill>
+                <a:latin typeface="+mn-lt"/>
+                <a:ea typeface="+mn-ea"/>
+                <a:cs typeface="+mn-cs"/>
+              </a:defRPr>
+            </a:pPr>
+            <a:endParaRPr lang="en-US"/>
+          </a:p>
+        </c:txPr>
+        <c:crossAx val="654488488"/>
+        <c:crosses val="autoZero"/>
+        <c:crossBetween val="between"/>
+      </c:valAx>
+      <c:spPr>
+        <a:noFill/>
+        <a:ln>
+          <a:noFill/>
+        </a:ln>
+        <a:effectLst/>
+      </c:spPr>
+    </c:plotArea>
+    <c:legend>
+      <c:legendPos val="b"/>
+      <c:overlay val="0"/>
+      <c:spPr>
+        <a:noFill/>
+        <a:ln>
+          <a:noFill/>
+        </a:ln>
+        <a:effectLst/>
+      </c:spPr>
+      <c:txPr>
+        <a:bodyPr rot="0" spcFirstLastPara="1" vertOverflow="ellipsis" vert="horz" wrap="square" anchor="ctr" anchorCtr="1"/>
+        <a:lstStyle/>
+        <a:p>
+          <a:pPr>
+            <a:defRPr sz="1197" b="0" i="0" u="none" strike="noStrike" kern="1200" baseline="0">
+              <a:solidFill>
+                <a:schemeClr val="tx1">
+                  <a:lumMod val="65000"/>
+                  <a:lumOff val="35000"/>
+                </a:schemeClr>
+              </a:solidFill>
+              <a:latin typeface="+mn-lt"/>
+              <a:ea typeface="+mn-ea"/>
+              <a:cs typeface="+mn-cs"/>
+            </a:defRPr>
+          </a:pPr>
+          <a:endParaRPr lang="en-US"/>
+        </a:p>
+      </c:txPr>
+    </c:legend>
+    <c:plotVisOnly val="1"/>
+    <c:dispBlanksAs val="gap"/>
+    <c:extLst>
+      <c:ext xmlns:c16r3="http://schemas.microsoft.com/office/drawing/2017/03/chart" uri="{56B9EC1D-385E-4148-901F-78D8002777C0}">
+        <c16r3:dataDisplayOptions16>
+          <c16r3:dispNaAsBlank val="1"/>
+        </c16r3:dataDisplayOptions16>
+      </c:ext>
+    </c:extLst>
+    <c:showDLblsOverMax val="0"/>
+  </c:chart>
+  <c:spPr>
+    <a:noFill/>
+    <a:ln>
+      <a:noFill/>
+    </a:ln>
+    <a:effectLst/>
+  </c:spPr>
+  <c:txPr>
+    <a:bodyPr/>
+    <a:lstStyle/>
+    <a:p>
+      <a:pPr>
+        <a:defRPr/>
+      </a:pPr>
+      <a:endParaRPr lang="en-US"/>
+    </a:p>
+  </c:txPr>
+  <c:externalData r:id="rId3">
+    <c:autoUpdate val="0"/>
+  </c:externalData>
+</c:chartSpace>
+</file>
+
+<file path=ppt/charts/chart7.xml><?xml version="1.0" encoding="utf-8"?>
+<c:chartSpace xmlns:c="http://schemas.openxmlformats.org/drawingml/2006/chart" xmlns:a="http://schemas.openxmlformats.org/drawingml/2006/main" xmlns:r="http://schemas.openxmlformats.org/officeDocument/2006/relationships" xmlns:c16r2="http://schemas.microsoft.com/office/drawing/2015/06/chart">
+  <c:date1904 val="0"/>
+  <c:lang val="en-US"/>
+  <c:roundedCorners val="0"/>
+  <mc:AlternateContent xmlns:mc="http://schemas.openxmlformats.org/markup-compatibility/2006">
+    <mc:Choice xmlns:c14="http://schemas.microsoft.com/office/drawing/2007/8/2/chart" Requires="c14">
+      <c14:style val="102"/>
+    </mc:Choice>
+    <mc:Fallback>
+      <c:style val="2"/>
+    </mc:Fallback>
+  </mc:AlternateContent>
+  <c:chart>
+    <c:title>
+      <c:tx>
+        <c:rich>
+          <a:bodyPr rot="0" spcFirstLastPara="1" vertOverflow="ellipsis" vert="horz" wrap="square" anchor="ctr" anchorCtr="1"/>
+          <a:lstStyle/>
+          <a:p>
+            <a:pPr>
+              <a:defRPr sz="1862" b="0" i="0" u="none" strike="noStrike" kern="1200" spc="0" baseline="0">
+                <a:solidFill>
+                  <a:schemeClr val="tx1">
+                    <a:lumMod val="65000"/>
+                    <a:lumOff val="35000"/>
+                  </a:schemeClr>
+                </a:solidFill>
+                <a:latin typeface="+mn-lt"/>
+                <a:ea typeface="+mn-ea"/>
+                <a:cs typeface="+mn-cs"/>
+              </a:defRPr>
+            </a:pPr>
+            <a:r>
+              <a:rPr lang="en-US" dirty="0"/>
+              <a:t>Fig. 2</a:t>
+            </a:r>
+            <a:r>
+              <a:rPr lang="en-US" baseline="0" dirty="0"/>
+              <a:t> Data Throughput vs. Number of Slaves</a:t>
+            </a:r>
+            <a:endParaRPr lang="en-US" dirty="0"/>
+          </a:p>
+        </c:rich>
+      </c:tx>
+      <c:overlay val="0"/>
+      <c:spPr>
+        <a:noFill/>
+        <a:ln>
+          <a:noFill/>
+        </a:ln>
+        <a:effectLst/>
+      </c:spPr>
+      <c:txPr>
+        <a:bodyPr rot="0" spcFirstLastPara="1" vertOverflow="ellipsis" vert="horz" wrap="square" anchor="ctr" anchorCtr="1"/>
+        <a:lstStyle/>
+        <a:p>
+          <a:pPr>
+            <a:defRPr sz="1862" b="0" i="0" u="none" strike="noStrike" kern="1200" spc="0" baseline="0">
+              <a:solidFill>
+                <a:schemeClr val="tx1">
+                  <a:lumMod val="65000"/>
+                  <a:lumOff val="35000"/>
+                </a:schemeClr>
+              </a:solidFill>
+              <a:latin typeface="+mn-lt"/>
+              <a:ea typeface="+mn-ea"/>
+              <a:cs typeface="+mn-cs"/>
+            </a:defRPr>
+          </a:pPr>
+          <a:endParaRPr lang="en-US"/>
+        </a:p>
+      </c:txPr>
+    </c:title>
+    <c:autoTitleDeleted val="0"/>
+    <c:plotArea>
+      <c:layout/>
+      <c:lineChart>
+        <c:grouping val="standard"/>
+        <c:varyColors val="0"/>
+        <c:ser>
+          <c:idx val="0"/>
+          <c:order val="0"/>
+          <c:tx>
+            <c:strRef>
+              <c:f>Sheet1!$B$1</c:f>
+              <c:strCache>
+                <c:ptCount val="1"/>
+                <c:pt idx="0">
+                  <c:v>DH1</c:v>
+                </c:pt>
+              </c:strCache>
+            </c:strRef>
+          </c:tx>
+          <c:spPr>
+            <a:ln w="28575" cap="rnd">
+              <a:solidFill>
+                <a:schemeClr val="accent1"/>
+              </a:solidFill>
+              <a:round/>
+            </a:ln>
+            <a:effectLst/>
+          </c:spPr>
+          <c:marker>
+            <c:symbol val="none"/>
+          </c:marker>
+          <c:cat>
+            <c:numRef>
+              <c:f>Sheet1!$A$2:$A$4</c:f>
+              <c:numCache>
+                <c:formatCode>General</c:formatCode>
+                <c:ptCount val="3"/>
+                <c:pt idx="0">
+                  <c:v>1</c:v>
+                </c:pt>
+                <c:pt idx="1">
+                  <c:v>2</c:v>
+                </c:pt>
+                <c:pt idx="2">
+                  <c:v>3</c:v>
+                </c:pt>
+              </c:numCache>
+            </c:numRef>
+          </c:cat>
+          <c:val>
+            <c:numRef>
+              <c:f>Sheet1!$B$2:$B$4</c:f>
+              <c:numCache>
+                <c:formatCode>General</c:formatCode>
+                <c:ptCount val="3"/>
+                <c:pt idx="0">
+                  <c:v>55.81</c:v>
+                </c:pt>
+                <c:pt idx="1">
+                  <c:v>11.75</c:v>
+                </c:pt>
+                <c:pt idx="2">
+                  <c:v>60.39</c:v>
+                </c:pt>
+              </c:numCache>
+            </c:numRef>
+          </c:val>
+          <c:smooth val="0"/>
+          <c:extLst>
+            <c:ext xmlns:c16="http://schemas.microsoft.com/office/drawing/2014/chart" uri="{C3380CC4-5D6E-409C-BE32-E72D297353CC}">
+              <c16:uniqueId val="{00000000-CB2D-4A4E-AEBA-DA95B7FD92FD}"/>
+            </c:ext>
+          </c:extLst>
+        </c:ser>
+        <c:ser>
+          <c:idx val="1"/>
+          <c:order val="1"/>
+          <c:tx>
+            <c:strRef>
+              <c:f>Sheet1!$C$1</c:f>
+              <c:strCache>
+                <c:ptCount val="1"/>
+                <c:pt idx="0">
+                  <c:v>DH3</c:v>
+                </c:pt>
+              </c:strCache>
+            </c:strRef>
+          </c:tx>
+          <c:spPr>
+            <a:ln w="28575" cap="rnd">
+              <a:solidFill>
+                <a:schemeClr val="accent2"/>
+              </a:solidFill>
+              <a:round/>
+            </a:ln>
+            <a:effectLst/>
+          </c:spPr>
+          <c:marker>
+            <c:symbol val="none"/>
+          </c:marker>
+          <c:cat>
+            <c:numRef>
+              <c:f>Sheet1!$A$2:$A$4</c:f>
+              <c:numCache>
+                <c:formatCode>General</c:formatCode>
+                <c:ptCount val="3"/>
+                <c:pt idx="0">
+                  <c:v>1</c:v>
+                </c:pt>
+                <c:pt idx="1">
+                  <c:v>2</c:v>
+                </c:pt>
+                <c:pt idx="2">
+                  <c:v>3</c:v>
+                </c:pt>
+              </c:numCache>
+            </c:numRef>
+          </c:cat>
+          <c:val>
+            <c:numRef>
+              <c:f>Sheet1!$C$2:$C$4</c:f>
+              <c:numCache>
+                <c:formatCode>General</c:formatCode>
+                <c:ptCount val="3"/>
+                <c:pt idx="0">
+                  <c:v>197.36</c:v>
+                </c:pt>
+                <c:pt idx="1">
+                  <c:v>44.75</c:v>
+                </c:pt>
+                <c:pt idx="2">
+                  <c:v>45</c:v>
+                </c:pt>
+              </c:numCache>
+            </c:numRef>
+          </c:val>
+          <c:smooth val="0"/>
+          <c:extLst>
+            <c:ext xmlns:c16="http://schemas.microsoft.com/office/drawing/2014/chart" uri="{C3380CC4-5D6E-409C-BE32-E72D297353CC}">
+              <c16:uniqueId val="{00000001-CB2D-4A4E-AEBA-DA95B7FD92FD}"/>
+            </c:ext>
+          </c:extLst>
+        </c:ser>
+        <c:ser>
+          <c:idx val="2"/>
+          <c:order val="2"/>
+          <c:tx>
+            <c:strRef>
+              <c:f>Sheet1!$D$1</c:f>
+              <c:strCache>
+                <c:ptCount val="1"/>
+                <c:pt idx="0">
+                  <c:v>DH5</c:v>
+                </c:pt>
+              </c:strCache>
+            </c:strRef>
+          </c:tx>
+          <c:spPr>
+            <a:ln w="28575" cap="rnd">
+              <a:solidFill>
+                <a:schemeClr val="accent3"/>
+              </a:solidFill>
+              <a:round/>
+            </a:ln>
+            <a:effectLst/>
+          </c:spPr>
+          <c:marker>
+            <c:symbol val="none"/>
+          </c:marker>
+          <c:cat>
+            <c:numRef>
+              <c:f>Sheet1!$A$2:$A$4</c:f>
+              <c:numCache>
+                <c:formatCode>General</c:formatCode>
+                <c:ptCount val="3"/>
+                <c:pt idx="0">
+                  <c:v>1</c:v>
+                </c:pt>
+                <c:pt idx="1">
+                  <c:v>2</c:v>
+                </c:pt>
+                <c:pt idx="2">
+                  <c:v>3</c:v>
+                </c:pt>
+              </c:numCache>
+            </c:numRef>
+          </c:cat>
+          <c:val>
+            <c:numRef>
+              <c:f>Sheet1!$D$2:$D$4</c:f>
+              <c:numCache>
+                <c:formatCode>General</c:formatCode>
+                <c:ptCount val="3"/>
+                <c:pt idx="0">
+                  <c:v>260.2</c:v>
+                </c:pt>
+                <c:pt idx="1">
+                  <c:v>65.33</c:v>
+                </c:pt>
+                <c:pt idx="2">
+                  <c:v>47</c:v>
+                </c:pt>
+              </c:numCache>
+            </c:numRef>
+          </c:val>
+          <c:smooth val="0"/>
+          <c:extLst>
+            <c:ext xmlns:c16="http://schemas.microsoft.com/office/drawing/2014/chart" uri="{C3380CC4-5D6E-409C-BE32-E72D297353CC}">
+              <c16:uniqueId val="{00000002-CB2D-4A4E-AEBA-DA95B7FD92FD}"/>
+            </c:ext>
+          </c:extLst>
+        </c:ser>
+        <c:dLbls>
+          <c:showLegendKey val="0"/>
+          <c:showVal val="0"/>
+          <c:showCatName val="0"/>
+          <c:showSerName val="0"/>
+          <c:showPercent val="0"/>
+          <c:showBubbleSize val="0"/>
+        </c:dLbls>
+        <c:smooth val="0"/>
+        <c:axId val="654504232"/>
+        <c:axId val="654500296"/>
+      </c:lineChart>
+      <c:catAx>
+        <c:axId val="654504232"/>
+        <c:scaling>
+          <c:orientation val="minMax"/>
+        </c:scaling>
+        <c:delete val="0"/>
+        <c:axPos val="b"/>
+        <c:numFmt formatCode="General" sourceLinked="1"/>
+        <c:majorTickMark val="none"/>
+        <c:minorTickMark val="none"/>
+        <c:tickLblPos val="nextTo"/>
+        <c:spPr>
+          <a:noFill/>
+          <a:ln w="9525" cap="flat" cmpd="sng" algn="ctr">
+            <a:solidFill>
+              <a:schemeClr val="tx1">
+                <a:lumMod val="15000"/>
+                <a:lumOff val="85000"/>
+              </a:schemeClr>
+            </a:solidFill>
+            <a:round/>
+          </a:ln>
+          <a:effectLst/>
+        </c:spPr>
+        <c:txPr>
+          <a:bodyPr rot="-60000000" spcFirstLastPara="1" vertOverflow="ellipsis" vert="horz" wrap="square" anchor="ctr" anchorCtr="1"/>
+          <a:lstStyle/>
+          <a:p>
+            <a:pPr>
+              <a:defRPr sz="1197" b="0" i="0" u="none" strike="noStrike" kern="1200" baseline="0">
+                <a:solidFill>
+                  <a:schemeClr val="tx1">
+                    <a:lumMod val="65000"/>
+                    <a:lumOff val="35000"/>
+                  </a:schemeClr>
+                </a:solidFill>
+                <a:latin typeface="+mn-lt"/>
+                <a:ea typeface="+mn-ea"/>
+                <a:cs typeface="+mn-cs"/>
+              </a:defRPr>
+            </a:pPr>
+            <a:endParaRPr lang="en-US"/>
+          </a:p>
+        </c:txPr>
+        <c:crossAx val="654500296"/>
+        <c:crosses val="autoZero"/>
+        <c:auto val="1"/>
+        <c:lblAlgn val="ctr"/>
+        <c:lblOffset val="100"/>
+        <c:noMultiLvlLbl val="0"/>
+      </c:catAx>
+      <c:valAx>
+        <c:axId val="654500296"/>
+        <c:scaling>
+          <c:orientation val="minMax"/>
+        </c:scaling>
+        <c:delete val="0"/>
+        <c:axPos val="l"/>
+        <c:majorGridlines>
+          <c:spPr>
+            <a:ln w="9525" cap="flat" cmpd="sng" algn="ctr">
+              <a:solidFill>
+                <a:schemeClr val="tx1">
+                  <a:lumMod val="15000"/>
+                  <a:lumOff val="85000"/>
+                </a:schemeClr>
+              </a:solidFill>
+              <a:round/>
+            </a:ln>
+            <a:effectLst/>
+          </c:spPr>
+        </c:majorGridlines>
+        <c:numFmt formatCode="General" sourceLinked="1"/>
+        <c:majorTickMark val="none"/>
+        <c:minorTickMark val="none"/>
+        <c:tickLblPos val="nextTo"/>
+        <c:spPr>
+          <a:noFill/>
+          <a:ln>
+            <a:noFill/>
+          </a:ln>
+          <a:effectLst/>
+        </c:spPr>
+        <c:txPr>
+          <a:bodyPr rot="-60000000" spcFirstLastPara="1" vertOverflow="ellipsis" vert="horz" wrap="square" anchor="ctr" anchorCtr="1"/>
+          <a:lstStyle/>
+          <a:p>
+            <a:pPr>
+              <a:defRPr sz="1197" b="0" i="0" u="none" strike="noStrike" kern="1200" baseline="0">
+                <a:solidFill>
+                  <a:schemeClr val="tx1">
+                    <a:lumMod val="65000"/>
+                    <a:lumOff val="35000"/>
+                  </a:schemeClr>
+                </a:solidFill>
+                <a:latin typeface="+mn-lt"/>
+                <a:ea typeface="+mn-ea"/>
+                <a:cs typeface="+mn-cs"/>
+              </a:defRPr>
+            </a:pPr>
+            <a:endParaRPr lang="en-US"/>
+          </a:p>
+        </c:txPr>
+        <c:crossAx val="654504232"/>
+        <c:crosses val="autoZero"/>
+        <c:crossBetween val="between"/>
+      </c:valAx>
+      <c:spPr>
+        <a:noFill/>
+        <a:ln>
+          <a:noFill/>
+        </a:ln>
+        <a:effectLst/>
+      </c:spPr>
+    </c:plotArea>
+    <c:legend>
+      <c:legendPos val="b"/>
+      <c:overlay val="0"/>
+      <c:spPr>
+        <a:noFill/>
+        <a:ln>
+          <a:noFill/>
+        </a:ln>
+        <a:effectLst/>
+      </c:spPr>
+      <c:txPr>
+        <a:bodyPr rot="0" spcFirstLastPara="1" vertOverflow="ellipsis" vert="horz" wrap="square" anchor="ctr" anchorCtr="1"/>
+        <a:lstStyle/>
+        <a:p>
+          <a:pPr>
+            <a:defRPr sz="1197" b="0" i="0" u="none" strike="noStrike" kern="1200" baseline="0">
+              <a:solidFill>
+                <a:schemeClr val="tx1">
+                  <a:lumMod val="65000"/>
+                  <a:lumOff val="35000"/>
+                </a:schemeClr>
+              </a:solidFill>
+              <a:latin typeface="+mn-lt"/>
+              <a:ea typeface="+mn-ea"/>
+              <a:cs typeface="+mn-cs"/>
+            </a:defRPr>
+          </a:pPr>
+          <a:endParaRPr lang="en-US"/>
+        </a:p>
+      </c:txPr>
+    </c:legend>
+    <c:plotVisOnly val="1"/>
+    <c:dispBlanksAs val="gap"/>
+    <c:extLst>
+      <c:ext xmlns:c16r3="http://schemas.microsoft.com/office/drawing/2017/03/chart" uri="{56B9EC1D-385E-4148-901F-78D8002777C0}">
+        <c16r3:dataDisplayOptions16>
+          <c16r3:dispNaAsBlank val="1"/>
+        </c16r3:dataDisplayOptions16>
+      </c:ext>
+    </c:extLst>
+    <c:showDLblsOverMax val="0"/>
+  </c:chart>
+  <c:spPr>
+    <a:noFill/>
+    <a:ln>
+      <a:noFill/>
+    </a:ln>
+    <a:effectLst/>
+  </c:spPr>
+  <c:txPr>
+    <a:bodyPr/>
+    <a:lstStyle/>
+    <a:p>
+      <a:pPr>
+        <a:defRPr/>
+      </a:pPr>
+      <a:endParaRPr lang="en-US"/>
+    </a:p>
+  </c:txPr>
+  <c:externalData r:id="rId3">
+    <c:autoUpdate val="0"/>
+  </c:externalData>
+</c:chartSpace>
+</file>
+
+<file path=ppt/charts/colors1.xml><?xml version="1.0" encoding="utf-8"?>
+<cs:colorStyle xmlns:cs="http://schemas.microsoft.com/office/drawing/2012/chartStyle" xmlns:a="http://schemas.openxmlformats.org/drawingml/2006/main" meth="cycle" id="10">
+  <a:schemeClr val="accent1"/>
+  <a:schemeClr val="accent2"/>
+  <a:schemeClr val="accent3"/>
+  <a:schemeClr val="accent4"/>
+  <a:schemeClr val="accent5"/>
+  <a:schemeClr val="accent6"/>
+  <cs:variation/>
+  <cs:variation>
+    <a:lumMod val="60000"/>
+  </cs:variation>
+  <cs:variation>
+    <a:lumMod val="80000"/>
+    <a:lumOff val="20000"/>
+  </cs:variation>
+  <cs:variation>
+    <a:lumMod val="80000"/>
+  </cs:variation>
+  <cs:variation>
+    <a:lumMod val="60000"/>
+    <a:lumOff val="40000"/>
+  </cs:variation>
+  <cs:variation>
+    <a:lumMod val="50000"/>
+  </cs:variation>
+  <cs:variation>
+    <a:lumMod val="70000"/>
+    <a:lumOff val="30000"/>
+  </cs:variation>
+  <cs:variation>
+    <a:lumMod val="70000"/>
+  </cs:variation>
+  <cs:variation>
+    <a:lumMod val="50000"/>
+    <a:lumOff val="50000"/>
+  </cs:variation>
+</cs:colorStyle>
+</file>
+
+<file path=ppt/charts/colors2.xml><?xml version="1.0" encoding="utf-8"?>
+<cs:colorStyle xmlns:cs="http://schemas.microsoft.com/office/drawing/2012/chartStyle" xmlns:a="http://schemas.openxmlformats.org/drawingml/2006/main" meth="cycle" id="10">
+  <a:schemeClr val="accent1"/>
+  <a:schemeClr val="accent2"/>
+  <a:schemeClr val="accent3"/>
+  <a:schemeClr val="accent4"/>
+  <a:schemeClr val="accent5"/>
+  <a:schemeClr val="accent6"/>
+  <cs:variation/>
+  <cs:variation>
+    <a:lumMod val="60000"/>
+  </cs:variation>
+  <cs:variation>
+    <a:lumMod val="80000"/>
+    <a:lumOff val="20000"/>
+  </cs:variation>
+  <cs:variation>
+    <a:lumMod val="80000"/>
+  </cs:variation>
+  <cs:variation>
+    <a:lumMod val="60000"/>
+    <a:lumOff val="40000"/>
+  </cs:variation>
+  <cs:variation>
+    <a:lumMod val="50000"/>
+  </cs:variation>
+  <cs:variation>
+    <a:lumMod val="70000"/>
+    <a:lumOff val="30000"/>
+  </cs:variation>
+  <cs:variation>
+    <a:lumMod val="70000"/>
+  </cs:variation>
+  <cs:variation>
+    <a:lumMod val="50000"/>
+    <a:lumOff val="50000"/>
+  </cs:variation>
+</cs:colorStyle>
+</file>
+
+<file path=ppt/charts/colors3.xml><?xml version="1.0" encoding="utf-8"?>
+<cs:colorStyle xmlns:cs="http://schemas.microsoft.com/office/drawing/2012/chartStyle" xmlns:a="http://schemas.openxmlformats.org/drawingml/2006/main" meth="cycle" id="10">
+  <a:schemeClr val="accent1"/>
+  <a:schemeClr val="accent2"/>
+  <a:schemeClr val="accent3"/>
+  <a:schemeClr val="accent4"/>
+  <a:schemeClr val="accent5"/>
+  <a:schemeClr val="accent6"/>
+  <cs:variation/>
+  <cs:variation>
+    <a:lumMod val="60000"/>
+  </cs:variation>
+  <cs:variation>
+    <a:lumMod val="80000"/>
+    <a:lumOff val="20000"/>
+  </cs:variation>
+  <cs:variation>
+    <a:lumMod val="80000"/>
+  </cs:variation>
+  <cs:variation>
+    <a:lumMod val="60000"/>
+    <a:lumOff val="40000"/>
+  </cs:variation>
+  <cs:variation>
+    <a:lumMod val="50000"/>
+  </cs:variation>
+  <cs:variation>
+    <a:lumMod val="70000"/>
+    <a:lumOff val="30000"/>
+  </cs:variation>
+  <cs:variation>
+    <a:lumMod val="70000"/>
+  </cs:variation>
+  <cs:variation>
+    <a:lumMod val="50000"/>
+    <a:lumOff val="50000"/>
+  </cs:variation>
+</cs:colorStyle>
+</file>
+
+<file path=ppt/charts/colors4.xml><?xml version="1.0" encoding="utf-8"?>
+<cs:colorStyle xmlns:cs="http://schemas.microsoft.com/office/drawing/2012/chartStyle" xmlns:a="http://schemas.openxmlformats.org/drawingml/2006/main" meth="cycle" id="10">
+  <a:schemeClr val="accent1"/>
+  <a:schemeClr val="accent2"/>
+  <a:schemeClr val="accent3"/>
+  <a:schemeClr val="accent4"/>
+  <a:schemeClr val="accent5"/>
+  <a:schemeClr val="accent6"/>
+  <cs:variation/>
+  <cs:variation>
+    <a:lumMod val="60000"/>
+  </cs:variation>
+  <cs:variation>
+    <a:lumMod val="80000"/>
+    <a:lumOff val="20000"/>
+  </cs:variation>
+  <cs:variation>
+    <a:lumMod val="80000"/>
+  </cs:variation>
+  <cs:variation>
+    <a:lumMod val="60000"/>
+    <a:lumOff val="40000"/>
+  </cs:variation>
+  <cs:variation>
+    <a:lumMod val="50000"/>
+  </cs:variation>
+  <cs:variation>
+    <a:lumMod val="70000"/>
+    <a:lumOff val="30000"/>
+  </cs:variation>
+  <cs:variation>
+    <a:lumMod val="70000"/>
+  </cs:variation>
+  <cs:variation>
+    <a:lumMod val="50000"/>
+    <a:lumOff val="50000"/>
+  </cs:variation>
+</cs:colorStyle>
+</file>
+
+<file path=ppt/charts/colors5.xml><?xml version="1.0" encoding="utf-8"?>
+<cs:colorStyle xmlns:cs="http://schemas.microsoft.com/office/drawing/2012/chartStyle" xmlns:a="http://schemas.openxmlformats.org/drawingml/2006/main" meth="cycle" id="10">
+  <a:schemeClr val="accent1"/>
+  <a:schemeClr val="accent2"/>
+  <a:schemeClr val="accent3"/>
+  <a:schemeClr val="accent4"/>
+  <a:schemeClr val="accent5"/>
+  <a:schemeClr val="accent6"/>
+  <cs:variation/>
+  <cs:variation>
+    <a:lumMod val="60000"/>
+  </cs:variation>
+  <cs:variation>
+    <a:lumMod val="80000"/>
+    <a:lumOff val="20000"/>
+  </cs:variation>
+  <cs:variation>
+    <a:lumMod val="80000"/>
+  </cs:variation>
+  <cs:variation>
+    <a:lumMod val="60000"/>
+    <a:lumOff val="40000"/>
+  </cs:variation>
+  <cs:variation>
+    <a:lumMod val="50000"/>
+  </cs:variation>
+  <cs:variation>
+    <a:lumMod val="70000"/>
+    <a:lumOff val="30000"/>
+  </cs:variation>
+  <cs:variation>
+    <a:lumMod val="70000"/>
+  </cs:variation>
+  <cs:variation>
+    <a:lumMod val="50000"/>
+    <a:lumOff val="50000"/>
+  </cs:variation>
+</cs:colorStyle>
+</file>
+
+<file path=ppt/charts/colors6.xml><?xml version="1.0" encoding="utf-8"?>
+<cs:colorStyle xmlns:cs="http://schemas.microsoft.com/office/drawing/2012/chartStyle" xmlns:a="http://schemas.openxmlformats.org/drawingml/2006/main" meth="cycle" id="10">
+  <a:schemeClr val="accent1"/>
+  <a:schemeClr val="accent2"/>
+  <a:schemeClr val="accent3"/>
+  <a:schemeClr val="accent4"/>
+  <a:schemeClr val="accent5"/>
+  <a:schemeClr val="accent6"/>
+  <cs:variation/>
+  <cs:variation>
+    <a:lumMod val="60000"/>
+  </cs:variation>
+  <cs:variation>
+    <a:lumMod val="80000"/>
+    <a:lumOff val="20000"/>
+  </cs:variation>
+  <cs:variation>
+    <a:lumMod val="80000"/>
+  </cs:variation>
+  <cs:variation>
+    <a:lumMod val="60000"/>
+    <a:lumOff val="40000"/>
+  </cs:variation>
+  <cs:variation>
+    <a:lumMod val="50000"/>
+  </cs:variation>
+  <cs:variation>
+    <a:lumMod val="70000"/>
+    <a:lumOff val="30000"/>
+  </cs:variation>
+  <cs:variation>
+    <a:lumMod val="70000"/>
+  </cs:variation>
+  <cs:variation>
+    <a:lumMod val="50000"/>
+    <a:lumOff val="50000"/>
+  </cs:variation>
+</cs:colorStyle>
+</file>
+
+<file path=ppt/charts/colors7.xml><?xml version="1.0" encoding="utf-8"?>
+<cs:colorStyle xmlns:cs="http://schemas.microsoft.com/office/drawing/2012/chartStyle" xmlns:a="http://schemas.openxmlformats.org/drawingml/2006/main" meth="cycle" id="10">
+  <a:schemeClr val="accent1"/>
+  <a:schemeClr val="accent2"/>
+  <a:schemeClr val="accent3"/>
+  <a:schemeClr val="accent4"/>
+  <a:schemeClr val="accent5"/>
+  <a:schemeClr val="accent6"/>
+  <cs:variation/>
+  <cs:variation>
+    <a:lumMod val="60000"/>
+  </cs:variation>
+  <cs:variation>
+    <a:lumMod val="80000"/>
+    <a:lumOff val="20000"/>
+  </cs:variation>
+  <cs:variation>
+    <a:lumMod val="80000"/>
+  </cs:variation>
+  <cs:variation>
+    <a:lumMod val="60000"/>
+    <a:lumOff val="40000"/>
+  </cs:variation>
+  <cs:variation>
+    <a:lumMod val="50000"/>
+  </cs:variation>
+  <cs:variation>
+    <a:lumMod val="70000"/>
+    <a:lumOff val="30000"/>
+  </cs:variation>
+  <cs:variation>
+    <a:lumMod val="70000"/>
+  </cs:variation>
+  <cs:variation>
+    <a:lumMod val="50000"/>
+    <a:lumOff val="50000"/>
+  </cs:variation>
+</cs:colorStyle>
+</file>
+
+<file path=ppt/charts/style1.xml><?xml version="1.0" encoding="utf-8"?>
+<cs:chartStyle xmlns:cs="http://schemas.microsoft.com/office/drawing/2012/chartStyle" xmlns:a="http://schemas.openxmlformats.org/drawingml/2006/main" id="332">
+  <cs:axisTitle>
+    <cs:lnRef idx="0"/>
+    <cs:fillRef idx="0"/>
+    <cs:effectRef idx="0"/>
+    <cs:fontRef idx="minor">
+      <a:schemeClr val="tx1">
+        <a:lumMod val="65000"/>
+        <a:lumOff val="35000"/>
+      </a:schemeClr>
+    </cs:fontRef>
+    <cs:defRPr sz="1330" kern="1200"/>
+  </cs:axisTitle>
+  <cs:categoryAxis>
+    <cs:lnRef idx="0"/>
+    <cs:fillRef idx="0"/>
+    <cs:effectRef idx="0"/>
+    <cs:fontRef idx="minor">
+      <a:schemeClr val="tx1">
+        <a:lumMod val="65000"/>
+        <a:lumOff val="35000"/>
+      </a:schemeClr>
+    </cs:fontRef>
+    <cs:spPr>
+      <a:ln w="9525" cap="flat" cmpd="sng" algn="ctr">
+        <a:solidFill>
+          <a:schemeClr val="tx1">
+            <a:lumMod val="15000"/>
+            <a:lumOff val="85000"/>
+          </a:schemeClr>
+        </a:solidFill>
+        <a:round/>
+      </a:ln>
+    </cs:spPr>
+    <cs:defRPr sz="1197" kern="1200"/>
+  </cs:categoryAxis>
+  <cs:chartArea mods="allowNoFillOverride allowNoLineOverride">
+    <cs:lnRef idx="0"/>
+    <cs:fillRef idx="0"/>
+    <cs:effectRef idx="0"/>
+    <cs:fontRef idx="minor">
+      <a:schemeClr val="tx1"/>
+    </cs:fontRef>
+    <cs:spPr>
+      <a:solidFill>
+        <a:schemeClr val="bg1"/>
+      </a:solidFill>
+      <a:ln w="9525" cap="flat" cmpd="sng" algn="ctr">
+        <a:solidFill>
+          <a:schemeClr val="tx1">
+            <a:lumMod val="15000"/>
+            <a:lumOff val="85000"/>
+          </a:schemeClr>
+        </a:solidFill>
+        <a:round/>
+      </a:ln>
+    </cs:spPr>
+    <cs:defRPr sz="1330" kern="1200"/>
+  </cs:chartArea>
+  <cs:dataLabel>
+    <cs:lnRef idx="0"/>
+    <cs:fillRef idx="0"/>
+    <cs:effectRef idx="0"/>
+    <cs:fontRef idx="minor">
+      <a:schemeClr val="tx1">
+        <a:lumMod val="75000"/>
+        <a:lumOff val="25000"/>
+      </a:schemeClr>
+    </cs:fontRef>
+    <cs:defRPr sz="1197" kern="1200"/>
+  </cs:dataLabel>
+  <cs:dataLabelCallout>
+    <cs:lnRef idx="0"/>
+    <cs:fillRef idx="0"/>
+    <cs:effectRef idx="0"/>
+    <cs:fontRef idx="minor">
+      <a:schemeClr val="dk1">
+        <a:lumMod val="65000"/>
+        <a:lumOff val="35000"/>
+      </a:schemeClr>
+    </cs:fontRef>
+    <cs:spPr>
+      <a:solidFill>
+        <a:schemeClr val="lt1"/>
+      </a:solidFill>
+      <a:ln>
+        <a:solidFill>
+          <a:schemeClr val="dk1">
+            <a:lumMod val="25000"/>
+            <a:lumOff val="75000"/>
+          </a:schemeClr>
+        </a:solidFill>
+      </a:ln>
+    </cs:spPr>
+    <cs:defRPr sz="1197" kern="1200"/>
+    <cs:bodyPr rot="0" spcFirstLastPara="1" vertOverflow="clip" horzOverflow="clip" vert="horz" wrap="square" lIns="36576" tIns="18288" rIns="36576" bIns="18288" anchor="ctr" anchorCtr="1">
+      <a:spAutoFit/>
+    </cs:bodyPr>
+  </cs:dataLabelCallout>
+  <cs:dataPoint>
+    <cs:lnRef idx="0"/>
+    <cs:fillRef idx="1">
+      <cs:styleClr val="auto"/>
+    </cs:fillRef>
+    <cs:effectRef idx="0"/>
+    <cs:fontRef idx="minor">
+      <a:schemeClr val="tx1"/>
+    </cs:fontRef>
+  </cs:dataPoint>
+  <cs:dataPoint3D>
+    <cs:lnRef idx="0"/>
+    <cs:fillRef idx="1">
+      <cs:styleClr val="auto"/>
+    </cs:fillRef>
+    <cs:effectRef idx="0"/>
+    <cs:fontRef idx="minor">
+      <a:schemeClr val="tx1"/>
+    </cs:fontRef>
+  </cs:dataPoint3D>
+  <cs:dataPointLine>
+    <cs:lnRef idx="0">
+      <cs:styleClr val="auto"/>
+    </cs:lnRef>
+    <cs:fillRef idx="1"/>
+    <cs:effectRef idx="0"/>
+    <cs:fontRef idx="minor">
+      <a:schemeClr val="tx1"/>
+    </cs:fontRef>
+    <cs:spPr>
+      <a:ln w="28575" cap="rnd">
+        <a:solidFill>
+          <a:schemeClr val="phClr"/>
+        </a:solidFill>
+        <a:round/>
+      </a:ln>
+    </cs:spPr>
+  </cs:dataPointLine>
+  <cs:dataPointMarker>
+    <cs:lnRef idx="0">
+      <cs:styleClr val="auto"/>
+    </cs:lnRef>
+    <cs:fillRef idx="1">
+      <cs:styleClr val="auto"/>
+    </cs:fillRef>
+    <cs:effectRef idx="0"/>
+    <cs:fontRef idx="minor">
+      <a:schemeClr val="tx1"/>
+    </cs:fontRef>
+    <cs:spPr>
+      <a:ln w="9525">
+        <a:solidFill>
+          <a:schemeClr val="phClr"/>
+        </a:solidFill>
+      </a:ln>
+    </cs:spPr>
+  </cs:dataPointMarker>
+  <cs:dataPointMarkerLayout symbol="circle" size="5"/>
+  <cs:dataPointWireframe>
+    <cs:lnRef idx="0">
+      <cs:styleClr val="auto"/>
+    </cs:lnRef>
+    <cs:fillRef idx="1"/>
+    <cs:effectRef idx="0"/>
+    <cs:fontRef idx="minor">
+      <a:schemeClr val="tx1"/>
+    </cs:fontRef>
+    <cs:spPr>
+      <a:ln w="9525" cap="rnd">
+        <a:solidFill>
+          <a:schemeClr val="phClr"/>
+        </a:solidFill>
+        <a:round/>
+      </a:ln>
+    </cs:spPr>
+  </cs:dataPointWireframe>
+  <cs:dataTable>
+    <cs:lnRef idx="0"/>
+    <cs:fillRef idx="0"/>
+    <cs:effectRef idx="0"/>
+    <cs:fontRef idx="minor">
+      <a:schemeClr val="tx1">
+        <a:lumMod val="65000"/>
+        <a:lumOff val="35000"/>
+      </a:schemeClr>
+    </cs:fontRef>
+    <cs:spPr>
+      <a:noFill/>
+      <a:ln w="9525" cap="flat" cmpd="sng" algn="ctr">
+        <a:solidFill>
+          <a:schemeClr val="tx1">
+            <a:lumMod val="15000"/>
+            <a:lumOff val="85000"/>
+          </a:schemeClr>
+        </a:solidFill>
+        <a:round/>
+      </a:ln>
+    </cs:spPr>
+    <cs:defRPr sz="1197" kern="1200"/>
+  </cs:dataTable>
+  <cs:downBar>
+    <cs:lnRef idx="0"/>
+    <cs:fillRef idx="0"/>
+    <cs:effectRef idx="0"/>
+    <cs:fontRef idx="minor">
+      <a:schemeClr val="dk1"/>
+    </cs:fontRef>
+    <cs:spPr>
+      <a:solidFill>
+        <a:schemeClr val="dk1">
+          <a:lumMod val="65000"/>
+          <a:lumOff val="35000"/>
+        </a:schemeClr>
+      </a:solidFill>
+      <a:ln w="9525">
+        <a:solidFill>
+          <a:schemeClr val="tx1">
+            <a:lumMod val="65000"/>
+            <a:lumOff val="35000"/>
+          </a:schemeClr>
+        </a:solidFill>
+      </a:ln>
+    </cs:spPr>
+  </cs:downBar>
+  <cs:dropLine>
+    <cs:lnRef idx="0"/>
+    <cs:fillRef idx="0"/>
+    <cs:effectRef idx="0"/>
+    <cs:fontRef idx="minor">
+      <a:schemeClr val="tx1"/>
+    </cs:fontRef>
+    <cs:spPr>
+      <a:ln w="9525" cap="flat" cmpd="sng" algn="ctr">
+        <a:solidFill>
+          <a:schemeClr val="tx1">
+            <a:lumMod val="35000"/>
+            <a:lumOff val="65000"/>
+          </a:schemeClr>
+        </a:solidFill>
+        <a:round/>
+      </a:ln>
+    </cs:spPr>
+  </cs:dropLine>
+  <cs:errorBar>
+    <cs:lnRef idx="0"/>
+    <cs:fillRef idx="0"/>
+    <cs:effectRef idx="0"/>
+    <cs:fontRef idx="minor">
+      <a:schemeClr val="tx1"/>
+    </cs:fontRef>
+    <cs:spPr>
+      <a:ln w="9525" cap="flat" cmpd="sng" algn="ctr">
+        <a:solidFill>
+          <a:schemeClr val="tx1">
+            <a:lumMod val="65000"/>
+            <a:lumOff val="35000"/>
+          </a:schemeClr>
+        </a:solidFill>
+        <a:round/>
+      </a:ln>
+    </cs:spPr>
+  </cs:errorBar>
+  <cs:floor>
+    <cs:lnRef idx="0"/>
+    <cs:fillRef idx="0"/>
+    <cs:effectRef idx="0"/>
+    <cs:fontRef idx="minor">
+      <a:schemeClr val="tx1"/>
+    </cs:fontRef>
+    <cs:spPr>
+      <a:noFill/>
+      <a:ln>
+        <a:noFill/>
+      </a:ln>
+    </cs:spPr>
+  </cs:floor>
+  <cs:gridlineMajor>
+    <cs:lnRef idx="0"/>
+    <cs:fillRef idx="0"/>
+    <cs:effectRef idx="0"/>
+    <cs:fontRef idx="minor">
+      <a:schemeClr val="tx1"/>
+    </cs:fontRef>
+    <cs:spPr>
+      <a:ln w="9525" cap="flat" cmpd="sng" algn="ctr">
+        <a:solidFill>
+          <a:schemeClr val="tx1">
+            <a:lumMod val="15000"/>
+            <a:lumOff val="85000"/>
+          </a:schemeClr>
+        </a:solidFill>
+        <a:round/>
+      </a:ln>
+    </cs:spPr>
+  </cs:gridlineMajor>
+  <cs:gridlineMinor>
+    <cs:lnRef idx="0"/>
+    <cs:fillRef idx="0"/>
+    <cs:effectRef idx="0"/>
+    <cs:fontRef idx="minor">
+      <a:schemeClr val="tx1"/>
+    </cs:fontRef>
+    <cs:spPr>
+      <a:ln w="9525" cap="flat" cmpd="sng" algn="ctr">
+        <a:solidFill>
+          <a:schemeClr val="tx1">
+            <a:lumMod val="5000"/>
+            <a:lumOff val="95000"/>
+          </a:schemeClr>
+        </a:solidFill>
+        <a:round/>
+      </a:ln>
+    </cs:spPr>
+  </cs:gridlineMinor>
+  <cs:hiLoLine>
+    <cs:lnRef idx="0"/>
+    <cs:fillRef idx="0"/>
+    <cs:effectRef idx="0"/>
+    <cs:fontRef idx="minor">
+      <a:schemeClr val="tx1"/>
+    </cs:fontRef>
+    <cs:spPr>
+      <a:ln w="9525" cap="flat" cmpd="sng" algn="ctr">
+        <a:solidFill>
+          <a:schemeClr val="tx1">
+            <a:lumMod val="75000"/>
+            <a:lumOff val="25000"/>
+          </a:schemeClr>
+        </a:solidFill>
+        <a:round/>
+      </a:ln>
+    </cs:spPr>
+  </cs:hiLoLine>
+  <cs:leaderLine>
+    <cs:lnRef idx="0"/>
+    <cs:fillRef idx="0"/>
+    <cs:effectRef idx="0"/>
+    <cs:fontRef idx="minor">
+      <a:schemeClr val="tx1"/>
+    </cs:fontRef>
+    <cs:spPr>
+      <a:ln w="9525" cap="flat" cmpd="sng" algn="ctr">
+        <a:solidFill>
+          <a:schemeClr val="tx1">
+            <a:lumMod val="35000"/>
+            <a:lumOff val="65000"/>
+          </a:schemeClr>
+        </a:solidFill>
+        <a:round/>
+      </a:ln>
+    </cs:spPr>
+  </cs:leaderLine>
+  <cs:legend>
+    <cs:lnRef idx="0"/>
+    <cs:fillRef idx="0"/>
+    <cs:effectRef idx="0"/>
+    <cs:fontRef idx="minor">
+      <a:schemeClr val="tx1">
+        <a:lumMod val="65000"/>
+        <a:lumOff val="35000"/>
+      </a:schemeClr>
+    </cs:fontRef>
+    <cs:defRPr sz="1197" kern="1200"/>
+  </cs:legend>
+  <cs:plotArea mods="allowNoFillOverride allowNoLineOverride">
+    <cs:lnRef idx="0"/>
+    <cs:fillRef idx="0"/>
+    <cs:effectRef idx="0"/>
+    <cs:fontRef idx="minor">
+      <a:schemeClr val="tx1"/>
+    </cs:fontRef>
+  </cs:plotArea>
+  <cs:plotArea3D mods="allowNoFillOverride allowNoLineOverride">
+    <cs:lnRef idx="0"/>
+    <cs:fillRef idx="0"/>
+    <cs:effectRef idx="0"/>
+    <cs:fontRef idx="minor">
+      <a:schemeClr val="tx1"/>
+    </cs:fontRef>
+  </cs:plotArea3D>
+  <cs:seriesAxis>
+    <cs:lnRef idx="0"/>
+    <cs:fillRef idx="0"/>
+    <cs:effectRef idx="0"/>
+    <cs:fontRef idx="minor">
+      <a:schemeClr val="tx1">
+        <a:lumMod val="65000"/>
+        <a:lumOff val="35000"/>
+      </a:schemeClr>
+    </cs:fontRef>
+    <cs:defRPr sz="1197" kern="1200"/>
+  </cs:seriesAxis>
+  <cs:seriesLine>
+    <cs:lnRef idx="0"/>
+    <cs:fillRef idx="0"/>
+    <cs:effectRef idx="0"/>
+    <cs:fontRef idx="minor">
+      <a:schemeClr val="tx1"/>
+    </cs:fontRef>
+    <cs:spPr>
+      <a:ln w="9525" cap="flat" cmpd="sng" algn="ctr">
+        <a:solidFill>
+          <a:schemeClr val="tx1">
+            <a:lumMod val="35000"/>
+            <a:lumOff val="65000"/>
+          </a:schemeClr>
+        </a:solidFill>
+        <a:round/>
+      </a:ln>
+    </cs:spPr>
+  </cs:seriesLine>
+  <cs:title>
+    <cs:lnRef idx="0"/>
+    <cs:fillRef idx="0"/>
+    <cs:effectRef idx="0"/>
+    <cs:fontRef idx="minor">
+      <a:schemeClr val="tx1">
+        <a:lumMod val="65000"/>
+        <a:lumOff val="35000"/>
+      </a:schemeClr>
+    </cs:fontRef>
+    <cs:defRPr sz="1862" b="0" kern="1200" spc="0" baseline="0"/>
+  </cs:title>
+  <cs:trendline>
+    <cs:lnRef idx="0">
+      <cs:styleClr val="auto"/>
+    </cs:lnRef>
+    <cs:fillRef idx="0"/>
+    <cs:effectRef idx="0"/>
+    <cs:fontRef idx="minor">
+      <a:schemeClr val="tx1"/>
+    </cs:fontRef>
+    <cs:spPr>
+      <a:ln w="19050" cap="rnd">
+        <a:solidFill>
+          <a:schemeClr val="phClr"/>
+        </a:solidFill>
+        <a:prstDash val="sysDot"/>
+      </a:ln>
+    </cs:spPr>
+  </cs:trendline>
+  <cs:trendlineLabel>
+    <cs:lnRef idx="0"/>
+    <cs:fillRef idx="0"/>
+    <cs:effectRef idx="0"/>
+    <cs:fontRef idx="minor">
+      <a:schemeClr val="tx1">
+        <a:lumMod val="65000"/>
+        <a:lumOff val="35000"/>
+      </a:schemeClr>
+    </cs:fontRef>
+    <cs:defRPr sz="1197" kern="1200"/>
+  </cs:trendlineLabel>
+  <cs:upBar>
+    <cs:lnRef idx="0"/>
+    <cs:fillRef idx="0"/>
+    <cs:effectRef idx="0"/>
+    <cs:fontRef idx="minor">
+      <a:schemeClr val="dk1"/>
+    </cs:fontRef>
+    <cs:spPr>
+      <a:solidFill>
+        <a:schemeClr val="lt1"/>
+      </a:solidFill>
+      <a:ln w="9525">
+        <a:solidFill>
+          <a:schemeClr val="tx1">
+            <a:lumMod val="15000"/>
+            <a:lumOff val="85000"/>
+          </a:schemeClr>
+        </a:solidFill>
+      </a:ln>
+    </cs:spPr>
+  </cs:upBar>
+  <cs:valueAxis>
+    <cs:lnRef idx="0"/>
+    <cs:fillRef idx="0"/>
+    <cs:effectRef idx="0"/>
+    <cs:fontRef idx="minor">
+      <a:schemeClr val="tx1">
+        <a:lumMod val="65000"/>
+        <a:lumOff val="35000"/>
+      </a:schemeClr>
+    </cs:fontRef>
+    <cs:defRPr sz="1197" kern="1200"/>
+  </cs:valueAxis>
+  <cs:wall>
+    <cs:lnRef idx="0"/>
+    <cs:fillRef idx="0"/>
+    <cs:effectRef idx="0"/>
+    <cs:fontRef idx="minor">
+      <a:schemeClr val="tx1"/>
+    </cs:fontRef>
+    <cs:spPr>
+      <a:noFill/>
+      <a:ln>
+        <a:noFill/>
+      </a:ln>
+    </cs:spPr>
+  </cs:wall>
+</cs:chartStyle>
+</file>
+
+<file path=ppt/charts/style2.xml><?xml version="1.0" encoding="utf-8"?>
+<cs:chartStyle xmlns:cs="http://schemas.microsoft.com/office/drawing/2012/chartStyle" xmlns:a="http://schemas.openxmlformats.org/drawingml/2006/main" id="332">
+  <cs:axisTitle>
+    <cs:lnRef idx="0"/>
+    <cs:fillRef idx="0"/>
+    <cs:effectRef idx="0"/>
+    <cs:fontRef idx="minor">
+      <a:schemeClr val="tx1">
+        <a:lumMod val="65000"/>
+        <a:lumOff val="35000"/>
+      </a:schemeClr>
+    </cs:fontRef>
+    <cs:defRPr sz="1330" kern="1200"/>
+  </cs:axisTitle>
+  <cs:categoryAxis>
+    <cs:lnRef idx="0"/>
+    <cs:fillRef idx="0"/>
+    <cs:effectRef idx="0"/>
+    <cs:fontRef idx="minor">
+      <a:schemeClr val="tx1">
+        <a:lumMod val="65000"/>
+        <a:lumOff val="35000"/>
+      </a:schemeClr>
+    </cs:fontRef>
+    <cs:spPr>
+      <a:ln w="9525" cap="flat" cmpd="sng" algn="ctr">
+        <a:solidFill>
+          <a:schemeClr val="tx1">
+            <a:lumMod val="15000"/>
+            <a:lumOff val="85000"/>
+          </a:schemeClr>
+        </a:solidFill>
+        <a:round/>
+      </a:ln>
+    </cs:spPr>
+    <cs:defRPr sz="1197" kern="1200"/>
+  </cs:categoryAxis>
+  <cs:chartArea mods="allowNoFillOverride allowNoLineOverride">
+    <cs:lnRef idx="0"/>
+    <cs:fillRef idx="0"/>
+    <cs:effectRef idx="0"/>
+    <cs:fontRef idx="minor">
+      <a:schemeClr val="tx1"/>
+    </cs:fontRef>
+    <cs:spPr>
+      <a:solidFill>
+        <a:schemeClr val="bg1"/>
+      </a:solidFill>
+      <a:ln w="9525" cap="flat" cmpd="sng" algn="ctr">
+        <a:solidFill>
+          <a:schemeClr val="tx1">
+            <a:lumMod val="15000"/>
+            <a:lumOff val="85000"/>
+          </a:schemeClr>
+        </a:solidFill>
+        <a:round/>
+      </a:ln>
+    </cs:spPr>
+    <cs:defRPr sz="1330" kern="1200"/>
+  </cs:chartArea>
+  <cs:dataLabel>
+    <cs:lnRef idx="0"/>
+    <cs:fillRef idx="0"/>
+    <cs:effectRef idx="0"/>
+    <cs:fontRef idx="minor">
+      <a:schemeClr val="tx1">
+        <a:lumMod val="75000"/>
+        <a:lumOff val="25000"/>
+      </a:schemeClr>
+    </cs:fontRef>
+    <cs:defRPr sz="1197" kern="1200"/>
+  </cs:dataLabel>
+  <cs:dataLabelCallout>
+    <cs:lnRef idx="0"/>
+    <cs:fillRef idx="0"/>
+    <cs:effectRef idx="0"/>
+    <cs:fontRef idx="minor">
+      <a:schemeClr val="dk1">
+        <a:lumMod val="65000"/>
+        <a:lumOff val="35000"/>
+      </a:schemeClr>
+    </cs:fontRef>
+    <cs:spPr>
+      <a:solidFill>
+        <a:schemeClr val="lt1"/>
+      </a:solidFill>
+      <a:ln>
+        <a:solidFill>
+          <a:schemeClr val="dk1">
+            <a:lumMod val="25000"/>
+            <a:lumOff val="75000"/>
+          </a:schemeClr>
+        </a:solidFill>
+      </a:ln>
+    </cs:spPr>
+    <cs:defRPr sz="1197" kern="1200"/>
+    <cs:bodyPr rot="0" spcFirstLastPara="1" vertOverflow="clip" horzOverflow="clip" vert="horz" wrap="square" lIns="36576" tIns="18288" rIns="36576" bIns="18288" anchor="ctr" anchorCtr="1">
+      <a:spAutoFit/>
+    </cs:bodyPr>
+  </cs:dataLabelCallout>
+  <cs:dataPoint>
+    <cs:lnRef idx="0"/>
+    <cs:fillRef idx="1">
+      <cs:styleClr val="auto"/>
+    </cs:fillRef>
+    <cs:effectRef idx="0"/>
+    <cs:fontRef idx="minor">
+      <a:schemeClr val="tx1"/>
+    </cs:fontRef>
+  </cs:dataPoint>
+  <cs:dataPoint3D>
+    <cs:lnRef idx="0"/>
+    <cs:fillRef idx="1">
+      <cs:styleClr val="auto"/>
+    </cs:fillRef>
+    <cs:effectRef idx="0"/>
+    <cs:fontRef idx="minor">
+      <a:schemeClr val="tx1"/>
+    </cs:fontRef>
+  </cs:dataPoint3D>
+  <cs:dataPointLine>
+    <cs:lnRef idx="0">
+      <cs:styleClr val="auto"/>
+    </cs:lnRef>
+    <cs:fillRef idx="1"/>
+    <cs:effectRef idx="0"/>
+    <cs:fontRef idx="minor">
+      <a:schemeClr val="tx1"/>
+    </cs:fontRef>
+    <cs:spPr>
+      <a:ln w="28575" cap="rnd">
+        <a:solidFill>
+          <a:schemeClr val="phClr"/>
+        </a:solidFill>
+        <a:round/>
+      </a:ln>
+    </cs:spPr>
+  </cs:dataPointLine>
+  <cs:dataPointMarker>
+    <cs:lnRef idx="0">
+      <cs:styleClr val="auto"/>
+    </cs:lnRef>
+    <cs:fillRef idx="1">
+      <cs:styleClr val="auto"/>
+    </cs:fillRef>
+    <cs:effectRef idx="0"/>
+    <cs:fontRef idx="minor">
+      <a:schemeClr val="tx1"/>
+    </cs:fontRef>
+    <cs:spPr>
+      <a:ln w="9525">
+        <a:solidFill>
+          <a:schemeClr val="phClr"/>
+        </a:solidFill>
+      </a:ln>
+    </cs:spPr>
+  </cs:dataPointMarker>
+  <cs:dataPointMarkerLayout symbol="circle" size="5"/>
+  <cs:dataPointWireframe>
+    <cs:lnRef idx="0">
+      <cs:styleClr val="auto"/>
+    </cs:lnRef>
+    <cs:fillRef idx="1"/>
+    <cs:effectRef idx="0"/>
+    <cs:fontRef idx="minor">
+      <a:schemeClr val="tx1"/>
+    </cs:fontRef>
+    <cs:spPr>
+      <a:ln w="9525" cap="rnd">
+        <a:solidFill>
+          <a:schemeClr val="phClr"/>
+        </a:solidFill>
+        <a:round/>
+      </a:ln>
+    </cs:spPr>
+  </cs:dataPointWireframe>
+  <cs:dataTable>
+    <cs:lnRef idx="0"/>
+    <cs:fillRef idx="0"/>
+    <cs:effectRef idx="0"/>
+    <cs:fontRef idx="minor">
+      <a:schemeClr val="tx1">
+        <a:lumMod val="65000"/>
+        <a:lumOff val="35000"/>
+      </a:schemeClr>
+    </cs:fontRef>
+    <cs:spPr>
+      <a:noFill/>
+      <a:ln w="9525" cap="flat" cmpd="sng" algn="ctr">
+        <a:solidFill>
+          <a:schemeClr val="tx1">
+            <a:lumMod val="15000"/>
+            <a:lumOff val="85000"/>
+          </a:schemeClr>
+        </a:solidFill>
+        <a:round/>
+      </a:ln>
+    </cs:spPr>
+    <cs:defRPr sz="1197" kern="1200"/>
+  </cs:dataTable>
+  <cs:downBar>
+    <cs:lnRef idx="0"/>
+    <cs:fillRef idx="0"/>
+    <cs:effectRef idx="0"/>
+    <cs:fontRef idx="minor">
+      <a:schemeClr val="dk1"/>
+    </cs:fontRef>
+    <cs:spPr>
+      <a:solidFill>
+        <a:schemeClr val="dk1">
+          <a:lumMod val="65000"/>
+          <a:lumOff val="35000"/>
+        </a:schemeClr>
+      </a:solidFill>
+      <a:ln w="9525">
+        <a:solidFill>
+          <a:schemeClr val="tx1">
+            <a:lumMod val="65000"/>
+            <a:lumOff val="35000"/>
+          </a:schemeClr>
+        </a:solidFill>
+      </a:ln>
+    </cs:spPr>
+  </cs:downBar>
+  <cs:dropLine>
+    <cs:lnRef idx="0"/>
+    <cs:fillRef idx="0"/>
+    <cs:effectRef idx="0"/>
+    <cs:fontRef idx="minor">
+      <a:schemeClr val="tx1"/>
+    </cs:fontRef>
+    <cs:spPr>
+      <a:ln w="9525" cap="flat" cmpd="sng" algn="ctr">
+        <a:solidFill>
+          <a:schemeClr val="tx1">
+            <a:lumMod val="35000"/>
+            <a:lumOff val="65000"/>
+          </a:schemeClr>
+        </a:solidFill>
+        <a:round/>
+      </a:ln>
+    </cs:spPr>
+  </cs:dropLine>
+  <cs:errorBar>
+    <cs:lnRef idx="0"/>
+    <cs:fillRef idx="0"/>
+    <cs:effectRef idx="0"/>
+    <cs:fontRef idx="minor">
+      <a:schemeClr val="tx1"/>
+    </cs:fontRef>
+    <cs:spPr>
+      <a:ln w="9525" cap="flat" cmpd="sng" algn="ctr">
+        <a:solidFill>
+          <a:schemeClr val="tx1">
+            <a:lumMod val="65000"/>
+            <a:lumOff val="35000"/>
+          </a:schemeClr>
+        </a:solidFill>
+        <a:round/>
+      </a:ln>
+    </cs:spPr>
+  </cs:errorBar>
+  <cs:floor>
+    <cs:lnRef idx="0"/>
+    <cs:fillRef idx="0"/>
+    <cs:effectRef idx="0"/>
+    <cs:fontRef idx="minor">
+      <a:schemeClr val="tx1"/>
+    </cs:fontRef>
+    <cs:spPr>
+      <a:noFill/>
+      <a:ln>
+        <a:noFill/>
+      </a:ln>
+    </cs:spPr>
+  </cs:floor>
+  <cs:gridlineMajor>
+    <cs:lnRef idx="0"/>
+    <cs:fillRef idx="0"/>
+    <cs:effectRef idx="0"/>
+    <cs:fontRef idx="minor">
+      <a:schemeClr val="tx1"/>
+    </cs:fontRef>
+    <cs:spPr>
+      <a:ln w="9525" cap="flat" cmpd="sng" algn="ctr">
+        <a:solidFill>
+          <a:schemeClr val="tx1">
+            <a:lumMod val="15000"/>
+            <a:lumOff val="85000"/>
+          </a:schemeClr>
+        </a:solidFill>
+        <a:round/>
+      </a:ln>
+    </cs:spPr>
+  </cs:gridlineMajor>
+  <cs:gridlineMinor>
+    <cs:lnRef idx="0"/>
+    <cs:fillRef idx="0"/>
+    <cs:effectRef idx="0"/>
+    <cs:fontRef idx="minor">
+      <a:schemeClr val="tx1"/>
+    </cs:fontRef>
+    <cs:spPr>
+      <a:ln w="9525" cap="flat" cmpd="sng" algn="ctr">
+        <a:solidFill>
+          <a:schemeClr val="tx1">
+            <a:lumMod val="5000"/>
+            <a:lumOff val="95000"/>
+          </a:schemeClr>
+        </a:solidFill>
+        <a:round/>
+      </a:ln>
+    </cs:spPr>
+  </cs:gridlineMinor>
+  <cs:hiLoLine>
+    <cs:lnRef idx="0"/>
+    <cs:fillRef idx="0"/>
+    <cs:effectRef idx="0"/>
+    <cs:fontRef idx="minor">
+      <a:schemeClr val="tx1"/>
+    </cs:fontRef>
+    <cs:spPr>
+      <a:ln w="9525" cap="flat" cmpd="sng" algn="ctr">
+        <a:solidFill>
+          <a:schemeClr val="tx1">
+            <a:lumMod val="75000"/>
+            <a:lumOff val="25000"/>
+          </a:schemeClr>
+        </a:solidFill>
+        <a:round/>
+      </a:ln>
+    </cs:spPr>
+  </cs:hiLoLine>
+  <cs:leaderLine>
+    <cs:lnRef idx="0"/>
+    <cs:fillRef idx="0"/>
+    <cs:effectRef idx="0"/>
+    <cs:fontRef idx="minor">
+      <a:schemeClr val="tx1"/>
+    </cs:fontRef>
+    <cs:spPr>
+      <a:ln w="9525" cap="flat" cmpd="sng" algn="ctr">
+        <a:solidFill>
+          <a:schemeClr val="tx1">
+            <a:lumMod val="35000"/>
+            <a:lumOff val="65000"/>
+          </a:schemeClr>
+        </a:solidFill>
+        <a:round/>
+      </a:ln>
+    </cs:spPr>
+  </cs:leaderLine>
+  <cs:legend>
+    <cs:lnRef idx="0"/>
+    <cs:fillRef idx="0"/>
+    <cs:effectRef idx="0"/>
+    <cs:fontRef idx="minor">
+      <a:schemeClr val="tx1">
+        <a:lumMod val="65000"/>
+        <a:lumOff val="35000"/>
+      </a:schemeClr>
+    </cs:fontRef>
+    <cs:defRPr sz="1197" kern="1200"/>
+  </cs:legend>
+  <cs:plotArea mods="allowNoFillOverride allowNoLineOverride">
+    <cs:lnRef idx="0"/>
+    <cs:fillRef idx="0"/>
+    <cs:effectRef idx="0"/>
+    <cs:fontRef idx="minor">
+      <a:schemeClr val="tx1"/>
+    </cs:fontRef>
+  </cs:plotArea>
+  <cs:plotArea3D mods="allowNoFillOverride allowNoLineOverride">
+    <cs:lnRef idx="0"/>
+    <cs:fillRef idx="0"/>
+    <cs:effectRef idx="0"/>
+    <cs:fontRef idx="minor">
+      <a:schemeClr val="tx1"/>
+    </cs:fontRef>
+  </cs:plotArea3D>
+  <cs:seriesAxis>
+    <cs:lnRef idx="0"/>
+    <cs:fillRef idx="0"/>
+    <cs:effectRef idx="0"/>
+    <cs:fontRef idx="minor">
+      <a:schemeClr val="tx1">
+        <a:lumMod val="65000"/>
+        <a:lumOff val="35000"/>
+      </a:schemeClr>
+    </cs:fontRef>
+    <cs:defRPr sz="1197" kern="1200"/>
+  </cs:seriesAxis>
+  <cs:seriesLine>
+    <cs:lnRef idx="0"/>
+    <cs:fillRef idx="0"/>
+    <cs:effectRef idx="0"/>
+    <cs:fontRef idx="minor">
+      <a:schemeClr val="tx1"/>
+    </cs:fontRef>
+    <cs:spPr>
+      <a:ln w="9525" cap="flat" cmpd="sng" algn="ctr">
+        <a:solidFill>
+          <a:schemeClr val="tx1">
+            <a:lumMod val="35000"/>
+            <a:lumOff val="65000"/>
+          </a:schemeClr>
+        </a:solidFill>
+        <a:round/>
+      </a:ln>
+    </cs:spPr>
+  </cs:seriesLine>
+  <cs:title>
+    <cs:lnRef idx="0"/>
+    <cs:fillRef idx="0"/>
+    <cs:effectRef idx="0"/>
+    <cs:fontRef idx="minor">
+      <a:schemeClr val="tx1">
+        <a:lumMod val="65000"/>
+        <a:lumOff val="35000"/>
+      </a:schemeClr>
+    </cs:fontRef>
+    <cs:defRPr sz="1862" b="0" kern="1200" spc="0" baseline="0"/>
+  </cs:title>
+  <cs:trendline>
+    <cs:lnRef idx="0">
+      <cs:styleClr val="auto"/>
+    </cs:lnRef>
+    <cs:fillRef idx="0"/>
+    <cs:effectRef idx="0"/>
+    <cs:fontRef idx="minor">
+      <a:schemeClr val="tx1"/>
+    </cs:fontRef>
+    <cs:spPr>
+      <a:ln w="19050" cap="rnd">
+        <a:solidFill>
+          <a:schemeClr val="phClr"/>
+        </a:solidFill>
+        <a:prstDash val="sysDot"/>
+      </a:ln>
+    </cs:spPr>
+  </cs:trendline>
+  <cs:trendlineLabel>
+    <cs:lnRef idx="0"/>
+    <cs:fillRef idx="0"/>
+    <cs:effectRef idx="0"/>
+    <cs:fontRef idx="minor">
+      <a:schemeClr val="tx1">
+        <a:lumMod val="65000"/>
+        <a:lumOff val="35000"/>
+      </a:schemeClr>
+    </cs:fontRef>
+    <cs:defRPr sz="1197" kern="1200"/>
+  </cs:trendlineLabel>
+  <cs:upBar>
+    <cs:lnRef idx="0"/>
+    <cs:fillRef idx="0"/>
+    <cs:effectRef idx="0"/>
+    <cs:fontRef idx="minor">
+      <a:schemeClr val="dk1"/>
+    </cs:fontRef>
+    <cs:spPr>
+      <a:solidFill>
+        <a:schemeClr val="lt1"/>
+      </a:solidFill>
+      <a:ln w="9525">
+        <a:solidFill>
+          <a:schemeClr val="tx1">
+            <a:lumMod val="15000"/>
+            <a:lumOff val="85000"/>
+          </a:schemeClr>
+        </a:solidFill>
+      </a:ln>
+    </cs:spPr>
+  </cs:upBar>
+  <cs:valueAxis>
+    <cs:lnRef idx="0"/>
+    <cs:fillRef idx="0"/>
+    <cs:effectRef idx="0"/>
+    <cs:fontRef idx="minor">
+      <a:schemeClr val="tx1">
+        <a:lumMod val="65000"/>
+        <a:lumOff val="35000"/>
+      </a:schemeClr>
+    </cs:fontRef>
+    <cs:defRPr sz="1197" kern="1200"/>
+  </cs:valueAxis>
+  <cs:wall>
+    <cs:lnRef idx="0"/>
+    <cs:fillRef idx="0"/>
+    <cs:effectRef idx="0"/>
+    <cs:fontRef idx="minor">
+      <a:schemeClr val="tx1"/>
+    </cs:fontRef>
+    <cs:spPr>
+      <a:noFill/>
+      <a:ln>
+        <a:noFill/>
+      </a:ln>
+    </cs:spPr>
+  </cs:wall>
+</cs:chartStyle>
+</file>
+
+<file path=ppt/charts/style3.xml><?xml version="1.0" encoding="utf-8"?>
+<cs:chartStyle xmlns:cs="http://schemas.microsoft.com/office/drawing/2012/chartStyle" xmlns:a="http://schemas.openxmlformats.org/drawingml/2006/main" id="332">
+  <cs:axisTitle>
+    <cs:lnRef idx="0"/>
+    <cs:fillRef idx="0"/>
+    <cs:effectRef idx="0"/>
+    <cs:fontRef idx="minor">
+      <a:schemeClr val="tx1">
+        <a:lumMod val="65000"/>
+        <a:lumOff val="35000"/>
+      </a:schemeClr>
+    </cs:fontRef>
+    <cs:defRPr sz="1330" kern="1200"/>
+  </cs:axisTitle>
+  <cs:categoryAxis>
+    <cs:lnRef idx="0"/>
+    <cs:fillRef idx="0"/>
+    <cs:effectRef idx="0"/>
+    <cs:fontRef idx="minor">
+      <a:schemeClr val="tx1">
+        <a:lumMod val="65000"/>
+        <a:lumOff val="35000"/>
+      </a:schemeClr>
+    </cs:fontRef>
+    <cs:spPr>
+      <a:ln w="9525" cap="flat" cmpd="sng" algn="ctr">
+        <a:solidFill>
+          <a:schemeClr val="tx1">
+            <a:lumMod val="15000"/>
+            <a:lumOff val="85000"/>
+          </a:schemeClr>
+        </a:solidFill>
+        <a:round/>
+      </a:ln>
+    </cs:spPr>
+    <cs:defRPr sz="1197" kern="1200"/>
+  </cs:categoryAxis>
+  <cs:chartArea mods="allowNoFillOverride allowNoLineOverride">
+    <cs:lnRef idx="0"/>
+    <cs:fillRef idx="0"/>
+    <cs:effectRef idx="0"/>
+    <cs:fontRef idx="minor">
+      <a:schemeClr val="tx1"/>
+    </cs:fontRef>
+    <cs:spPr>
+      <a:solidFill>
+        <a:schemeClr val="bg1"/>
+      </a:solidFill>
+      <a:ln w="9525" cap="flat" cmpd="sng" algn="ctr">
+        <a:solidFill>
+          <a:schemeClr val="tx1">
+            <a:lumMod val="15000"/>
+            <a:lumOff val="85000"/>
+          </a:schemeClr>
+        </a:solidFill>
+        <a:round/>
+      </a:ln>
+    </cs:spPr>
+    <cs:defRPr sz="1330" kern="1200"/>
+  </cs:chartArea>
+  <cs:dataLabel>
+    <cs:lnRef idx="0"/>
+    <cs:fillRef idx="0"/>
+    <cs:effectRef idx="0"/>
+    <cs:fontRef idx="minor">
+      <a:schemeClr val="tx1">
+        <a:lumMod val="75000"/>
+        <a:lumOff val="25000"/>
+      </a:schemeClr>
+    </cs:fontRef>
+    <cs:defRPr sz="1197" kern="1200"/>
+  </cs:dataLabel>
+  <cs:dataLabelCallout>
+    <cs:lnRef idx="0"/>
+    <cs:fillRef idx="0"/>
+    <cs:effectRef idx="0"/>
+    <cs:fontRef idx="minor">
+      <a:schemeClr val="dk1">
+        <a:lumMod val="65000"/>
+        <a:lumOff val="35000"/>
+      </a:schemeClr>
+    </cs:fontRef>
+    <cs:spPr>
+      <a:solidFill>
+        <a:schemeClr val="lt1"/>
+      </a:solidFill>
+      <a:ln>
+        <a:solidFill>
+          <a:schemeClr val="dk1">
+            <a:lumMod val="25000"/>
+            <a:lumOff val="75000"/>
+          </a:schemeClr>
+        </a:solidFill>
+      </a:ln>
+    </cs:spPr>
+    <cs:defRPr sz="1197" kern="1200"/>
+    <cs:bodyPr rot="0" spcFirstLastPara="1" vertOverflow="clip" horzOverflow="clip" vert="horz" wrap="square" lIns="36576" tIns="18288" rIns="36576" bIns="18288" anchor="ctr" anchorCtr="1">
+      <a:spAutoFit/>
+    </cs:bodyPr>
+  </cs:dataLabelCallout>
+  <cs:dataPoint>
+    <cs:lnRef idx="0"/>
+    <cs:fillRef idx="1">
+      <cs:styleClr val="auto"/>
+    </cs:fillRef>
+    <cs:effectRef idx="0"/>
+    <cs:fontRef idx="minor">
+      <a:schemeClr val="tx1"/>
+    </cs:fontRef>
+  </cs:dataPoint>
+  <cs:dataPoint3D>
+    <cs:lnRef idx="0"/>
+    <cs:fillRef idx="1">
+      <cs:styleClr val="auto"/>
+    </cs:fillRef>
+    <cs:effectRef idx="0"/>
+    <cs:fontRef idx="minor">
+      <a:schemeClr val="tx1"/>
+    </cs:fontRef>
+  </cs:dataPoint3D>
+  <cs:dataPointLine>
+    <cs:lnRef idx="0">
+      <cs:styleClr val="auto"/>
+    </cs:lnRef>
+    <cs:fillRef idx="1"/>
+    <cs:effectRef idx="0"/>
+    <cs:fontRef idx="minor">
+      <a:schemeClr val="tx1"/>
+    </cs:fontRef>
+    <cs:spPr>
+      <a:ln w="28575" cap="rnd">
+        <a:solidFill>
+          <a:schemeClr val="phClr"/>
+        </a:solidFill>
+        <a:round/>
+      </a:ln>
+    </cs:spPr>
+  </cs:dataPointLine>
+  <cs:dataPointMarker>
+    <cs:lnRef idx="0">
+      <cs:styleClr val="auto"/>
+    </cs:lnRef>
+    <cs:fillRef idx="1">
+      <cs:styleClr val="auto"/>
+    </cs:fillRef>
+    <cs:effectRef idx="0"/>
+    <cs:fontRef idx="minor">
+      <a:schemeClr val="tx1"/>
+    </cs:fontRef>
+    <cs:spPr>
+      <a:ln w="9525">
+        <a:solidFill>
+          <a:schemeClr val="phClr"/>
+        </a:solidFill>
+      </a:ln>
+    </cs:spPr>
+  </cs:dataPointMarker>
+  <cs:dataPointMarkerLayout symbol="circle" size="5"/>
+  <cs:dataPointWireframe>
+    <cs:lnRef idx="0">
+      <cs:styleClr val="auto"/>
+    </cs:lnRef>
+    <cs:fillRef idx="1"/>
+    <cs:effectRef idx="0"/>
+    <cs:fontRef idx="minor">
+      <a:schemeClr val="tx1"/>
+    </cs:fontRef>
+    <cs:spPr>
+      <a:ln w="9525" cap="rnd">
+        <a:solidFill>
+          <a:schemeClr val="phClr"/>
+        </a:solidFill>
+        <a:round/>
+      </a:ln>
+    </cs:spPr>
+  </cs:dataPointWireframe>
+  <cs:dataTable>
+    <cs:lnRef idx="0"/>
+    <cs:fillRef idx="0"/>
+    <cs:effectRef idx="0"/>
+    <cs:fontRef idx="minor">
+      <a:schemeClr val="tx1">
+        <a:lumMod val="65000"/>
+        <a:lumOff val="35000"/>
+      </a:schemeClr>
+    </cs:fontRef>
+    <cs:spPr>
+      <a:noFill/>
+      <a:ln w="9525" cap="flat" cmpd="sng" algn="ctr">
+        <a:solidFill>
+          <a:schemeClr val="tx1">
+            <a:lumMod val="15000"/>
+            <a:lumOff val="85000"/>
+          </a:schemeClr>
+        </a:solidFill>
+        <a:round/>
+      </a:ln>
+    </cs:spPr>
+    <cs:defRPr sz="1197" kern="1200"/>
+  </cs:dataTable>
+  <cs:downBar>
+    <cs:lnRef idx="0"/>
+    <cs:fillRef idx="0"/>
+    <cs:effectRef idx="0"/>
+    <cs:fontRef idx="minor">
+      <a:schemeClr val="dk1"/>
+    </cs:fontRef>
+    <cs:spPr>
+      <a:solidFill>
+        <a:schemeClr val="dk1">
+          <a:lumMod val="65000"/>
+          <a:lumOff val="35000"/>
+        </a:schemeClr>
+      </a:solidFill>
+      <a:ln w="9525">
+        <a:solidFill>
+          <a:schemeClr val="tx1">
+            <a:lumMod val="65000"/>
+            <a:lumOff val="35000"/>
+          </a:schemeClr>
+        </a:solidFill>
+      </a:ln>
+    </cs:spPr>
+  </cs:downBar>
+  <cs:dropLine>
+    <cs:lnRef idx="0"/>
+    <cs:fillRef idx="0"/>
+    <cs:effectRef idx="0"/>
+    <cs:fontRef idx="minor">
+      <a:schemeClr val="tx1"/>
+    </cs:fontRef>
+    <cs:spPr>
+      <a:ln w="9525" cap="flat" cmpd="sng" algn="ctr">
+        <a:solidFill>
+          <a:schemeClr val="tx1">
+            <a:lumMod val="35000"/>
+            <a:lumOff val="65000"/>
+          </a:schemeClr>
+        </a:solidFill>
+        <a:round/>
+      </a:ln>
+    </cs:spPr>
+  </cs:dropLine>
+  <cs:errorBar>
+    <cs:lnRef idx="0"/>
+    <cs:fillRef idx="0"/>
+    <cs:effectRef idx="0"/>
+    <cs:fontRef idx="minor">
+      <a:schemeClr val="tx1"/>
+    </cs:fontRef>
+    <cs:spPr>
+      <a:ln w="9525" cap="flat" cmpd="sng" algn="ctr">
+        <a:solidFill>
+          <a:schemeClr val="tx1">
+            <a:lumMod val="65000"/>
+            <a:lumOff val="35000"/>
+          </a:schemeClr>
+        </a:solidFill>
+        <a:round/>
+      </a:ln>
+    </cs:spPr>
+  </cs:errorBar>
+  <cs:floor>
+    <cs:lnRef idx="0"/>
+    <cs:fillRef idx="0"/>
+    <cs:effectRef idx="0"/>
+    <cs:fontRef idx="minor">
+      <a:schemeClr val="tx1"/>
+    </cs:fontRef>
+    <cs:spPr>
+      <a:noFill/>
+      <a:ln>
+        <a:noFill/>
+      </a:ln>
+    </cs:spPr>
+  </cs:floor>
+  <cs:gridlineMajor>
+    <cs:lnRef idx="0"/>
+    <cs:fillRef idx="0"/>
+    <cs:effectRef idx="0"/>
+    <cs:fontRef idx="minor">
+      <a:schemeClr val="tx1"/>
+    </cs:fontRef>
+    <cs:spPr>
+      <a:ln w="9525" cap="flat" cmpd="sng" algn="ctr">
+        <a:solidFill>
+          <a:schemeClr val="tx1">
+            <a:lumMod val="15000"/>
+            <a:lumOff val="85000"/>
+          </a:schemeClr>
+        </a:solidFill>
+        <a:round/>
+      </a:ln>
+    </cs:spPr>
+  </cs:gridlineMajor>
+  <cs:gridlineMinor>
+    <cs:lnRef idx="0"/>
+    <cs:fillRef idx="0"/>
+    <cs:effectRef idx="0"/>
+    <cs:fontRef idx="minor">
+      <a:schemeClr val="tx1"/>
+    </cs:fontRef>
+    <cs:spPr>
+      <a:ln w="9525" cap="flat" cmpd="sng" algn="ctr">
+        <a:solidFill>
+          <a:schemeClr val="tx1">
+            <a:lumMod val="5000"/>
+            <a:lumOff val="95000"/>
+          </a:schemeClr>
+        </a:solidFill>
+        <a:round/>
+      </a:ln>
+    </cs:spPr>
+  </cs:gridlineMinor>
+  <cs:hiLoLine>
+    <cs:lnRef idx="0"/>
+    <cs:fillRef idx="0"/>
+    <cs:effectRef idx="0"/>
+    <cs:fontRef idx="minor">
+      <a:schemeClr val="tx1"/>
+    </cs:fontRef>
+    <cs:spPr>
+      <a:ln w="9525" cap="flat" cmpd="sng" algn="ctr">
+        <a:solidFill>
+          <a:schemeClr val="tx1">
+            <a:lumMod val="75000"/>
+            <a:lumOff val="25000"/>
+          </a:schemeClr>
+        </a:solidFill>
+        <a:round/>
+      </a:ln>
+    </cs:spPr>
+  </cs:hiLoLine>
+  <cs:leaderLine>
+    <cs:lnRef idx="0"/>
+    <cs:fillRef idx="0"/>
+    <cs:effectRef idx="0"/>
+    <cs:fontRef idx="minor">
+      <a:schemeClr val="tx1"/>
+    </cs:fontRef>
+    <cs:spPr>
+      <a:ln w="9525" cap="flat" cmpd="sng" algn="ctr">
+        <a:solidFill>
+          <a:schemeClr val="tx1">
+            <a:lumMod val="35000"/>
+            <a:lumOff val="65000"/>
+          </a:schemeClr>
+        </a:solidFill>
+        <a:round/>
+      </a:ln>
+    </cs:spPr>
+  </cs:leaderLine>
+  <cs:legend>
+    <cs:lnRef idx="0"/>
+    <cs:fillRef idx="0"/>
+    <cs:effectRef idx="0"/>
+    <cs:fontRef idx="minor">
+      <a:schemeClr val="tx1">
+        <a:lumMod val="65000"/>
+        <a:lumOff val="35000"/>
+      </a:schemeClr>
+    </cs:fontRef>
+    <cs:defRPr sz="1197" kern="1200"/>
+  </cs:legend>
+  <cs:plotArea mods="allowNoFillOverride allowNoLineOverride">
+    <cs:lnRef idx="0"/>
+    <cs:fillRef idx="0"/>
+    <cs:effectRef idx="0"/>
+    <cs:fontRef idx="minor">
+      <a:schemeClr val="tx1"/>
+    </cs:fontRef>
+  </cs:plotArea>
+  <cs:plotArea3D mods="allowNoFillOverride allowNoLineOverride">
+    <cs:lnRef idx="0"/>
+    <cs:fillRef idx="0"/>
+    <cs:effectRef idx="0"/>
+    <cs:fontRef idx="minor">
+      <a:schemeClr val="tx1"/>
+    </cs:fontRef>
+  </cs:plotArea3D>
+  <cs:seriesAxis>
+    <cs:lnRef idx="0"/>
+    <cs:fillRef idx="0"/>
+    <cs:effectRef idx="0"/>
+    <cs:fontRef idx="minor">
+      <a:schemeClr val="tx1">
+        <a:lumMod val="65000"/>
+        <a:lumOff val="35000"/>
+      </a:schemeClr>
+    </cs:fontRef>
+    <cs:defRPr sz="1197" kern="1200"/>
+  </cs:seriesAxis>
+  <cs:seriesLine>
+    <cs:lnRef idx="0"/>
+    <cs:fillRef idx="0"/>
+    <cs:effectRef idx="0"/>
+    <cs:fontRef idx="minor">
+      <a:schemeClr val="tx1"/>
+    </cs:fontRef>
+    <cs:spPr>
+      <a:ln w="9525" cap="flat" cmpd="sng" algn="ctr">
+        <a:solidFill>
+          <a:schemeClr val="tx1">
+            <a:lumMod val="35000"/>
+            <a:lumOff val="65000"/>
+          </a:schemeClr>
+        </a:solidFill>
+        <a:round/>
+      </a:ln>
+    </cs:spPr>
+  </cs:seriesLine>
+  <cs:title>
+    <cs:lnRef idx="0"/>
+    <cs:fillRef idx="0"/>
+    <cs:effectRef idx="0"/>
+    <cs:fontRef idx="minor">
+      <a:schemeClr val="tx1">
+        <a:lumMod val="65000"/>
+        <a:lumOff val="35000"/>
+      </a:schemeClr>
+    </cs:fontRef>
+    <cs:defRPr sz="1862" b="0" kern="1200" spc="0" baseline="0"/>
+  </cs:title>
+  <cs:trendline>
+    <cs:lnRef idx="0">
+      <cs:styleClr val="auto"/>
+    </cs:lnRef>
+    <cs:fillRef idx="0"/>
+    <cs:effectRef idx="0"/>
+    <cs:fontRef idx="minor">
+      <a:schemeClr val="tx1"/>
+    </cs:fontRef>
+    <cs:spPr>
+      <a:ln w="19050" cap="rnd">
+        <a:solidFill>
+          <a:schemeClr val="phClr"/>
+        </a:solidFill>
+        <a:prstDash val="sysDot"/>
+      </a:ln>
+    </cs:spPr>
+  </cs:trendline>
+  <cs:trendlineLabel>
+    <cs:lnRef idx="0"/>
+    <cs:fillRef idx="0"/>
+    <cs:effectRef idx="0"/>
+    <cs:fontRef idx="minor">
+      <a:schemeClr val="tx1">
+        <a:lumMod val="65000"/>
+        <a:lumOff val="35000"/>
+      </a:schemeClr>
+    </cs:fontRef>
+    <cs:defRPr sz="1197" kern="1200"/>
+  </cs:trendlineLabel>
+  <cs:upBar>
+    <cs:lnRef idx="0"/>
+    <cs:fillRef idx="0"/>
+    <cs:effectRef idx="0"/>
+    <cs:fontRef idx="minor">
+      <a:schemeClr val="dk1"/>
+    </cs:fontRef>
+    <cs:spPr>
+      <a:solidFill>
+        <a:schemeClr val="lt1"/>
+      </a:solidFill>
+      <a:ln w="9525">
+        <a:solidFill>
+          <a:schemeClr val="tx1">
+            <a:lumMod val="15000"/>
+            <a:lumOff val="85000"/>
+          </a:schemeClr>
+        </a:solidFill>
+      </a:ln>
+    </cs:spPr>
+  </cs:upBar>
+  <cs:valueAxis>
+    <cs:lnRef idx="0"/>
+    <cs:fillRef idx="0"/>
+    <cs:effectRef idx="0"/>
+    <cs:fontRef idx="minor">
+      <a:schemeClr val="tx1">
+        <a:lumMod val="65000"/>
+        <a:lumOff val="35000"/>
+      </a:schemeClr>
+    </cs:fontRef>
+    <cs:defRPr sz="1197" kern="1200"/>
+  </cs:valueAxis>
+  <cs:wall>
+    <cs:lnRef idx="0"/>
+    <cs:fillRef idx="0"/>
+    <cs:effectRef idx="0"/>
+    <cs:fontRef idx="minor">
+      <a:schemeClr val="tx1"/>
+    </cs:fontRef>
+    <cs:spPr>
+      <a:noFill/>
+      <a:ln>
+        <a:noFill/>
+      </a:ln>
+    </cs:spPr>
+  </cs:wall>
+</cs:chartStyle>
+</file>
+
+<file path=ppt/charts/style4.xml><?xml version="1.0" encoding="utf-8"?>
+<cs:chartStyle xmlns:cs="http://schemas.microsoft.com/office/drawing/2012/chartStyle" xmlns:a="http://schemas.openxmlformats.org/drawingml/2006/main" id="332">
+  <cs:axisTitle>
+    <cs:lnRef idx="0"/>
+    <cs:fillRef idx="0"/>
+    <cs:effectRef idx="0"/>
+    <cs:fontRef idx="minor">
+      <a:schemeClr val="tx1">
+        <a:lumMod val="65000"/>
+        <a:lumOff val="35000"/>
+      </a:schemeClr>
+    </cs:fontRef>
+    <cs:defRPr sz="1330" kern="1200"/>
+  </cs:axisTitle>
+  <cs:categoryAxis>
+    <cs:lnRef idx="0"/>
+    <cs:fillRef idx="0"/>
+    <cs:effectRef idx="0"/>
+    <cs:fontRef idx="minor">
+      <a:schemeClr val="tx1">
+        <a:lumMod val="65000"/>
+        <a:lumOff val="35000"/>
+      </a:schemeClr>
+    </cs:fontRef>
+    <cs:spPr>
+      <a:ln w="9525" cap="flat" cmpd="sng" algn="ctr">
+        <a:solidFill>
+          <a:schemeClr val="tx1">
+            <a:lumMod val="15000"/>
+            <a:lumOff val="85000"/>
+          </a:schemeClr>
+        </a:solidFill>
+        <a:round/>
+      </a:ln>
+    </cs:spPr>
+    <cs:defRPr sz="1197" kern="1200"/>
+  </cs:categoryAxis>
+  <cs:chartArea mods="allowNoFillOverride allowNoLineOverride">
+    <cs:lnRef idx="0"/>
+    <cs:fillRef idx="0"/>
+    <cs:effectRef idx="0"/>
+    <cs:fontRef idx="minor">
+      <a:schemeClr val="tx1"/>
+    </cs:fontRef>
+    <cs:spPr>
+      <a:solidFill>
+        <a:schemeClr val="bg1"/>
+      </a:solidFill>
+      <a:ln w="9525" cap="flat" cmpd="sng" algn="ctr">
+        <a:solidFill>
+          <a:schemeClr val="tx1">
+            <a:lumMod val="15000"/>
+            <a:lumOff val="85000"/>
+          </a:schemeClr>
+        </a:solidFill>
+        <a:round/>
+      </a:ln>
+    </cs:spPr>
+    <cs:defRPr sz="1330" kern="1200"/>
+  </cs:chartArea>
+  <cs:dataLabel>
+    <cs:lnRef idx="0"/>
+    <cs:fillRef idx="0"/>
+    <cs:effectRef idx="0"/>
+    <cs:fontRef idx="minor">
+      <a:schemeClr val="tx1">
+        <a:lumMod val="75000"/>
+        <a:lumOff val="25000"/>
+      </a:schemeClr>
+    </cs:fontRef>
+    <cs:defRPr sz="1197" kern="1200"/>
+  </cs:dataLabel>
+  <cs:dataLabelCallout>
+    <cs:lnRef idx="0"/>
+    <cs:fillRef idx="0"/>
+    <cs:effectRef idx="0"/>
+    <cs:fontRef idx="minor">
+      <a:schemeClr val="dk1">
+        <a:lumMod val="65000"/>
+        <a:lumOff val="35000"/>
+      </a:schemeClr>
+    </cs:fontRef>
+    <cs:spPr>
+      <a:solidFill>
+        <a:schemeClr val="lt1"/>
+      </a:solidFill>
+      <a:ln>
+        <a:solidFill>
+          <a:schemeClr val="dk1">
+            <a:lumMod val="25000"/>
+            <a:lumOff val="75000"/>
+          </a:schemeClr>
+        </a:solidFill>
+      </a:ln>
+    </cs:spPr>
+    <cs:defRPr sz="1197" kern="1200"/>
+    <cs:bodyPr rot="0" spcFirstLastPara="1" vertOverflow="clip" horzOverflow="clip" vert="horz" wrap="square" lIns="36576" tIns="18288" rIns="36576" bIns="18288" anchor="ctr" anchorCtr="1">
+      <a:spAutoFit/>
+    </cs:bodyPr>
+  </cs:dataLabelCallout>
+  <cs:dataPoint>
+    <cs:lnRef idx="0"/>
+    <cs:fillRef idx="1">
+      <cs:styleClr val="auto"/>
+    </cs:fillRef>
+    <cs:effectRef idx="0"/>
+    <cs:fontRef idx="minor">
+      <a:schemeClr val="tx1"/>
+    </cs:fontRef>
+  </cs:dataPoint>
+  <cs:dataPoint3D>
+    <cs:lnRef idx="0"/>
+    <cs:fillRef idx="1">
+      <cs:styleClr val="auto"/>
+    </cs:fillRef>
+    <cs:effectRef idx="0"/>
+    <cs:fontRef idx="minor">
+      <a:schemeClr val="tx1"/>
+    </cs:fontRef>
+  </cs:dataPoint3D>
+  <cs:dataPointLine>
+    <cs:lnRef idx="0">
+      <cs:styleClr val="auto"/>
+    </cs:lnRef>
+    <cs:fillRef idx="1"/>
+    <cs:effectRef idx="0"/>
+    <cs:fontRef idx="minor">
+      <a:schemeClr val="tx1"/>
+    </cs:fontRef>
+    <cs:spPr>
+      <a:ln w="28575" cap="rnd">
+        <a:solidFill>
+          <a:schemeClr val="phClr"/>
+        </a:solidFill>
+        <a:round/>
+      </a:ln>
+    </cs:spPr>
+  </cs:dataPointLine>
+  <cs:dataPointMarker>
+    <cs:lnRef idx="0">
+      <cs:styleClr val="auto"/>
+    </cs:lnRef>
+    <cs:fillRef idx="1">
+      <cs:styleClr val="auto"/>
+    </cs:fillRef>
+    <cs:effectRef idx="0"/>
+    <cs:fontRef idx="minor">
+      <a:schemeClr val="tx1"/>
+    </cs:fontRef>
+    <cs:spPr>
+      <a:ln w="9525">
+        <a:solidFill>
+          <a:schemeClr val="phClr"/>
+        </a:solidFill>
+      </a:ln>
+    </cs:spPr>
+  </cs:dataPointMarker>
+  <cs:dataPointMarkerLayout symbol="circle" size="5"/>
+  <cs:dataPointWireframe>
+    <cs:lnRef idx="0">
+      <cs:styleClr val="auto"/>
+    </cs:lnRef>
+    <cs:fillRef idx="1"/>
+    <cs:effectRef idx="0"/>
+    <cs:fontRef idx="minor">
+      <a:schemeClr val="tx1"/>
+    </cs:fontRef>
+    <cs:spPr>
+      <a:ln w="9525" cap="rnd">
+        <a:solidFill>
+          <a:schemeClr val="phClr"/>
+        </a:solidFill>
+        <a:round/>
+      </a:ln>
+    </cs:spPr>
+  </cs:dataPointWireframe>
+  <cs:dataTable>
+    <cs:lnRef idx="0"/>
+    <cs:fillRef idx="0"/>
+    <cs:effectRef idx="0"/>
+    <cs:fontRef idx="minor">
+      <a:schemeClr val="tx1">
+        <a:lumMod val="65000"/>
+        <a:lumOff val="35000"/>
+      </a:schemeClr>
+    </cs:fontRef>
+    <cs:spPr>
+      <a:noFill/>
+      <a:ln w="9525" cap="flat" cmpd="sng" algn="ctr">
+        <a:solidFill>
+          <a:schemeClr val="tx1">
+            <a:lumMod val="15000"/>
+            <a:lumOff val="85000"/>
+          </a:schemeClr>
+        </a:solidFill>
+        <a:round/>
+      </a:ln>
+    </cs:spPr>
+    <cs:defRPr sz="1197" kern="1200"/>
+  </cs:dataTable>
+  <cs:downBar>
+    <cs:lnRef idx="0"/>
+    <cs:fillRef idx="0"/>
+    <cs:effectRef idx="0"/>
+    <cs:fontRef idx="minor">
+      <a:schemeClr val="dk1"/>
+    </cs:fontRef>
+    <cs:spPr>
+      <a:solidFill>
+        <a:schemeClr val="dk1">
+          <a:lumMod val="65000"/>
+          <a:lumOff val="35000"/>
+        </a:schemeClr>
+      </a:solidFill>
+      <a:ln w="9525">
+        <a:solidFill>
+          <a:schemeClr val="tx1">
+            <a:lumMod val="65000"/>
+            <a:lumOff val="35000"/>
+          </a:schemeClr>
+        </a:solidFill>
+      </a:ln>
+    </cs:spPr>
+  </cs:downBar>
+  <cs:dropLine>
+    <cs:lnRef idx="0"/>
+    <cs:fillRef idx="0"/>
+    <cs:effectRef idx="0"/>
+    <cs:fontRef idx="minor">
+      <a:schemeClr val="tx1"/>
+    </cs:fontRef>
+    <cs:spPr>
+      <a:ln w="9525" cap="flat" cmpd="sng" algn="ctr">
+        <a:solidFill>
+          <a:schemeClr val="tx1">
+            <a:lumMod val="35000"/>
+            <a:lumOff val="65000"/>
+          </a:schemeClr>
+        </a:solidFill>
+        <a:round/>
+      </a:ln>
+    </cs:spPr>
+  </cs:dropLine>
+  <cs:errorBar>
+    <cs:lnRef idx="0"/>
+    <cs:fillRef idx="0"/>
+    <cs:effectRef idx="0"/>
+    <cs:fontRef idx="minor">
+      <a:schemeClr val="tx1"/>
+    </cs:fontRef>
+    <cs:spPr>
+      <a:ln w="9525" cap="flat" cmpd="sng" algn="ctr">
+        <a:solidFill>
+          <a:schemeClr val="tx1">
+            <a:lumMod val="65000"/>
+            <a:lumOff val="35000"/>
+          </a:schemeClr>
+        </a:solidFill>
+        <a:round/>
+      </a:ln>
+    </cs:spPr>
+  </cs:errorBar>
+  <cs:floor>
+    <cs:lnRef idx="0"/>
+    <cs:fillRef idx="0"/>
+    <cs:effectRef idx="0"/>
+    <cs:fontRef idx="minor">
+      <a:schemeClr val="tx1"/>
+    </cs:fontRef>
+    <cs:spPr>
+      <a:noFill/>
+      <a:ln>
+        <a:noFill/>
+      </a:ln>
+    </cs:spPr>
+  </cs:floor>
+  <cs:gridlineMajor>
+    <cs:lnRef idx="0"/>
+    <cs:fillRef idx="0"/>
+    <cs:effectRef idx="0"/>
+    <cs:fontRef idx="minor">
+      <a:schemeClr val="tx1"/>
+    </cs:fontRef>
+    <cs:spPr>
+      <a:ln w="9525" cap="flat" cmpd="sng" algn="ctr">
+        <a:solidFill>
+          <a:schemeClr val="tx1">
+            <a:lumMod val="15000"/>
+            <a:lumOff val="85000"/>
+          </a:schemeClr>
+        </a:solidFill>
+        <a:round/>
+      </a:ln>
+    </cs:spPr>
+  </cs:gridlineMajor>
+  <cs:gridlineMinor>
+    <cs:lnRef idx="0"/>
+    <cs:fillRef idx="0"/>
+    <cs:effectRef idx="0"/>
+    <cs:fontRef idx="minor">
+      <a:schemeClr val="tx1"/>
+    </cs:fontRef>
+    <cs:spPr>
+      <a:ln w="9525" cap="flat" cmpd="sng" algn="ctr">
+        <a:solidFill>
+          <a:schemeClr val="tx1">
+            <a:lumMod val="5000"/>
+            <a:lumOff val="95000"/>
+          </a:schemeClr>
+        </a:solidFill>
+        <a:round/>
+      </a:ln>
+    </cs:spPr>
+  </cs:gridlineMinor>
+  <cs:hiLoLine>
+    <cs:lnRef idx="0"/>
+    <cs:fillRef idx="0"/>
+    <cs:effectRef idx="0"/>
+    <cs:fontRef idx="minor">
+      <a:schemeClr val="tx1"/>
+    </cs:fontRef>
+    <cs:spPr>
+      <a:ln w="9525" cap="flat" cmpd="sng" algn="ctr">
+        <a:solidFill>
+          <a:schemeClr val="tx1">
+            <a:lumMod val="75000"/>
+            <a:lumOff val="25000"/>
+          </a:schemeClr>
+        </a:solidFill>
+        <a:round/>
+      </a:ln>
+    </cs:spPr>
+  </cs:hiLoLine>
+  <cs:leaderLine>
+    <cs:lnRef idx="0"/>
+    <cs:fillRef idx="0"/>
+    <cs:effectRef idx="0"/>
+    <cs:fontRef idx="minor">
+      <a:schemeClr val="tx1"/>
+    </cs:fontRef>
+    <cs:spPr>
+      <a:ln w="9525" cap="flat" cmpd="sng" algn="ctr">
+        <a:solidFill>
+          <a:schemeClr val="tx1">
+            <a:lumMod val="35000"/>
+            <a:lumOff val="65000"/>
+          </a:schemeClr>
+        </a:solidFill>
+        <a:round/>
+      </a:ln>
+    </cs:spPr>
+  </cs:leaderLine>
+  <cs:legend>
+    <cs:lnRef idx="0"/>
+    <cs:fillRef idx="0"/>
+    <cs:effectRef idx="0"/>
+    <cs:fontRef idx="minor">
+      <a:schemeClr val="tx1">
+        <a:lumMod val="65000"/>
+        <a:lumOff val="35000"/>
+      </a:schemeClr>
+    </cs:fontRef>
+    <cs:defRPr sz="1197" kern="1200"/>
+  </cs:legend>
+  <cs:plotArea mods="allowNoFillOverride allowNoLineOverride">
+    <cs:lnRef idx="0"/>
+    <cs:fillRef idx="0"/>
+    <cs:effectRef idx="0"/>
+    <cs:fontRef idx="minor">
+      <a:schemeClr val="tx1"/>
+    </cs:fontRef>
+  </cs:plotArea>
+  <cs:plotArea3D mods="allowNoFillOverride allowNoLineOverride">
+    <cs:lnRef idx="0"/>
+    <cs:fillRef idx="0"/>
+    <cs:effectRef idx="0"/>
+    <cs:fontRef idx="minor">
+      <a:schemeClr val="tx1"/>
+    </cs:fontRef>
+  </cs:plotArea3D>
+  <cs:seriesAxis>
+    <cs:lnRef idx="0"/>
+    <cs:fillRef idx="0"/>
+    <cs:effectRef idx="0"/>
+    <cs:fontRef idx="minor">
+      <a:schemeClr val="tx1">
+        <a:lumMod val="65000"/>
+        <a:lumOff val="35000"/>
+      </a:schemeClr>
+    </cs:fontRef>
+    <cs:defRPr sz="1197" kern="1200"/>
+  </cs:seriesAxis>
+  <cs:seriesLine>
+    <cs:lnRef idx="0"/>
+    <cs:fillRef idx="0"/>
+    <cs:effectRef idx="0"/>
+    <cs:fontRef idx="minor">
+      <a:schemeClr val="tx1"/>
+    </cs:fontRef>
+    <cs:spPr>
+      <a:ln w="9525" cap="flat" cmpd="sng" algn="ctr">
+        <a:solidFill>
+          <a:schemeClr val="tx1">
+            <a:lumMod val="35000"/>
+            <a:lumOff val="65000"/>
+          </a:schemeClr>
+        </a:solidFill>
+        <a:round/>
+      </a:ln>
+    </cs:spPr>
+  </cs:seriesLine>
+  <cs:title>
+    <cs:lnRef idx="0"/>
+    <cs:fillRef idx="0"/>
+    <cs:effectRef idx="0"/>
+    <cs:fontRef idx="minor">
+      <a:schemeClr val="tx1">
+        <a:lumMod val="65000"/>
+        <a:lumOff val="35000"/>
+      </a:schemeClr>
+    </cs:fontRef>
+    <cs:defRPr sz="1862" b="0" kern="1200" spc="0" baseline="0"/>
+  </cs:title>
+  <cs:trendline>
+    <cs:lnRef idx="0">
+      <cs:styleClr val="auto"/>
+    </cs:lnRef>
+    <cs:fillRef idx="0"/>
+    <cs:effectRef idx="0"/>
+    <cs:fontRef idx="minor">
+      <a:schemeClr val="tx1"/>
+    </cs:fontRef>
+    <cs:spPr>
+      <a:ln w="19050" cap="rnd">
+        <a:solidFill>
+          <a:schemeClr val="phClr"/>
+        </a:solidFill>
+        <a:prstDash val="sysDot"/>
+      </a:ln>
+    </cs:spPr>
+  </cs:trendline>
+  <cs:trendlineLabel>
+    <cs:lnRef idx="0"/>
+    <cs:fillRef idx="0"/>
+    <cs:effectRef idx="0"/>
+    <cs:fontRef idx="minor">
+      <a:schemeClr val="tx1">
+        <a:lumMod val="65000"/>
+        <a:lumOff val="35000"/>
+      </a:schemeClr>
+    </cs:fontRef>
+    <cs:defRPr sz="1197" kern="1200"/>
+  </cs:trendlineLabel>
+  <cs:upBar>
+    <cs:lnRef idx="0"/>
+    <cs:fillRef idx="0"/>
+    <cs:effectRef idx="0"/>
+    <cs:fontRef idx="minor">
+      <a:schemeClr val="dk1"/>
+    </cs:fontRef>
+    <cs:spPr>
+      <a:solidFill>
+        <a:schemeClr val="lt1"/>
+      </a:solidFill>
+      <a:ln w="9525">
+        <a:solidFill>
+          <a:schemeClr val="tx1">
+            <a:lumMod val="15000"/>
+            <a:lumOff val="85000"/>
+          </a:schemeClr>
+        </a:solidFill>
+      </a:ln>
+    </cs:spPr>
+  </cs:upBar>
+  <cs:valueAxis>
+    <cs:lnRef idx="0"/>
+    <cs:fillRef idx="0"/>
+    <cs:effectRef idx="0"/>
+    <cs:fontRef idx="minor">
+      <a:schemeClr val="tx1">
+        <a:lumMod val="65000"/>
+        <a:lumOff val="35000"/>
+      </a:schemeClr>
+    </cs:fontRef>
+    <cs:defRPr sz="1197" kern="1200"/>
+  </cs:valueAxis>
+  <cs:wall>
+    <cs:lnRef idx="0"/>
+    <cs:fillRef idx="0"/>
+    <cs:effectRef idx="0"/>
+    <cs:fontRef idx="minor">
+      <a:schemeClr val="tx1"/>
+    </cs:fontRef>
+    <cs:spPr>
+      <a:noFill/>
+      <a:ln>
+        <a:noFill/>
+      </a:ln>
+    </cs:spPr>
+  </cs:wall>
+</cs:chartStyle>
+</file>
+
+<file path=ppt/charts/style5.xml><?xml version="1.0" encoding="utf-8"?>
+<cs:chartStyle xmlns:cs="http://schemas.microsoft.com/office/drawing/2012/chartStyle" xmlns:a="http://schemas.openxmlformats.org/drawingml/2006/main" id="227">
+  <cs:axisTitle>
+    <cs:lnRef idx="0"/>
+    <cs:fillRef idx="0"/>
+    <cs:effectRef idx="0"/>
+    <cs:fontRef idx="minor">
+      <a:schemeClr val="tx1">
+        <a:lumMod val="65000"/>
+        <a:lumOff val="35000"/>
+      </a:schemeClr>
+    </cs:fontRef>
+    <cs:defRPr sz="1330" kern="1200"/>
+  </cs:axisTitle>
+  <cs:categoryAxis>
+    <cs:lnRef idx="0"/>
+    <cs:fillRef idx="0"/>
+    <cs:effectRef idx="0"/>
+    <cs:fontRef idx="minor">
+      <a:schemeClr val="tx1">
+        <a:lumMod val="65000"/>
+        <a:lumOff val="35000"/>
+      </a:schemeClr>
+    </cs:fontRef>
+    <cs:spPr>
+      <a:ln w="9525" cap="flat" cmpd="sng" algn="ctr">
+        <a:solidFill>
+          <a:schemeClr val="tx1">
+            <a:lumMod val="15000"/>
+            <a:lumOff val="85000"/>
+          </a:schemeClr>
+        </a:solidFill>
+        <a:round/>
+      </a:ln>
+    </cs:spPr>
+    <cs:defRPr sz="1197" kern="1200"/>
+  </cs:categoryAxis>
+  <cs:chartArea mods="allowNoFillOverride allowNoLineOverride">
+    <cs:lnRef idx="0"/>
+    <cs:fillRef idx="0"/>
+    <cs:effectRef idx="0"/>
+    <cs:fontRef idx="minor">
+      <a:schemeClr val="tx1"/>
+    </cs:fontRef>
+    <cs:spPr>
+      <a:solidFill>
+        <a:schemeClr val="bg1"/>
+      </a:solidFill>
+      <a:ln w="9525" cap="flat" cmpd="sng" algn="ctr">
+        <a:solidFill>
+          <a:schemeClr val="tx1">
+            <a:lumMod val="15000"/>
+            <a:lumOff val="85000"/>
+          </a:schemeClr>
+        </a:solidFill>
+        <a:round/>
+      </a:ln>
+    </cs:spPr>
+    <cs:defRPr sz="1330" kern="1200"/>
+  </cs:chartArea>
+  <cs:dataLabel>
+    <cs:lnRef idx="0"/>
+    <cs:fillRef idx="0"/>
+    <cs:effectRef idx="0"/>
+    <cs:fontRef idx="minor">
+      <a:schemeClr val="tx1">
+        <a:lumMod val="75000"/>
+        <a:lumOff val="25000"/>
+      </a:schemeClr>
+    </cs:fontRef>
+    <cs:defRPr sz="1197" kern="1200"/>
+  </cs:dataLabel>
+  <cs:dataLabelCallout>
+    <cs:lnRef idx="0"/>
+    <cs:fillRef idx="0"/>
+    <cs:effectRef idx="0"/>
+    <cs:fontRef idx="minor">
+      <a:schemeClr val="dk1">
+        <a:lumMod val="65000"/>
+        <a:lumOff val="35000"/>
+      </a:schemeClr>
+    </cs:fontRef>
+    <cs:spPr>
+      <a:solidFill>
+        <a:schemeClr val="lt1"/>
+      </a:solidFill>
+      <a:ln>
+        <a:solidFill>
+          <a:schemeClr val="dk1">
+            <a:lumMod val="25000"/>
+            <a:lumOff val="75000"/>
+          </a:schemeClr>
+        </a:solidFill>
+      </a:ln>
+    </cs:spPr>
+    <cs:defRPr sz="1197" kern="1200"/>
+    <cs:bodyPr rot="0" spcFirstLastPara="1" vertOverflow="clip" horzOverflow="clip" vert="horz" wrap="square" lIns="36576" tIns="18288" rIns="36576" bIns="18288" anchor="ctr" anchorCtr="1">
+      <a:spAutoFit/>
+    </cs:bodyPr>
+  </cs:dataLabelCallout>
+  <cs:dataPoint>
+    <cs:lnRef idx="0"/>
+    <cs:fillRef idx="1">
+      <cs:styleClr val="auto"/>
+    </cs:fillRef>
+    <cs:effectRef idx="0"/>
+    <cs:fontRef idx="minor">
+      <a:schemeClr val="tx1"/>
+    </cs:fontRef>
+    <cs:spPr>
+      <a:solidFill>
+        <a:schemeClr val="phClr"/>
+      </a:solidFill>
+    </cs:spPr>
+  </cs:dataPoint>
+  <cs:dataPoint3D>
+    <cs:lnRef idx="0"/>
+    <cs:fillRef idx="1">
+      <cs:styleClr val="auto"/>
+    </cs:fillRef>
+    <cs:effectRef idx="0"/>
+    <cs:fontRef idx="minor">
+      <a:schemeClr val="tx1"/>
+    </cs:fontRef>
+    <cs:spPr>
+      <a:solidFill>
+        <a:schemeClr val="phClr"/>
+      </a:solidFill>
+    </cs:spPr>
+  </cs:dataPoint3D>
+  <cs:dataPointLine>
+    <cs:lnRef idx="0">
+      <cs:styleClr val="auto"/>
+    </cs:lnRef>
+    <cs:fillRef idx="1"/>
+    <cs:effectRef idx="0"/>
+    <cs:fontRef idx="minor">
+      <a:schemeClr val="tx1"/>
+    </cs:fontRef>
+    <cs:spPr>
+      <a:ln w="28575" cap="rnd">
+        <a:solidFill>
+          <a:schemeClr val="phClr"/>
+        </a:solidFill>
+        <a:round/>
+      </a:ln>
+    </cs:spPr>
+  </cs:dataPointLine>
+  <cs:dataPointMarker>
+    <cs:lnRef idx="0">
+      <cs:styleClr val="auto"/>
+    </cs:lnRef>
+    <cs:fillRef idx="1">
+      <cs:styleClr val="auto"/>
+    </cs:fillRef>
+    <cs:effectRef idx="0"/>
+    <cs:fontRef idx="minor">
+      <a:schemeClr val="tx1"/>
+    </cs:fontRef>
+    <cs:spPr>
+      <a:solidFill>
+        <a:schemeClr val="phClr"/>
+      </a:solidFill>
+      <a:ln w="9525">
+        <a:solidFill>
+          <a:schemeClr val="phClr"/>
+        </a:solidFill>
+      </a:ln>
+    </cs:spPr>
+  </cs:dataPointMarker>
+  <cs:dataPointMarkerLayout symbol="circle" size="5"/>
+  <cs:dataPointWireframe>
+    <cs:lnRef idx="0">
+      <cs:styleClr val="auto"/>
+    </cs:lnRef>
+    <cs:fillRef idx="1"/>
+    <cs:effectRef idx="0"/>
+    <cs:fontRef idx="minor">
+      <a:schemeClr val="tx1"/>
+    </cs:fontRef>
+    <cs:spPr>
+      <a:ln w="9525" cap="rnd">
+        <a:solidFill>
+          <a:schemeClr val="phClr"/>
+        </a:solidFill>
+        <a:round/>
+      </a:ln>
+    </cs:spPr>
+  </cs:dataPointWireframe>
+  <cs:dataTable>
+    <cs:lnRef idx="0"/>
+    <cs:fillRef idx="0"/>
+    <cs:effectRef idx="0"/>
+    <cs:fontRef idx="minor">
+      <a:schemeClr val="tx1">
+        <a:lumMod val="65000"/>
+        <a:lumOff val="35000"/>
+      </a:schemeClr>
+    </cs:fontRef>
+    <cs:spPr>
+      <a:noFill/>
+      <a:ln w="9525" cap="flat" cmpd="sng" algn="ctr">
+        <a:solidFill>
+          <a:schemeClr val="tx1">
+            <a:lumMod val="15000"/>
+            <a:lumOff val="85000"/>
+          </a:schemeClr>
+        </a:solidFill>
+        <a:round/>
+      </a:ln>
+    </cs:spPr>
+    <cs:defRPr sz="1197" kern="1200"/>
+  </cs:dataTable>
+  <cs:downBar>
+    <cs:lnRef idx="0"/>
+    <cs:fillRef idx="0"/>
+    <cs:effectRef idx="0"/>
+    <cs:fontRef idx="minor">
+      <a:schemeClr val="dk1"/>
+    </cs:fontRef>
+    <cs:spPr>
+      <a:solidFill>
+        <a:schemeClr val="dk1">
+          <a:lumMod val="65000"/>
+          <a:lumOff val="35000"/>
+        </a:schemeClr>
+      </a:solidFill>
+      <a:ln w="9525">
+        <a:solidFill>
+          <a:schemeClr val="tx1">
+            <a:lumMod val="65000"/>
+            <a:lumOff val="35000"/>
+          </a:schemeClr>
+        </a:solidFill>
+      </a:ln>
+    </cs:spPr>
+  </cs:downBar>
+  <cs:dropLine>
+    <cs:lnRef idx="0"/>
+    <cs:fillRef idx="0"/>
+    <cs:effectRef idx="0"/>
+    <cs:fontRef idx="minor">
+      <a:schemeClr val="tx1"/>
+    </cs:fontRef>
+    <cs:spPr>
+      <a:ln w="9525" cap="flat" cmpd="sng" algn="ctr">
+        <a:solidFill>
+          <a:schemeClr val="tx1">
+            <a:lumMod val="35000"/>
+            <a:lumOff val="65000"/>
+          </a:schemeClr>
+        </a:solidFill>
+        <a:round/>
+      </a:ln>
+    </cs:spPr>
+  </cs:dropLine>
+  <cs:errorBar>
+    <cs:lnRef idx="0"/>
+    <cs:fillRef idx="0"/>
+    <cs:effectRef idx="0"/>
+    <cs:fontRef idx="minor">
+      <a:schemeClr val="tx1"/>
+    </cs:fontRef>
+    <cs:spPr>
+      <a:ln w="9525" cap="flat" cmpd="sng" algn="ctr">
+        <a:solidFill>
+          <a:schemeClr val="tx1">
+            <a:lumMod val="65000"/>
+            <a:lumOff val="35000"/>
+          </a:schemeClr>
+        </a:solidFill>
+        <a:round/>
+      </a:ln>
+    </cs:spPr>
+  </cs:errorBar>
+  <cs:floor>
+    <cs:lnRef idx="0"/>
+    <cs:fillRef idx="0"/>
+    <cs:effectRef idx="0"/>
+    <cs:fontRef idx="minor">
+      <a:schemeClr val="tx1"/>
+    </cs:fontRef>
+    <cs:spPr>
+      <a:noFill/>
+      <a:ln>
+        <a:noFill/>
+      </a:ln>
+    </cs:spPr>
+  </cs:floor>
+  <cs:gridlineMajor>
+    <cs:lnRef idx="0"/>
+    <cs:fillRef idx="0"/>
+    <cs:effectRef idx="0"/>
+    <cs:fontRef idx="minor">
+      <a:schemeClr val="tx1"/>
+    </cs:fontRef>
+    <cs:spPr>
+      <a:ln w="9525" cap="flat" cmpd="sng" algn="ctr">
+        <a:solidFill>
+          <a:schemeClr val="tx1">
+            <a:lumMod val="15000"/>
+            <a:lumOff val="85000"/>
+          </a:schemeClr>
+        </a:solidFill>
+        <a:round/>
+      </a:ln>
+    </cs:spPr>
+  </cs:gridlineMajor>
+  <cs:gridlineMinor>
+    <cs:lnRef idx="0"/>
+    <cs:fillRef idx="0"/>
+    <cs:effectRef idx="0"/>
+    <cs:fontRef idx="minor">
+      <a:schemeClr val="tx1"/>
+    </cs:fontRef>
+    <cs:spPr>
+      <a:ln w="9525" cap="flat" cmpd="sng" algn="ctr">
+        <a:solidFill>
+          <a:schemeClr val="tx1">
+            <a:lumMod val="5000"/>
+            <a:lumOff val="95000"/>
+          </a:schemeClr>
+        </a:solidFill>
+        <a:round/>
+      </a:ln>
+    </cs:spPr>
+  </cs:gridlineMinor>
+  <cs:hiLoLine>
+    <cs:lnRef idx="0"/>
+    <cs:fillRef idx="0"/>
+    <cs:effectRef idx="0"/>
+    <cs:fontRef idx="minor">
+      <a:schemeClr val="tx1"/>
+    </cs:fontRef>
+    <cs:spPr>
+      <a:ln w="9525" cap="flat" cmpd="sng" algn="ctr">
+        <a:solidFill>
+          <a:schemeClr val="tx1">
+            <a:lumMod val="75000"/>
+            <a:lumOff val="25000"/>
+          </a:schemeClr>
+        </a:solidFill>
+        <a:round/>
+      </a:ln>
+    </cs:spPr>
+  </cs:hiLoLine>
+  <cs:leaderLine>
+    <cs:lnRef idx="0"/>
+    <cs:fillRef idx="0"/>
+    <cs:effectRef idx="0"/>
+    <cs:fontRef idx="minor">
+      <a:schemeClr val="tx1"/>
+    </cs:fontRef>
+    <cs:spPr>
+      <a:ln w="9525" cap="flat" cmpd="sng" algn="ctr">
+        <a:solidFill>
+          <a:schemeClr val="tx1">
+            <a:lumMod val="35000"/>
+            <a:lumOff val="65000"/>
+          </a:schemeClr>
+        </a:solidFill>
+        <a:round/>
+      </a:ln>
+    </cs:spPr>
+  </cs:leaderLine>
+  <cs:legend>
+    <cs:lnRef idx="0"/>
+    <cs:fillRef idx="0"/>
+    <cs:effectRef idx="0"/>
+    <cs:fontRef idx="minor">
+      <a:schemeClr val="tx1">
+        <a:lumMod val="65000"/>
+        <a:lumOff val="35000"/>
+      </a:schemeClr>
+    </cs:fontRef>
+    <cs:defRPr sz="1197" kern="1200"/>
+  </cs:legend>
+  <cs:plotArea mods="allowNoFillOverride allowNoLineOverride">
+    <cs:lnRef idx="0"/>
+    <cs:fillRef idx="0"/>
+    <cs:effectRef idx="0"/>
+    <cs:fontRef idx="minor">
+      <a:schemeClr val="tx1"/>
+    </cs:fontRef>
+  </cs:plotArea>
+  <cs:plotArea3D mods="allowNoFillOverride allowNoLineOverride">
+    <cs:lnRef idx="0"/>
+    <cs:fillRef idx="0"/>
+    <cs:effectRef idx="0"/>
+    <cs:fontRef idx="minor">
+      <a:schemeClr val="tx1"/>
+    </cs:fontRef>
+  </cs:plotArea3D>
+  <cs:seriesAxis>
+    <cs:lnRef idx="0"/>
+    <cs:fillRef idx="0"/>
+    <cs:effectRef idx="0"/>
+    <cs:fontRef idx="minor">
+      <a:schemeClr val="tx1">
+        <a:lumMod val="65000"/>
+        <a:lumOff val="35000"/>
+      </a:schemeClr>
+    </cs:fontRef>
+    <cs:defRPr sz="1197" kern="1200"/>
+  </cs:seriesAxis>
+  <cs:seriesLine>
+    <cs:lnRef idx="0"/>
+    <cs:fillRef idx="0"/>
+    <cs:effectRef idx="0"/>
+    <cs:fontRef idx="minor">
+      <a:schemeClr val="tx1"/>
+    </cs:fontRef>
+    <cs:spPr>
+      <a:ln w="9525" cap="flat" cmpd="sng" algn="ctr">
+        <a:solidFill>
+          <a:schemeClr val="tx1">
+            <a:lumMod val="35000"/>
+            <a:lumOff val="65000"/>
+          </a:schemeClr>
+        </a:solidFill>
+        <a:round/>
+      </a:ln>
+    </cs:spPr>
+  </cs:seriesLine>
+  <cs:title>
+    <cs:lnRef idx="0"/>
+    <cs:fillRef idx="0"/>
+    <cs:effectRef idx="0"/>
+    <cs:fontRef idx="minor">
+      <a:schemeClr val="tx1">
+        <a:lumMod val="65000"/>
+        <a:lumOff val="35000"/>
+      </a:schemeClr>
+    </cs:fontRef>
+    <cs:defRPr sz="1862" b="0" kern="1200" spc="0" baseline="0"/>
+  </cs:title>
+  <cs:trendline>
+    <cs:lnRef idx="0">
+      <cs:styleClr val="auto"/>
+    </cs:lnRef>
+    <cs:fillRef idx="0"/>
+    <cs:effectRef idx="0"/>
+    <cs:fontRef idx="minor">
+      <a:schemeClr val="tx1"/>
+    </cs:fontRef>
+    <cs:spPr>
+      <a:ln w="19050" cap="rnd">
+        <a:solidFill>
+          <a:schemeClr val="phClr"/>
+        </a:solidFill>
+        <a:prstDash val="sysDot"/>
+      </a:ln>
+    </cs:spPr>
+  </cs:trendline>
+  <cs:trendlineLabel>
+    <cs:lnRef idx="0"/>
+    <cs:fillRef idx="0"/>
+    <cs:effectRef idx="0"/>
+    <cs:fontRef idx="minor">
+      <a:schemeClr val="tx1">
+        <a:lumMod val="65000"/>
+        <a:lumOff val="35000"/>
+      </a:schemeClr>
+    </cs:fontRef>
+    <cs:defRPr sz="1197" kern="1200"/>
+  </cs:trendlineLabel>
+  <cs:upBar>
+    <cs:lnRef idx="0"/>
+    <cs:fillRef idx="0"/>
+    <cs:effectRef idx="0"/>
+    <cs:fontRef idx="minor">
+      <a:schemeClr val="dk1"/>
+    </cs:fontRef>
+    <cs:spPr>
+      <a:solidFill>
+        <a:schemeClr val="lt1"/>
+      </a:solidFill>
+      <a:ln w="9525">
+        <a:solidFill>
+          <a:schemeClr val="tx1">
+            <a:lumMod val="15000"/>
+            <a:lumOff val="85000"/>
+          </a:schemeClr>
+        </a:solidFill>
+      </a:ln>
+    </cs:spPr>
+  </cs:upBar>
+  <cs:valueAxis>
+    <cs:lnRef idx="0"/>
+    <cs:fillRef idx="0"/>
+    <cs:effectRef idx="0"/>
+    <cs:fontRef idx="minor">
+      <a:schemeClr val="tx1">
+        <a:lumMod val="65000"/>
+        <a:lumOff val="35000"/>
+      </a:schemeClr>
+    </cs:fontRef>
+    <cs:defRPr sz="1197" kern="1200"/>
+  </cs:valueAxis>
+  <cs:wall>
+    <cs:lnRef idx="0"/>
+    <cs:fillRef idx="0"/>
+    <cs:effectRef idx="0"/>
+    <cs:fontRef idx="minor">
+      <a:schemeClr val="tx1"/>
+    </cs:fontRef>
+    <cs:spPr>
+      <a:noFill/>
+      <a:ln>
+        <a:noFill/>
+      </a:ln>
+    </cs:spPr>
+  </cs:wall>
+</cs:chartStyle>
+</file>
+
+<file path=ppt/charts/style6.xml><?xml version="1.0" encoding="utf-8"?>
+<cs:chartStyle xmlns:cs="http://schemas.microsoft.com/office/drawing/2012/chartStyle" xmlns:a="http://schemas.openxmlformats.org/drawingml/2006/main" id="332">
+  <cs:axisTitle>
+    <cs:lnRef idx="0"/>
+    <cs:fillRef idx="0"/>
+    <cs:effectRef idx="0"/>
+    <cs:fontRef idx="minor">
+      <a:schemeClr val="tx1">
+        <a:lumMod val="65000"/>
+        <a:lumOff val="35000"/>
+      </a:schemeClr>
+    </cs:fontRef>
+    <cs:defRPr sz="1330" kern="1200"/>
+  </cs:axisTitle>
+  <cs:categoryAxis>
+    <cs:lnRef idx="0"/>
+    <cs:fillRef idx="0"/>
+    <cs:effectRef idx="0"/>
+    <cs:fontRef idx="minor">
+      <a:schemeClr val="tx1">
+        <a:lumMod val="65000"/>
+        <a:lumOff val="35000"/>
+      </a:schemeClr>
+    </cs:fontRef>
+    <cs:spPr>
+      <a:ln w="9525" cap="flat" cmpd="sng" algn="ctr">
+        <a:solidFill>
+          <a:schemeClr val="tx1">
+            <a:lumMod val="15000"/>
+            <a:lumOff val="85000"/>
+          </a:schemeClr>
+        </a:solidFill>
+        <a:round/>
+      </a:ln>
+    </cs:spPr>
+    <cs:defRPr sz="1197" kern="1200"/>
+  </cs:categoryAxis>
+  <cs:chartArea mods="allowNoFillOverride allowNoLineOverride">
+    <cs:lnRef idx="0"/>
+    <cs:fillRef idx="0"/>
+    <cs:effectRef idx="0"/>
+    <cs:fontRef idx="minor">
+      <a:schemeClr val="tx1"/>
+    </cs:fontRef>
+    <cs:spPr>
+      <a:solidFill>
+        <a:schemeClr val="bg1"/>
+      </a:solidFill>
+      <a:ln w="9525" cap="flat" cmpd="sng" algn="ctr">
+        <a:solidFill>
+          <a:schemeClr val="tx1">
+            <a:lumMod val="15000"/>
+            <a:lumOff val="85000"/>
+          </a:schemeClr>
+        </a:solidFill>
+        <a:round/>
+      </a:ln>
+    </cs:spPr>
+    <cs:defRPr sz="1330" kern="1200"/>
+  </cs:chartArea>
+  <cs:dataLabel>
+    <cs:lnRef idx="0"/>
+    <cs:fillRef idx="0"/>
+    <cs:effectRef idx="0"/>
+    <cs:fontRef idx="minor">
+      <a:schemeClr val="tx1">
+        <a:lumMod val="75000"/>
+        <a:lumOff val="25000"/>
+      </a:schemeClr>
+    </cs:fontRef>
+    <cs:defRPr sz="1197" kern="1200"/>
+  </cs:dataLabel>
+  <cs:dataLabelCallout>
+    <cs:lnRef idx="0"/>
+    <cs:fillRef idx="0"/>
+    <cs:effectRef idx="0"/>
+    <cs:fontRef idx="minor">
+      <a:schemeClr val="dk1">
+        <a:lumMod val="65000"/>
+        <a:lumOff val="35000"/>
+      </a:schemeClr>
+    </cs:fontRef>
+    <cs:spPr>
+      <a:solidFill>
+        <a:schemeClr val="lt1"/>
+      </a:solidFill>
+      <a:ln>
+        <a:solidFill>
+          <a:schemeClr val="dk1">
+            <a:lumMod val="25000"/>
+            <a:lumOff val="75000"/>
+          </a:schemeClr>
+        </a:solidFill>
+      </a:ln>
+    </cs:spPr>
+    <cs:defRPr sz="1197" kern="1200"/>
+    <cs:bodyPr rot="0" spcFirstLastPara="1" vertOverflow="clip" horzOverflow="clip" vert="horz" wrap="square" lIns="36576" tIns="18288" rIns="36576" bIns="18288" anchor="ctr" anchorCtr="1">
+      <a:spAutoFit/>
+    </cs:bodyPr>
+  </cs:dataLabelCallout>
+  <cs:dataPoint>
+    <cs:lnRef idx="0"/>
+    <cs:fillRef idx="1">
+      <cs:styleClr val="auto"/>
+    </cs:fillRef>
+    <cs:effectRef idx="0"/>
+    <cs:fontRef idx="minor">
+      <a:schemeClr val="tx1"/>
+    </cs:fontRef>
+  </cs:dataPoint>
+  <cs:dataPoint3D>
+    <cs:lnRef idx="0"/>
+    <cs:fillRef idx="1">
+      <cs:styleClr val="auto"/>
+    </cs:fillRef>
+    <cs:effectRef idx="0"/>
+    <cs:fontRef idx="minor">
+      <a:schemeClr val="tx1"/>
+    </cs:fontRef>
+  </cs:dataPoint3D>
+  <cs:dataPointLine>
+    <cs:lnRef idx="0">
+      <cs:styleClr val="auto"/>
+    </cs:lnRef>
+    <cs:fillRef idx="1"/>
+    <cs:effectRef idx="0"/>
+    <cs:fontRef idx="minor">
+      <a:schemeClr val="tx1"/>
+    </cs:fontRef>
+    <cs:spPr>
+      <a:ln w="28575" cap="rnd">
+        <a:solidFill>
+          <a:schemeClr val="phClr"/>
+        </a:solidFill>
+        <a:round/>
+      </a:ln>
+    </cs:spPr>
+  </cs:dataPointLine>
+  <cs:dataPointMarker>
+    <cs:lnRef idx="0">
+      <cs:styleClr val="auto"/>
+    </cs:lnRef>
+    <cs:fillRef idx="1">
+      <cs:styleClr val="auto"/>
+    </cs:fillRef>
+    <cs:effectRef idx="0"/>
+    <cs:fontRef idx="minor">
+      <a:schemeClr val="tx1"/>
+    </cs:fontRef>
+    <cs:spPr>
+      <a:ln w="9525">
+        <a:solidFill>
+          <a:schemeClr val="phClr"/>
+        </a:solidFill>
+      </a:ln>
+    </cs:spPr>
+  </cs:dataPointMarker>
+  <cs:dataPointMarkerLayout symbol="circle" size="5"/>
+  <cs:dataPointWireframe>
+    <cs:lnRef idx="0">
+      <cs:styleClr val="auto"/>
+    </cs:lnRef>
+    <cs:fillRef idx="1"/>
+    <cs:effectRef idx="0"/>
+    <cs:fontRef idx="minor">
+      <a:schemeClr val="tx1"/>
+    </cs:fontRef>
+    <cs:spPr>
+      <a:ln w="9525" cap="rnd">
+        <a:solidFill>
+          <a:schemeClr val="phClr"/>
+        </a:solidFill>
+        <a:round/>
+      </a:ln>
+    </cs:spPr>
+  </cs:dataPointWireframe>
+  <cs:dataTable>
+    <cs:lnRef idx="0"/>
+    <cs:fillRef idx="0"/>
+    <cs:effectRef idx="0"/>
+    <cs:fontRef idx="minor">
+      <a:schemeClr val="tx1">
+        <a:lumMod val="65000"/>
+        <a:lumOff val="35000"/>
+      </a:schemeClr>
+    </cs:fontRef>
+    <cs:spPr>
+      <a:noFill/>
+      <a:ln w="9525" cap="flat" cmpd="sng" algn="ctr">
+        <a:solidFill>
+          <a:schemeClr val="tx1">
+            <a:lumMod val="15000"/>
+            <a:lumOff val="85000"/>
+          </a:schemeClr>
+        </a:solidFill>
+        <a:round/>
+      </a:ln>
+    </cs:spPr>
+    <cs:defRPr sz="1197" kern="1200"/>
+  </cs:dataTable>
+  <cs:downBar>
+    <cs:lnRef idx="0"/>
+    <cs:fillRef idx="0"/>
+    <cs:effectRef idx="0"/>
+    <cs:fontRef idx="minor">
+      <a:schemeClr val="dk1"/>
+    </cs:fontRef>
+    <cs:spPr>
+      <a:solidFill>
+        <a:schemeClr val="dk1">
+          <a:lumMod val="65000"/>
+          <a:lumOff val="35000"/>
+        </a:schemeClr>
+      </a:solidFill>
+      <a:ln w="9525">
+        <a:solidFill>
+          <a:schemeClr val="tx1">
+            <a:lumMod val="65000"/>
+            <a:lumOff val="35000"/>
+          </a:schemeClr>
+        </a:solidFill>
+      </a:ln>
+    </cs:spPr>
+  </cs:downBar>
+  <cs:dropLine>
+    <cs:lnRef idx="0"/>
+    <cs:fillRef idx="0"/>
+    <cs:effectRef idx="0"/>
+    <cs:fontRef idx="minor">
+      <a:schemeClr val="tx1"/>
+    </cs:fontRef>
+    <cs:spPr>
+      <a:ln w="9525" cap="flat" cmpd="sng" algn="ctr">
+        <a:solidFill>
+          <a:schemeClr val="tx1">
+            <a:lumMod val="35000"/>
+            <a:lumOff val="65000"/>
+          </a:schemeClr>
+        </a:solidFill>
+        <a:round/>
+      </a:ln>
+    </cs:spPr>
+  </cs:dropLine>
+  <cs:errorBar>
+    <cs:lnRef idx="0"/>
+    <cs:fillRef idx="0"/>
+    <cs:effectRef idx="0"/>
+    <cs:fontRef idx="minor">
+      <a:schemeClr val="tx1"/>
+    </cs:fontRef>
+    <cs:spPr>
+      <a:ln w="9525" cap="flat" cmpd="sng" algn="ctr">
+        <a:solidFill>
+          <a:schemeClr val="tx1">
+            <a:lumMod val="65000"/>
+            <a:lumOff val="35000"/>
+          </a:schemeClr>
+        </a:solidFill>
+        <a:round/>
+      </a:ln>
+    </cs:spPr>
+  </cs:errorBar>
+  <cs:floor>
+    <cs:lnRef idx="0"/>
+    <cs:fillRef idx="0"/>
+    <cs:effectRef idx="0"/>
+    <cs:fontRef idx="minor">
+      <a:schemeClr val="tx1"/>
+    </cs:fontRef>
+    <cs:spPr>
+      <a:noFill/>
+      <a:ln>
+        <a:noFill/>
+      </a:ln>
+    </cs:spPr>
+  </cs:floor>
+  <cs:gridlineMajor>
+    <cs:lnRef idx="0"/>
+    <cs:fillRef idx="0"/>
+    <cs:effectRef idx="0"/>
+    <cs:fontRef idx="minor">
+      <a:schemeClr val="tx1"/>
+    </cs:fontRef>
+    <cs:spPr>
+      <a:ln w="9525" cap="flat" cmpd="sng" algn="ctr">
+        <a:solidFill>
+          <a:schemeClr val="tx1">
+            <a:lumMod val="15000"/>
+            <a:lumOff val="85000"/>
+          </a:schemeClr>
+        </a:solidFill>
+        <a:round/>
+      </a:ln>
+    </cs:spPr>
+  </cs:gridlineMajor>
+  <cs:gridlineMinor>
+    <cs:lnRef idx="0"/>
+    <cs:fillRef idx="0"/>
+    <cs:effectRef idx="0"/>
+    <cs:fontRef idx="minor">
+      <a:schemeClr val="tx1"/>
+    </cs:fontRef>
+    <cs:spPr>
+      <a:ln w="9525" cap="flat" cmpd="sng" algn="ctr">
+        <a:solidFill>
+          <a:schemeClr val="tx1">
+            <a:lumMod val="5000"/>
+            <a:lumOff val="95000"/>
+          </a:schemeClr>
+        </a:solidFill>
+        <a:round/>
+      </a:ln>
+    </cs:spPr>
+  </cs:gridlineMinor>
+  <cs:hiLoLine>
+    <cs:lnRef idx="0"/>
+    <cs:fillRef idx="0"/>
+    <cs:effectRef idx="0"/>
+    <cs:fontRef idx="minor">
+      <a:schemeClr val="tx1"/>
+    </cs:fontRef>
+    <cs:spPr>
+      <a:ln w="9525" cap="flat" cmpd="sng" algn="ctr">
+        <a:solidFill>
+          <a:schemeClr val="tx1">
+            <a:lumMod val="75000"/>
+            <a:lumOff val="25000"/>
+          </a:schemeClr>
+        </a:solidFill>
+        <a:round/>
+      </a:ln>
+    </cs:spPr>
+  </cs:hiLoLine>
+  <cs:leaderLine>
+    <cs:lnRef idx="0"/>
+    <cs:fillRef idx="0"/>
+    <cs:effectRef idx="0"/>
+    <cs:fontRef idx="minor">
+      <a:schemeClr val="tx1"/>
+    </cs:fontRef>
+    <cs:spPr>
+      <a:ln w="9525" cap="flat" cmpd="sng" algn="ctr">
+        <a:solidFill>
+          <a:schemeClr val="tx1">
+            <a:lumMod val="35000"/>
+            <a:lumOff val="65000"/>
+          </a:schemeClr>
+        </a:solidFill>
+        <a:round/>
+      </a:ln>
+    </cs:spPr>
+  </cs:leaderLine>
+  <cs:legend>
+    <cs:lnRef idx="0"/>
+    <cs:fillRef idx="0"/>
+    <cs:effectRef idx="0"/>
+    <cs:fontRef idx="minor">
+      <a:schemeClr val="tx1">
+        <a:lumMod val="65000"/>
+        <a:lumOff val="35000"/>
+      </a:schemeClr>
+    </cs:fontRef>
+    <cs:defRPr sz="1197" kern="1200"/>
+  </cs:legend>
+  <cs:plotArea mods="allowNoFillOverride allowNoLineOverride">
+    <cs:lnRef idx="0"/>
+    <cs:fillRef idx="0"/>
+    <cs:effectRef idx="0"/>
+    <cs:fontRef idx="minor">
+      <a:schemeClr val="tx1"/>
+    </cs:fontRef>
+  </cs:plotArea>
+  <cs:plotArea3D mods="allowNoFillOverride allowNoLineOverride">
+    <cs:lnRef idx="0"/>
+    <cs:fillRef idx="0"/>
+    <cs:effectRef idx="0"/>
+    <cs:fontRef idx="minor">
+      <a:schemeClr val="tx1"/>
+    </cs:fontRef>
+  </cs:plotArea3D>
+  <cs:seriesAxis>
+    <cs:lnRef idx="0"/>
+    <cs:fillRef idx="0"/>
+    <cs:effectRef idx="0"/>
+    <cs:fontRef idx="minor">
+      <a:schemeClr val="tx1">
+        <a:lumMod val="65000"/>
+        <a:lumOff val="35000"/>
+      </a:schemeClr>
+    </cs:fontRef>
+    <cs:defRPr sz="1197" kern="1200"/>
+  </cs:seriesAxis>
+  <cs:seriesLine>
+    <cs:lnRef idx="0"/>
+    <cs:fillRef idx="0"/>
+    <cs:effectRef idx="0"/>
+    <cs:fontRef idx="minor">
+      <a:schemeClr val="tx1"/>
+    </cs:fontRef>
+    <cs:spPr>
+      <a:ln w="9525" cap="flat" cmpd="sng" algn="ctr">
+        <a:solidFill>
+          <a:schemeClr val="tx1">
+            <a:lumMod val="35000"/>
+            <a:lumOff val="65000"/>
+          </a:schemeClr>
+        </a:solidFill>
+        <a:round/>
+      </a:ln>
+    </cs:spPr>
+  </cs:seriesLine>
+  <cs:title>
+    <cs:lnRef idx="0"/>
+    <cs:fillRef idx="0"/>
+    <cs:effectRef idx="0"/>
+    <cs:fontRef idx="minor">
+      <a:schemeClr val="tx1">
+        <a:lumMod val="65000"/>
+        <a:lumOff val="35000"/>
+      </a:schemeClr>
+    </cs:fontRef>
+    <cs:defRPr sz="1862" b="0" kern="1200" spc="0" baseline="0"/>
+  </cs:title>
+  <cs:trendline>
+    <cs:lnRef idx="0">
+      <cs:styleClr val="auto"/>
+    </cs:lnRef>
+    <cs:fillRef idx="0"/>
+    <cs:effectRef idx="0"/>
+    <cs:fontRef idx="minor">
+      <a:schemeClr val="tx1"/>
+    </cs:fontRef>
+    <cs:spPr>
+      <a:ln w="19050" cap="rnd">
+        <a:solidFill>
+          <a:schemeClr val="phClr"/>
+        </a:solidFill>
+        <a:prstDash val="sysDot"/>
+      </a:ln>
+    </cs:spPr>
+  </cs:trendline>
+  <cs:trendlineLabel>
+    <cs:lnRef idx="0"/>
+    <cs:fillRef idx="0"/>
+    <cs:effectRef idx="0"/>
+    <cs:fontRef idx="minor">
+      <a:schemeClr val="tx1">
+        <a:lumMod val="65000"/>
+        <a:lumOff val="35000"/>
+      </a:schemeClr>
+    </cs:fontRef>
+    <cs:defRPr sz="1197" kern="1200"/>
+  </cs:trendlineLabel>
+  <cs:upBar>
+    <cs:lnRef idx="0"/>
+    <cs:fillRef idx="0"/>
+    <cs:effectRef idx="0"/>
+    <cs:fontRef idx="minor">
+      <a:schemeClr val="dk1"/>
+    </cs:fontRef>
+    <cs:spPr>
+      <a:solidFill>
+        <a:schemeClr val="lt1"/>
+      </a:solidFill>
+      <a:ln w="9525">
+        <a:solidFill>
+          <a:schemeClr val="tx1">
+            <a:lumMod val="15000"/>
+            <a:lumOff val="85000"/>
+          </a:schemeClr>
+        </a:solidFill>
+      </a:ln>
+    </cs:spPr>
+  </cs:upBar>
+  <cs:valueAxis>
+    <cs:lnRef idx="0"/>
+    <cs:fillRef idx="0"/>
+    <cs:effectRef idx="0"/>
+    <cs:fontRef idx="minor">
+      <a:schemeClr val="tx1">
+        <a:lumMod val="65000"/>
+        <a:lumOff val="35000"/>
+      </a:schemeClr>
+    </cs:fontRef>
+    <cs:defRPr sz="1197" kern="1200"/>
+  </cs:valueAxis>
+  <cs:wall>
+    <cs:lnRef idx="0"/>
+    <cs:fillRef idx="0"/>
+    <cs:effectRef idx="0"/>
+    <cs:fontRef idx="minor">
+      <a:schemeClr val="tx1"/>
+    </cs:fontRef>
+    <cs:spPr>
+      <a:noFill/>
+      <a:ln>
+        <a:noFill/>
+      </a:ln>
+    </cs:spPr>
+  </cs:wall>
+</cs:chartStyle>
+</file>
+
+<file path=ppt/charts/style7.xml><?xml version="1.0" encoding="utf-8"?>
+<cs:chartStyle xmlns:cs="http://schemas.microsoft.com/office/drawing/2012/chartStyle" xmlns:a="http://schemas.openxmlformats.org/drawingml/2006/main" id="227">
+  <cs:axisTitle>
+    <cs:lnRef idx="0"/>
+    <cs:fillRef idx="0"/>
+    <cs:effectRef idx="0"/>
+    <cs:fontRef idx="minor">
+      <a:schemeClr val="tx1">
+        <a:lumMod val="65000"/>
+        <a:lumOff val="35000"/>
+      </a:schemeClr>
+    </cs:fontRef>
+    <cs:defRPr sz="1330" kern="1200"/>
+  </cs:axisTitle>
+  <cs:categoryAxis>
+    <cs:lnRef idx="0"/>
+    <cs:fillRef idx="0"/>
+    <cs:effectRef idx="0"/>
+    <cs:fontRef idx="minor">
+      <a:schemeClr val="tx1">
+        <a:lumMod val="65000"/>
+        <a:lumOff val="35000"/>
+      </a:schemeClr>
+    </cs:fontRef>
+    <cs:spPr>
+      <a:ln w="9525" cap="flat" cmpd="sng" algn="ctr">
+        <a:solidFill>
+          <a:schemeClr val="tx1">
+            <a:lumMod val="15000"/>
+            <a:lumOff val="85000"/>
+          </a:schemeClr>
+        </a:solidFill>
+        <a:round/>
+      </a:ln>
+    </cs:spPr>
+    <cs:defRPr sz="1197" kern="1200"/>
+  </cs:categoryAxis>
+  <cs:chartArea mods="allowNoFillOverride allowNoLineOverride">
+    <cs:lnRef idx="0"/>
+    <cs:fillRef idx="0"/>
+    <cs:effectRef idx="0"/>
+    <cs:fontRef idx="minor">
+      <a:schemeClr val="tx1"/>
+    </cs:fontRef>
+    <cs:spPr>
+      <a:solidFill>
+        <a:schemeClr val="bg1"/>
+      </a:solidFill>
+      <a:ln w="9525" cap="flat" cmpd="sng" algn="ctr">
+        <a:solidFill>
+          <a:schemeClr val="tx1">
+            <a:lumMod val="15000"/>
+            <a:lumOff val="85000"/>
+          </a:schemeClr>
+        </a:solidFill>
+        <a:round/>
+      </a:ln>
+    </cs:spPr>
+    <cs:defRPr sz="1330" kern="1200"/>
+  </cs:chartArea>
+  <cs:dataLabel>
+    <cs:lnRef idx="0"/>
+    <cs:fillRef idx="0"/>
+    <cs:effectRef idx="0"/>
+    <cs:fontRef idx="minor">
+      <a:schemeClr val="tx1">
+        <a:lumMod val="75000"/>
+        <a:lumOff val="25000"/>
+      </a:schemeClr>
+    </cs:fontRef>
+    <cs:defRPr sz="1197" kern="1200"/>
+  </cs:dataLabel>
+  <cs:dataLabelCallout>
+    <cs:lnRef idx="0"/>
+    <cs:fillRef idx="0"/>
+    <cs:effectRef idx="0"/>
+    <cs:fontRef idx="minor">
+      <a:schemeClr val="dk1">
+        <a:lumMod val="65000"/>
+        <a:lumOff val="35000"/>
+      </a:schemeClr>
+    </cs:fontRef>
+    <cs:spPr>
+      <a:solidFill>
+        <a:schemeClr val="lt1"/>
+      </a:solidFill>
+      <a:ln>
+        <a:solidFill>
+          <a:schemeClr val="dk1">
+            <a:lumMod val="25000"/>
+            <a:lumOff val="75000"/>
+          </a:schemeClr>
+        </a:solidFill>
+      </a:ln>
+    </cs:spPr>
+    <cs:defRPr sz="1197" kern="1200"/>
+    <cs:bodyPr rot="0" spcFirstLastPara="1" vertOverflow="clip" horzOverflow="clip" vert="horz" wrap="square" lIns="36576" tIns="18288" rIns="36576" bIns="18288" anchor="ctr" anchorCtr="1">
+      <a:spAutoFit/>
+    </cs:bodyPr>
+  </cs:dataLabelCallout>
+  <cs:dataPoint>
+    <cs:lnRef idx="0"/>
+    <cs:fillRef idx="1">
+      <cs:styleClr val="auto"/>
+    </cs:fillRef>
+    <cs:effectRef idx="0"/>
+    <cs:fontRef idx="minor">
+      <a:schemeClr val="tx1"/>
+    </cs:fontRef>
+    <cs:spPr>
+      <a:solidFill>
+        <a:schemeClr val="phClr"/>
+      </a:solidFill>
+    </cs:spPr>
+  </cs:dataPoint>
+  <cs:dataPoint3D>
+    <cs:lnRef idx="0"/>
+    <cs:fillRef idx="1">
+      <cs:styleClr val="auto"/>
+    </cs:fillRef>
+    <cs:effectRef idx="0"/>
+    <cs:fontRef idx="minor">
+      <a:schemeClr val="tx1"/>
+    </cs:fontRef>
+    <cs:spPr>
+      <a:solidFill>
+        <a:schemeClr val="phClr"/>
+      </a:solidFill>
+    </cs:spPr>
+  </cs:dataPoint3D>
+  <cs:dataPointLine>
+    <cs:lnRef idx="0">
+      <cs:styleClr val="auto"/>
+    </cs:lnRef>
+    <cs:fillRef idx="1"/>
+    <cs:effectRef idx="0"/>
+    <cs:fontRef idx="minor">
+      <a:schemeClr val="tx1"/>
+    </cs:fontRef>
+    <cs:spPr>
+      <a:ln w="28575" cap="rnd">
+        <a:solidFill>
+          <a:schemeClr val="phClr"/>
+        </a:solidFill>
+        <a:round/>
+      </a:ln>
+    </cs:spPr>
+  </cs:dataPointLine>
+  <cs:dataPointMarker>
+    <cs:lnRef idx="0">
+      <cs:styleClr val="auto"/>
+    </cs:lnRef>
+    <cs:fillRef idx="1">
+      <cs:styleClr val="auto"/>
+    </cs:fillRef>
+    <cs:effectRef idx="0"/>
+    <cs:fontRef idx="minor">
+      <a:schemeClr val="tx1"/>
+    </cs:fontRef>
+    <cs:spPr>
+      <a:solidFill>
+        <a:schemeClr val="phClr"/>
+      </a:solidFill>
+      <a:ln w="9525">
+        <a:solidFill>
+          <a:schemeClr val="phClr"/>
+        </a:solidFill>
+      </a:ln>
+    </cs:spPr>
+  </cs:dataPointMarker>
+  <cs:dataPointMarkerLayout symbol="circle" size="5"/>
+  <cs:dataPointWireframe>
+    <cs:lnRef idx="0">
+      <cs:styleClr val="auto"/>
+    </cs:lnRef>
+    <cs:fillRef idx="1"/>
+    <cs:effectRef idx="0"/>
+    <cs:fontRef idx="minor">
+      <a:schemeClr val="tx1"/>
+    </cs:fontRef>
+    <cs:spPr>
+      <a:ln w="9525" cap="rnd">
+        <a:solidFill>
+          <a:schemeClr val="phClr"/>
+        </a:solidFill>
+        <a:round/>
+      </a:ln>
+    </cs:spPr>
+  </cs:dataPointWireframe>
+  <cs:dataTable>
+    <cs:lnRef idx="0"/>
+    <cs:fillRef idx="0"/>
+    <cs:effectRef idx="0"/>
+    <cs:fontRef idx="minor">
+      <a:schemeClr val="tx1">
+        <a:lumMod val="65000"/>
+        <a:lumOff val="35000"/>
+      </a:schemeClr>
+    </cs:fontRef>
+    <cs:spPr>
+      <a:noFill/>
+      <a:ln w="9525" cap="flat" cmpd="sng" algn="ctr">
+        <a:solidFill>
+          <a:schemeClr val="tx1">
+            <a:lumMod val="15000"/>
+            <a:lumOff val="85000"/>
+          </a:schemeClr>
+        </a:solidFill>
+        <a:round/>
+      </a:ln>
+    </cs:spPr>
+    <cs:defRPr sz="1197" kern="1200"/>
+  </cs:dataTable>
+  <cs:downBar>
+    <cs:lnRef idx="0"/>
+    <cs:fillRef idx="0"/>
+    <cs:effectRef idx="0"/>
+    <cs:fontRef idx="minor">
+      <a:schemeClr val="dk1"/>
+    </cs:fontRef>
+    <cs:spPr>
+      <a:solidFill>
+        <a:schemeClr val="dk1">
+          <a:lumMod val="65000"/>
+          <a:lumOff val="35000"/>
+        </a:schemeClr>
+      </a:solidFill>
+      <a:ln w="9525">
+        <a:solidFill>
+          <a:schemeClr val="tx1">
+            <a:lumMod val="65000"/>
+            <a:lumOff val="35000"/>
+          </a:schemeClr>
+        </a:solidFill>
+      </a:ln>
+    </cs:spPr>
+  </cs:downBar>
+  <cs:dropLine>
+    <cs:lnRef idx="0"/>
+    <cs:fillRef idx="0"/>
+    <cs:effectRef idx="0"/>
+    <cs:fontRef idx="minor">
+      <a:schemeClr val="tx1"/>
+    </cs:fontRef>
+    <cs:spPr>
+      <a:ln w="9525" cap="flat" cmpd="sng" algn="ctr">
+        <a:solidFill>
+          <a:schemeClr val="tx1">
+            <a:lumMod val="35000"/>
+            <a:lumOff val="65000"/>
+          </a:schemeClr>
+        </a:solidFill>
+        <a:round/>
+      </a:ln>
+    </cs:spPr>
+  </cs:dropLine>
+  <cs:errorBar>
+    <cs:lnRef idx="0"/>
+    <cs:fillRef idx="0"/>
+    <cs:effectRef idx="0"/>
+    <cs:fontRef idx="minor">
+      <a:schemeClr val="tx1"/>
+    </cs:fontRef>
+    <cs:spPr>
+      <a:ln w="9525" cap="flat" cmpd="sng" algn="ctr">
+        <a:solidFill>
+          <a:schemeClr val="tx1">
+            <a:lumMod val="65000"/>
+            <a:lumOff val="35000"/>
+          </a:schemeClr>
+        </a:solidFill>
+        <a:round/>
+      </a:ln>
+    </cs:spPr>
+  </cs:errorBar>
+  <cs:floor>
+    <cs:lnRef idx="0"/>
+    <cs:fillRef idx="0"/>
+    <cs:effectRef idx="0"/>
+    <cs:fontRef idx="minor">
+      <a:schemeClr val="tx1"/>
+    </cs:fontRef>
+    <cs:spPr>
+      <a:noFill/>
+      <a:ln>
+        <a:noFill/>
+      </a:ln>
+    </cs:spPr>
+  </cs:floor>
+  <cs:gridlineMajor>
+    <cs:lnRef idx="0"/>
+    <cs:fillRef idx="0"/>
+    <cs:effectRef idx="0"/>
+    <cs:fontRef idx="minor">
+      <a:schemeClr val="tx1"/>
+    </cs:fontRef>
+    <cs:spPr>
+      <a:ln w="9525" cap="flat" cmpd="sng" algn="ctr">
+        <a:solidFill>
+          <a:schemeClr val="tx1">
+            <a:lumMod val="15000"/>
+            <a:lumOff val="85000"/>
+          </a:schemeClr>
+        </a:solidFill>
+        <a:round/>
+      </a:ln>
+    </cs:spPr>
+  </cs:gridlineMajor>
+  <cs:gridlineMinor>
+    <cs:lnRef idx="0"/>
+    <cs:fillRef idx="0"/>
+    <cs:effectRef idx="0"/>
+    <cs:fontRef idx="minor">
+      <a:schemeClr val="tx1"/>
+    </cs:fontRef>
+    <cs:spPr>
+      <a:ln w="9525" cap="flat" cmpd="sng" algn="ctr">
+        <a:solidFill>
+          <a:schemeClr val="tx1">
+            <a:lumMod val="5000"/>
+            <a:lumOff val="95000"/>
+          </a:schemeClr>
+        </a:solidFill>
+        <a:round/>
+      </a:ln>
+    </cs:spPr>
+  </cs:gridlineMinor>
+  <cs:hiLoLine>
+    <cs:lnRef idx="0"/>
+    <cs:fillRef idx="0"/>
+    <cs:effectRef idx="0"/>
+    <cs:fontRef idx="minor">
+      <a:schemeClr val="tx1"/>
+    </cs:fontRef>
+    <cs:spPr>
+      <a:ln w="9525" cap="flat" cmpd="sng" algn="ctr">
+        <a:solidFill>
+          <a:schemeClr val="tx1">
+            <a:lumMod val="75000"/>
+            <a:lumOff val="25000"/>
+          </a:schemeClr>
+        </a:solidFill>
+        <a:round/>
+      </a:ln>
+    </cs:spPr>
+  </cs:hiLoLine>
+  <cs:leaderLine>
+    <cs:lnRef idx="0"/>
+    <cs:fillRef idx="0"/>
+    <cs:effectRef idx="0"/>
+    <cs:fontRef idx="minor">
+      <a:schemeClr val="tx1"/>
+    </cs:fontRef>
+    <cs:spPr>
+      <a:ln w="9525" cap="flat" cmpd="sng" algn="ctr">
+        <a:solidFill>
+          <a:schemeClr val="tx1">
+            <a:lumMod val="35000"/>
+            <a:lumOff val="65000"/>
+          </a:schemeClr>
+        </a:solidFill>
+        <a:round/>
+      </a:ln>
+    </cs:spPr>
+  </cs:leaderLine>
+  <cs:legend>
+    <cs:lnRef idx="0"/>
+    <cs:fillRef idx="0"/>
+    <cs:effectRef idx="0"/>
+    <cs:fontRef idx="minor">
+      <a:schemeClr val="tx1">
+        <a:lumMod val="65000"/>
+        <a:lumOff val="35000"/>
+      </a:schemeClr>
+    </cs:fontRef>
+    <cs:defRPr sz="1197" kern="1200"/>
+  </cs:legend>
+  <cs:plotArea mods="allowNoFillOverride allowNoLineOverride">
+    <cs:lnRef idx="0"/>
+    <cs:fillRef idx="0"/>
+    <cs:effectRef idx="0"/>
+    <cs:fontRef idx="minor">
+      <a:schemeClr val="tx1"/>
+    </cs:fontRef>
+  </cs:plotArea>
+  <cs:plotArea3D mods="allowNoFillOverride allowNoLineOverride">
+    <cs:lnRef idx="0"/>
+    <cs:fillRef idx="0"/>
+    <cs:effectRef idx="0"/>
+    <cs:fontRef idx="minor">
+      <a:schemeClr val="tx1"/>
+    </cs:fontRef>
+  </cs:plotArea3D>
+  <cs:seriesAxis>
+    <cs:lnRef idx="0"/>
+    <cs:fillRef idx="0"/>
+    <cs:effectRef idx="0"/>
+    <cs:fontRef idx="minor">
+      <a:schemeClr val="tx1">
+        <a:lumMod val="65000"/>
+        <a:lumOff val="35000"/>
+      </a:schemeClr>
+    </cs:fontRef>
+    <cs:defRPr sz="1197" kern="1200"/>
+  </cs:seriesAxis>
+  <cs:seriesLine>
+    <cs:lnRef idx="0"/>
+    <cs:fillRef idx="0"/>
+    <cs:effectRef idx="0"/>
+    <cs:fontRef idx="minor">
+      <a:schemeClr val="tx1"/>
+    </cs:fontRef>
+    <cs:spPr>
+      <a:ln w="9525" cap="flat" cmpd="sng" algn="ctr">
+        <a:solidFill>
+          <a:schemeClr val="tx1">
+            <a:lumMod val="35000"/>
+            <a:lumOff val="65000"/>
+          </a:schemeClr>
+        </a:solidFill>
+        <a:round/>
+      </a:ln>
+    </cs:spPr>
+  </cs:seriesLine>
+  <cs:title>
+    <cs:lnRef idx="0"/>
+    <cs:fillRef idx="0"/>
+    <cs:effectRef idx="0"/>
+    <cs:fontRef idx="minor">
+      <a:schemeClr val="tx1">
+        <a:lumMod val="65000"/>
+        <a:lumOff val="35000"/>
+      </a:schemeClr>
+    </cs:fontRef>
+    <cs:defRPr sz="1862" b="0" kern="1200" spc="0" baseline="0"/>
+  </cs:title>
+  <cs:trendline>
+    <cs:lnRef idx="0">
+      <cs:styleClr val="auto"/>
+    </cs:lnRef>
+    <cs:fillRef idx="0"/>
+    <cs:effectRef idx="0"/>
+    <cs:fontRef idx="minor">
+      <a:schemeClr val="tx1"/>
+    </cs:fontRef>
+    <cs:spPr>
+      <a:ln w="19050" cap="rnd">
+        <a:solidFill>
+          <a:schemeClr val="phClr"/>
+        </a:solidFill>
+        <a:prstDash val="sysDot"/>
+      </a:ln>
+    </cs:spPr>
+  </cs:trendline>
+  <cs:trendlineLabel>
+    <cs:lnRef idx="0"/>
+    <cs:fillRef idx="0"/>
+    <cs:effectRef idx="0"/>
+    <cs:fontRef idx="minor">
+      <a:schemeClr val="tx1">
+        <a:lumMod val="65000"/>
+        <a:lumOff val="35000"/>
+      </a:schemeClr>
+    </cs:fontRef>
+    <cs:defRPr sz="1197" kern="1200"/>
+  </cs:trendlineLabel>
+  <cs:upBar>
+    <cs:lnRef idx="0"/>
+    <cs:fillRef idx="0"/>
+    <cs:effectRef idx="0"/>
+    <cs:fontRef idx="minor">
+      <a:schemeClr val="dk1"/>
+    </cs:fontRef>
+    <cs:spPr>
+      <a:solidFill>
+        <a:schemeClr val="lt1"/>
+      </a:solidFill>
+      <a:ln w="9525">
+        <a:solidFill>
+          <a:schemeClr val="tx1">
+            <a:lumMod val="15000"/>
+            <a:lumOff val="85000"/>
+          </a:schemeClr>
+        </a:solidFill>
+      </a:ln>
+    </cs:spPr>
+  </cs:upBar>
+  <cs:valueAxis>
+    <cs:lnRef idx="0"/>
+    <cs:fillRef idx="0"/>
+    <cs:effectRef idx="0"/>
+    <cs:fontRef idx="minor">
+      <a:schemeClr val="tx1">
+        <a:lumMod val="65000"/>
+        <a:lumOff val="35000"/>
+      </a:schemeClr>
+    </cs:fontRef>
+    <cs:defRPr sz="1197" kern="1200"/>
+  </cs:valueAxis>
+  <cs:wall>
+    <cs:lnRef idx="0"/>
+    <cs:fillRef idx="0"/>
+    <cs:effectRef idx="0"/>
+    <cs:fontRef idx="minor">
+      <a:schemeClr val="tx1"/>
+    </cs:fontRef>
+    <cs:spPr>
+      <a:noFill/>
+      <a:ln>
+        <a:noFill/>
+      </a:ln>
+    </cs:spPr>
+  </cs:wall>
+</cs:chartStyle>
 </file>
 
 <file path=ppt/slideLayouts/slideLayout1.xml><?xml version="1.0" encoding="utf-8"?>
@@ -841,7 +7570,7 @@
           <a:p>
             <a:fld id="{C656AA5E-6009-47FE-85F1-BAD59AA83F7D}" type="datetimeFigureOut">
               <a:rPr lang="en-US" smtClean="0"/>
-              <a:t>10/28/2018</a:t>
+              <a:t>10/29/2018</a:t>
             </a:fld>
             <a:endParaRPr lang="en-US"/>
           </a:p>
@@ -1092,7 +7821,7 @@
           <a:p>
             <a:fld id="{C656AA5E-6009-47FE-85F1-BAD59AA83F7D}" type="datetimeFigureOut">
               <a:rPr lang="en-US" smtClean="0"/>
-              <a:t>10/28/2018</a:t>
+              <a:t>10/29/2018</a:t>
             </a:fld>
             <a:endParaRPr lang="en-US"/>
           </a:p>
@@ -1406,7 +8135,7 @@
           <a:p>
             <a:fld id="{C656AA5E-6009-47FE-85F1-BAD59AA83F7D}" type="datetimeFigureOut">
               <a:rPr lang="en-US" smtClean="0"/>
-              <a:t>10/28/2018</a:t>
+              <a:t>10/29/2018</a:t>
             </a:fld>
             <a:endParaRPr lang="en-US"/>
           </a:p>
@@ -1747,7 +8476,7 @@
           <a:p>
             <a:fld id="{C656AA5E-6009-47FE-85F1-BAD59AA83F7D}" type="datetimeFigureOut">
               <a:rPr lang="en-US" smtClean="0"/>
-              <a:t>10/28/2018</a:t>
+              <a:t>10/29/2018</a:t>
             </a:fld>
             <a:endParaRPr lang="en-US"/>
           </a:p>
@@ -2061,7 +8790,7 @@
           <a:p>
             <a:fld id="{C656AA5E-6009-47FE-85F1-BAD59AA83F7D}" type="datetimeFigureOut">
               <a:rPr lang="en-US" smtClean="0"/>
-              <a:t>10/28/2018</a:t>
+              <a:t>10/29/2018</a:t>
             </a:fld>
             <a:endParaRPr lang="en-US"/>
           </a:p>
@@ -2454,7 +9183,7 @@
           <a:p>
             <a:fld id="{C656AA5E-6009-47FE-85F1-BAD59AA83F7D}" type="datetimeFigureOut">
               <a:rPr lang="en-US" smtClean="0"/>
-              <a:t>10/28/2018</a:t>
+              <a:t>10/29/2018</a:t>
             </a:fld>
             <a:endParaRPr lang="en-US"/>
           </a:p>
@@ -2624,7 +9353,7 @@
           <a:p>
             <a:fld id="{C656AA5E-6009-47FE-85F1-BAD59AA83F7D}" type="datetimeFigureOut">
               <a:rPr lang="en-US" smtClean="0"/>
-              <a:t>10/28/2018</a:t>
+              <a:t>10/29/2018</a:t>
             </a:fld>
             <a:endParaRPr lang="en-US"/>
           </a:p>
@@ -2804,7 +9533,7 @@
           <a:p>
             <a:fld id="{C656AA5E-6009-47FE-85F1-BAD59AA83F7D}" type="datetimeFigureOut">
               <a:rPr lang="en-US" smtClean="0"/>
-              <a:t>10/28/2018</a:t>
+              <a:t>10/29/2018</a:t>
             </a:fld>
             <a:endParaRPr lang="en-US"/>
           </a:p>
@@ -2980,7 +9709,7 @@
           <a:p>
             <a:fld id="{C656AA5E-6009-47FE-85F1-BAD59AA83F7D}" type="datetimeFigureOut">
               <a:rPr lang="en-US" smtClean="0"/>
-              <a:t>10/28/2018</a:t>
+              <a:t>10/29/2018</a:t>
             </a:fld>
             <a:endParaRPr lang="en-US"/>
           </a:p>
@@ -3227,7 +9956,7 @@
           <a:p>
             <a:fld id="{C656AA5E-6009-47FE-85F1-BAD59AA83F7D}" type="datetimeFigureOut">
               <a:rPr lang="en-US" smtClean="0"/>
-              <a:t>10/28/2018</a:t>
+              <a:t>10/29/2018</a:t>
             </a:fld>
             <a:endParaRPr lang="en-US"/>
           </a:p>
@@ -3459,7 +10188,7 @@
           <a:p>
             <a:fld id="{C656AA5E-6009-47FE-85F1-BAD59AA83F7D}" type="datetimeFigureOut">
               <a:rPr lang="en-US" smtClean="0"/>
-              <a:t>10/28/2018</a:t>
+              <a:t>10/29/2018</a:t>
             </a:fld>
             <a:endParaRPr lang="en-US"/>
           </a:p>
@@ -3833,7 +10562,7 @@
           <a:p>
             <a:fld id="{C656AA5E-6009-47FE-85F1-BAD59AA83F7D}" type="datetimeFigureOut">
               <a:rPr lang="en-US" smtClean="0"/>
-              <a:t>10/28/2018</a:t>
+              <a:t>10/29/2018</a:t>
             </a:fld>
             <a:endParaRPr lang="en-US"/>
           </a:p>
@@ -3956,7 +10685,7 @@
           <a:p>
             <a:fld id="{C656AA5E-6009-47FE-85F1-BAD59AA83F7D}" type="datetimeFigureOut">
               <a:rPr lang="en-US" smtClean="0"/>
-              <a:t>10/28/2018</a:t>
+              <a:t>10/29/2018</a:t>
             </a:fld>
             <a:endParaRPr lang="en-US"/>
           </a:p>
@@ -4051,7 +10780,7 @@
           <a:p>
             <a:fld id="{C656AA5E-6009-47FE-85F1-BAD59AA83F7D}" type="datetimeFigureOut">
               <a:rPr lang="en-US" smtClean="0"/>
-              <a:t>10/28/2018</a:t>
+              <a:t>10/29/2018</a:t>
             </a:fld>
             <a:endParaRPr lang="en-US"/>
           </a:p>
@@ -4306,7 +11035,7 @@
           <a:p>
             <a:fld id="{C656AA5E-6009-47FE-85F1-BAD59AA83F7D}" type="datetimeFigureOut">
               <a:rPr lang="en-US" smtClean="0"/>
-              <a:t>10/28/2018</a:t>
+              <a:t>10/29/2018</a:t>
             </a:fld>
             <a:endParaRPr lang="en-US"/>
           </a:p>
@@ -4569,7 +11298,7 @@
           <a:p>
             <a:fld id="{C656AA5E-6009-47FE-85F1-BAD59AA83F7D}" type="datetimeFigureOut">
               <a:rPr lang="en-US" smtClean="0"/>
-              <a:t>10/28/2018</a:t>
+              <a:t>10/29/2018</a:t>
             </a:fld>
             <a:endParaRPr lang="en-US"/>
           </a:p>
@@ -5312,7 +12041,7 @@
           <a:p>
             <a:fld id="{C656AA5E-6009-47FE-85F1-BAD59AA83F7D}" type="datetimeFigureOut">
               <a:rPr lang="en-US" smtClean="0"/>
-              <a:t>10/28/2018</a:t>
+              <a:t>10/29/2018</a:t>
             </a:fld>
             <a:endParaRPr lang="en-US"/>
           </a:p>
@@ -5933,6 +12662,800 @@
 </p:sld>
 </file>
 
+<file path=ppt/slides/slide10.xml><?xml version="1.0" encoding="utf-8"?>
+<p:sld xmlns:a="http://schemas.openxmlformats.org/drawingml/2006/main" xmlns:r="http://schemas.openxmlformats.org/officeDocument/2006/relationships" xmlns:p="http://schemas.openxmlformats.org/presentationml/2006/main">
+  <p:cSld>
+    <p:spTree>
+      <p:nvGrpSpPr>
+        <p:cNvPr id="1" name=""/>
+        <p:cNvGrpSpPr/>
+        <p:nvPr/>
+      </p:nvGrpSpPr>
+      <p:grpSpPr>
+        <a:xfrm>
+          <a:off x="0" y="0"/>
+          <a:ext cx="0" cy="0"/>
+          <a:chOff x="0" y="0"/>
+          <a:chExt cx="0" cy="0"/>
+        </a:xfrm>
+      </p:grpSpPr>
+      <p:sp>
+        <p:nvSpPr>
+          <p:cNvPr id="2" name="Title 1">
+            <a:extLst>
+              <a:ext uri="{FF2B5EF4-FFF2-40B4-BE49-F238E27FC236}">
+                <a16:creationId xmlns:a16="http://schemas.microsoft.com/office/drawing/2014/main" id="{8D7D4B87-2677-4BAB-A65D-6BC3C36DB460}"/>
+              </a:ext>
+            </a:extLst>
+          </p:cNvPr>
+          <p:cNvSpPr>
+            <a:spLocks noGrp="1"/>
+          </p:cNvSpPr>
+          <p:nvPr>
+            <p:ph type="title"/>
+          </p:nvPr>
+        </p:nvSpPr>
+        <p:spPr/>
+        <p:txBody>
+          <a:bodyPr/>
+          <a:lstStyle/>
+          <a:p>
+            <a:r>
+              <a:rPr lang="en-US" dirty="0"/>
+              <a:t>RESULTS-LAB2.A</a:t>
+            </a:r>
+          </a:p>
+        </p:txBody>
+      </p:sp>
+      <p:graphicFrame>
+        <p:nvGraphicFramePr>
+          <p:cNvPr id="6" name="Content Placeholder 5">
+            <a:extLst>
+              <a:ext uri="{FF2B5EF4-FFF2-40B4-BE49-F238E27FC236}">
+                <a16:creationId xmlns:a16="http://schemas.microsoft.com/office/drawing/2014/main" id="{B23CEA0C-2AAE-47EB-92F1-E643AE37CA82}"/>
+              </a:ext>
+            </a:extLst>
+          </p:cNvPr>
+          <p:cNvGraphicFramePr>
+            <a:graphicFrameLocks noGrp="1"/>
+          </p:cNvGraphicFramePr>
+          <p:nvPr>
+            <p:ph idx="1"/>
+            <p:extLst>
+              <p:ext uri="{D42A27DB-BD31-4B8C-83A1-F6EECF244321}">
+                <p14:modId xmlns:p14="http://schemas.microsoft.com/office/powerpoint/2010/main" val="3515281362"/>
+              </p:ext>
+            </p:extLst>
+          </p:nvPr>
+        </p:nvGraphicFramePr>
+        <p:xfrm>
+          <a:off x="779463" y="1611025"/>
+          <a:ext cx="5316537" cy="3316576"/>
+        </p:xfrm>
+        <a:graphic>
+          <a:graphicData uri="http://schemas.openxmlformats.org/drawingml/2006/chart">
+            <c:chart xmlns:c="http://schemas.openxmlformats.org/drawingml/2006/chart" xmlns:r="http://schemas.openxmlformats.org/officeDocument/2006/relationships" r:id="rId2"/>
+          </a:graphicData>
+        </a:graphic>
+      </p:graphicFrame>
+      <p:sp>
+        <p:nvSpPr>
+          <p:cNvPr id="7" name="TextBox 6">
+            <a:extLst>
+              <a:ext uri="{FF2B5EF4-FFF2-40B4-BE49-F238E27FC236}">
+                <a16:creationId xmlns:a16="http://schemas.microsoft.com/office/drawing/2014/main" id="{327BCA8D-61FF-4DA3-975E-4BC4E67A774D}"/>
+              </a:ext>
+            </a:extLst>
+          </p:cNvPr>
+          <p:cNvSpPr txBox="1"/>
+          <p:nvPr/>
+        </p:nvSpPr>
+        <p:spPr>
+          <a:xfrm>
+            <a:off x="6147146" y="1611025"/>
+            <a:ext cx="3597218" cy="3416320"/>
+          </a:xfrm>
+          <a:prstGeom prst="rect">
+            <a:avLst/>
+          </a:prstGeom>
+          <a:noFill/>
+        </p:spPr>
+        <p:txBody>
+          <a:bodyPr wrap="square" rtlCol="0">
+            <a:spAutoFit/>
+          </a:bodyPr>
+          <a:lstStyle/>
+          <a:p>
+            <a:r>
+              <a:rPr lang="en-US" sz="1200" dirty="0"/>
+              <a:t>Figure 1 demonstrates that as distance increases, throughput for Bluetooth transmission of DH1, DH3, DH5 datagram packets decreases. Generally, DH5 has higher throughput than DH3, and DH3 has higher throughput than DH1. From a distance of 10ft to a distance to 30ft, DH5 decreases the least, while DH1 decreases the most. </a:t>
+            </a:r>
+          </a:p>
+          <a:p>
+            <a:endParaRPr lang="en-US" sz="1200" dirty="0"/>
+          </a:p>
+          <a:p>
+            <a:r>
+              <a:rPr lang="en-US" sz="1200" dirty="0"/>
+              <a:t>Although the data rate doesn’t fall into the range we expected, the overall trend still remains correct. One interesting thing to note is that the data throughput with Bluetooth are much lower than that of both UDP and TCP WLAN protocols. UDP and TCP data rate are approximately 3 orders of magnitude greater than Bluetooth rate. As a result, we could conclude that compared to UDP and TCP, Bluetooth is built for data transmission in smaller range. </a:t>
+            </a:r>
+          </a:p>
+        </p:txBody>
+      </p:sp>
+    </p:spTree>
+    <p:extLst>
+      <p:ext uri="{BB962C8B-B14F-4D97-AF65-F5344CB8AC3E}">
+        <p14:creationId xmlns:p14="http://schemas.microsoft.com/office/powerpoint/2010/main" val="2238476165"/>
+      </p:ext>
+    </p:extLst>
+  </p:cSld>
+  <p:clrMapOvr>
+    <a:masterClrMapping/>
+  </p:clrMapOvr>
+</p:sld>
+</file>
+
+<file path=ppt/slides/slide11.xml><?xml version="1.0" encoding="utf-8"?>
+<p:sld xmlns:a="http://schemas.openxmlformats.org/drawingml/2006/main" xmlns:r="http://schemas.openxmlformats.org/officeDocument/2006/relationships" xmlns:p="http://schemas.openxmlformats.org/presentationml/2006/main">
+  <p:cSld>
+    <p:spTree>
+      <p:nvGrpSpPr>
+        <p:cNvPr id="1" name=""/>
+        <p:cNvGrpSpPr/>
+        <p:nvPr/>
+      </p:nvGrpSpPr>
+      <p:grpSpPr>
+        <a:xfrm>
+          <a:off x="0" y="0"/>
+          <a:ext cx="0" cy="0"/>
+          <a:chOff x="0" y="0"/>
+          <a:chExt cx="0" cy="0"/>
+        </a:xfrm>
+      </p:grpSpPr>
+      <p:sp>
+        <p:nvSpPr>
+          <p:cNvPr id="2" name="Title 1">
+            <a:extLst>
+              <a:ext uri="{FF2B5EF4-FFF2-40B4-BE49-F238E27FC236}">
+                <a16:creationId xmlns:a16="http://schemas.microsoft.com/office/drawing/2014/main" id="{F458D553-5049-49C1-AFDC-23B3FFF085EE}"/>
+              </a:ext>
+            </a:extLst>
+          </p:cNvPr>
+          <p:cNvSpPr>
+            <a:spLocks noGrp="1"/>
+          </p:cNvSpPr>
+          <p:nvPr>
+            <p:ph type="title"/>
+          </p:nvPr>
+        </p:nvSpPr>
+        <p:spPr/>
+        <p:txBody>
+          <a:bodyPr/>
+          <a:lstStyle/>
+          <a:p>
+            <a:r>
+              <a:rPr lang="en-US" dirty="0"/>
+              <a:t>RESULTS-LAB2.B</a:t>
+            </a:r>
+          </a:p>
+        </p:txBody>
+      </p:sp>
+      <p:graphicFrame>
+        <p:nvGraphicFramePr>
+          <p:cNvPr id="6" name="Content Placeholder 5">
+            <a:extLst>
+              <a:ext uri="{FF2B5EF4-FFF2-40B4-BE49-F238E27FC236}">
+                <a16:creationId xmlns:a16="http://schemas.microsoft.com/office/drawing/2014/main" id="{3D6C59E6-5D4E-48CC-8756-D7D47A2CCB52}"/>
+              </a:ext>
+            </a:extLst>
+          </p:cNvPr>
+          <p:cNvGraphicFramePr>
+            <a:graphicFrameLocks noGrp="1"/>
+          </p:cNvGraphicFramePr>
+          <p:nvPr>
+            <p:ph idx="1"/>
+            <p:extLst>
+              <p:ext uri="{D42A27DB-BD31-4B8C-83A1-F6EECF244321}">
+                <p14:modId xmlns:p14="http://schemas.microsoft.com/office/powerpoint/2010/main" val="2139907296"/>
+              </p:ext>
+            </p:extLst>
+          </p:nvPr>
+        </p:nvGraphicFramePr>
+        <p:xfrm>
+          <a:off x="677334" y="1532516"/>
+          <a:ext cx="4984028" cy="3473594"/>
+        </p:xfrm>
+        <a:graphic>
+          <a:graphicData uri="http://schemas.openxmlformats.org/drawingml/2006/chart">
+            <c:chart xmlns:c="http://schemas.openxmlformats.org/drawingml/2006/chart" xmlns:r="http://schemas.openxmlformats.org/officeDocument/2006/relationships" r:id="rId2"/>
+          </a:graphicData>
+        </a:graphic>
+      </p:graphicFrame>
+      <p:sp>
+        <p:nvSpPr>
+          <p:cNvPr id="7" name="TextBox 6">
+            <a:extLst>
+              <a:ext uri="{FF2B5EF4-FFF2-40B4-BE49-F238E27FC236}">
+                <a16:creationId xmlns:a16="http://schemas.microsoft.com/office/drawing/2014/main" id="{A2DE8A50-268B-45DC-A846-61BB763FB52F}"/>
+              </a:ext>
+            </a:extLst>
+          </p:cNvPr>
+          <p:cNvSpPr txBox="1"/>
+          <p:nvPr/>
+        </p:nvSpPr>
+        <p:spPr>
+          <a:xfrm>
+            <a:off x="5661363" y="1532516"/>
+            <a:ext cx="3889038" cy="3600986"/>
+          </a:xfrm>
+          <a:prstGeom prst="rect">
+            <a:avLst/>
+          </a:prstGeom>
+          <a:noFill/>
+        </p:spPr>
+        <p:txBody>
+          <a:bodyPr wrap="square" rtlCol="0">
+            <a:spAutoFit/>
+          </a:bodyPr>
+          <a:lstStyle/>
+          <a:p>
+            <a:r>
+              <a:rPr lang="en-US" sz="1200" dirty="0"/>
+              <a:t>Similar to what we found with WLAN experiment in Lab 1, as the number of slaves transmitted to increases, the date rate of transmission decreases. This is consistent with our intuition, in that the more clients a master share to, the less each client gets. </a:t>
+            </a:r>
+          </a:p>
+          <a:p>
+            <a:endParaRPr lang="en-US" sz="1200" dirty="0"/>
+          </a:p>
+          <a:p>
+            <a:r>
+              <a:rPr lang="en-US" sz="1200" dirty="0"/>
+              <a:t>It is important to notice that, again, in this graph we can see generally DH5 has a higher data throughput than DH3, and DH3 higher than DH1. However, when number of slaves reach a certain level (in this case is 3), data throughput for all packets become very close to each other, which means their performance converges. </a:t>
+            </a:r>
+          </a:p>
+          <a:p>
+            <a:endParaRPr lang="en-US" sz="1200" dirty="0"/>
+          </a:p>
+          <a:p>
+            <a:r>
+              <a:rPr lang="en-US" sz="1200" dirty="0"/>
+              <a:t>Again, we can also conclude that the data throughput for all types of Bluetooth packets are orders of magnitude lower than data rates for WLAN transmission.</a:t>
+            </a:r>
+          </a:p>
+          <a:p>
+            <a:endParaRPr lang="en-US" sz="1200" dirty="0"/>
+          </a:p>
+        </p:txBody>
+      </p:sp>
+    </p:spTree>
+    <p:extLst>
+      <p:ext uri="{BB962C8B-B14F-4D97-AF65-F5344CB8AC3E}">
+        <p14:creationId xmlns:p14="http://schemas.microsoft.com/office/powerpoint/2010/main" val="1546250357"/>
+      </p:ext>
+    </p:extLst>
+  </p:cSld>
+  <p:clrMapOvr>
+    <a:masterClrMapping/>
+  </p:clrMapOvr>
+</p:sld>
+</file>
+
+<file path=ppt/slides/slide12.xml><?xml version="1.0" encoding="utf-8"?>
+<p:sld xmlns:a="http://schemas.openxmlformats.org/drawingml/2006/main" xmlns:r="http://schemas.openxmlformats.org/officeDocument/2006/relationships" xmlns:p="http://schemas.openxmlformats.org/presentationml/2006/main">
+  <p:cSld>
+    <p:spTree>
+      <p:nvGrpSpPr>
+        <p:cNvPr id="1" name=""/>
+        <p:cNvGrpSpPr/>
+        <p:nvPr/>
+      </p:nvGrpSpPr>
+      <p:grpSpPr>
+        <a:xfrm>
+          <a:off x="0" y="0"/>
+          <a:ext cx="0" cy="0"/>
+          <a:chOff x="0" y="0"/>
+          <a:chExt cx="0" cy="0"/>
+        </a:xfrm>
+      </p:grpSpPr>
+      <p:sp>
+        <p:nvSpPr>
+          <p:cNvPr id="2" name="Title 1">
+            <a:extLst>
+              <a:ext uri="{FF2B5EF4-FFF2-40B4-BE49-F238E27FC236}">
+                <a16:creationId xmlns:a16="http://schemas.microsoft.com/office/drawing/2014/main" id="{22C2E9B0-2A72-45A1-8E70-8EC7E9FAEFAD}"/>
+              </a:ext>
+            </a:extLst>
+          </p:cNvPr>
+          <p:cNvSpPr>
+            <a:spLocks noGrp="1"/>
+          </p:cNvSpPr>
+          <p:nvPr>
+            <p:ph type="title"/>
+          </p:nvPr>
+        </p:nvSpPr>
+        <p:spPr/>
+        <p:txBody>
+          <a:bodyPr/>
+          <a:lstStyle/>
+          <a:p>
+            <a:r>
+              <a:rPr lang="en-US" dirty="0"/>
+              <a:t>RESULTS-LAB2.B</a:t>
+            </a:r>
+          </a:p>
+        </p:txBody>
+      </p:sp>
+      <p:graphicFrame>
+        <p:nvGraphicFramePr>
+          <p:cNvPr id="4" name="Content Placeholder 3">
+            <a:extLst>
+              <a:ext uri="{FF2B5EF4-FFF2-40B4-BE49-F238E27FC236}">
+                <a16:creationId xmlns:a16="http://schemas.microsoft.com/office/drawing/2014/main" id="{2282B65B-5DA1-4A85-A37A-602848C4DEAA}"/>
+              </a:ext>
+            </a:extLst>
+          </p:cNvPr>
+          <p:cNvGraphicFramePr>
+            <a:graphicFrameLocks noGrp="1"/>
+          </p:cNvGraphicFramePr>
+          <p:nvPr>
+            <p:ph idx="1"/>
+            <p:extLst>
+              <p:ext uri="{D42A27DB-BD31-4B8C-83A1-F6EECF244321}">
+                <p14:modId xmlns:p14="http://schemas.microsoft.com/office/powerpoint/2010/main" val="1014890593"/>
+              </p:ext>
+            </p:extLst>
+          </p:nvPr>
+        </p:nvGraphicFramePr>
+        <p:xfrm>
+          <a:off x="743210" y="1610178"/>
+          <a:ext cx="4679228" cy="2397760"/>
+        </p:xfrm>
+        <a:graphic>
+          <a:graphicData uri="http://schemas.openxmlformats.org/drawingml/2006/table">
+            <a:tbl>
+              <a:tblPr firstRow="1" bandRow="1">
+                <a:tableStyleId>{5C22544A-7EE6-4342-B048-85BDC9FD1C3A}</a:tableStyleId>
+              </a:tblPr>
+              <a:tblGrid>
+                <a:gridCol w="2339614">
+                  <a:extLst>
+                    <a:ext uri="{9D8B030D-6E8A-4147-A177-3AD203B41FA5}">
+                      <a16:colId xmlns:a16="http://schemas.microsoft.com/office/drawing/2014/main" val="3032880217"/>
+                    </a:ext>
+                  </a:extLst>
+                </a:gridCol>
+                <a:gridCol w="2339614">
+                  <a:extLst>
+                    <a:ext uri="{9D8B030D-6E8A-4147-A177-3AD203B41FA5}">
+                      <a16:colId xmlns:a16="http://schemas.microsoft.com/office/drawing/2014/main" val="56351106"/>
+                    </a:ext>
+                  </a:extLst>
+                </a:gridCol>
+              </a:tblGrid>
+              <a:tr h="370840">
+                <a:tc>
+                  <a:txBody>
+                    <a:bodyPr/>
+                    <a:lstStyle/>
+                    <a:p>
+                      <a:r>
+                        <a:rPr lang="en-US" dirty="0"/>
+                        <a:t>Measurement Case</a:t>
+                      </a:r>
+                    </a:p>
+                  </a:txBody>
+                  <a:tcPr/>
+                </a:tc>
+                <a:tc>
+                  <a:txBody>
+                    <a:bodyPr/>
+                    <a:lstStyle/>
+                    <a:p>
+                      <a:r>
+                        <a:rPr lang="en-US" dirty="0"/>
+                        <a:t>Data Rate for each pair of connections (kB/s)</a:t>
+                      </a:r>
+                    </a:p>
+                  </a:txBody>
+                  <a:tcPr/>
+                </a:tc>
+                <a:extLst>
+                  <a:ext uri="{0D108BD9-81ED-4DB2-BD59-A6C34878D82A}">
+                    <a16:rowId xmlns:a16="http://schemas.microsoft.com/office/drawing/2014/main" val="430771086"/>
+                  </a:ext>
+                </a:extLst>
+              </a:tr>
+              <a:tr h="370840">
+                <a:tc>
+                  <a:txBody>
+                    <a:bodyPr/>
+                    <a:lstStyle/>
+                    <a:p>
+                      <a:r>
+                        <a:rPr lang="en-US" dirty="0"/>
+                        <a:t>Before interference</a:t>
+                      </a:r>
+                    </a:p>
+                  </a:txBody>
+                  <a:tcPr/>
+                </a:tc>
+                <a:tc>
+                  <a:txBody>
+                    <a:bodyPr/>
+                    <a:lstStyle/>
+                    <a:p>
+                      <a:r>
+                        <a:rPr lang="en-US" dirty="0"/>
+                        <a:t>177.99</a:t>
+                      </a:r>
+                    </a:p>
+                  </a:txBody>
+                  <a:tcPr/>
+                </a:tc>
+                <a:extLst>
+                  <a:ext uri="{0D108BD9-81ED-4DB2-BD59-A6C34878D82A}">
+                    <a16:rowId xmlns:a16="http://schemas.microsoft.com/office/drawing/2014/main" val="1394050021"/>
+                  </a:ext>
+                </a:extLst>
+              </a:tr>
+              <a:tr h="370840">
+                <a:tc rowSpan="3">
+                  <a:txBody>
+                    <a:bodyPr/>
+                    <a:lstStyle/>
+                    <a:p>
+                      <a:endParaRPr lang="en-US" dirty="0"/>
+                    </a:p>
+                    <a:p>
+                      <a:r>
+                        <a:rPr lang="en-US" dirty="0"/>
+                        <a:t>3 connections crossing</a:t>
+                      </a:r>
+                    </a:p>
+                  </a:txBody>
+                  <a:tcPr/>
+                </a:tc>
+                <a:tc>
+                  <a:txBody>
+                    <a:bodyPr/>
+                    <a:lstStyle/>
+                    <a:p>
+                      <a:r>
+                        <a:rPr lang="en-US" dirty="0"/>
+                        <a:t>43.51</a:t>
+                      </a:r>
+                    </a:p>
+                  </a:txBody>
+                  <a:tcPr/>
+                </a:tc>
+                <a:extLst>
+                  <a:ext uri="{0D108BD9-81ED-4DB2-BD59-A6C34878D82A}">
+                    <a16:rowId xmlns:a16="http://schemas.microsoft.com/office/drawing/2014/main" val="1878260856"/>
+                  </a:ext>
+                </a:extLst>
+              </a:tr>
+              <a:tr h="370840">
+                <a:tc vMerge="1">
+                  <a:txBody>
+                    <a:bodyPr/>
+                    <a:lstStyle/>
+                    <a:p>
+                      <a:endParaRPr lang="en-US" dirty="0"/>
+                    </a:p>
+                  </a:txBody>
+                  <a:tcPr/>
+                </a:tc>
+                <a:tc>
+                  <a:txBody>
+                    <a:bodyPr/>
+                    <a:lstStyle/>
+                    <a:p>
+                      <a:r>
+                        <a:rPr lang="en-US" dirty="0"/>
+                        <a:t>175.74</a:t>
+                      </a:r>
+                    </a:p>
+                  </a:txBody>
+                  <a:tcPr/>
+                </a:tc>
+                <a:extLst>
+                  <a:ext uri="{0D108BD9-81ED-4DB2-BD59-A6C34878D82A}">
+                    <a16:rowId xmlns:a16="http://schemas.microsoft.com/office/drawing/2014/main" val="1377757093"/>
+                  </a:ext>
+                </a:extLst>
+              </a:tr>
+              <a:tr h="370840">
+                <a:tc vMerge="1">
+                  <a:txBody>
+                    <a:bodyPr/>
+                    <a:lstStyle/>
+                    <a:p>
+                      <a:endParaRPr lang="en-US" dirty="0"/>
+                    </a:p>
+                  </a:txBody>
+                  <a:tcPr/>
+                </a:tc>
+                <a:tc>
+                  <a:txBody>
+                    <a:bodyPr/>
+                    <a:lstStyle/>
+                    <a:p>
+                      <a:r>
+                        <a:rPr lang="en-US" dirty="0"/>
+                        <a:t>173.92</a:t>
+                      </a:r>
+                    </a:p>
+                  </a:txBody>
+                  <a:tcPr/>
+                </a:tc>
+                <a:extLst>
+                  <a:ext uri="{0D108BD9-81ED-4DB2-BD59-A6C34878D82A}">
+                    <a16:rowId xmlns:a16="http://schemas.microsoft.com/office/drawing/2014/main" val="1469482166"/>
+                  </a:ext>
+                </a:extLst>
+              </a:tr>
+            </a:tbl>
+          </a:graphicData>
+        </a:graphic>
+      </p:graphicFrame>
+      <p:sp>
+        <p:nvSpPr>
+          <p:cNvPr id="5" name="TextBox 4">
+            <a:extLst>
+              <a:ext uri="{FF2B5EF4-FFF2-40B4-BE49-F238E27FC236}">
+                <a16:creationId xmlns:a16="http://schemas.microsoft.com/office/drawing/2014/main" id="{EB4C8BA0-03F7-4EA0-BE74-1EA20B0C9932}"/>
+              </a:ext>
+            </a:extLst>
+          </p:cNvPr>
+          <p:cNvSpPr txBox="1"/>
+          <p:nvPr/>
+        </p:nvSpPr>
+        <p:spPr>
+          <a:xfrm>
+            <a:off x="743210" y="4292178"/>
+            <a:ext cx="4679228" cy="523220"/>
+          </a:xfrm>
+          <a:prstGeom prst="rect">
+            <a:avLst/>
+          </a:prstGeom>
+          <a:noFill/>
+        </p:spPr>
+        <p:txBody>
+          <a:bodyPr wrap="square" rtlCol="0">
+            <a:spAutoFit/>
+          </a:bodyPr>
+          <a:lstStyle/>
+          <a:p>
+            <a:r>
+              <a:rPr lang="en-US" sz="1400" dirty="0"/>
+              <a:t>Table for fairness among Bluetooth transmissions. All data are measured at a distance of 10ft from master.</a:t>
+            </a:r>
+          </a:p>
+        </p:txBody>
+      </p:sp>
+      <p:sp>
+        <p:nvSpPr>
+          <p:cNvPr id="6" name="TextBox 5">
+            <a:extLst>
+              <a:ext uri="{FF2B5EF4-FFF2-40B4-BE49-F238E27FC236}">
+                <a16:creationId xmlns:a16="http://schemas.microsoft.com/office/drawing/2014/main" id="{64F2374B-7849-48C2-91BE-F0DEB0E89E03}"/>
+              </a:ext>
+            </a:extLst>
+          </p:cNvPr>
+          <p:cNvSpPr txBox="1"/>
+          <p:nvPr/>
+        </p:nvSpPr>
+        <p:spPr>
+          <a:xfrm>
+            <a:off x="5828146" y="1586736"/>
+            <a:ext cx="3851564" cy="3600986"/>
+          </a:xfrm>
+          <a:prstGeom prst="rect">
+            <a:avLst/>
+          </a:prstGeom>
+          <a:noFill/>
+        </p:spPr>
+        <p:txBody>
+          <a:bodyPr wrap="square" rtlCol="0">
+            <a:spAutoFit/>
+          </a:bodyPr>
+          <a:lstStyle/>
+          <a:p>
+            <a:r>
+              <a:rPr lang="en-US" sz="1200" dirty="0"/>
+              <a:t>The table to the left describes the relationship between number of crossing connections and data rate in Kbps. The average data rate for crossing transmission is lower than that without crossing. </a:t>
+            </a:r>
+          </a:p>
+          <a:p>
+            <a:endParaRPr lang="en-US" sz="1200" dirty="0"/>
+          </a:p>
+          <a:p>
+            <a:r>
+              <a:rPr lang="en-US" sz="1200" dirty="0"/>
+              <a:t>Our first data for 3 connections crossing transmissions seems an error. A reasonable fix could be 143.51. Since there’s error in our data, we abandon it and uses the other two for analysis. The average rate for 3 connections transmission is (175.74 + 173.92)/2 = 174.83 Kbps, while the transmission rate for without crossing connections is 177.99. Crossing connections, in our case, does not affect data transmission rate too much. We cannot draw a conclusion from our observation, for we do not have enough data to come up with a robust claim. However, one of our hypotheses is that number of crossing transmissions is not a critical factor of data rate for Bluetooth transmission.</a:t>
+            </a:r>
+          </a:p>
+        </p:txBody>
+      </p:sp>
+    </p:spTree>
+    <p:extLst>
+      <p:ext uri="{BB962C8B-B14F-4D97-AF65-F5344CB8AC3E}">
+        <p14:creationId xmlns:p14="http://schemas.microsoft.com/office/powerpoint/2010/main" val="3466616108"/>
+      </p:ext>
+    </p:extLst>
+  </p:cSld>
+  <p:clrMapOvr>
+    <a:masterClrMapping/>
+  </p:clrMapOvr>
+</p:sld>
+</file>
+
+<file path=ppt/slides/slide13.xml><?xml version="1.0" encoding="utf-8"?>
+<p:sld xmlns:a="http://schemas.openxmlformats.org/drawingml/2006/main" xmlns:r="http://schemas.openxmlformats.org/officeDocument/2006/relationships" xmlns:p="http://schemas.openxmlformats.org/presentationml/2006/main">
+  <p:cSld>
+    <p:spTree>
+      <p:nvGrpSpPr>
+        <p:cNvPr id="1" name=""/>
+        <p:cNvGrpSpPr/>
+        <p:nvPr/>
+      </p:nvGrpSpPr>
+      <p:grpSpPr>
+        <a:xfrm>
+          <a:off x="0" y="0"/>
+          <a:ext cx="0" cy="0"/>
+          <a:chOff x="0" y="0"/>
+          <a:chExt cx="0" cy="0"/>
+        </a:xfrm>
+      </p:grpSpPr>
+      <p:sp>
+        <p:nvSpPr>
+          <p:cNvPr id="2" name="Title 1">
+            <a:extLst>
+              <a:ext uri="{FF2B5EF4-FFF2-40B4-BE49-F238E27FC236}">
+                <a16:creationId xmlns:a16="http://schemas.microsoft.com/office/drawing/2014/main" id="{F6E9A906-7D3F-4439-9D16-083110CAE7B3}"/>
+              </a:ext>
+            </a:extLst>
+          </p:cNvPr>
+          <p:cNvSpPr>
+            <a:spLocks noGrp="1"/>
+          </p:cNvSpPr>
+          <p:nvPr>
+            <p:ph type="title"/>
+          </p:nvPr>
+        </p:nvSpPr>
+        <p:spPr/>
+        <p:txBody>
+          <a:bodyPr/>
+          <a:lstStyle/>
+          <a:p>
+            <a:r>
+              <a:rPr lang="en-US" dirty="0"/>
+              <a:t>DISCUSSION</a:t>
+            </a:r>
+          </a:p>
+        </p:txBody>
+      </p:sp>
+      <p:sp>
+        <p:nvSpPr>
+          <p:cNvPr id="3" name="Content Placeholder 2">
+            <a:extLst>
+              <a:ext uri="{FF2B5EF4-FFF2-40B4-BE49-F238E27FC236}">
+                <a16:creationId xmlns:a16="http://schemas.microsoft.com/office/drawing/2014/main" id="{60437887-952A-496B-B4B9-5A4F392A91D3}"/>
+              </a:ext>
+            </a:extLst>
+          </p:cNvPr>
+          <p:cNvSpPr>
+            <a:spLocks noGrp="1"/>
+          </p:cNvSpPr>
+          <p:nvPr>
+            <p:ph idx="1"/>
+          </p:nvPr>
+        </p:nvSpPr>
+        <p:spPr/>
+        <p:txBody>
+          <a:bodyPr/>
+          <a:lstStyle/>
+          <a:p>
+            <a:endParaRPr lang="en-US"/>
+          </a:p>
+        </p:txBody>
+      </p:sp>
+    </p:spTree>
+    <p:extLst>
+      <p:ext uri="{BB962C8B-B14F-4D97-AF65-F5344CB8AC3E}">
+        <p14:creationId xmlns:p14="http://schemas.microsoft.com/office/powerpoint/2010/main" val="2553622273"/>
+      </p:ext>
+    </p:extLst>
+  </p:cSld>
+  <p:clrMapOvr>
+    <a:masterClrMapping/>
+  </p:clrMapOvr>
+</p:sld>
+</file>
+
+<file path=ppt/slides/slide14.xml><?xml version="1.0" encoding="utf-8"?>
+<p:sld xmlns:a="http://schemas.openxmlformats.org/drawingml/2006/main" xmlns:r="http://schemas.openxmlformats.org/officeDocument/2006/relationships" xmlns:p="http://schemas.openxmlformats.org/presentationml/2006/main">
+  <p:cSld>
+    <p:spTree>
+      <p:nvGrpSpPr>
+        <p:cNvPr id="1" name=""/>
+        <p:cNvGrpSpPr/>
+        <p:nvPr/>
+      </p:nvGrpSpPr>
+      <p:grpSpPr>
+        <a:xfrm>
+          <a:off x="0" y="0"/>
+          <a:ext cx="0" cy="0"/>
+          <a:chOff x="0" y="0"/>
+          <a:chExt cx="0" cy="0"/>
+        </a:xfrm>
+      </p:grpSpPr>
+      <p:sp>
+        <p:nvSpPr>
+          <p:cNvPr id="2" name="Title 1">
+            <a:extLst>
+              <a:ext uri="{FF2B5EF4-FFF2-40B4-BE49-F238E27FC236}">
+                <a16:creationId xmlns:a16="http://schemas.microsoft.com/office/drawing/2014/main" id="{BCC5B60A-282F-4101-B3DD-610955F1A497}"/>
+              </a:ext>
+            </a:extLst>
+          </p:cNvPr>
+          <p:cNvSpPr>
+            <a:spLocks noGrp="1"/>
+          </p:cNvSpPr>
+          <p:nvPr>
+            <p:ph type="title"/>
+          </p:nvPr>
+        </p:nvSpPr>
+        <p:spPr/>
+        <p:txBody>
+          <a:bodyPr/>
+          <a:lstStyle/>
+          <a:p>
+            <a:r>
+              <a:rPr lang="en-US" dirty="0"/>
+              <a:t>REFERENCE</a:t>
+            </a:r>
+          </a:p>
+        </p:txBody>
+      </p:sp>
+      <p:sp>
+        <p:nvSpPr>
+          <p:cNvPr id="3" name="Content Placeholder 2">
+            <a:extLst>
+              <a:ext uri="{FF2B5EF4-FFF2-40B4-BE49-F238E27FC236}">
+                <a16:creationId xmlns:a16="http://schemas.microsoft.com/office/drawing/2014/main" id="{F957536F-FB02-419D-9D4A-B3E3D8250545}"/>
+              </a:ext>
+            </a:extLst>
+          </p:cNvPr>
+          <p:cNvSpPr>
+            <a:spLocks noGrp="1"/>
+          </p:cNvSpPr>
+          <p:nvPr>
+            <p:ph idx="1"/>
+          </p:nvPr>
+        </p:nvSpPr>
+        <p:spPr/>
+        <p:txBody>
+          <a:bodyPr/>
+          <a:lstStyle/>
+          <a:p>
+            <a:endParaRPr lang="en-US"/>
+          </a:p>
+        </p:txBody>
+      </p:sp>
+    </p:spTree>
+    <p:extLst>
+      <p:ext uri="{BB962C8B-B14F-4D97-AF65-F5344CB8AC3E}">
+        <p14:creationId xmlns:p14="http://schemas.microsoft.com/office/powerpoint/2010/main" val="2705739895"/>
+      </p:ext>
+    </p:extLst>
+  </p:cSld>
+  <p:clrMapOvr>
+    <a:masterClrMapping/>
+  </p:clrMapOvr>
+</p:sld>
+</file>
+
 <file path=ppt/slides/slide2.xml><?xml version="1.0" encoding="utf-8"?>
 <p:sld xmlns:a="http://schemas.openxmlformats.org/drawingml/2006/main" xmlns:r="http://schemas.openxmlformats.org/officeDocument/2006/relationships" xmlns:p="http://schemas.openxmlformats.org/presentationml/2006/main">
   <p:cSld>
@@ -6279,7 +13802,7 @@
           <a:p>
             <a:r>
               <a:rPr lang="en-US" dirty="0"/>
-              <a:t>EXPERIMENTS</a:t>
+              <a:t>EXPERIMENTS-OVERVIEW</a:t>
             </a:r>
           </a:p>
         </p:txBody>
@@ -6307,13 +13830,21 @@
           <a:p>
             <a:r>
               <a:rPr lang="en-US" dirty="0"/>
-              <a:t>In Lab 1, </a:t>
+              <a:t>Lab 1 focuses on data transmission over 802.11b Wireless LAN. We measure UDP and TCP data throughput using </a:t>
             </a:r>
-          </a:p>
-          <a:p>
+            <a:r>
+              <a:rPr lang="en-US" dirty="0" err="1"/>
+              <a:t>Iperf</a:t>
+            </a:r>
             <a:r>
               <a:rPr lang="en-US" dirty="0"/>
-              <a:t>In Lab 2, </a:t>
+              <a:t> measurement tool at locations at different distances from the host. We also measure UDP and TCP data throughput with and without interference. </a:t>
+            </a:r>
+          </a:p>
+          <a:p>
+            <a:r>
+              <a:rPr lang="en-US" dirty="0"/>
+              <a:t>Lab 2 focuses on data transmission over 802.15 Bluetooth PAN. The main goal of this lab is to investigate on effect of one-to-many connection on Bluetooth data transmission, interference among Bluetooth devices, and interference and fairness between Bluetooth and IEEE 802.11b devices. We measure data throughput using 12test utility on one-to-one at different distances for different packets. We also measure data throughput on one-to-two and one-to-three connections. </a:t>
             </a:r>
           </a:p>
         </p:txBody>
@@ -6371,7 +13902,7 @@
           <a:p>
             <a:r>
               <a:rPr lang="en-US" dirty="0"/>
-              <a:t>RESULTS</a:t>
+              <a:t>RESULTS-LAB1.A </a:t>
             </a:r>
           </a:p>
         </p:txBody>
@@ -6392,12 +13923,666 @@
             <p:ph idx="1"/>
           </p:nvPr>
         </p:nvSpPr>
-        <p:spPr/>
+        <p:spPr>
+          <a:xfrm>
+            <a:off x="677334" y="1488613"/>
+            <a:ext cx="8596668" cy="3880773"/>
+          </a:xfrm>
+        </p:spPr>
         <p:txBody>
           <a:bodyPr/>
           <a:lstStyle/>
           <a:p>
-            <a:endParaRPr lang="en-US"/>
+            <a:pPr marL="0" indent="0">
+              <a:buNone/>
+            </a:pPr>
+            <a:r>
+              <a:rPr lang="en-US" dirty="0"/>
+              <a:t>WLAN: TCP and UDP Throughput vs. Signal Strength</a:t>
+            </a:r>
+          </a:p>
+          <a:p>
+            <a:pPr marL="0" indent="0">
+              <a:buNone/>
+            </a:pPr>
+            <a:endParaRPr lang="en-US" dirty="0"/>
+          </a:p>
+        </p:txBody>
+      </p:sp>
+      <p:graphicFrame>
+        <p:nvGraphicFramePr>
+          <p:cNvPr id="4" name="Table 3">
+            <a:extLst>
+              <a:ext uri="{FF2B5EF4-FFF2-40B4-BE49-F238E27FC236}">
+                <a16:creationId xmlns:a16="http://schemas.microsoft.com/office/drawing/2014/main" id="{6CB76C26-E82B-46A0-9017-DD83FED4C3B3}"/>
+              </a:ext>
+            </a:extLst>
+          </p:cNvPr>
+          <p:cNvGraphicFramePr>
+            <a:graphicFrameLocks noGrp="1"/>
+          </p:cNvGraphicFramePr>
+          <p:nvPr>
+            <p:extLst>
+              <p:ext uri="{D42A27DB-BD31-4B8C-83A1-F6EECF244321}">
+                <p14:modId xmlns:p14="http://schemas.microsoft.com/office/powerpoint/2010/main" val="1375610203"/>
+              </p:ext>
+            </p:extLst>
+          </p:nvPr>
+        </p:nvGraphicFramePr>
+        <p:xfrm>
+          <a:off x="780938" y="1930400"/>
+          <a:ext cx="7531790" cy="2286000"/>
+        </p:xfrm>
+        <a:graphic>
+          <a:graphicData uri="http://schemas.openxmlformats.org/drawingml/2006/table">
+            <a:tbl>
+              <a:tblPr firstRow="1" bandRow="1">
+                <a:tableStyleId>{5C22544A-7EE6-4342-B048-85BDC9FD1C3A}</a:tableStyleId>
+              </a:tblPr>
+              <a:tblGrid>
+                <a:gridCol w="1075970">
+                  <a:extLst>
+                    <a:ext uri="{9D8B030D-6E8A-4147-A177-3AD203B41FA5}">
+                      <a16:colId xmlns:a16="http://schemas.microsoft.com/office/drawing/2014/main" val="1039244250"/>
+                    </a:ext>
+                  </a:extLst>
+                </a:gridCol>
+                <a:gridCol w="1075970">
+                  <a:extLst>
+                    <a:ext uri="{9D8B030D-6E8A-4147-A177-3AD203B41FA5}">
+                      <a16:colId xmlns:a16="http://schemas.microsoft.com/office/drawing/2014/main" val="1722409443"/>
+                    </a:ext>
+                  </a:extLst>
+                </a:gridCol>
+                <a:gridCol w="1075970">
+                  <a:extLst>
+                    <a:ext uri="{9D8B030D-6E8A-4147-A177-3AD203B41FA5}">
+                      <a16:colId xmlns:a16="http://schemas.microsoft.com/office/drawing/2014/main" val="2125623012"/>
+                    </a:ext>
+                  </a:extLst>
+                </a:gridCol>
+                <a:gridCol w="1075970">
+                  <a:extLst>
+                    <a:ext uri="{9D8B030D-6E8A-4147-A177-3AD203B41FA5}">
+                      <a16:colId xmlns:a16="http://schemas.microsoft.com/office/drawing/2014/main" val="3235422668"/>
+                    </a:ext>
+                  </a:extLst>
+                </a:gridCol>
+                <a:gridCol w="1075970">
+                  <a:extLst>
+                    <a:ext uri="{9D8B030D-6E8A-4147-A177-3AD203B41FA5}">
+                      <a16:colId xmlns:a16="http://schemas.microsoft.com/office/drawing/2014/main" val="2720147965"/>
+                    </a:ext>
+                  </a:extLst>
+                </a:gridCol>
+                <a:gridCol w="1075970">
+                  <a:extLst>
+                    <a:ext uri="{9D8B030D-6E8A-4147-A177-3AD203B41FA5}">
+                      <a16:colId xmlns:a16="http://schemas.microsoft.com/office/drawing/2014/main" val="1324151100"/>
+                    </a:ext>
+                  </a:extLst>
+                </a:gridCol>
+                <a:gridCol w="1075970">
+                  <a:extLst>
+                    <a:ext uri="{9D8B030D-6E8A-4147-A177-3AD203B41FA5}">
+                      <a16:colId xmlns:a16="http://schemas.microsoft.com/office/drawing/2014/main" val="3654576030"/>
+                    </a:ext>
+                  </a:extLst>
+                </a:gridCol>
+              </a:tblGrid>
+              <a:tr h="1025152">
+                <a:tc>
+                  <a:txBody>
+                    <a:bodyPr/>
+                    <a:lstStyle/>
+                    <a:p>
+                      <a:r>
+                        <a:rPr lang="en-US" dirty="0"/>
+                        <a:t>Location</a:t>
+                      </a:r>
+                    </a:p>
+                  </a:txBody>
+                  <a:tcPr/>
+                </a:tc>
+                <a:tc>
+                  <a:txBody>
+                    <a:bodyPr/>
+                    <a:lstStyle/>
+                    <a:p>
+                      <a:r>
+                        <a:rPr lang="en-US" dirty="0"/>
+                        <a:t>Approx. Distance (ft)</a:t>
+                      </a:r>
+                    </a:p>
+                  </a:txBody>
+                  <a:tcPr/>
+                </a:tc>
+                <a:tc>
+                  <a:txBody>
+                    <a:bodyPr/>
+                    <a:lstStyle/>
+                    <a:p>
+                      <a:r>
+                        <a:rPr lang="en-US" dirty="0"/>
+                        <a:t>Signal Strength (dBm)</a:t>
+                      </a:r>
+                    </a:p>
+                  </a:txBody>
+                  <a:tcPr/>
+                </a:tc>
+                <a:tc>
+                  <a:txBody>
+                    <a:bodyPr/>
+                    <a:lstStyle/>
+                    <a:p>
+                      <a:r>
+                        <a:rPr lang="en-US" dirty="0"/>
+                        <a:t>Noise Power (dBm)</a:t>
+                      </a:r>
+                    </a:p>
+                  </a:txBody>
+                  <a:tcPr/>
+                </a:tc>
+                <a:tc>
+                  <a:txBody>
+                    <a:bodyPr/>
+                    <a:lstStyle/>
+                    <a:p>
+                      <a:r>
+                        <a:rPr lang="en-US" dirty="0"/>
+                        <a:t>SNR (dB)</a:t>
+                      </a:r>
+                    </a:p>
+                  </a:txBody>
+                  <a:tcPr/>
+                </a:tc>
+                <a:tc>
+                  <a:txBody>
+                    <a:bodyPr/>
+                    <a:lstStyle/>
+                    <a:p>
+                      <a:r>
+                        <a:rPr lang="en-US" dirty="0"/>
+                        <a:t>UDP Data Rate (Kbps)</a:t>
+                      </a:r>
+                    </a:p>
+                  </a:txBody>
+                  <a:tcPr/>
+                </a:tc>
+                <a:tc>
+                  <a:txBody>
+                    <a:bodyPr/>
+                    <a:lstStyle/>
+                    <a:p>
+                      <a:r>
+                        <a:rPr lang="en-US" dirty="0"/>
+                        <a:t>TCP Data Rate (Kbps)</a:t>
+                      </a:r>
+                    </a:p>
+                  </a:txBody>
+                  <a:tcPr/>
+                </a:tc>
+                <a:extLst>
+                  <a:ext uri="{0D108BD9-81ED-4DB2-BD59-A6C34878D82A}">
+                    <a16:rowId xmlns:a16="http://schemas.microsoft.com/office/drawing/2014/main" val="797451025"/>
+                  </a:ext>
+                </a:extLst>
+              </a:tr>
+              <a:tr h="315432">
+                <a:tc>
+                  <a:txBody>
+                    <a:bodyPr/>
+                    <a:lstStyle/>
+                    <a:p>
+                      <a:r>
+                        <a:rPr lang="en-US" dirty="0"/>
+                        <a:t>3704</a:t>
+                      </a:r>
+                    </a:p>
+                  </a:txBody>
+                  <a:tcPr/>
+                </a:tc>
+                <a:tc>
+                  <a:txBody>
+                    <a:bodyPr/>
+                    <a:lstStyle/>
+                    <a:p>
+                      <a:r>
+                        <a:rPr lang="en-US" dirty="0"/>
+                        <a:t>30</a:t>
+                      </a:r>
+                    </a:p>
+                  </a:txBody>
+                  <a:tcPr/>
+                </a:tc>
+                <a:tc>
+                  <a:txBody>
+                    <a:bodyPr/>
+                    <a:lstStyle/>
+                    <a:p>
+                      <a:r>
+                        <a:rPr lang="en-US" dirty="0"/>
+                        <a:t>-50</a:t>
+                      </a:r>
+                    </a:p>
+                  </a:txBody>
+                  <a:tcPr/>
+                </a:tc>
+                <a:tc>
+                  <a:txBody>
+                    <a:bodyPr/>
+                    <a:lstStyle/>
+                    <a:p>
+                      <a:r>
+                        <a:rPr lang="en-US" dirty="0"/>
+                        <a:t>-83</a:t>
+                      </a:r>
+                    </a:p>
+                  </a:txBody>
+                  <a:tcPr/>
+                </a:tc>
+                <a:tc>
+                  <a:txBody>
+                    <a:bodyPr/>
+                    <a:lstStyle/>
+                    <a:p>
+                      <a:r>
+                        <a:rPr lang="en-US" dirty="0"/>
+                        <a:t>33</a:t>
+                      </a:r>
+                    </a:p>
+                  </a:txBody>
+                  <a:tcPr/>
+                </a:tc>
+                <a:tc>
+                  <a:txBody>
+                    <a:bodyPr/>
+                    <a:lstStyle/>
+                    <a:p>
+                      <a:r>
+                        <a:rPr lang="en-US" dirty="0"/>
+                        <a:t>16500</a:t>
+                      </a:r>
+                    </a:p>
+                  </a:txBody>
+                  <a:tcPr/>
+                </a:tc>
+                <a:tc>
+                  <a:txBody>
+                    <a:bodyPr/>
+                    <a:lstStyle/>
+                    <a:p>
+                      <a:r>
+                        <a:rPr lang="en-US" dirty="0"/>
+                        <a:t>15700</a:t>
+                      </a:r>
+                    </a:p>
+                  </a:txBody>
+                  <a:tcPr/>
+                </a:tc>
+                <a:extLst>
+                  <a:ext uri="{0D108BD9-81ED-4DB2-BD59-A6C34878D82A}">
+                    <a16:rowId xmlns:a16="http://schemas.microsoft.com/office/drawing/2014/main" val="3084511457"/>
+                  </a:ext>
+                </a:extLst>
+              </a:tr>
+              <a:tr h="315432">
+                <a:tc>
+                  <a:txBody>
+                    <a:bodyPr/>
+                    <a:lstStyle/>
+                    <a:p>
+                      <a:r>
+                        <a:rPr lang="en-US" dirty="0"/>
+                        <a:t>3428</a:t>
+                      </a:r>
+                    </a:p>
+                  </a:txBody>
+                  <a:tcPr/>
+                </a:tc>
+                <a:tc>
+                  <a:txBody>
+                    <a:bodyPr/>
+                    <a:lstStyle/>
+                    <a:p>
+                      <a:r>
+                        <a:rPr lang="en-US" dirty="0"/>
+                        <a:t>60</a:t>
+                      </a:r>
+                    </a:p>
+                  </a:txBody>
+                  <a:tcPr/>
+                </a:tc>
+                <a:tc>
+                  <a:txBody>
+                    <a:bodyPr/>
+                    <a:lstStyle/>
+                    <a:p>
+                      <a:r>
+                        <a:rPr lang="en-US" dirty="0"/>
+                        <a:t>-66</a:t>
+                      </a:r>
+                    </a:p>
+                  </a:txBody>
+                  <a:tcPr/>
+                </a:tc>
+                <a:tc>
+                  <a:txBody>
+                    <a:bodyPr/>
+                    <a:lstStyle/>
+                    <a:p>
+                      <a:r>
+                        <a:rPr lang="en-US" dirty="0"/>
+                        <a:t>-82</a:t>
+                      </a:r>
+                    </a:p>
+                  </a:txBody>
+                  <a:tcPr/>
+                </a:tc>
+                <a:tc>
+                  <a:txBody>
+                    <a:bodyPr/>
+                    <a:lstStyle/>
+                    <a:p>
+                      <a:r>
+                        <a:rPr lang="en-US" dirty="0"/>
+                        <a:t>16</a:t>
+                      </a:r>
+                    </a:p>
+                  </a:txBody>
+                  <a:tcPr/>
+                </a:tc>
+                <a:tc>
+                  <a:txBody>
+                    <a:bodyPr/>
+                    <a:lstStyle/>
+                    <a:p>
+                      <a:r>
+                        <a:rPr lang="en-US" dirty="0"/>
+                        <a:t>15900</a:t>
+                      </a:r>
+                    </a:p>
+                  </a:txBody>
+                  <a:tcPr/>
+                </a:tc>
+                <a:tc>
+                  <a:txBody>
+                    <a:bodyPr/>
+                    <a:lstStyle/>
+                    <a:p>
+                      <a:r>
+                        <a:rPr lang="en-US" dirty="0"/>
+                        <a:t>5190</a:t>
+                      </a:r>
+                    </a:p>
+                  </a:txBody>
+                  <a:tcPr/>
+                </a:tc>
+                <a:extLst>
+                  <a:ext uri="{0D108BD9-81ED-4DB2-BD59-A6C34878D82A}">
+                    <a16:rowId xmlns:a16="http://schemas.microsoft.com/office/drawing/2014/main" val="1965808407"/>
+                  </a:ext>
+                </a:extLst>
+              </a:tr>
+              <a:tr h="315432">
+                <a:tc>
+                  <a:txBody>
+                    <a:bodyPr/>
+                    <a:lstStyle/>
+                    <a:p>
+                      <a:r>
+                        <a:rPr lang="en-US" dirty="0"/>
+                        <a:t>3424</a:t>
+                      </a:r>
+                    </a:p>
+                  </a:txBody>
+                  <a:tcPr/>
+                </a:tc>
+                <a:tc>
+                  <a:txBody>
+                    <a:bodyPr/>
+                    <a:lstStyle/>
+                    <a:p>
+                      <a:r>
+                        <a:rPr lang="en-US" dirty="0"/>
+                        <a:t>90</a:t>
+                      </a:r>
+                    </a:p>
+                  </a:txBody>
+                  <a:tcPr/>
+                </a:tc>
+                <a:tc>
+                  <a:txBody>
+                    <a:bodyPr/>
+                    <a:lstStyle/>
+                    <a:p>
+                      <a:r>
+                        <a:rPr lang="en-US" dirty="0"/>
+                        <a:t>-76</a:t>
+                      </a:r>
+                    </a:p>
+                  </a:txBody>
+                  <a:tcPr/>
+                </a:tc>
+                <a:tc>
+                  <a:txBody>
+                    <a:bodyPr/>
+                    <a:lstStyle/>
+                    <a:p>
+                      <a:r>
+                        <a:rPr lang="en-US" dirty="0"/>
+                        <a:t>-87</a:t>
+                      </a:r>
+                    </a:p>
+                  </a:txBody>
+                  <a:tcPr/>
+                </a:tc>
+                <a:tc>
+                  <a:txBody>
+                    <a:bodyPr/>
+                    <a:lstStyle/>
+                    <a:p>
+                      <a:r>
+                        <a:rPr lang="en-US" dirty="0"/>
+                        <a:t>11</a:t>
+                      </a:r>
+                    </a:p>
+                  </a:txBody>
+                  <a:tcPr/>
+                </a:tc>
+                <a:tc>
+                  <a:txBody>
+                    <a:bodyPr/>
+                    <a:lstStyle/>
+                    <a:p>
+                      <a:r>
+                        <a:rPr lang="en-US" dirty="0"/>
+                        <a:t>5350</a:t>
+                      </a:r>
+                    </a:p>
+                  </a:txBody>
+                  <a:tcPr/>
+                </a:tc>
+                <a:tc>
+                  <a:txBody>
+                    <a:bodyPr/>
+                    <a:lstStyle/>
+                    <a:p>
+                      <a:r>
+                        <a:rPr lang="en-US" dirty="0"/>
+                        <a:t>113</a:t>
+                      </a:r>
+                    </a:p>
+                  </a:txBody>
+                  <a:tcPr/>
+                </a:tc>
+                <a:extLst>
+                  <a:ext uri="{0D108BD9-81ED-4DB2-BD59-A6C34878D82A}">
+                    <a16:rowId xmlns:a16="http://schemas.microsoft.com/office/drawing/2014/main" val="3656532666"/>
+                  </a:ext>
+                </a:extLst>
+              </a:tr>
+            </a:tbl>
+          </a:graphicData>
+        </a:graphic>
+      </p:graphicFrame>
+      <p:graphicFrame>
+        <p:nvGraphicFramePr>
+          <p:cNvPr id="9" name="Chart 8">
+            <a:extLst>
+              <a:ext uri="{FF2B5EF4-FFF2-40B4-BE49-F238E27FC236}">
+                <a16:creationId xmlns:a16="http://schemas.microsoft.com/office/drawing/2014/main" id="{5A043564-5945-4FC9-9340-982EDA213BD7}"/>
+              </a:ext>
+            </a:extLst>
+          </p:cNvPr>
+          <p:cNvGraphicFramePr/>
+          <p:nvPr>
+            <p:extLst>
+              <p:ext uri="{D42A27DB-BD31-4B8C-83A1-F6EECF244321}">
+                <p14:modId xmlns:p14="http://schemas.microsoft.com/office/powerpoint/2010/main" val="3973048951"/>
+              </p:ext>
+            </p:extLst>
+          </p:nvPr>
+        </p:nvGraphicFramePr>
+        <p:xfrm>
+          <a:off x="780938" y="4271701"/>
+          <a:ext cx="3387288" cy="2166044"/>
+        </p:xfrm>
+        <a:graphic>
+          <a:graphicData uri="http://schemas.openxmlformats.org/drawingml/2006/chart">
+            <c:chart xmlns:c="http://schemas.openxmlformats.org/drawingml/2006/chart" xmlns:r="http://schemas.openxmlformats.org/officeDocument/2006/relationships" r:id="rId2"/>
+          </a:graphicData>
+        </a:graphic>
+      </p:graphicFrame>
+      <p:graphicFrame>
+        <p:nvGraphicFramePr>
+          <p:cNvPr id="12" name="Chart 11">
+            <a:extLst>
+              <a:ext uri="{FF2B5EF4-FFF2-40B4-BE49-F238E27FC236}">
+                <a16:creationId xmlns:a16="http://schemas.microsoft.com/office/drawing/2014/main" id="{7DB2C3FC-09E2-41BB-8CA0-3B83582F05A3}"/>
+              </a:ext>
+            </a:extLst>
+          </p:cNvPr>
+          <p:cNvGraphicFramePr/>
+          <p:nvPr>
+            <p:extLst>
+              <p:ext uri="{D42A27DB-BD31-4B8C-83A1-F6EECF244321}">
+                <p14:modId xmlns:p14="http://schemas.microsoft.com/office/powerpoint/2010/main" val="184851967"/>
+              </p:ext>
+            </p:extLst>
+          </p:nvPr>
+        </p:nvGraphicFramePr>
+        <p:xfrm>
+          <a:off x="4925441" y="4271701"/>
+          <a:ext cx="3387287" cy="2635930"/>
+        </p:xfrm>
+        <a:graphic>
+          <a:graphicData uri="http://schemas.openxmlformats.org/drawingml/2006/chart">
+            <c:chart xmlns:c="http://schemas.openxmlformats.org/drawingml/2006/chart" xmlns:r="http://schemas.openxmlformats.org/officeDocument/2006/relationships" r:id="rId3"/>
+          </a:graphicData>
+        </a:graphic>
+      </p:graphicFrame>
+      <p:sp>
+        <p:nvSpPr>
+          <p:cNvPr id="19" name="TextBox 18">
+            <a:extLst>
+              <a:ext uri="{FF2B5EF4-FFF2-40B4-BE49-F238E27FC236}">
+                <a16:creationId xmlns:a16="http://schemas.microsoft.com/office/drawing/2014/main" id="{5C94051A-CC38-405E-860C-BD4FF42BB504}"/>
+              </a:ext>
+            </a:extLst>
+          </p:cNvPr>
+          <p:cNvSpPr txBox="1"/>
+          <p:nvPr/>
+        </p:nvSpPr>
+        <p:spPr>
+          <a:xfrm>
+            <a:off x="8599057" y="1930400"/>
+            <a:ext cx="3001818" cy="1938992"/>
+          </a:xfrm>
+          <a:prstGeom prst="rect">
+            <a:avLst/>
+          </a:prstGeom>
+        </p:spPr>
+        <p:style>
+          <a:lnRef idx="2">
+            <a:schemeClr val="accent1"/>
+          </a:lnRef>
+          <a:fillRef idx="1">
+            <a:schemeClr val="lt1"/>
+          </a:fillRef>
+          <a:effectRef idx="0">
+            <a:schemeClr val="accent1"/>
+          </a:effectRef>
+          <a:fontRef idx="minor">
+            <a:schemeClr val="dk1"/>
+          </a:fontRef>
+        </p:style>
+        <p:txBody>
+          <a:bodyPr wrap="square" rtlCol="0">
+            <a:spAutoFit/>
+          </a:bodyPr>
+          <a:lstStyle/>
+          <a:p>
+            <a:r>
+              <a:rPr lang="en-US" sz="1200" dirty="0"/>
+              <a:t>In Figure 1, we notice a decreasing trend in that the signal strength of any wireless LAN signal decreasing with the increase in distance. This result is consistent with our expectation, for as transmission distance increases, the relative strength of noise increases, and the attenuation of the signal increases. The relation could be linear if we do more experiment and collect more data.</a:t>
+            </a:r>
+          </a:p>
+        </p:txBody>
+      </p:sp>
+      <p:sp>
+        <p:nvSpPr>
+          <p:cNvPr id="20" name="TextBox 19">
+            <a:extLst>
+              <a:ext uri="{FF2B5EF4-FFF2-40B4-BE49-F238E27FC236}">
+                <a16:creationId xmlns:a16="http://schemas.microsoft.com/office/drawing/2014/main" id="{9D4F7F99-6D46-4184-AAFE-E8BBACD75AF9}"/>
+              </a:ext>
+            </a:extLst>
+          </p:cNvPr>
+          <p:cNvSpPr txBox="1"/>
+          <p:nvPr/>
+        </p:nvSpPr>
+        <p:spPr>
+          <a:xfrm>
+            <a:off x="8599057" y="4216400"/>
+            <a:ext cx="3001818" cy="2492990"/>
+          </a:xfrm>
+          <a:prstGeom prst="rect">
+            <a:avLst/>
+          </a:prstGeom>
+        </p:spPr>
+        <p:style>
+          <a:lnRef idx="2">
+            <a:schemeClr val="accent1"/>
+          </a:lnRef>
+          <a:fillRef idx="1">
+            <a:schemeClr val="lt1"/>
+          </a:fillRef>
+          <a:effectRef idx="0">
+            <a:schemeClr val="accent1"/>
+          </a:effectRef>
+          <a:fontRef idx="minor">
+            <a:schemeClr val="dk1"/>
+          </a:fontRef>
+        </p:style>
+        <p:txBody>
+          <a:bodyPr wrap="square" rtlCol="0">
+            <a:spAutoFit/>
+          </a:bodyPr>
+          <a:lstStyle/>
+          <a:p>
+            <a:r>
+              <a:rPr lang="en-US" sz="1200" dirty="0"/>
+              <a:t>In Figure 2, we notice an inverse relation between distance and SNR. This is also consistent with our expectation, for due to increasing external noise, the signal strength decreases as client moves further from the host. SNR level dropped by 17 dB from a distance of 30ft to 60ft, and dropped by 5 dB from a distance of 60ft to 90ft. One explanation to this phenomenon is that as we move further from the host, there are more interference due to other mobile devices connected to UCLA </a:t>
+            </a:r>
+            <a:r>
+              <a:rPr lang="en-US" sz="1200" dirty="0" err="1"/>
+              <a:t>wifi</a:t>
+            </a:r>
+            <a:r>
+              <a:rPr lang="en-US" sz="1200" dirty="0"/>
+              <a:t>.</a:t>
+            </a:r>
           </a:p>
         </p:txBody>
       </p:sp>
@@ -6436,7 +14621,7 @@
           <p:cNvPr id="2" name="Title 1">
             <a:extLst>
               <a:ext uri="{FF2B5EF4-FFF2-40B4-BE49-F238E27FC236}">
-                <a16:creationId xmlns:a16="http://schemas.microsoft.com/office/drawing/2014/main" id="{F6E9A906-7D3F-4439-9D16-083110CAE7B3}"/>
+                <a16:creationId xmlns:a16="http://schemas.microsoft.com/office/drawing/2014/main" id="{3FCA12D9-4819-4356-B557-2189CFF4B64E}"/>
               </a:ext>
             </a:extLst>
           </p:cNvPr>
@@ -6454,40 +14639,134 @@
           <a:p>
             <a:r>
               <a:rPr lang="en-US" dirty="0"/>
-              <a:t>DISCUSSION</a:t>
+              <a:t>RESULTS-LAB1.A</a:t>
             </a:r>
           </a:p>
         </p:txBody>
       </p:sp>
-      <p:sp>
-        <p:nvSpPr>
-          <p:cNvPr id="3" name="Content Placeholder 2">
+      <p:graphicFrame>
+        <p:nvGraphicFramePr>
+          <p:cNvPr id="4" name="Chart 3">
             <a:extLst>
               <a:ext uri="{FF2B5EF4-FFF2-40B4-BE49-F238E27FC236}">
-                <a16:creationId xmlns:a16="http://schemas.microsoft.com/office/drawing/2014/main" id="{60437887-952A-496B-B4B9-5A4F392A91D3}"/>
+                <a16:creationId xmlns:a16="http://schemas.microsoft.com/office/drawing/2014/main" id="{39535F57-6ECA-4834-8689-153E929142CB}"/>
               </a:ext>
             </a:extLst>
           </p:cNvPr>
-          <p:cNvSpPr>
-            <a:spLocks noGrp="1"/>
-          </p:cNvSpPr>
+          <p:cNvGraphicFramePr/>
           <p:nvPr>
-            <p:ph idx="1"/>
+            <p:extLst>
+              <p:ext uri="{D42A27DB-BD31-4B8C-83A1-F6EECF244321}">
+                <p14:modId xmlns:p14="http://schemas.microsoft.com/office/powerpoint/2010/main" val="3679316279"/>
+              </p:ext>
+            </p:extLst>
           </p:nvPr>
+        </p:nvGraphicFramePr>
+        <p:xfrm>
+          <a:off x="677334" y="1154546"/>
+          <a:ext cx="3876193" cy="2512290"/>
+        </p:xfrm>
+        <a:graphic>
+          <a:graphicData uri="http://schemas.openxmlformats.org/drawingml/2006/chart">
+            <c:chart xmlns:c="http://schemas.openxmlformats.org/drawingml/2006/chart" xmlns:r="http://schemas.openxmlformats.org/officeDocument/2006/relationships" r:id="rId2"/>
+          </a:graphicData>
+        </a:graphic>
+      </p:graphicFrame>
+      <p:graphicFrame>
+        <p:nvGraphicFramePr>
+          <p:cNvPr id="5" name="Chart 4">
+            <a:extLst>
+              <a:ext uri="{FF2B5EF4-FFF2-40B4-BE49-F238E27FC236}">
+                <a16:creationId xmlns:a16="http://schemas.microsoft.com/office/drawing/2014/main" id="{9BB4699F-DA04-47B4-A5A8-BC879D135A28}"/>
+              </a:ext>
+            </a:extLst>
+          </p:cNvPr>
+          <p:cNvGraphicFramePr/>
+          <p:nvPr>
+            <p:extLst>
+              <p:ext uri="{D42A27DB-BD31-4B8C-83A1-F6EECF244321}">
+                <p14:modId xmlns:p14="http://schemas.microsoft.com/office/powerpoint/2010/main" val="4161084631"/>
+              </p:ext>
+            </p:extLst>
+          </p:nvPr>
+        </p:nvGraphicFramePr>
+        <p:xfrm>
+          <a:off x="725591" y="3833609"/>
+          <a:ext cx="3779677" cy="3102900"/>
+        </p:xfrm>
+        <a:graphic>
+          <a:graphicData uri="http://schemas.openxmlformats.org/drawingml/2006/chart">
+            <c:chart xmlns:c="http://schemas.openxmlformats.org/drawingml/2006/chart" xmlns:r="http://schemas.openxmlformats.org/officeDocument/2006/relationships" r:id="rId3"/>
+          </a:graphicData>
+        </a:graphic>
+      </p:graphicFrame>
+      <p:sp>
+        <p:nvSpPr>
+          <p:cNvPr id="6" name="TextBox 5">
+            <a:extLst>
+              <a:ext uri="{FF2B5EF4-FFF2-40B4-BE49-F238E27FC236}">
+                <a16:creationId xmlns:a16="http://schemas.microsoft.com/office/drawing/2014/main" id="{DDD15149-5124-4D2C-8035-09A73E81BFBC}"/>
+              </a:ext>
+            </a:extLst>
+          </p:cNvPr>
+          <p:cNvSpPr txBox="1"/>
+          <p:nvPr/>
         </p:nvSpPr>
-        <p:spPr/>
+        <p:spPr>
+          <a:xfrm>
+            <a:off x="5209310" y="1607127"/>
+            <a:ext cx="3602182" cy="5016758"/>
+          </a:xfrm>
+          <a:prstGeom prst="rect">
+            <a:avLst/>
+          </a:prstGeom>
+        </p:spPr>
+        <p:style>
+          <a:lnRef idx="2">
+            <a:schemeClr val="accent1"/>
+          </a:lnRef>
+          <a:fillRef idx="1">
+            <a:schemeClr val="lt1"/>
+          </a:fillRef>
+          <a:effectRef idx="0">
+            <a:schemeClr val="accent1"/>
+          </a:effectRef>
+          <a:fontRef idx="minor">
+            <a:schemeClr val="dk1"/>
+          </a:fontRef>
+        </p:style>
         <p:txBody>
-          <a:bodyPr/>
+          <a:bodyPr wrap="square" rtlCol="0">
+            <a:spAutoFit/>
+          </a:bodyPr>
           <a:lstStyle/>
           <a:p>
-            <a:endParaRPr lang="en-US"/>
+            <a:r>
+              <a:rPr lang="en-US" sz="1400" dirty="0"/>
+              <a:t>Figure 3 and 4 both show that data transmission rate depends on how effectively and how strongly data communication link is. The stronger it is, the faster the data throughput will be (for both UDP and TCP protocols). </a:t>
+            </a:r>
+          </a:p>
+          <a:p>
+            <a:endParaRPr lang="en-US" sz="1400" dirty="0"/>
+          </a:p>
+          <a:p>
+            <a:r>
+              <a:rPr lang="en-US" sz="1400" dirty="0"/>
+              <a:t>One interesting finding slightly inconsistent with our expectation is that, we expected the increasement of data transmission rate from 10 dB to 15 dB larger than from 15dB to 30dB. Our experiment on TCP data demonstrates the trend. However, our UDP data slightly deviates from the trend. One possible explanation could be experimental errors. So we cannot draw conclusion on which of UDP or TCP throughput decrease faster. But one certain conclusion is that the less interference there is, the stronger the data throughput is.</a:t>
+            </a:r>
+          </a:p>
+          <a:p>
+            <a:endParaRPr lang="en-US" sz="1400" dirty="0"/>
+          </a:p>
+          <a:p>
+            <a:endParaRPr lang="en-US" sz="1200" dirty="0"/>
           </a:p>
         </p:txBody>
       </p:sp>
     </p:spTree>
     <p:extLst>
       <p:ext uri="{BB962C8B-B14F-4D97-AF65-F5344CB8AC3E}">
-        <p14:creationId xmlns:p14="http://schemas.microsoft.com/office/powerpoint/2010/main" val="2553622273"/>
+        <p14:creationId xmlns:p14="http://schemas.microsoft.com/office/powerpoint/2010/main" val="854588007"/>
       </p:ext>
     </p:extLst>
   </p:cSld>
@@ -6519,7 +14798,7 @@
           <p:cNvPr id="2" name="Title 1">
             <a:extLst>
               <a:ext uri="{FF2B5EF4-FFF2-40B4-BE49-F238E27FC236}">
-                <a16:creationId xmlns:a16="http://schemas.microsoft.com/office/drawing/2014/main" id="{BCC5B60A-282F-4101-B3DD-610955F1A497}"/>
+                <a16:creationId xmlns:a16="http://schemas.microsoft.com/office/drawing/2014/main" id="{A1A6155F-B54B-4795-A76C-6786D1C46733}"/>
               </a:ext>
             </a:extLst>
           </p:cNvPr>
@@ -6537,17 +14816,658 @@
           <a:p>
             <a:r>
               <a:rPr lang="en-US" dirty="0"/>
-              <a:t>REFERENCE</a:t>
+              <a:t>RESULTS-LAB1.B</a:t>
             </a:r>
           </a:p>
         </p:txBody>
       </p:sp>
+      <p:graphicFrame>
+        <p:nvGraphicFramePr>
+          <p:cNvPr id="8" name="Content Placeholder 7">
+            <a:extLst>
+              <a:ext uri="{FF2B5EF4-FFF2-40B4-BE49-F238E27FC236}">
+                <a16:creationId xmlns:a16="http://schemas.microsoft.com/office/drawing/2014/main" id="{C8B10589-636A-4D7F-B8B3-87330684090A}"/>
+              </a:ext>
+            </a:extLst>
+          </p:cNvPr>
+          <p:cNvGraphicFramePr>
+            <a:graphicFrameLocks noGrp="1"/>
+          </p:cNvGraphicFramePr>
+          <p:nvPr>
+            <p:ph idx="1"/>
+            <p:extLst>
+              <p:ext uri="{D42A27DB-BD31-4B8C-83A1-F6EECF244321}">
+                <p14:modId xmlns:p14="http://schemas.microsoft.com/office/powerpoint/2010/main" val="1275605934"/>
+              </p:ext>
+            </p:extLst>
+          </p:nvPr>
+        </p:nvGraphicFramePr>
+        <p:xfrm>
+          <a:off x="677692" y="2244223"/>
+          <a:ext cx="7662745" cy="3218331"/>
+        </p:xfrm>
+        <a:graphic>
+          <a:graphicData uri="http://schemas.openxmlformats.org/drawingml/2006/table">
+            <a:tbl>
+              <a:tblPr firstRow="1" bandRow="1">
+                <a:tableStyleId>{5C22544A-7EE6-4342-B048-85BDC9FD1C3A}</a:tableStyleId>
+              </a:tblPr>
+              <a:tblGrid>
+                <a:gridCol w="1532549">
+                  <a:extLst>
+                    <a:ext uri="{9D8B030D-6E8A-4147-A177-3AD203B41FA5}">
+                      <a16:colId xmlns:a16="http://schemas.microsoft.com/office/drawing/2014/main" val="2710172390"/>
+                    </a:ext>
+                  </a:extLst>
+                </a:gridCol>
+                <a:gridCol w="1532549">
+                  <a:extLst>
+                    <a:ext uri="{9D8B030D-6E8A-4147-A177-3AD203B41FA5}">
+                      <a16:colId xmlns:a16="http://schemas.microsoft.com/office/drawing/2014/main" val="1875981604"/>
+                    </a:ext>
+                  </a:extLst>
+                </a:gridCol>
+                <a:gridCol w="1532549">
+                  <a:extLst>
+                    <a:ext uri="{9D8B030D-6E8A-4147-A177-3AD203B41FA5}">
+                      <a16:colId xmlns:a16="http://schemas.microsoft.com/office/drawing/2014/main" val="4231470048"/>
+                    </a:ext>
+                  </a:extLst>
+                </a:gridCol>
+                <a:gridCol w="1532549">
+                  <a:extLst>
+                    <a:ext uri="{9D8B030D-6E8A-4147-A177-3AD203B41FA5}">
+                      <a16:colId xmlns:a16="http://schemas.microsoft.com/office/drawing/2014/main" val="2200694905"/>
+                    </a:ext>
+                  </a:extLst>
+                </a:gridCol>
+                <a:gridCol w="1532549">
+                  <a:extLst>
+                    <a:ext uri="{9D8B030D-6E8A-4147-A177-3AD203B41FA5}">
+                      <a16:colId xmlns:a16="http://schemas.microsoft.com/office/drawing/2014/main" val="1770152674"/>
+                    </a:ext>
+                  </a:extLst>
+                </a:gridCol>
+              </a:tblGrid>
+              <a:tr h="820749">
+                <a:tc>
+                  <a:txBody>
+                    <a:bodyPr/>
+                    <a:lstStyle/>
+                    <a:p>
+                      <a:r>
+                        <a:rPr lang="en-US" dirty="0"/>
+                        <a:t>Microwave Oven Level</a:t>
+                      </a:r>
+                    </a:p>
+                  </a:txBody>
+                  <a:tcPr/>
+                </a:tc>
+                <a:tc>
+                  <a:txBody>
+                    <a:bodyPr/>
+                    <a:lstStyle/>
+                    <a:p>
+                      <a:r>
+                        <a:rPr lang="en-US" dirty="0"/>
+                        <a:t>Signal Strength (dBm)</a:t>
+                      </a:r>
+                    </a:p>
+                  </a:txBody>
+                  <a:tcPr/>
+                </a:tc>
+                <a:tc>
+                  <a:txBody>
+                    <a:bodyPr/>
+                    <a:lstStyle/>
+                    <a:p>
+                      <a:r>
+                        <a:rPr lang="en-US" dirty="0"/>
+                        <a:t>Noise Power (dBm)</a:t>
+                      </a:r>
+                    </a:p>
+                  </a:txBody>
+                  <a:tcPr/>
+                </a:tc>
+                <a:tc>
+                  <a:txBody>
+                    <a:bodyPr/>
+                    <a:lstStyle/>
+                    <a:p>
+                      <a:r>
+                        <a:rPr lang="en-US" dirty="0"/>
+                        <a:t>UDP Data Rate (Kbps)</a:t>
+                      </a:r>
+                    </a:p>
+                  </a:txBody>
+                  <a:tcPr/>
+                </a:tc>
+                <a:tc>
+                  <a:txBody>
+                    <a:bodyPr/>
+                    <a:lstStyle/>
+                    <a:p>
+                      <a:r>
+                        <a:rPr lang="en-US" dirty="0"/>
+                        <a:t>TCP Data Rate (Kbps)</a:t>
+                      </a:r>
+                    </a:p>
+                  </a:txBody>
+                  <a:tcPr/>
+                </a:tc>
+                <a:extLst>
+                  <a:ext uri="{0D108BD9-81ED-4DB2-BD59-A6C34878D82A}">
+                    <a16:rowId xmlns:a16="http://schemas.microsoft.com/office/drawing/2014/main" val="657601928"/>
+                  </a:ext>
+                </a:extLst>
+              </a:tr>
+              <a:tr h="328299">
+                <a:tc>
+                  <a:txBody>
+                    <a:bodyPr/>
+                    <a:lstStyle/>
+                    <a:p>
+                      <a:r>
+                        <a:rPr lang="en-US" dirty="0"/>
+                        <a:t>Off</a:t>
+                      </a:r>
+                    </a:p>
+                  </a:txBody>
+                  <a:tcPr/>
+                </a:tc>
+                <a:tc>
+                  <a:txBody>
+                    <a:bodyPr/>
+                    <a:lstStyle/>
+                    <a:p>
+                      <a:r>
+                        <a:rPr lang="en-US" dirty="0"/>
+                        <a:t>-50</a:t>
+                      </a:r>
+                    </a:p>
+                  </a:txBody>
+                  <a:tcPr/>
+                </a:tc>
+                <a:tc>
+                  <a:txBody>
+                    <a:bodyPr/>
+                    <a:lstStyle/>
+                    <a:p>
+                      <a:r>
+                        <a:rPr lang="en-US" dirty="0"/>
+                        <a:t>-80</a:t>
+                      </a:r>
+                    </a:p>
+                  </a:txBody>
+                  <a:tcPr/>
+                </a:tc>
+                <a:tc>
+                  <a:txBody>
+                    <a:bodyPr/>
+                    <a:lstStyle/>
+                    <a:p>
+                      <a:r>
+                        <a:rPr lang="en-US" dirty="0"/>
+                        <a:t>16500</a:t>
+                      </a:r>
+                    </a:p>
+                  </a:txBody>
+                  <a:tcPr/>
+                </a:tc>
+                <a:tc>
+                  <a:txBody>
+                    <a:bodyPr/>
+                    <a:lstStyle/>
+                    <a:p>
+                      <a:r>
+                        <a:rPr lang="en-US" dirty="0"/>
+                        <a:t>15700</a:t>
+                      </a:r>
+                    </a:p>
+                  </a:txBody>
+                  <a:tcPr/>
+                </a:tc>
+                <a:extLst>
+                  <a:ext uri="{0D108BD9-81ED-4DB2-BD59-A6C34878D82A}">
+                    <a16:rowId xmlns:a16="http://schemas.microsoft.com/office/drawing/2014/main" val="2137564771"/>
+                  </a:ext>
+                </a:extLst>
+              </a:tr>
+              <a:tr h="328299">
+                <a:tc>
+                  <a:txBody>
+                    <a:bodyPr/>
+                    <a:lstStyle/>
+                    <a:p>
+                      <a:r>
+                        <a:rPr lang="en-US" dirty="0"/>
+                        <a:t>High </a:t>
+                      </a:r>
+                    </a:p>
+                  </a:txBody>
+                  <a:tcPr/>
+                </a:tc>
+                <a:tc>
+                  <a:txBody>
+                    <a:bodyPr/>
+                    <a:lstStyle/>
+                    <a:p>
+                      <a:r>
+                        <a:rPr lang="en-US" dirty="0"/>
+                        <a:t>-31</a:t>
+                      </a:r>
+                    </a:p>
+                  </a:txBody>
+                  <a:tcPr/>
+                </a:tc>
+                <a:tc>
+                  <a:txBody>
+                    <a:bodyPr/>
+                    <a:lstStyle/>
+                    <a:p>
+                      <a:r>
+                        <a:rPr lang="en-US" dirty="0"/>
+                        <a:t>-83</a:t>
+                      </a:r>
+                    </a:p>
+                  </a:txBody>
+                  <a:tcPr/>
+                </a:tc>
+                <a:tc>
+                  <a:txBody>
+                    <a:bodyPr/>
+                    <a:lstStyle/>
+                    <a:p>
+                      <a:r>
+                        <a:rPr lang="en-US" dirty="0"/>
+                        <a:t>17900</a:t>
+                      </a:r>
+                    </a:p>
+                  </a:txBody>
+                  <a:tcPr/>
+                </a:tc>
+                <a:tc>
+                  <a:txBody>
+                    <a:bodyPr/>
+                    <a:lstStyle/>
+                    <a:p>
+                      <a:r>
+                        <a:rPr lang="en-US" dirty="0"/>
+                        <a:t>20300</a:t>
+                      </a:r>
+                    </a:p>
+                  </a:txBody>
+                  <a:tcPr/>
+                </a:tc>
+                <a:extLst>
+                  <a:ext uri="{0D108BD9-81ED-4DB2-BD59-A6C34878D82A}">
+                    <a16:rowId xmlns:a16="http://schemas.microsoft.com/office/drawing/2014/main" val="1770100252"/>
+                  </a:ext>
+                </a:extLst>
+              </a:tr>
+              <a:tr h="475131">
+                <a:tc>
+                  <a:txBody>
+                    <a:bodyPr/>
+                    <a:lstStyle/>
+                    <a:p>
+                      <a:r>
+                        <a:rPr lang="en-US" dirty="0"/>
+                        <a:t>Medium High</a:t>
+                      </a:r>
+                    </a:p>
+                  </a:txBody>
+                  <a:tcPr/>
+                </a:tc>
+                <a:tc>
+                  <a:txBody>
+                    <a:bodyPr/>
+                    <a:lstStyle/>
+                    <a:p>
+                      <a:r>
+                        <a:rPr lang="en-US" dirty="0"/>
+                        <a:t>-28</a:t>
+                      </a:r>
+                    </a:p>
+                  </a:txBody>
+                  <a:tcPr/>
+                </a:tc>
+                <a:tc>
+                  <a:txBody>
+                    <a:bodyPr/>
+                    <a:lstStyle/>
+                    <a:p>
+                      <a:r>
+                        <a:rPr lang="en-US" dirty="0"/>
+                        <a:t>-80</a:t>
+                      </a:r>
+                    </a:p>
+                  </a:txBody>
+                  <a:tcPr/>
+                </a:tc>
+                <a:tc>
+                  <a:txBody>
+                    <a:bodyPr/>
+                    <a:lstStyle/>
+                    <a:p>
+                      <a:r>
+                        <a:rPr lang="en-US" dirty="0"/>
+                        <a:t>20900</a:t>
+                      </a:r>
+                    </a:p>
+                  </a:txBody>
+                  <a:tcPr/>
+                </a:tc>
+                <a:tc>
+                  <a:txBody>
+                    <a:bodyPr/>
+                    <a:lstStyle/>
+                    <a:p>
+                      <a:r>
+                        <a:rPr lang="en-US" dirty="0"/>
+                        <a:t>20900</a:t>
+                      </a:r>
+                    </a:p>
+                  </a:txBody>
+                  <a:tcPr/>
+                </a:tc>
+                <a:extLst>
+                  <a:ext uri="{0D108BD9-81ED-4DB2-BD59-A6C34878D82A}">
+                    <a16:rowId xmlns:a16="http://schemas.microsoft.com/office/drawing/2014/main" val="4185783954"/>
+                  </a:ext>
+                </a:extLst>
+              </a:tr>
+              <a:tr h="328299">
+                <a:tc>
+                  <a:txBody>
+                    <a:bodyPr/>
+                    <a:lstStyle/>
+                    <a:p>
+                      <a:r>
+                        <a:rPr lang="en-US" dirty="0"/>
+                        <a:t>Medium</a:t>
+                      </a:r>
+                    </a:p>
+                  </a:txBody>
+                  <a:tcPr/>
+                </a:tc>
+                <a:tc>
+                  <a:txBody>
+                    <a:bodyPr/>
+                    <a:lstStyle/>
+                    <a:p>
+                      <a:r>
+                        <a:rPr lang="en-US" dirty="0"/>
+                        <a:t>-26</a:t>
+                      </a:r>
+                    </a:p>
+                  </a:txBody>
+                  <a:tcPr/>
+                </a:tc>
+                <a:tc>
+                  <a:txBody>
+                    <a:bodyPr/>
+                    <a:lstStyle/>
+                    <a:p>
+                      <a:r>
+                        <a:rPr lang="en-US" dirty="0"/>
+                        <a:t>-80</a:t>
+                      </a:r>
+                    </a:p>
+                  </a:txBody>
+                  <a:tcPr/>
+                </a:tc>
+                <a:tc>
+                  <a:txBody>
+                    <a:bodyPr/>
+                    <a:lstStyle/>
+                    <a:p>
+                      <a:r>
+                        <a:rPr lang="en-US" dirty="0"/>
+                        <a:t>24500</a:t>
+                      </a:r>
+                    </a:p>
+                  </a:txBody>
+                  <a:tcPr/>
+                </a:tc>
+                <a:tc>
+                  <a:txBody>
+                    <a:bodyPr/>
+                    <a:lstStyle/>
+                    <a:p>
+                      <a:r>
+                        <a:rPr lang="en-US" dirty="0"/>
+                        <a:t>21700</a:t>
+                      </a:r>
+                    </a:p>
+                  </a:txBody>
+                  <a:tcPr/>
+                </a:tc>
+                <a:extLst>
+                  <a:ext uri="{0D108BD9-81ED-4DB2-BD59-A6C34878D82A}">
+                    <a16:rowId xmlns:a16="http://schemas.microsoft.com/office/drawing/2014/main" val="2574965256"/>
+                  </a:ext>
+                </a:extLst>
+              </a:tr>
+              <a:tr h="328299">
+                <a:tc>
+                  <a:txBody>
+                    <a:bodyPr/>
+                    <a:lstStyle/>
+                    <a:p>
+                      <a:r>
+                        <a:rPr lang="en-US" dirty="0"/>
+                        <a:t>Defrost</a:t>
+                      </a:r>
+                    </a:p>
+                  </a:txBody>
+                  <a:tcPr/>
+                </a:tc>
+                <a:tc>
+                  <a:txBody>
+                    <a:bodyPr/>
+                    <a:lstStyle/>
+                    <a:p>
+                      <a:r>
+                        <a:rPr lang="en-US" dirty="0"/>
+                        <a:t>-30</a:t>
+                      </a:r>
+                    </a:p>
+                  </a:txBody>
+                  <a:tcPr/>
+                </a:tc>
+                <a:tc>
+                  <a:txBody>
+                    <a:bodyPr/>
+                    <a:lstStyle/>
+                    <a:p>
+                      <a:r>
+                        <a:rPr lang="en-US" dirty="0"/>
+                        <a:t>-80</a:t>
+                      </a:r>
+                    </a:p>
+                  </a:txBody>
+                  <a:tcPr/>
+                </a:tc>
+                <a:tc>
+                  <a:txBody>
+                    <a:bodyPr/>
+                    <a:lstStyle/>
+                    <a:p>
+                      <a:r>
+                        <a:rPr lang="en-US" dirty="0"/>
+                        <a:t>22600</a:t>
+                      </a:r>
+                    </a:p>
+                  </a:txBody>
+                  <a:tcPr/>
+                </a:tc>
+                <a:tc>
+                  <a:txBody>
+                    <a:bodyPr/>
+                    <a:lstStyle/>
+                    <a:p>
+                      <a:r>
+                        <a:rPr lang="en-US" dirty="0"/>
+                        <a:t>21400</a:t>
+                      </a:r>
+                    </a:p>
+                  </a:txBody>
+                  <a:tcPr/>
+                </a:tc>
+                <a:extLst>
+                  <a:ext uri="{0D108BD9-81ED-4DB2-BD59-A6C34878D82A}">
+                    <a16:rowId xmlns:a16="http://schemas.microsoft.com/office/drawing/2014/main" val="3395610609"/>
+                  </a:ext>
+                </a:extLst>
+              </a:tr>
+              <a:tr h="328299">
+                <a:tc>
+                  <a:txBody>
+                    <a:bodyPr/>
+                    <a:lstStyle/>
+                    <a:p>
+                      <a:r>
+                        <a:rPr lang="en-US" dirty="0"/>
+                        <a:t>Warm</a:t>
+                      </a:r>
+                    </a:p>
+                  </a:txBody>
+                  <a:tcPr/>
+                </a:tc>
+                <a:tc>
+                  <a:txBody>
+                    <a:bodyPr/>
+                    <a:lstStyle/>
+                    <a:p>
+                      <a:r>
+                        <a:rPr lang="en-US" dirty="0"/>
+                        <a:t>-30</a:t>
+                      </a:r>
+                    </a:p>
+                  </a:txBody>
+                  <a:tcPr/>
+                </a:tc>
+                <a:tc>
+                  <a:txBody>
+                    <a:bodyPr/>
+                    <a:lstStyle/>
+                    <a:p>
+                      <a:r>
+                        <a:rPr lang="en-US" dirty="0"/>
+                        <a:t>-81</a:t>
+                      </a:r>
+                    </a:p>
+                  </a:txBody>
+                  <a:tcPr/>
+                </a:tc>
+                <a:tc>
+                  <a:txBody>
+                    <a:bodyPr/>
+                    <a:lstStyle/>
+                    <a:p>
+                      <a:r>
+                        <a:rPr lang="en-US" dirty="0"/>
+                        <a:t>24400</a:t>
+                      </a:r>
+                    </a:p>
+                  </a:txBody>
+                  <a:tcPr/>
+                </a:tc>
+                <a:tc>
+                  <a:txBody>
+                    <a:bodyPr/>
+                    <a:lstStyle/>
+                    <a:p>
+                      <a:r>
+                        <a:rPr lang="en-US" dirty="0"/>
+                        <a:t>22000</a:t>
+                      </a:r>
+                    </a:p>
+                  </a:txBody>
+                  <a:tcPr/>
+                </a:tc>
+                <a:extLst>
+                  <a:ext uri="{0D108BD9-81ED-4DB2-BD59-A6C34878D82A}">
+                    <a16:rowId xmlns:a16="http://schemas.microsoft.com/office/drawing/2014/main" val="1127848059"/>
+                  </a:ext>
+                </a:extLst>
+              </a:tr>
+            </a:tbl>
+          </a:graphicData>
+        </a:graphic>
+      </p:graphicFrame>
       <p:sp>
         <p:nvSpPr>
-          <p:cNvPr id="3" name="Content Placeholder 2">
+          <p:cNvPr id="9" name="TextBox 8">
             <a:extLst>
               <a:ext uri="{FF2B5EF4-FFF2-40B4-BE49-F238E27FC236}">
-                <a16:creationId xmlns:a16="http://schemas.microsoft.com/office/drawing/2014/main" id="{F957536F-FB02-419D-9D4A-B3E3D8250545}"/>
+                <a16:creationId xmlns:a16="http://schemas.microsoft.com/office/drawing/2014/main" id="{86E9B4E6-2D1C-42B0-83FF-DB488762581F}"/>
+              </a:ext>
+            </a:extLst>
+          </p:cNvPr>
+          <p:cNvSpPr txBox="1"/>
+          <p:nvPr/>
+        </p:nvSpPr>
+        <p:spPr>
+          <a:xfrm>
+            <a:off x="677334" y="1597891"/>
+            <a:ext cx="5686521" cy="646331"/>
+          </a:xfrm>
+          <a:prstGeom prst="rect">
+            <a:avLst/>
+          </a:prstGeom>
+          <a:noFill/>
+        </p:spPr>
+        <p:txBody>
+          <a:bodyPr wrap="square" rtlCol="0">
+            <a:spAutoFit/>
+          </a:bodyPr>
+          <a:lstStyle/>
+          <a:p>
+            <a:r>
+              <a:rPr lang="en-US" dirty="0"/>
+              <a:t>Noise and Throughput in presence of Microwave Oven (At a Distance of 10 ft)</a:t>
+            </a:r>
+          </a:p>
+        </p:txBody>
+      </p:sp>
+    </p:spTree>
+    <p:extLst>
+      <p:ext uri="{BB962C8B-B14F-4D97-AF65-F5344CB8AC3E}">
+        <p14:creationId xmlns:p14="http://schemas.microsoft.com/office/powerpoint/2010/main" val="1958210507"/>
+      </p:ext>
+    </p:extLst>
+  </p:cSld>
+  <p:clrMapOvr>
+    <a:masterClrMapping/>
+  </p:clrMapOvr>
+</p:sld>
+</file>
+
+<file path=ppt/slides/slide9.xml><?xml version="1.0" encoding="utf-8"?>
+<p:sld xmlns:a="http://schemas.openxmlformats.org/drawingml/2006/main" xmlns:r="http://schemas.openxmlformats.org/officeDocument/2006/relationships" xmlns:p="http://schemas.openxmlformats.org/presentationml/2006/main">
+  <p:cSld>
+    <p:spTree>
+      <p:nvGrpSpPr>
+        <p:cNvPr id="1" name=""/>
+        <p:cNvGrpSpPr/>
+        <p:nvPr/>
+      </p:nvGrpSpPr>
+      <p:grpSpPr>
+        <a:xfrm>
+          <a:off x="0" y="0"/>
+          <a:ext cx="0" cy="0"/>
+          <a:chOff x="0" y="0"/>
+          <a:chExt cx="0" cy="0"/>
+        </a:xfrm>
+      </p:grpSpPr>
+      <p:sp>
+        <p:nvSpPr>
+          <p:cNvPr id="2" name="Title 1">
+            <a:extLst>
+              <a:ext uri="{FF2B5EF4-FFF2-40B4-BE49-F238E27FC236}">
+                <a16:creationId xmlns:a16="http://schemas.microsoft.com/office/drawing/2014/main" id="{172B389B-2407-4153-8ECB-A5F7F94FF6F4}"/>
               </a:ext>
             </a:extLst>
           </p:cNvPr>
@@ -6555,7 +15475,7 @@
             <a:spLocks noGrp="1"/>
           </p:cNvSpPr>
           <p:nvPr>
-            <p:ph idx="1"/>
+            <p:ph type="title"/>
           </p:nvPr>
         </p:nvSpPr>
         <p:spPr/>
@@ -6563,14 +15483,136 @@
           <a:bodyPr/>
           <a:lstStyle/>
           <a:p>
-            <a:endParaRPr lang="en-US"/>
+            <a:r>
+              <a:rPr lang="en-US" dirty="0"/>
+              <a:t>RESULTS-LAB1.B</a:t>
+            </a:r>
+          </a:p>
+        </p:txBody>
+      </p:sp>
+      <p:graphicFrame>
+        <p:nvGraphicFramePr>
+          <p:cNvPr id="4" name="Content Placeholder 3">
+            <a:extLst>
+              <a:ext uri="{FF2B5EF4-FFF2-40B4-BE49-F238E27FC236}">
+                <a16:creationId xmlns:a16="http://schemas.microsoft.com/office/drawing/2014/main" id="{14ED4ABE-8077-4F7B-A6C9-B5E22C1EE743}"/>
+              </a:ext>
+            </a:extLst>
+          </p:cNvPr>
+          <p:cNvGraphicFramePr>
+            <a:graphicFrameLocks noGrp="1"/>
+          </p:cNvGraphicFramePr>
+          <p:nvPr>
+            <p:ph idx="1"/>
+            <p:extLst>
+              <p:ext uri="{D42A27DB-BD31-4B8C-83A1-F6EECF244321}">
+                <p14:modId xmlns:p14="http://schemas.microsoft.com/office/powerpoint/2010/main" val="2501116341"/>
+              </p:ext>
+            </p:extLst>
+          </p:nvPr>
+        </p:nvGraphicFramePr>
+        <p:xfrm>
+          <a:off x="677335" y="1421679"/>
+          <a:ext cx="4448848" cy="3769157"/>
+        </p:xfrm>
+        <a:graphic>
+          <a:graphicData uri="http://schemas.openxmlformats.org/drawingml/2006/chart">
+            <c:chart xmlns:c="http://schemas.openxmlformats.org/drawingml/2006/chart" xmlns:r="http://schemas.openxmlformats.org/officeDocument/2006/relationships" r:id="rId2"/>
+          </a:graphicData>
+        </a:graphic>
+      </p:graphicFrame>
+      <p:sp>
+        <p:nvSpPr>
+          <p:cNvPr id="5" name="TextBox 4">
+            <a:extLst>
+              <a:ext uri="{FF2B5EF4-FFF2-40B4-BE49-F238E27FC236}">
+                <a16:creationId xmlns:a16="http://schemas.microsoft.com/office/drawing/2014/main" id="{3F499D21-1AF1-408E-87FE-4487A6EFBCB9}"/>
+              </a:ext>
+            </a:extLst>
+          </p:cNvPr>
+          <p:cNvSpPr txBox="1"/>
+          <p:nvPr/>
+        </p:nvSpPr>
+        <p:spPr>
+          <a:xfrm>
+            <a:off x="803564" y="5436321"/>
+            <a:ext cx="4322618" cy="461665"/>
+          </a:xfrm>
+          <a:prstGeom prst="rect">
+            <a:avLst/>
+          </a:prstGeom>
+          <a:noFill/>
+        </p:spPr>
+        <p:txBody>
+          <a:bodyPr wrap="square" rtlCol="0">
+            <a:spAutoFit/>
+          </a:bodyPr>
+          <a:lstStyle/>
+          <a:p>
+            <a:r>
+              <a:rPr lang="en-US" sz="1200" dirty="0"/>
+              <a:t>This graph plots the change in throughput in both protocols with the interference of noise in form of microwave.</a:t>
+            </a:r>
+          </a:p>
+        </p:txBody>
+      </p:sp>
+      <p:sp>
+        <p:nvSpPr>
+          <p:cNvPr id="6" name="TextBox 5">
+            <a:extLst>
+              <a:ext uri="{FF2B5EF4-FFF2-40B4-BE49-F238E27FC236}">
+                <a16:creationId xmlns:a16="http://schemas.microsoft.com/office/drawing/2014/main" id="{9EF36045-46E2-4EB2-8266-30157079681F}"/>
+              </a:ext>
+            </a:extLst>
+          </p:cNvPr>
+          <p:cNvSpPr txBox="1"/>
+          <p:nvPr/>
+        </p:nvSpPr>
+        <p:spPr>
+          <a:xfrm>
+            <a:off x="5357091" y="1634836"/>
+            <a:ext cx="4448848" cy="4339650"/>
+          </a:xfrm>
+          <a:prstGeom prst="rect">
+            <a:avLst/>
+          </a:prstGeom>
+          <a:noFill/>
+        </p:spPr>
+        <p:txBody>
+          <a:bodyPr wrap="square" rtlCol="0">
+            <a:spAutoFit/>
+          </a:bodyPr>
+          <a:lstStyle/>
+          <a:p>
+            <a:r>
+              <a:rPr lang="en-US" sz="1200" dirty="0"/>
+              <a:t>The graph to the left shows us how the representation of microwave radiation affects data transmission rates in both protocols. In this graph, microwave levels 0-5 correspond to microwave power level from off to high. We set the microwave on, at different levels, for one minute, and record both UDP and TCP data rate.</a:t>
+            </a:r>
+          </a:p>
+          <a:p>
+            <a:endParaRPr lang="en-US" sz="1200" dirty="0"/>
+          </a:p>
+          <a:p>
+            <a:r>
+              <a:rPr lang="en-US" sz="1200" dirty="0"/>
+              <a:t>The graph is slightly different from what we expected, because of the large increments of data rates from level 0 to level 1. One reason could be how we implemented our experiment. We did not explicitly test the transmission rate without any interference, instead, we borrowed the rate we measured in part A. The inconsistency in distance between host and client resulted in the errors in data. </a:t>
+            </a:r>
+          </a:p>
+          <a:p>
+            <a:endParaRPr lang="en-US" sz="1200" dirty="0"/>
+          </a:p>
+          <a:p>
+            <a:r>
+              <a:rPr lang="en-US" sz="1200" dirty="0"/>
+              <a:t>Despite the data error of state 0, we still could see a trend of how microwave radiation affects data transmission, if we drop the data of state 0. Our one conclusion is with more noise, our data transmission throughput decreases. Specifically, since TCP has more checks in place to handle interference such as congestion control and acknowledgement, the fluctuation in UDP rate is relatively higher than that in TCP rate. </a:t>
+            </a:r>
           </a:p>
         </p:txBody>
       </p:sp>
     </p:spTree>
     <p:extLst>
       <p:ext uri="{BB962C8B-B14F-4D97-AF65-F5344CB8AC3E}">
-        <p14:creationId xmlns:p14="http://schemas.microsoft.com/office/powerpoint/2010/main" val="2705739895"/>
+        <p14:creationId xmlns:p14="http://schemas.microsoft.com/office/powerpoint/2010/main" val="468865254"/>
       </p:ext>
     </p:extLst>
   </p:cSld>

--- a/LAB REPORT.pptx
+++ b/LAB REPORT.pptx
@@ -17,8 +17,9 @@
     <p:sldId id="267" r:id="rId11"/>
     <p:sldId id="268" r:id="rId12"/>
     <p:sldId id="269" r:id="rId13"/>
-    <p:sldId id="261" r:id="rId14"/>
-    <p:sldId id="262" r:id="rId15"/>
+    <p:sldId id="270" r:id="rId14"/>
+    <p:sldId id="261" r:id="rId15"/>
+    <p:sldId id="262" r:id="rId16"/>
   </p:sldIdLst>
   <p:sldSz cx="12192000" cy="6858000"/>
   <p:notesSz cx="6858000" cy="9144000"/>
@@ -2945,6 +2946,335 @@
           </a:p>
         </c:txPr>
         <c:crossAx val="654504232"/>
+        <c:crosses val="autoZero"/>
+        <c:crossBetween val="between"/>
+      </c:valAx>
+      <c:spPr>
+        <a:noFill/>
+        <a:ln>
+          <a:noFill/>
+        </a:ln>
+        <a:effectLst/>
+      </c:spPr>
+    </c:plotArea>
+    <c:legend>
+      <c:legendPos val="b"/>
+      <c:overlay val="0"/>
+      <c:spPr>
+        <a:noFill/>
+        <a:ln>
+          <a:noFill/>
+        </a:ln>
+        <a:effectLst/>
+      </c:spPr>
+      <c:txPr>
+        <a:bodyPr rot="0" spcFirstLastPara="1" vertOverflow="ellipsis" vert="horz" wrap="square" anchor="ctr" anchorCtr="1"/>
+        <a:lstStyle/>
+        <a:p>
+          <a:pPr>
+            <a:defRPr sz="1197" b="0" i="0" u="none" strike="noStrike" kern="1200" baseline="0">
+              <a:solidFill>
+                <a:schemeClr val="tx1">
+                  <a:lumMod val="65000"/>
+                  <a:lumOff val="35000"/>
+                </a:schemeClr>
+              </a:solidFill>
+              <a:latin typeface="+mn-lt"/>
+              <a:ea typeface="+mn-ea"/>
+              <a:cs typeface="+mn-cs"/>
+            </a:defRPr>
+          </a:pPr>
+          <a:endParaRPr lang="en-US"/>
+        </a:p>
+      </c:txPr>
+    </c:legend>
+    <c:plotVisOnly val="1"/>
+    <c:dispBlanksAs val="gap"/>
+    <c:extLst>
+      <c:ext xmlns:c16r3="http://schemas.microsoft.com/office/drawing/2017/03/chart" uri="{56B9EC1D-385E-4148-901F-78D8002777C0}">
+        <c16r3:dataDisplayOptions16>
+          <c16r3:dispNaAsBlank val="1"/>
+        </c16r3:dataDisplayOptions16>
+      </c:ext>
+    </c:extLst>
+    <c:showDLblsOverMax val="0"/>
+  </c:chart>
+  <c:spPr>
+    <a:noFill/>
+    <a:ln>
+      <a:noFill/>
+    </a:ln>
+    <a:effectLst/>
+  </c:spPr>
+  <c:txPr>
+    <a:bodyPr/>
+    <a:lstStyle/>
+    <a:p>
+      <a:pPr>
+        <a:defRPr/>
+      </a:pPr>
+      <a:endParaRPr lang="en-US"/>
+    </a:p>
+  </c:txPr>
+  <c:externalData r:id="rId3">
+    <c:autoUpdate val="0"/>
+  </c:externalData>
+</c:chartSpace>
+</file>
+
+<file path=ppt/charts/chart8.xml><?xml version="1.0" encoding="utf-8"?>
+<c:chartSpace xmlns:c="http://schemas.openxmlformats.org/drawingml/2006/chart" xmlns:a="http://schemas.openxmlformats.org/drawingml/2006/main" xmlns:r="http://schemas.openxmlformats.org/officeDocument/2006/relationships" xmlns:c16r2="http://schemas.microsoft.com/office/drawing/2015/06/chart">
+  <c:date1904 val="0"/>
+  <c:lang val="en-US"/>
+  <c:roundedCorners val="0"/>
+  <mc:AlternateContent xmlns:mc="http://schemas.openxmlformats.org/markup-compatibility/2006">
+    <mc:Choice xmlns:c14="http://schemas.microsoft.com/office/drawing/2007/8/2/chart" Requires="c14">
+      <c14:style val="102"/>
+    </mc:Choice>
+    <mc:Fallback>
+      <c:style val="2"/>
+    </mc:Fallback>
+  </mc:AlternateContent>
+  <c:chart>
+    <c:title>
+      <c:tx>
+        <c:rich>
+          <a:bodyPr rot="0" spcFirstLastPara="1" vertOverflow="ellipsis" vert="horz" wrap="square" anchor="ctr" anchorCtr="1"/>
+          <a:lstStyle/>
+          <a:p>
+            <a:pPr>
+              <a:defRPr sz="1862" b="0" i="0" u="none" strike="noStrike" kern="1200" spc="0" baseline="0">
+                <a:solidFill>
+                  <a:schemeClr val="tx1">
+                    <a:lumMod val="65000"/>
+                    <a:lumOff val="35000"/>
+                  </a:schemeClr>
+                </a:solidFill>
+                <a:latin typeface="+mn-lt"/>
+                <a:ea typeface="+mn-ea"/>
+                <a:cs typeface="+mn-cs"/>
+              </a:defRPr>
+            </a:pPr>
+            <a:r>
+              <a:rPr lang="en-US" sz="1400" dirty="0"/>
+              <a:t>Fig.2 Data Rate vs. Transmission Type</a:t>
+            </a:r>
+          </a:p>
+        </c:rich>
+      </c:tx>
+      <c:overlay val="0"/>
+      <c:spPr>
+        <a:noFill/>
+        <a:ln>
+          <a:noFill/>
+        </a:ln>
+        <a:effectLst/>
+      </c:spPr>
+      <c:txPr>
+        <a:bodyPr rot="0" spcFirstLastPara="1" vertOverflow="ellipsis" vert="horz" wrap="square" anchor="ctr" anchorCtr="1"/>
+        <a:lstStyle/>
+        <a:p>
+          <a:pPr>
+            <a:defRPr sz="1862" b="0" i="0" u="none" strike="noStrike" kern="1200" spc="0" baseline="0">
+              <a:solidFill>
+                <a:schemeClr val="tx1">
+                  <a:lumMod val="65000"/>
+                  <a:lumOff val="35000"/>
+                </a:schemeClr>
+              </a:solidFill>
+              <a:latin typeface="+mn-lt"/>
+              <a:ea typeface="+mn-ea"/>
+              <a:cs typeface="+mn-cs"/>
+            </a:defRPr>
+          </a:pPr>
+          <a:endParaRPr lang="en-US"/>
+        </a:p>
+      </c:txPr>
+    </c:title>
+    <c:autoTitleDeleted val="0"/>
+    <c:plotArea>
+      <c:layout/>
+      <c:barChart>
+        <c:barDir val="col"/>
+        <c:grouping val="clustered"/>
+        <c:varyColors val="0"/>
+        <c:ser>
+          <c:idx val="0"/>
+          <c:order val="0"/>
+          <c:tx>
+            <c:strRef>
+              <c:f>Sheet1!$B$1</c:f>
+              <c:strCache>
+                <c:ptCount val="1"/>
+                <c:pt idx="0">
+                  <c:v>Data Rate</c:v>
+                </c:pt>
+              </c:strCache>
+            </c:strRef>
+          </c:tx>
+          <c:spPr>
+            <a:solidFill>
+              <a:schemeClr val="accent1"/>
+            </a:solidFill>
+            <a:ln>
+              <a:noFill/>
+            </a:ln>
+            <a:effectLst/>
+          </c:spPr>
+          <c:invertIfNegative val="0"/>
+          <c:cat>
+            <c:strRef>
+              <c:f>Sheet1!$A$2:$A$3</c:f>
+              <c:strCache>
+                <c:ptCount val="2"/>
+                <c:pt idx="0">
+                  <c:v>Bluetooth</c:v>
+                </c:pt>
+                <c:pt idx="1">
+                  <c:v>802.11b TCP</c:v>
+                </c:pt>
+              </c:strCache>
+            </c:strRef>
+          </c:cat>
+          <c:val>
+            <c:numRef>
+              <c:f>Sheet1!$B$2:$B$3</c:f>
+              <c:numCache>
+                <c:formatCode>General</c:formatCode>
+                <c:ptCount val="2"/>
+                <c:pt idx="0">
+                  <c:v>175.5</c:v>
+                </c:pt>
+                <c:pt idx="1">
+                  <c:v>10000</c:v>
+                </c:pt>
+              </c:numCache>
+            </c:numRef>
+          </c:val>
+          <c:extLst>
+            <c:ext xmlns:c16="http://schemas.microsoft.com/office/drawing/2014/chart" uri="{C3380CC4-5D6E-409C-BE32-E72D297353CC}">
+              <c16:uniqueId val="{00000000-4313-4026-A93A-10E021BEE88D}"/>
+            </c:ext>
+          </c:extLst>
+        </c:ser>
+        <c:dLbls>
+          <c:showLegendKey val="0"/>
+          <c:showVal val="0"/>
+          <c:showCatName val="0"/>
+          <c:showSerName val="0"/>
+          <c:showPercent val="0"/>
+          <c:showBubbleSize val="0"/>
+        </c:dLbls>
+        <c:gapWidth val="219"/>
+        <c:overlap val="-27"/>
+        <c:axId val="557611224"/>
+        <c:axId val="557610568"/>
+      </c:barChart>
+      <c:catAx>
+        <c:axId val="557611224"/>
+        <c:scaling>
+          <c:orientation val="minMax"/>
+        </c:scaling>
+        <c:delete val="0"/>
+        <c:axPos val="b"/>
+        <c:numFmt formatCode="General" sourceLinked="1"/>
+        <c:majorTickMark val="none"/>
+        <c:minorTickMark val="none"/>
+        <c:tickLblPos val="nextTo"/>
+        <c:spPr>
+          <a:noFill/>
+          <a:ln w="9525" cap="flat" cmpd="sng" algn="ctr">
+            <a:solidFill>
+              <a:schemeClr val="tx1">
+                <a:lumMod val="15000"/>
+                <a:lumOff val="85000"/>
+              </a:schemeClr>
+            </a:solidFill>
+            <a:round/>
+          </a:ln>
+          <a:effectLst/>
+        </c:spPr>
+        <c:txPr>
+          <a:bodyPr rot="-60000000" spcFirstLastPara="1" vertOverflow="ellipsis" vert="horz" wrap="square" anchor="ctr" anchorCtr="1"/>
+          <a:lstStyle/>
+          <a:p>
+            <a:pPr>
+              <a:defRPr sz="1197" b="0" i="0" u="none" strike="noStrike" kern="1200" baseline="0">
+                <a:solidFill>
+                  <a:schemeClr val="tx1">
+                    <a:lumMod val="65000"/>
+                    <a:lumOff val="35000"/>
+                  </a:schemeClr>
+                </a:solidFill>
+                <a:latin typeface="+mn-lt"/>
+                <a:ea typeface="+mn-ea"/>
+                <a:cs typeface="+mn-cs"/>
+              </a:defRPr>
+            </a:pPr>
+            <a:endParaRPr lang="en-US"/>
+          </a:p>
+        </c:txPr>
+        <c:crossAx val="557610568"/>
+        <c:crosses val="autoZero"/>
+        <c:auto val="1"/>
+        <c:lblAlgn val="ctr"/>
+        <c:lblOffset val="100"/>
+        <c:noMultiLvlLbl val="0"/>
+      </c:catAx>
+      <c:valAx>
+        <c:axId val="557610568"/>
+        <c:scaling>
+          <c:orientation val="minMax"/>
+          <c:max val="10000"/>
+        </c:scaling>
+        <c:delete val="0"/>
+        <c:axPos val="l"/>
+        <c:majorGridlines>
+          <c:spPr>
+            <a:ln w="9525" cap="flat" cmpd="sng" algn="ctr">
+              <a:solidFill>
+                <a:schemeClr val="tx1">
+                  <a:lumMod val="15000"/>
+                  <a:lumOff val="85000"/>
+                </a:schemeClr>
+              </a:solidFill>
+              <a:round/>
+            </a:ln>
+            <a:effectLst/>
+          </c:spPr>
+        </c:majorGridlines>
+        <c:numFmt formatCode="General" sourceLinked="1"/>
+        <c:majorTickMark val="none"/>
+        <c:minorTickMark val="none"/>
+        <c:tickLblPos val="nextTo"/>
+        <c:spPr>
+          <a:noFill/>
+          <a:ln>
+            <a:noFill/>
+          </a:ln>
+          <a:effectLst/>
+        </c:spPr>
+        <c:txPr>
+          <a:bodyPr rot="-60000000" spcFirstLastPara="1" vertOverflow="ellipsis" vert="horz" wrap="square" anchor="ctr" anchorCtr="1"/>
+          <a:lstStyle/>
+          <a:p>
+            <a:pPr>
+              <a:defRPr sz="1197" b="0" i="0" u="none" strike="noStrike" kern="1200" baseline="0">
+                <a:solidFill>
+                  <a:schemeClr val="tx1">
+                    <a:lumMod val="65000"/>
+                    <a:lumOff val="35000"/>
+                  </a:schemeClr>
+                </a:solidFill>
+                <a:latin typeface="+mn-lt"/>
+                <a:ea typeface="+mn-ea"/>
+                <a:cs typeface="+mn-cs"/>
+              </a:defRPr>
+            </a:pPr>
+            <a:endParaRPr lang="en-US"/>
+          </a:p>
+        </c:txPr>
+        <c:crossAx val="557611224"/>
         <c:crosses val="autoZero"/>
         <c:crossBetween val="between"/>
       </c:valAx>
@@ -3301,6 +3631,46 @@
 </cs:colorStyle>
 </file>
 
+<file path=ppt/charts/colors8.xml><?xml version="1.0" encoding="utf-8"?>
+<cs:colorStyle xmlns:cs="http://schemas.microsoft.com/office/drawing/2012/chartStyle" xmlns:a="http://schemas.openxmlformats.org/drawingml/2006/main" meth="cycle" id="10">
+  <a:schemeClr val="accent1"/>
+  <a:schemeClr val="accent2"/>
+  <a:schemeClr val="accent3"/>
+  <a:schemeClr val="accent4"/>
+  <a:schemeClr val="accent5"/>
+  <a:schemeClr val="accent6"/>
+  <cs:variation/>
+  <cs:variation>
+    <a:lumMod val="60000"/>
+  </cs:variation>
+  <cs:variation>
+    <a:lumMod val="80000"/>
+    <a:lumOff val="20000"/>
+  </cs:variation>
+  <cs:variation>
+    <a:lumMod val="80000"/>
+  </cs:variation>
+  <cs:variation>
+    <a:lumMod val="60000"/>
+    <a:lumOff val="40000"/>
+  </cs:variation>
+  <cs:variation>
+    <a:lumMod val="50000"/>
+  </cs:variation>
+  <cs:variation>
+    <a:lumMod val="70000"/>
+    <a:lumOff val="30000"/>
+  </cs:variation>
+  <cs:variation>
+    <a:lumMod val="70000"/>
+  </cs:variation>
+  <cs:variation>
+    <a:lumMod val="50000"/>
+    <a:lumOff val="50000"/>
+  </cs:variation>
+</cs:colorStyle>
+</file>
+
 <file path=ppt/charts/style1.xml><?xml version="1.0" encoding="utf-8"?>
 <cs:chartStyle xmlns:cs="http://schemas.microsoft.com/office/drawing/2012/chartStyle" xmlns:a="http://schemas.openxmlformats.org/drawingml/2006/main" id="332">
   <cs:axisTitle>
@@ -6495,6 +6865,509 @@
       <a:solidFill>
         <a:schemeClr val="phClr"/>
       </a:solidFill>
+      <a:ln w="9525">
+        <a:solidFill>
+          <a:schemeClr val="phClr"/>
+        </a:solidFill>
+      </a:ln>
+    </cs:spPr>
+  </cs:dataPointMarker>
+  <cs:dataPointMarkerLayout symbol="circle" size="5"/>
+  <cs:dataPointWireframe>
+    <cs:lnRef idx="0">
+      <cs:styleClr val="auto"/>
+    </cs:lnRef>
+    <cs:fillRef idx="1"/>
+    <cs:effectRef idx="0"/>
+    <cs:fontRef idx="minor">
+      <a:schemeClr val="tx1"/>
+    </cs:fontRef>
+    <cs:spPr>
+      <a:ln w="9525" cap="rnd">
+        <a:solidFill>
+          <a:schemeClr val="phClr"/>
+        </a:solidFill>
+        <a:round/>
+      </a:ln>
+    </cs:spPr>
+  </cs:dataPointWireframe>
+  <cs:dataTable>
+    <cs:lnRef idx="0"/>
+    <cs:fillRef idx="0"/>
+    <cs:effectRef idx="0"/>
+    <cs:fontRef idx="minor">
+      <a:schemeClr val="tx1">
+        <a:lumMod val="65000"/>
+        <a:lumOff val="35000"/>
+      </a:schemeClr>
+    </cs:fontRef>
+    <cs:spPr>
+      <a:noFill/>
+      <a:ln w="9525" cap="flat" cmpd="sng" algn="ctr">
+        <a:solidFill>
+          <a:schemeClr val="tx1">
+            <a:lumMod val="15000"/>
+            <a:lumOff val="85000"/>
+          </a:schemeClr>
+        </a:solidFill>
+        <a:round/>
+      </a:ln>
+    </cs:spPr>
+    <cs:defRPr sz="1197" kern="1200"/>
+  </cs:dataTable>
+  <cs:downBar>
+    <cs:lnRef idx="0"/>
+    <cs:fillRef idx="0"/>
+    <cs:effectRef idx="0"/>
+    <cs:fontRef idx="minor">
+      <a:schemeClr val="dk1"/>
+    </cs:fontRef>
+    <cs:spPr>
+      <a:solidFill>
+        <a:schemeClr val="dk1">
+          <a:lumMod val="65000"/>
+          <a:lumOff val="35000"/>
+        </a:schemeClr>
+      </a:solidFill>
+      <a:ln w="9525">
+        <a:solidFill>
+          <a:schemeClr val="tx1">
+            <a:lumMod val="65000"/>
+            <a:lumOff val="35000"/>
+          </a:schemeClr>
+        </a:solidFill>
+      </a:ln>
+    </cs:spPr>
+  </cs:downBar>
+  <cs:dropLine>
+    <cs:lnRef idx="0"/>
+    <cs:fillRef idx="0"/>
+    <cs:effectRef idx="0"/>
+    <cs:fontRef idx="minor">
+      <a:schemeClr val="tx1"/>
+    </cs:fontRef>
+    <cs:spPr>
+      <a:ln w="9525" cap="flat" cmpd="sng" algn="ctr">
+        <a:solidFill>
+          <a:schemeClr val="tx1">
+            <a:lumMod val="35000"/>
+            <a:lumOff val="65000"/>
+          </a:schemeClr>
+        </a:solidFill>
+        <a:round/>
+      </a:ln>
+    </cs:spPr>
+  </cs:dropLine>
+  <cs:errorBar>
+    <cs:lnRef idx="0"/>
+    <cs:fillRef idx="0"/>
+    <cs:effectRef idx="0"/>
+    <cs:fontRef idx="minor">
+      <a:schemeClr val="tx1"/>
+    </cs:fontRef>
+    <cs:spPr>
+      <a:ln w="9525" cap="flat" cmpd="sng" algn="ctr">
+        <a:solidFill>
+          <a:schemeClr val="tx1">
+            <a:lumMod val="65000"/>
+            <a:lumOff val="35000"/>
+          </a:schemeClr>
+        </a:solidFill>
+        <a:round/>
+      </a:ln>
+    </cs:spPr>
+  </cs:errorBar>
+  <cs:floor>
+    <cs:lnRef idx="0"/>
+    <cs:fillRef idx="0"/>
+    <cs:effectRef idx="0"/>
+    <cs:fontRef idx="minor">
+      <a:schemeClr val="tx1"/>
+    </cs:fontRef>
+    <cs:spPr>
+      <a:noFill/>
+      <a:ln>
+        <a:noFill/>
+      </a:ln>
+    </cs:spPr>
+  </cs:floor>
+  <cs:gridlineMajor>
+    <cs:lnRef idx="0"/>
+    <cs:fillRef idx="0"/>
+    <cs:effectRef idx="0"/>
+    <cs:fontRef idx="minor">
+      <a:schemeClr val="tx1"/>
+    </cs:fontRef>
+    <cs:spPr>
+      <a:ln w="9525" cap="flat" cmpd="sng" algn="ctr">
+        <a:solidFill>
+          <a:schemeClr val="tx1">
+            <a:lumMod val="15000"/>
+            <a:lumOff val="85000"/>
+          </a:schemeClr>
+        </a:solidFill>
+        <a:round/>
+      </a:ln>
+    </cs:spPr>
+  </cs:gridlineMajor>
+  <cs:gridlineMinor>
+    <cs:lnRef idx="0"/>
+    <cs:fillRef idx="0"/>
+    <cs:effectRef idx="0"/>
+    <cs:fontRef idx="minor">
+      <a:schemeClr val="tx1"/>
+    </cs:fontRef>
+    <cs:spPr>
+      <a:ln w="9525" cap="flat" cmpd="sng" algn="ctr">
+        <a:solidFill>
+          <a:schemeClr val="tx1">
+            <a:lumMod val="5000"/>
+            <a:lumOff val="95000"/>
+          </a:schemeClr>
+        </a:solidFill>
+        <a:round/>
+      </a:ln>
+    </cs:spPr>
+  </cs:gridlineMinor>
+  <cs:hiLoLine>
+    <cs:lnRef idx="0"/>
+    <cs:fillRef idx="0"/>
+    <cs:effectRef idx="0"/>
+    <cs:fontRef idx="minor">
+      <a:schemeClr val="tx1"/>
+    </cs:fontRef>
+    <cs:spPr>
+      <a:ln w="9525" cap="flat" cmpd="sng" algn="ctr">
+        <a:solidFill>
+          <a:schemeClr val="tx1">
+            <a:lumMod val="75000"/>
+            <a:lumOff val="25000"/>
+          </a:schemeClr>
+        </a:solidFill>
+        <a:round/>
+      </a:ln>
+    </cs:spPr>
+  </cs:hiLoLine>
+  <cs:leaderLine>
+    <cs:lnRef idx="0"/>
+    <cs:fillRef idx="0"/>
+    <cs:effectRef idx="0"/>
+    <cs:fontRef idx="minor">
+      <a:schemeClr val="tx1"/>
+    </cs:fontRef>
+    <cs:spPr>
+      <a:ln w="9525" cap="flat" cmpd="sng" algn="ctr">
+        <a:solidFill>
+          <a:schemeClr val="tx1">
+            <a:lumMod val="35000"/>
+            <a:lumOff val="65000"/>
+          </a:schemeClr>
+        </a:solidFill>
+        <a:round/>
+      </a:ln>
+    </cs:spPr>
+  </cs:leaderLine>
+  <cs:legend>
+    <cs:lnRef idx="0"/>
+    <cs:fillRef idx="0"/>
+    <cs:effectRef idx="0"/>
+    <cs:fontRef idx="minor">
+      <a:schemeClr val="tx1">
+        <a:lumMod val="65000"/>
+        <a:lumOff val="35000"/>
+      </a:schemeClr>
+    </cs:fontRef>
+    <cs:defRPr sz="1197" kern="1200"/>
+  </cs:legend>
+  <cs:plotArea mods="allowNoFillOverride allowNoLineOverride">
+    <cs:lnRef idx="0"/>
+    <cs:fillRef idx="0"/>
+    <cs:effectRef idx="0"/>
+    <cs:fontRef idx="minor">
+      <a:schemeClr val="tx1"/>
+    </cs:fontRef>
+  </cs:plotArea>
+  <cs:plotArea3D mods="allowNoFillOverride allowNoLineOverride">
+    <cs:lnRef idx="0"/>
+    <cs:fillRef idx="0"/>
+    <cs:effectRef idx="0"/>
+    <cs:fontRef idx="minor">
+      <a:schemeClr val="tx1"/>
+    </cs:fontRef>
+  </cs:plotArea3D>
+  <cs:seriesAxis>
+    <cs:lnRef idx="0"/>
+    <cs:fillRef idx="0"/>
+    <cs:effectRef idx="0"/>
+    <cs:fontRef idx="minor">
+      <a:schemeClr val="tx1">
+        <a:lumMod val="65000"/>
+        <a:lumOff val="35000"/>
+      </a:schemeClr>
+    </cs:fontRef>
+    <cs:defRPr sz="1197" kern="1200"/>
+  </cs:seriesAxis>
+  <cs:seriesLine>
+    <cs:lnRef idx="0"/>
+    <cs:fillRef idx="0"/>
+    <cs:effectRef idx="0"/>
+    <cs:fontRef idx="minor">
+      <a:schemeClr val="tx1"/>
+    </cs:fontRef>
+    <cs:spPr>
+      <a:ln w="9525" cap="flat" cmpd="sng" algn="ctr">
+        <a:solidFill>
+          <a:schemeClr val="tx1">
+            <a:lumMod val="35000"/>
+            <a:lumOff val="65000"/>
+          </a:schemeClr>
+        </a:solidFill>
+        <a:round/>
+      </a:ln>
+    </cs:spPr>
+  </cs:seriesLine>
+  <cs:title>
+    <cs:lnRef idx="0"/>
+    <cs:fillRef idx="0"/>
+    <cs:effectRef idx="0"/>
+    <cs:fontRef idx="minor">
+      <a:schemeClr val="tx1">
+        <a:lumMod val="65000"/>
+        <a:lumOff val="35000"/>
+      </a:schemeClr>
+    </cs:fontRef>
+    <cs:defRPr sz="1862" b="0" kern="1200" spc="0" baseline="0"/>
+  </cs:title>
+  <cs:trendline>
+    <cs:lnRef idx="0">
+      <cs:styleClr val="auto"/>
+    </cs:lnRef>
+    <cs:fillRef idx="0"/>
+    <cs:effectRef idx="0"/>
+    <cs:fontRef idx="minor">
+      <a:schemeClr val="tx1"/>
+    </cs:fontRef>
+    <cs:spPr>
+      <a:ln w="19050" cap="rnd">
+        <a:solidFill>
+          <a:schemeClr val="phClr"/>
+        </a:solidFill>
+        <a:prstDash val="sysDot"/>
+      </a:ln>
+    </cs:spPr>
+  </cs:trendline>
+  <cs:trendlineLabel>
+    <cs:lnRef idx="0"/>
+    <cs:fillRef idx="0"/>
+    <cs:effectRef idx="0"/>
+    <cs:fontRef idx="minor">
+      <a:schemeClr val="tx1">
+        <a:lumMod val="65000"/>
+        <a:lumOff val="35000"/>
+      </a:schemeClr>
+    </cs:fontRef>
+    <cs:defRPr sz="1197" kern="1200"/>
+  </cs:trendlineLabel>
+  <cs:upBar>
+    <cs:lnRef idx="0"/>
+    <cs:fillRef idx="0"/>
+    <cs:effectRef idx="0"/>
+    <cs:fontRef idx="minor">
+      <a:schemeClr val="dk1"/>
+    </cs:fontRef>
+    <cs:spPr>
+      <a:solidFill>
+        <a:schemeClr val="lt1"/>
+      </a:solidFill>
+      <a:ln w="9525">
+        <a:solidFill>
+          <a:schemeClr val="tx1">
+            <a:lumMod val="15000"/>
+            <a:lumOff val="85000"/>
+          </a:schemeClr>
+        </a:solidFill>
+      </a:ln>
+    </cs:spPr>
+  </cs:upBar>
+  <cs:valueAxis>
+    <cs:lnRef idx="0"/>
+    <cs:fillRef idx="0"/>
+    <cs:effectRef idx="0"/>
+    <cs:fontRef idx="minor">
+      <a:schemeClr val="tx1">
+        <a:lumMod val="65000"/>
+        <a:lumOff val="35000"/>
+      </a:schemeClr>
+    </cs:fontRef>
+    <cs:defRPr sz="1197" kern="1200"/>
+  </cs:valueAxis>
+  <cs:wall>
+    <cs:lnRef idx="0"/>
+    <cs:fillRef idx="0"/>
+    <cs:effectRef idx="0"/>
+    <cs:fontRef idx="minor">
+      <a:schemeClr val="tx1"/>
+    </cs:fontRef>
+    <cs:spPr>
+      <a:noFill/>
+      <a:ln>
+        <a:noFill/>
+      </a:ln>
+    </cs:spPr>
+  </cs:wall>
+</cs:chartStyle>
+</file>
+
+<file path=ppt/charts/style8.xml><?xml version="1.0" encoding="utf-8"?>
+<cs:chartStyle xmlns:cs="http://schemas.microsoft.com/office/drawing/2012/chartStyle" xmlns:a="http://schemas.openxmlformats.org/drawingml/2006/main" id="201">
+  <cs:axisTitle>
+    <cs:lnRef idx="0"/>
+    <cs:fillRef idx="0"/>
+    <cs:effectRef idx="0"/>
+    <cs:fontRef idx="minor">
+      <a:schemeClr val="tx1">
+        <a:lumMod val="65000"/>
+        <a:lumOff val="35000"/>
+      </a:schemeClr>
+    </cs:fontRef>
+    <cs:defRPr sz="1330" kern="1200"/>
+  </cs:axisTitle>
+  <cs:categoryAxis>
+    <cs:lnRef idx="0"/>
+    <cs:fillRef idx="0"/>
+    <cs:effectRef idx="0"/>
+    <cs:fontRef idx="minor">
+      <a:schemeClr val="tx1">
+        <a:lumMod val="65000"/>
+        <a:lumOff val="35000"/>
+      </a:schemeClr>
+    </cs:fontRef>
+    <cs:spPr>
+      <a:ln w="9525" cap="flat" cmpd="sng" algn="ctr">
+        <a:solidFill>
+          <a:schemeClr val="tx1">
+            <a:lumMod val="15000"/>
+            <a:lumOff val="85000"/>
+          </a:schemeClr>
+        </a:solidFill>
+        <a:round/>
+      </a:ln>
+    </cs:spPr>
+    <cs:defRPr sz="1197" kern="1200"/>
+  </cs:categoryAxis>
+  <cs:chartArea mods="allowNoFillOverride allowNoLineOverride">
+    <cs:lnRef idx="0"/>
+    <cs:fillRef idx="0"/>
+    <cs:effectRef idx="0"/>
+    <cs:fontRef idx="minor">
+      <a:schemeClr val="tx1"/>
+    </cs:fontRef>
+    <cs:spPr>
+      <a:solidFill>
+        <a:schemeClr val="bg1"/>
+      </a:solidFill>
+      <a:ln w="9525" cap="flat" cmpd="sng" algn="ctr">
+        <a:solidFill>
+          <a:schemeClr val="tx1">
+            <a:lumMod val="15000"/>
+            <a:lumOff val="85000"/>
+          </a:schemeClr>
+        </a:solidFill>
+        <a:round/>
+      </a:ln>
+    </cs:spPr>
+    <cs:defRPr sz="1330" kern="1200"/>
+  </cs:chartArea>
+  <cs:dataLabel>
+    <cs:lnRef idx="0"/>
+    <cs:fillRef idx="0"/>
+    <cs:effectRef idx="0"/>
+    <cs:fontRef idx="minor">
+      <a:schemeClr val="tx1">
+        <a:lumMod val="75000"/>
+        <a:lumOff val="25000"/>
+      </a:schemeClr>
+    </cs:fontRef>
+    <cs:defRPr sz="1197" kern="1200"/>
+  </cs:dataLabel>
+  <cs:dataLabelCallout>
+    <cs:lnRef idx="0"/>
+    <cs:fillRef idx="0"/>
+    <cs:effectRef idx="0"/>
+    <cs:fontRef idx="minor">
+      <a:schemeClr val="dk1">
+        <a:lumMod val="65000"/>
+        <a:lumOff val="35000"/>
+      </a:schemeClr>
+    </cs:fontRef>
+    <cs:spPr>
+      <a:solidFill>
+        <a:schemeClr val="lt1"/>
+      </a:solidFill>
+      <a:ln>
+        <a:solidFill>
+          <a:schemeClr val="dk1">
+            <a:lumMod val="25000"/>
+            <a:lumOff val="75000"/>
+          </a:schemeClr>
+        </a:solidFill>
+      </a:ln>
+    </cs:spPr>
+    <cs:defRPr sz="1197" kern="1200"/>
+    <cs:bodyPr rot="0" spcFirstLastPara="1" vertOverflow="clip" horzOverflow="clip" vert="horz" wrap="square" lIns="36576" tIns="18288" rIns="36576" bIns="18288" anchor="ctr" anchorCtr="1">
+      <a:spAutoFit/>
+    </cs:bodyPr>
+  </cs:dataLabelCallout>
+  <cs:dataPoint>
+    <cs:lnRef idx="0"/>
+    <cs:fillRef idx="1">
+      <cs:styleClr val="auto"/>
+    </cs:fillRef>
+    <cs:effectRef idx="0"/>
+    <cs:fontRef idx="minor">
+      <a:schemeClr val="tx1"/>
+    </cs:fontRef>
+  </cs:dataPoint>
+  <cs:dataPoint3D>
+    <cs:lnRef idx="0"/>
+    <cs:fillRef idx="1">
+      <cs:styleClr val="auto"/>
+    </cs:fillRef>
+    <cs:effectRef idx="0"/>
+    <cs:fontRef idx="minor">
+      <a:schemeClr val="tx1"/>
+    </cs:fontRef>
+  </cs:dataPoint3D>
+  <cs:dataPointLine>
+    <cs:lnRef idx="0">
+      <cs:styleClr val="auto"/>
+    </cs:lnRef>
+    <cs:fillRef idx="1"/>
+    <cs:effectRef idx="0"/>
+    <cs:fontRef idx="minor">
+      <a:schemeClr val="tx1"/>
+    </cs:fontRef>
+    <cs:spPr>
+      <a:ln w="28575" cap="rnd">
+        <a:solidFill>
+          <a:schemeClr val="phClr"/>
+        </a:solidFill>
+        <a:round/>
+      </a:ln>
+    </cs:spPr>
+  </cs:dataPointLine>
+  <cs:dataPointMarker>
+    <cs:lnRef idx="0">
+      <cs:styleClr val="auto"/>
+    </cs:lnRef>
+    <cs:fillRef idx="1">
+      <cs:styleClr val="auto"/>
+    </cs:fillRef>
+    <cs:effectRef idx="0"/>
+    <cs:fontRef idx="minor">
+      <a:schemeClr val="tx1"/>
+    </cs:fontRef>
+    <cs:spPr>
       <a:ln w="9525">
         <a:solidFill>
           <a:schemeClr val="phClr"/>
@@ -7570,7 +8443,7 @@
           <a:p>
             <a:fld id="{C656AA5E-6009-47FE-85F1-BAD59AA83F7D}" type="datetimeFigureOut">
               <a:rPr lang="en-US" smtClean="0"/>
-              <a:t>10/29/2018</a:t>
+              <a:t>10/30/2018</a:t>
             </a:fld>
             <a:endParaRPr lang="en-US"/>
           </a:p>
@@ -7821,7 +8694,7 @@
           <a:p>
             <a:fld id="{C656AA5E-6009-47FE-85F1-BAD59AA83F7D}" type="datetimeFigureOut">
               <a:rPr lang="en-US" smtClean="0"/>
-              <a:t>10/29/2018</a:t>
+              <a:t>10/30/2018</a:t>
             </a:fld>
             <a:endParaRPr lang="en-US"/>
           </a:p>
@@ -8135,7 +9008,7 @@
           <a:p>
             <a:fld id="{C656AA5E-6009-47FE-85F1-BAD59AA83F7D}" type="datetimeFigureOut">
               <a:rPr lang="en-US" smtClean="0"/>
-              <a:t>10/29/2018</a:t>
+              <a:t>10/30/2018</a:t>
             </a:fld>
             <a:endParaRPr lang="en-US"/>
           </a:p>
@@ -8476,7 +9349,7 @@
           <a:p>
             <a:fld id="{C656AA5E-6009-47FE-85F1-BAD59AA83F7D}" type="datetimeFigureOut">
               <a:rPr lang="en-US" smtClean="0"/>
-              <a:t>10/29/2018</a:t>
+              <a:t>10/30/2018</a:t>
             </a:fld>
             <a:endParaRPr lang="en-US"/>
           </a:p>
@@ -8790,7 +9663,7 @@
           <a:p>
             <a:fld id="{C656AA5E-6009-47FE-85F1-BAD59AA83F7D}" type="datetimeFigureOut">
               <a:rPr lang="en-US" smtClean="0"/>
-              <a:t>10/29/2018</a:t>
+              <a:t>10/30/2018</a:t>
             </a:fld>
             <a:endParaRPr lang="en-US"/>
           </a:p>
@@ -9183,7 +10056,7 @@
           <a:p>
             <a:fld id="{C656AA5E-6009-47FE-85F1-BAD59AA83F7D}" type="datetimeFigureOut">
               <a:rPr lang="en-US" smtClean="0"/>
-              <a:t>10/29/2018</a:t>
+              <a:t>10/30/2018</a:t>
             </a:fld>
             <a:endParaRPr lang="en-US"/>
           </a:p>
@@ -9353,7 +10226,7 @@
           <a:p>
             <a:fld id="{C656AA5E-6009-47FE-85F1-BAD59AA83F7D}" type="datetimeFigureOut">
               <a:rPr lang="en-US" smtClean="0"/>
-              <a:t>10/29/2018</a:t>
+              <a:t>10/30/2018</a:t>
             </a:fld>
             <a:endParaRPr lang="en-US"/>
           </a:p>
@@ -9533,7 +10406,7 @@
           <a:p>
             <a:fld id="{C656AA5E-6009-47FE-85F1-BAD59AA83F7D}" type="datetimeFigureOut">
               <a:rPr lang="en-US" smtClean="0"/>
-              <a:t>10/29/2018</a:t>
+              <a:t>10/30/2018</a:t>
             </a:fld>
             <a:endParaRPr lang="en-US"/>
           </a:p>
@@ -9709,7 +10582,7 @@
           <a:p>
             <a:fld id="{C656AA5E-6009-47FE-85F1-BAD59AA83F7D}" type="datetimeFigureOut">
               <a:rPr lang="en-US" smtClean="0"/>
-              <a:t>10/29/2018</a:t>
+              <a:t>10/30/2018</a:t>
             </a:fld>
             <a:endParaRPr lang="en-US"/>
           </a:p>
@@ -9956,7 +10829,7 @@
           <a:p>
             <a:fld id="{C656AA5E-6009-47FE-85F1-BAD59AA83F7D}" type="datetimeFigureOut">
               <a:rPr lang="en-US" smtClean="0"/>
-              <a:t>10/29/2018</a:t>
+              <a:t>10/30/2018</a:t>
             </a:fld>
             <a:endParaRPr lang="en-US"/>
           </a:p>
@@ -10188,7 +11061,7 @@
           <a:p>
             <a:fld id="{C656AA5E-6009-47FE-85F1-BAD59AA83F7D}" type="datetimeFigureOut">
               <a:rPr lang="en-US" smtClean="0"/>
-              <a:t>10/29/2018</a:t>
+              <a:t>10/30/2018</a:t>
             </a:fld>
             <a:endParaRPr lang="en-US"/>
           </a:p>
@@ -10562,7 +11435,7 @@
           <a:p>
             <a:fld id="{C656AA5E-6009-47FE-85F1-BAD59AA83F7D}" type="datetimeFigureOut">
               <a:rPr lang="en-US" smtClean="0"/>
-              <a:t>10/29/2018</a:t>
+              <a:t>10/30/2018</a:t>
             </a:fld>
             <a:endParaRPr lang="en-US"/>
           </a:p>
@@ -10685,7 +11558,7 @@
           <a:p>
             <a:fld id="{C656AA5E-6009-47FE-85F1-BAD59AA83F7D}" type="datetimeFigureOut">
               <a:rPr lang="en-US" smtClean="0"/>
-              <a:t>10/29/2018</a:t>
+              <a:t>10/30/2018</a:t>
             </a:fld>
             <a:endParaRPr lang="en-US"/>
           </a:p>
@@ -10780,7 +11653,7 @@
           <a:p>
             <a:fld id="{C656AA5E-6009-47FE-85F1-BAD59AA83F7D}" type="datetimeFigureOut">
               <a:rPr lang="en-US" smtClean="0"/>
-              <a:t>10/29/2018</a:t>
+              <a:t>10/30/2018</a:t>
             </a:fld>
             <a:endParaRPr lang="en-US"/>
           </a:p>
@@ -11035,7 +11908,7 @@
           <a:p>
             <a:fld id="{C656AA5E-6009-47FE-85F1-BAD59AA83F7D}" type="datetimeFigureOut">
               <a:rPr lang="en-US" smtClean="0"/>
-              <a:t>10/29/2018</a:t>
+              <a:t>10/30/2018</a:t>
             </a:fld>
             <a:endParaRPr lang="en-US"/>
           </a:p>
@@ -11298,7 +12171,7 @@
           <a:p>
             <a:fld id="{C656AA5E-6009-47FE-85F1-BAD59AA83F7D}" type="datetimeFigureOut">
               <a:rPr lang="en-US" smtClean="0"/>
-              <a:t>10/29/2018</a:t>
+              <a:t>10/30/2018</a:t>
             </a:fld>
             <a:endParaRPr lang="en-US"/>
           </a:p>
@@ -12041,7 +12914,7 @@
           <a:p>
             <a:fld id="{C656AA5E-6009-47FE-85F1-BAD59AA83F7D}" type="datetimeFigureOut">
               <a:rPr lang="en-US" smtClean="0"/>
-              <a:t>10/29/2018</a:t>
+              <a:t>10/30/2018</a:t>
             </a:fld>
             <a:endParaRPr lang="en-US"/>
           </a:p>
@@ -12980,7 +13853,7 @@
           <a:p>
             <a:r>
               <a:rPr lang="en-US" dirty="0"/>
-              <a:t>RESULTS-LAB2.B</a:t>
+              <a:t>RESULTS-LAB2.C</a:t>
             </a:r>
           </a:p>
         </p:txBody>
@@ -13312,6 +14185,352 @@
           <p:cNvPr id="2" name="Title 1">
             <a:extLst>
               <a:ext uri="{FF2B5EF4-FFF2-40B4-BE49-F238E27FC236}">
+                <a16:creationId xmlns:a16="http://schemas.microsoft.com/office/drawing/2014/main" id="{C5131B1B-9245-42D5-BCEB-9C9500594C41}"/>
+              </a:ext>
+            </a:extLst>
+          </p:cNvPr>
+          <p:cNvSpPr>
+            <a:spLocks noGrp="1"/>
+          </p:cNvSpPr>
+          <p:nvPr>
+            <p:ph type="title"/>
+          </p:nvPr>
+        </p:nvSpPr>
+        <p:spPr>
+          <a:xfrm>
+            <a:off x="677334" y="609600"/>
+            <a:ext cx="8596668" cy="1320800"/>
+          </a:xfrm>
+        </p:spPr>
+        <p:txBody>
+          <a:bodyPr/>
+          <a:lstStyle/>
+          <a:p>
+            <a:r>
+              <a:rPr lang="en-US" dirty="0"/>
+              <a:t>RESULTS-LAB2.D</a:t>
+            </a:r>
+          </a:p>
+        </p:txBody>
+      </p:sp>
+      <p:graphicFrame>
+        <p:nvGraphicFramePr>
+          <p:cNvPr id="6" name="Content Placeholder 5">
+            <a:extLst>
+              <a:ext uri="{FF2B5EF4-FFF2-40B4-BE49-F238E27FC236}">
+                <a16:creationId xmlns:a16="http://schemas.microsoft.com/office/drawing/2014/main" id="{078651AB-2C95-48C9-8A65-EFCF2209C61F}"/>
+              </a:ext>
+            </a:extLst>
+          </p:cNvPr>
+          <p:cNvGraphicFramePr>
+            <a:graphicFrameLocks noGrp="1"/>
+          </p:cNvGraphicFramePr>
+          <p:nvPr>
+            <p:ph idx="1"/>
+            <p:extLst>
+              <p:ext uri="{D42A27DB-BD31-4B8C-83A1-F6EECF244321}">
+                <p14:modId xmlns:p14="http://schemas.microsoft.com/office/powerpoint/2010/main" val="1256381743"/>
+              </p:ext>
+            </p:extLst>
+          </p:nvPr>
+        </p:nvGraphicFramePr>
+        <p:xfrm>
+          <a:off x="677334" y="1539802"/>
+          <a:ext cx="4003194" cy="1651000"/>
+        </p:xfrm>
+        <a:graphic>
+          <a:graphicData uri="http://schemas.openxmlformats.org/drawingml/2006/table">
+            <a:tbl>
+              <a:tblPr firstRow="1" bandRow="1">
+                <a:tableStyleId>{5C22544A-7EE6-4342-B048-85BDC9FD1C3A}</a:tableStyleId>
+              </a:tblPr>
+              <a:tblGrid>
+                <a:gridCol w="2001597">
+                  <a:extLst>
+                    <a:ext uri="{9D8B030D-6E8A-4147-A177-3AD203B41FA5}">
+                      <a16:colId xmlns:a16="http://schemas.microsoft.com/office/drawing/2014/main" val="3703737255"/>
+                    </a:ext>
+                  </a:extLst>
+                </a:gridCol>
+                <a:gridCol w="2001597">
+                  <a:extLst>
+                    <a:ext uri="{9D8B030D-6E8A-4147-A177-3AD203B41FA5}">
+                      <a16:colId xmlns:a16="http://schemas.microsoft.com/office/drawing/2014/main" val="2903613966"/>
+                    </a:ext>
+                  </a:extLst>
+                </a:gridCol>
+              </a:tblGrid>
+              <a:tr h="370840">
+                <a:tc>
+                  <a:txBody>
+                    <a:bodyPr/>
+                    <a:lstStyle/>
+                    <a:p>
+                      <a:endParaRPr lang="en-US" dirty="0"/>
+                    </a:p>
+                  </a:txBody>
+                  <a:tcPr/>
+                </a:tc>
+                <a:tc>
+                  <a:txBody>
+                    <a:bodyPr/>
+                    <a:lstStyle/>
+                    <a:p>
+                      <a:r>
+                        <a:rPr lang="en-US" dirty="0"/>
+                        <a:t>Data Rate (kB/s)</a:t>
+                      </a:r>
+                    </a:p>
+                  </a:txBody>
+                  <a:tcPr/>
+                </a:tc>
+                <a:extLst>
+                  <a:ext uri="{0D108BD9-81ED-4DB2-BD59-A6C34878D82A}">
+                    <a16:rowId xmlns:a16="http://schemas.microsoft.com/office/drawing/2014/main" val="2716611812"/>
+                  </a:ext>
+                </a:extLst>
+              </a:tr>
+              <a:tr h="370840">
+                <a:tc>
+                  <a:txBody>
+                    <a:bodyPr/>
+                    <a:lstStyle/>
+                    <a:p>
+                      <a:r>
+                        <a:rPr lang="en-US" dirty="0"/>
+                        <a:t>Bluetooth Throughput</a:t>
+                      </a:r>
+                    </a:p>
+                  </a:txBody>
+                  <a:tcPr/>
+                </a:tc>
+                <a:tc>
+                  <a:txBody>
+                    <a:bodyPr/>
+                    <a:lstStyle/>
+                    <a:p>
+                      <a:r>
+                        <a:rPr lang="en-US" dirty="0"/>
+                        <a:t>175.5</a:t>
+                      </a:r>
+                    </a:p>
+                  </a:txBody>
+                  <a:tcPr/>
+                </a:tc>
+                <a:extLst>
+                  <a:ext uri="{0D108BD9-81ED-4DB2-BD59-A6C34878D82A}">
+                    <a16:rowId xmlns:a16="http://schemas.microsoft.com/office/drawing/2014/main" val="878451810"/>
+                  </a:ext>
+                </a:extLst>
+              </a:tr>
+              <a:tr h="370840">
+                <a:tc>
+                  <a:txBody>
+                    <a:bodyPr/>
+                    <a:lstStyle/>
+                    <a:p>
+                      <a:r>
+                        <a:rPr lang="en-US" dirty="0"/>
+                        <a:t>802.11b TCP Throughput</a:t>
+                      </a:r>
+                    </a:p>
+                  </a:txBody>
+                  <a:tcPr/>
+                </a:tc>
+                <a:tc>
+                  <a:txBody>
+                    <a:bodyPr/>
+                    <a:lstStyle/>
+                    <a:p>
+                      <a:r>
+                        <a:rPr lang="en-US" dirty="0"/>
+                        <a:t>10000</a:t>
+                      </a:r>
+                    </a:p>
+                  </a:txBody>
+                  <a:tcPr/>
+                </a:tc>
+                <a:extLst>
+                  <a:ext uri="{0D108BD9-81ED-4DB2-BD59-A6C34878D82A}">
+                    <a16:rowId xmlns:a16="http://schemas.microsoft.com/office/drawing/2014/main" val="3658488360"/>
+                  </a:ext>
+                </a:extLst>
+              </a:tr>
+            </a:tbl>
+          </a:graphicData>
+        </a:graphic>
+      </p:graphicFrame>
+      <p:sp>
+        <p:nvSpPr>
+          <p:cNvPr id="9" name="TextBox 8">
+            <a:extLst>
+              <a:ext uri="{FF2B5EF4-FFF2-40B4-BE49-F238E27FC236}">
+                <a16:creationId xmlns:a16="http://schemas.microsoft.com/office/drawing/2014/main" id="{A4033DF2-8F63-4664-B5D1-E7CF6F760A01}"/>
+              </a:ext>
+            </a:extLst>
+          </p:cNvPr>
+          <p:cNvSpPr txBox="1"/>
+          <p:nvPr/>
+        </p:nvSpPr>
+        <p:spPr>
+          <a:xfrm>
+            <a:off x="1059489" y="3297867"/>
+            <a:ext cx="3238884" cy="646331"/>
+          </a:xfrm>
+          <a:prstGeom prst="rect">
+            <a:avLst/>
+          </a:prstGeom>
+          <a:noFill/>
+        </p:spPr>
+        <p:txBody>
+          <a:bodyPr wrap="square" rtlCol="0">
+            <a:spAutoFit/>
+          </a:bodyPr>
+          <a:lstStyle/>
+          <a:p>
+            <a:r>
+              <a:rPr lang="en-US" sz="1200" dirty="0"/>
+              <a:t>Fig. 1 Table for fairness between Bluetooth transmission and 802.11b TCP transmission </a:t>
+            </a:r>
+          </a:p>
+          <a:p>
+            <a:r>
+              <a:rPr lang="en-US" sz="1200" dirty="0"/>
+              <a:t>(Distance from master to slave nodes = 8ft)</a:t>
+            </a:r>
+          </a:p>
+        </p:txBody>
+      </p:sp>
+      <p:sp>
+        <p:nvSpPr>
+          <p:cNvPr id="10" name="TextBox 9">
+            <a:extLst>
+              <a:ext uri="{FF2B5EF4-FFF2-40B4-BE49-F238E27FC236}">
+                <a16:creationId xmlns:a16="http://schemas.microsoft.com/office/drawing/2014/main" id="{EB2BE941-BC92-4419-B169-1326F5AC176B}"/>
+              </a:ext>
+            </a:extLst>
+          </p:cNvPr>
+          <p:cNvSpPr txBox="1"/>
+          <p:nvPr/>
+        </p:nvSpPr>
+        <p:spPr>
+          <a:xfrm>
+            <a:off x="5136604" y="1543541"/>
+            <a:ext cx="4387443" cy="1754326"/>
+          </a:xfrm>
+          <a:prstGeom prst="rect">
+            <a:avLst/>
+          </a:prstGeom>
+          <a:noFill/>
+        </p:spPr>
+        <p:txBody>
+          <a:bodyPr wrap="square" rtlCol="0">
+            <a:spAutoFit/>
+          </a:bodyPr>
+          <a:lstStyle/>
+          <a:p>
+            <a:r>
+              <a:rPr lang="en-US" sz="1200" dirty="0"/>
+              <a:t>In this part, we choose two laptops and set them with 802.11b and run ‘</a:t>
+            </a:r>
+            <a:r>
+              <a:rPr lang="en-US" sz="1200" dirty="0" err="1"/>
+              <a:t>iperf</a:t>
+            </a:r>
+            <a:r>
+              <a:rPr lang="en-US" sz="1200" dirty="0"/>
+              <a:t>’ pair. Then we plug more Bluetooth </a:t>
+            </a:r>
+            <a:r>
+              <a:rPr lang="en-US" sz="1200" dirty="0" err="1"/>
+              <a:t>usb</a:t>
+            </a:r>
+            <a:r>
+              <a:rPr lang="en-US" sz="1200" dirty="0"/>
+              <a:t> to the remaining slaves to create more traffic. We run l2test and </a:t>
+            </a:r>
+            <a:r>
+              <a:rPr lang="en-US" sz="1200" dirty="0" err="1"/>
+              <a:t>iperf</a:t>
+            </a:r>
+            <a:r>
+              <a:rPr lang="en-US" sz="1200" dirty="0"/>
+              <a:t> simultaneously and measure data rate. We observe from both Fig.1 and Fig.2 that 802.11b TCP throughput is orders of magnitude higher than Bluetooth throughput, which indicates the fairness in data transfer is highly skewed: </a:t>
+            </a:r>
+            <a:r>
+              <a:rPr lang="en-US" sz="1200" dirty="0" err="1"/>
+              <a:t>Wifi</a:t>
+            </a:r>
+            <a:r>
+              <a:rPr lang="en-US" sz="1200" dirty="0"/>
+              <a:t> got most of the data transfer while Bluetooth suffered during the intercrossed communication. </a:t>
+            </a:r>
+          </a:p>
+        </p:txBody>
+      </p:sp>
+      <p:graphicFrame>
+        <p:nvGraphicFramePr>
+          <p:cNvPr id="13" name="Chart 12">
+            <a:extLst>
+              <a:ext uri="{FF2B5EF4-FFF2-40B4-BE49-F238E27FC236}">
+                <a16:creationId xmlns:a16="http://schemas.microsoft.com/office/drawing/2014/main" id="{F6BCF4FB-E604-4FCB-A44D-BF7507697C0D}"/>
+              </a:ext>
+            </a:extLst>
+          </p:cNvPr>
+          <p:cNvGraphicFramePr/>
+          <p:nvPr>
+            <p:extLst>
+              <p:ext uri="{D42A27DB-BD31-4B8C-83A1-F6EECF244321}">
+                <p14:modId xmlns:p14="http://schemas.microsoft.com/office/powerpoint/2010/main" val="1018212095"/>
+              </p:ext>
+            </p:extLst>
+          </p:nvPr>
+        </p:nvGraphicFramePr>
+        <p:xfrm>
+          <a:off x="677334" y="4051263"/>
+          <a:ext cx="4003194" cy="2402833"/>
+        </p:xfrm>
+        <a:graphic>
+          <a:graphicData uri="http://schemas.openxmlformats.org/drawingml/2006/chart">
+            <c:chart xmlns:c="http://schemas.openxmlformats.org/drawingml/2006/chart" xmlns:r="http://schemas.openxmlformats.org/officeDocument/2006/relationships" r:id="rId2"/>
+          </a:graphicData>
+        </a:graphic>
+      </p:graphicFrame>
+    </p:spTree>
+    <p:extLst>
+      <p:ext uri="{BB962C8B-B14F-4D97-AF65-F5344CB8AC3E}">
+        <p14:creationId xmlns:p14="http://schemas.microsoft.com/office/powerpoint/2010/main" val="4064332689"/>
+      </p:ext>
+    </p:extLst>
+  </p:cSld>
+  <p:clrMapOvr>
+    <a:masterClrMapping/>
+  </p:clrMapOvr>
+</p:sld>
+</file>
+
+<file path=ppt/slides/slide14.xml><?xml version="1.0" encoding="utf-8"?>
+<p:sld xmlns:a="http://schemas.openxmlformats.org/drawingml/2006/main" xmlns:r="http://schemas.openxmlformats.org/officeDocument/2006/relationships" xmlns:p="http://schemas.openxmlformats.org/presentationml/2006/main">
+  <p:cSld>
+    <p:spTree>
+      <p:nvGrpSpPr>
+        <p:cNvPr id="1" name=""/>
+        <p:cNvGrpSpPr/>
+        <p:nvPr/>
+      </p:nvGrpSpPr>
+      <p:grpSpPr>
+        <a:xfrm>
+          <a:off x="0" y="0"/>
+          <a:ext cx="0" cy="0"/>
+          <a:chOff x="0" y="0"/>
+          <a:chExt cx="0" cy="0"/>
+        </a:xfrm>
+      </p:grpSpPr>
+      <p:sp>
+        <p:nvSpPr>
+          <p:cNvPr id="2" name="Title 1">
+            <a:extLst>
+              <a:ext uri="{FF2B5EF4-FFF2-40B4-BE49-F238E27FC236}">
                 <a16:creationId xmlns:a16="http://schemas.microsoft.com/office/drawing/2014/main" id="{F6E9A906-7D3F-4439-9D16-083110CAE7B3}"/>
               </a:ext>
             </a:extLst>
@@ -13351,12 +14570,34 @@
             <p:ph idx="1"/>
           </p:nvPr>
         </p:nvSpPr>
-        <p:spPr/>
+        <p:spPr>
+          <a:xfrm>
+            <a:off x="677334" y="1754189"/>
+            <a:ext cx="8596668" cy="3880773"/>
+          </a:xfrm>
+        </p:spPr>
         <p:txBody>
-          <a:bodyPr/>
+          <a:bodyPr>
+            <a:normAutofit lnSpcReduction="10000"/>
+          </a:bodyPr>
           <a:lstStyle/>
           <a:p>
-            <a:endParaRPr lang="en-US"/>
+            <a:pPr marL="0" indent="0">
+              <a:buNone/>
+            </a:pPr>
+            <a:r>
+              <a:rPr lang="en-US" dirty="0"/>
+              <a:t>Through the experiments in Lab 1 and Lab 2, we used performance measurement tools for computer networks to investigate how factors such as distance, noise interference, and signal-to-noise ratio affect data transmission over WLAN wireless and Bluetooth communications. From our observations in each experiment, we conclude that data throughput relates inversely to distance, inversely to noise interference, and directly to SNR ratio. Among WLAN transmissions, UDP WLAN communications typically exhibited higher average throughput than TCP WLAN communications, but lower reliability in datagram loss. Among Bluetooth transmissions, we notice that generally the throughput hierarchy goes by DH5 &gt; DH3 &gt; DH1. </a:t>
+            </a:r>
+          </a:p>
+          <a:p>
+            <a:pPr marL="0" indent="0">
+              <a:buNone/>
+            </a:pPr>
+            <a:r>
+              <a:rPr lang="en-US" dirty="0"/>
+              <a:t>From Lab 2, when we compare WLAN wireless and Bluetooth transmissions directly, we see the pattern that WLAN transmissions, regardless of UDP or TCP, are orders of magnitude higher than Bluetooth transmission. This fact illustrates that for long range data communication, WLAN wins over Bluetooth.  </a:t>
+            </a:r>
           </a:p>
         </p:txBody>
       </p:sp>
@@ -13373,7 +14614,7 @@
 </p:sld>
 </file>
 
-<file path=ppt/slides/slide14.xml><?xml version="1.0" encoding="utf-8"?>
+<file path=ppt/slides/slide15.xml><?xml version="1.0" encoding="utf-8"?>
 <p:sld xmlns:a="http://schemas.openxmlformats.org/drawingml/2006/main" xmlns:r="http://schemas.openxmlformats.org/officeDocument/2006/relationships" xmlns:p="http://schemas.openxmlformats.org/presentationml/2006/main">
   <p:cSld>
     <p:spTree>
@@ -13413,7 +14654,7 @@
           <a:p>
             <a:r>
               <a:rPr lang="en-US" dirty="0"/>
-              <a:t>REFERENCE</a:t>
+              <a:t>CONCLUSION</a:t>
             </a:r>
           </a:p>
         </p:txBody>
@@ -13434,12 +14675,34 @@
             <p:ph idx="1"/>
           </p:nvPr>
         </p:nvSpPr>
-        <p:spPr/>
+        <p:spPr>
+          <a:xfrm>
+            <a:off x="677334" y="1930400"/>
+            <a:ext cx="8596668" cy="3880773"/>
+          </a:xfrm>
+        </p:spPr>
         <p:txBody>
-          <a:bodyPr/>
+          <a:bodyPr>
+            <a:normAutofit fontScale="92500"/>
+          </a:bodyPr>
           <a:lstStyle/>
           <a:p>
-            <a:endParaRPr lang="en-US"/>
+            <a:pPr marL="0" indent="0">
+              <a:buNone/>
+            </a:pPr>
+            <a:r>
+              <a:rPr lang="en-US" dirty="0"/>
+              <a:t>Two labs demonstrates the pros and cons of WLAN wireless communications and Bluetooth communication. We conclude that performance-wise, WLAN weighs over Bluetooth, however with a larger cost and more unreliability on noise interference. Within WLAN wireless transmissions, UDP protocols have higher throughput than TCP protocols. On the other hand, Bluetooth appears to be a better choice for small range transmissions, because of its lower costs. Within Bluetooth, DH5 packet has the highest throughput, while DH1 has the lowest. When crossing connections occur, fewer slaves connected to the master, higher probability of achieving maximal throughputs. </a:t>
+            </a:r>
+          </a:p>
+          <a:p>
+            <a:pPr marL="0" indent="0">
+              <a:buNone/>
+            </a:pPr>
+            <a:r>
+              <a:rPr lang="en-US" dirty="0"/>
+              <a:t>For future work, we will work on getting a larger dataset and analyze it. From our labs, we could see the anomalies and errors in our data, and those errors have a strong impact on the conclusion we draw, since we do not have enough data. Next time we will improve it, and hopefully our findings could be more consistence with our expectations on IEEE 802.11 WLAN and Bluetooth performance. </a:t>
+            </a:r>
           </a:p>
         </p:txBody>
       </p:sp>
@@ -13517,7 +14780,12 @@
             <p:ph idx="1"/>
           </p:nvPr>
         </p:nvSpPr>
-        <p:spPr/>
+        <p:spPr>
+          <a:xfrm>
+            <a:off x="677334" y="1754189"/>
+            <a:ext cx="8596668" cy="3880773"/>
+          </a:xfrm>
+        </p:spPr>
         <p:txBody>
           <a:bodyPr>
             <a:normAutofit fontScale="92500"/>
@@ -13533,7 +14801,7 @@
             </a:r>
             <a:r>
               <a:rPr lang="en-US" dirty="0" err="1"/>
-              <a:t>WiFi</a:t>
+              <a:t>Wifi</a:t>
             </a:r>
             <a:r>
               <a:rPr lang="en-US" dirty="0"/>
@@ -13634,7 +14902,12 @@
             <p:ph idx="1"/>
           </p:nvPr>
         </p:nvSpPr>
-        <p:spPr/>
+        <p:spPr>
+          <a:xfrm>
+            <a:off x="677334" y="1855789"/>
+            <a:ext cx="8596668" cy="3880773"/>
+          </a:xfrm>
+        </p:spPr>
         <p:txBody>
           <a:bodyPr>
             <a:normAutofit lnSpcReduction="10000"/>
@@ -13725,7 +14998,12 @@
             <p:ph idx="1"/>
           </p:nvPr>
         </p:nvSpPr>
-        <p:spPr/>
+        <p:spPr>
+          <a:xfrm>
+            <a:off x="677334" y="1856509"/>
+            <a:ext cx="8596668" cy="3880773"/>
+          </a:xfrm>
+        </p:spPr>
         <p:txBody>
           <a:bodyPr/>
           <a:lstStyle/>
@@ -13823,7 +15101,12 @@
             <p:ph idx="1"/>
           </p:nvPr>
         </p:nvSpPr>
-        <p:spPr/>
+        <p:spPr>
+          <a:xfrm>
+            <a:off x="677334" y="1930400"/>
+            <a:ext cx="8596668" cy="3880773"/>
+          </a:xfrm>
+        </p:spPr>
         <p:txBody>
           <a:bodyPr/>
           <a:lstStyle/>
